--- a/Documentation/Legacy ALTS vs New ALTS.pptx
+++ b/Documentation/Legacy ALTS vs New ALTS.pptx
@@ -8,6 +8,9 @@
     <p:sldId id="257" r:id="rId2"/>
     <p:sldId id="258" r:id="rId3"/>
     <p:sldId id="259" r:id="rId4"/>
+    <p:sldId id="262" r:id="rId5"/>
+    <p:sldId id="260" r:id="rId6"/>
+    <p:sldId id="261" r:id="rId7"/>
   </p:sldIdLst>
   <p:sldSz cx="9144000" cy="6858000" type="screen4x3"/>
   <p:notesSz cx="6858000" cy="9144000"/>
@@ -290,7 +293,7 @@
           <a:p>
             <a:fld id="{E990F926-FFDE-4051-869B-E2E0FCD05DBF}" type="datetimeFigureOut">
               <a:rPr lang="en-IN" smtClean="0"/>
-              <a:t>29-01-2015</a:t>
+              <a:t>03-02-2015</a:t>
             </a:fld>
             <a:endParaRPr lang="en-IN"/>
           </a:p>
@@ -460,7 +463,7 @@
           <a:p>
             <a:fld id="{E990F926-FFDE-4051-869B-E2E0FCD05DBF}" type="datetimeFigureOut">
               <a:rPr lang="en-IN" smtClean="0"/>
-              <a:t>29-01-2015</a:t>
+              <a:t>03-02-2015</a:t>
             </a:fld>
             <a:endParaRPr lang="en-IN"/>
           </a:p>
@@ -640,7 +643,7 @@
           <a:p>
             <a:fld id="{E990F926-FFDE-4051-869B-E2E0FCD05DBF}" type="datetimeFigureOut">
               <a:rPr lang="en-IN" smtClean="0"/>
-              <a:t>29-01-2015</a:t>
+              <a:t>03-02-2015</a:t>
             </a:fld>
             <a:endParaRPr lang="en-IN"/>
           </a:p>
@@ -810,7 +813,7 @@
           <a:p>
             <a:fld id="{E990F926-FFDE-4051-869B-E2E0FCD05DBF}" type="datetimeFigureOut">
               <a:rPr lang="en-IN" smtClean="0"/>
-              <a:t>29-01-2015</a:t>
+              <a:t>03-02-2015</a:t>
             </a:fld>
             <a:endParaRPr lang="en-IN"/>
           </a:p>
@@ -1056,7 +1059,7 @@
           <a:p>
             <a:fld id="{E990F926-FFDE-4051-869B-E2E0FCD05DBF}" type="datetimeFigureOut">
               <a:rPr lang="en-IN" smtClean="0"/>
-              <a:t>29-01-2015</a:t>
+              <a:t>03-02-2015</a:t>
             </a:fld>
             <a:endParaRPr lang="en-IN"/>
           </a:p>
@@ -1344,7 +1347,7 @@
           <a:p>
             <a:fld id="{E990F926-FFDE-4051-869B-E2E0FCD05DBF}" type="datetimeFigureOut">
               <a:rPr lang="en-IN" smtClean="0"/>
-              <a:t>29-01-2015</a:t>
+              <a:t>03-02-2015</a:t>
             </a:fld>
             <a:endParaRPr lang="en-IN"/>
           </a:p>
@@ -1766,7 +1769,7 @@
           <a:p>
             <a:fld id="{E990F926-FFDE-4051-869B-E2E0FCD05DBF}" type="datetimeFigureOut">
               <a:rPr lang="en-IN" smtClean="0"/>
-              <a:t>29-01-2015</a:t>
+              <a:t>03-02-2015</a:t>
             </a:fld>
             <a:endParaRPr lang="en-IN"/>
           </a:p>
@@ -1884,7 +1887,7 @@
           <a:p>
             <a:fld id="{E990F926-FFDE-4051-869B-E2E0FCD05DBF}" type="datetimeFigureOut">
               <a:rPr lang="en-IN" smtClean="0"/>
-              <a:t>29-01-2015</a:t>
+              <a:t>03-02-2015</a:t>
             </a:fld>
             <a:endParaRPr lang="en-IN"/>
           </a:p>
@@ -1979,7 +1982,7 @@
           <a:p>
             <a:fld id="{E990F926-FFDE-4051-869B-E2E0FCD05DBF}" type="datetimeFigureOut">
               <a:rPr lang="en-IN" smtClean="0"/>
-              <a:t>29-01-2015</a:t>
+              <a:t>03-02-2015</a:t>
             </a:fld>
             <a:endParaRPr lang="en-IN"/>
           </a:p>
@@ -2256,7 +2259,7 @@
           <a:p>
             <a:fld id="{E990F926-FFDE-4051-869B-E2E0FCD05DBF}" type="datetimeFigureOut">
               <a:rPr lang="en-IN" smtClean="0"/>
-              <a:t>29-01-2015</a:t>
+              <a:t>03-02-2015</a:t>
             </a:fld>
             <a:endParaRPr lang="en-IN"/>
           </a:p>
@@ -2509,7 +2512,7 @@
           <a:p>
             <a:fld id="{E990F926-FFDE-4051-869B-E2E0FCD05DBF}" type="datetimeFigureOut">
               <a:rPr lang="en-IN" smtClean="0"/>
-              <a:t>29-01-2015</a:t>
+              <a:t>03-02-2015</a:t>
             </a:fld>
             <a:endParaRPr lang="en-IN"/>
           </a:p>
@@ -2722,7 +2725,7 @@
           <a:p>
             <a:fld id="{E990F926-FFDE-4051-869B-E2E0FCD05DBF}" type="datetimeFigureOut">
               <a:rPr lang="en-IN" smtClean="0"/>
-              <a:t>29-01-2015</a:t>
+              <a:t>03-02-2015</a:t>
             </a:fld>
             <a:endParaRPr lang="en-IN"/>
           </a:p>
@@ -3990,11 +3993,7 @@
           <a:p>
             <a:r>
               <a:rPr lang="en-GB" dirty="0" smtClean="0"/>
-              <a:t>START </a:t>
-            </a:r>
-            <a:r>
-              <a:rPr lang="en-GB" dirty="0" smtClean="0"/>
-              <a:t>(Manual)</a:t>
+              <a:t>START (Manual)</a:t>
             </a:r>
             <a:endParaRPr lang="en-IN" dirty="0" smtClean="0"/>
           </a:p>
@@ -5720,8 +5719,8 @@
         </p:nvSpPr>
         <p:spPr>
           <a:xfrm>
-            <a:off x="-5758076" y="1162694"/>
-            <a:ext cx="3483646" cy="1477328"/>
+            <a:off x="-5758076" y="188377"/>
+            <a:ext cx="3483646" cy="2308324"/>
           </a:xfrm>
           <a:prstGeom prst="rect">
             <a:avLst/>
@@ -5772,8 +5771,30 @@
               </a:rPr>
             </a:br>
             <a:r>
-              <a:rPr lang="en-IN" dirty="0" smtClean="0"/>
+              <a:rPr lang="en-IN" strike="sngStrike" dirty="0" smtClean="0">
+                <a:solidFill>
+                  <a:srgbClr val="FF0000"/>
+                </a:solidFill>
+              </a:rPr>
               <a:t>4.Reurn Count()</a:t>
+            </a:r>
+          </a:p>
+          <a:p>
+            <a:r>
+              <a:rPr lang="en-GB" dirty="0" smtClean="0"/>
+              <a:t>5.Start Test()</a:t>
+            </a:r>
+          </a:p>
+          <a:p>
+            <a:r>
+              <a:rPr lang="en-GB" dirty="0" smtClean="0"/>
+              <a:t>6.Stop Test()</a:t>
+            </a:r>
+          </a:p>
+          <a:p>
+            <a:r>
+              <a:rPr lang="en-GB" dirty="0" smtClean="0"/>
+              <a:t>7.Scan Trigger()</a:t>
             </a:r>
             <a:endParaRPr lang="en-IN" dirty="0"/>
           </a:p>
@@ -5788,7 +5809,7 @@
         <p:spPr>
           <a:xfrm>
             <a:off x="-5729626" y="3624425"/>
-            <a:ext cx="4558043" cy="2862322"/>
+            <a:ext cx="4558043" cy="3139321"/>
           </a:xfrm>
           <a:prstGeom prst="rect">
             <a:avLst/>
@@ -5901,7 +5922,20 @@
             </a:pPr>
             <a:r>
               <a:rPr lang="en-GB" dirty="0" smtClean="0"/>
-              <a:t>Rerun()</a:t>
+              <a:t>Rerun</a:t>
+            </a:r>
+            <a:r>
+              <a:rPr lang="en-GB" dirty="0" smtClean="0"/>
+              <a:t>()</a:t>
+            </a:r>
+          </a:p>
+          <a:p>
+            <a:pPr marL="342900" indent="-342900">
+              <a:buAutoNum type="arabicPeriod"/>
+            </a:pPr>
+            <a:r>
+              <a:rPr lang="en-GB" dirty="0" smtClean="0"/>
+              <a:t>Invalid Serial</a:t>
             </a:r>
             <a:endParaRPr lang="en-IN" dirty="0" smtClean="0"/>
           </a:p>
@@ -6616,6 +6650,372 @@
       </p:par>
     </p:tnLst>
   </p:timing>
+</p:sld>
+</file>
+
+<file path=ppt/slides/slide4.xml><?xml version="1.0" encoding="utf-8"?>
+<p:sld xmlns:a="http://schemas.openxmlformats.org/drawingml/2006/main" xmlns:r="http://schemas.openxmlformats.org/officeDocument/2006/relationships" xmlns:p="http://schemas.openxmlformats.org/presentationml/2006/main">
+  <p:cSld>
+    <p:spTree>
+      <p:nvGrpSpPr>
+        <p:cNvPr id="1" name=""/>
+        <p:cNvGrpSpPr/>
+        <p:nvPr/>
+      </p:nvGrpSpPr>
+      <p:grpSpPr>
+        <a:xfrm>
+          <a:off x="0" y="0"/>
+          <a:ext cx="0" cy="0"/>
+          <a:chOff x="0" y="0"/>
+          <a:chExt cx="0" cy="0"/>
+        </a:xfrm>
+      </p:grpSpPr>
+      <p:sp>
+        <p:nvSpPr>
+          <p:cNvPr id="2" name="Title 1"/>
+          <p:cNvSpPr>
+            <a:spLocks noGrp="1"/>
+          </p:cNvSpPr>
+          <p:nvPr>
+            <p:ph type="title"/>
+          </p:nvPr>
+        </p:nvSpPr>
+        <p:spPr/>
+        <p:txBody>
+          <a:bodyPr/>
+          <a:lstStyle/>
+          <a:p>
+            <a:r>
+              <a:rPr lang="en-GB" dirty="0" smtClean="0"/>
+              <a:t>System Setup</a:t>
+            </a:r>
+            <a:endParaRPr lang="en-IN" dirty="0"/>
+          </a:p>
+        </p:txBody>
+      </p:sp>
+      <p:sp>
+        <p:nvSpPr>
+          <p:cNvPr id="3" name="Content Placeholder 2"/>
+          <p:cNvSpPr>
+            <a:spLocks noGrp="1"/>
+          </p:cNvSpPr>
+          <p:nvPr>
+            <p:ph idx="1"/>
+          </p:nvPr>
+        </p:nvSpPr>
+        <p:spPr/>
+        <p:txBody>
+          <a:bodyPr/>
+          <a:lstStyle/>
+          <a:p>
+            <a:r>
+              <a:rPr lang="en-GB" dirty="0" smtClean="0"/>
+              <a:t>2 scanners for Auto mode &amp; 1 scanner for manual mode</a:t>
+            </a:r>
+          </a:p>
+          <a:p>
+            <a:r>
+              <a:rPr lang="en-GB" dirty="0" smtClean="0"/>
+              <a:t>-add to logic</a:t>
+            </a:r>
+          </a:p>
+          <a:p>
+            <a:r>
+              <a:rPr lang="en-GB" dirty="0" smtClean="0"/>
+              <a:t>Log results for all retest</a:t>
+            </a:r>
+          </a:p>
+          <a:p>
+            <a:endParaRPr lang="en-IN" dirty="0"/>
+          </a:p>
+        </p:txBody>
+      </p:sp>
+    </p:spTree>
+    <p:extLst>
+      <p:ext uri="{BB962C8B-B14F-4D97-AF65-F5344CB8AC3E}">
+        <p14:creationId xmlns:p14="http://schemas.microsoft.com/office/powerpoint/2010/main" val="3652892771"/>
+      </p:ext>
+    </p:extLst>
+  </p:cSld>
+  <p:clrMapOvr>
+    <a:masterClrMapping/>
+  </p:clrMapOvr>
+</p:sld>
+</file>
+
+<file path=ppt/slides/slide5.xml><?xml version="1.0" encoding="utf-8"?>
+<p:sld xmlns:a="http://schemas.openxmlformats.org/drawingml/2006/main" xmlns:r="http://schemas.openxmlformats.org/officeDocument/2006/relationships" xmlns:p="http://schemas.openxmlformats.org/presentationml/2006/main">
+  <p:cSld>
+    <p:spTree>
+      <p:nvGrpSpPr>
+        <p:cNvPr id="1" name=""/>
+        <p:cNvGrpSpPr/>
+        <p:nvPr/>
+      </p:nvGrpSpPr>
+      <p:grpSpPr>
+        <a:xfrm>
+          <a:off x="0" y="0"/>
+          <a:ext cx="0" cy="0"/>
+          <a:chOff x="0" y="0"/>
+          <a:chExt cx="0" cy="0"/>
+        </a:xfrm>
+      </p:grpSpPr>
+      <p:sp>
+        <p:nvSpPr>
+          <p:cNvPr id="2" name="Title 1"/>
+          <p:cNvSpPr>
+            <a:spLocks noGrp="1"/>
+          </p:cNvSpPr>
+          <p:nvPr>
+            <p:ph type="title"/>
+          </p:nvPr>
+        </p:nvSpPr>
+        <p:spPr/>
+        <p:txBody>
+          <a:bodyPr>
+            <a:normAutofit/>
+          </a:bodyPr>
+          <a:lstStyle/>
+          <a:p>
+            <a:r>
+              <a:rPr lang="en-GB" dirty="0"/>
+              <a:t>More </a:t>
+            </a:r>
+            <a:r>
+              <a:rPr lang="en-GB" dirty="0" smtClean="0"/>
+              <a:t>Questions</a:t>
+            </a:r>
+            <a:endParaRPr lang="en-IN" dirty="0"/>
+          </a:p>
+        </p:txBody>
+      </p:sp>
+      <p:sp>
+        <p:nvSpPr>
+          <p:cNvPr id="3" name="Content Placeholder 2"/>
+          <p:cNvSpPr>
+            <a:spLocks noGrp="1"/>
+          </p:cNvSpPr>
+          <p:nvPr>
+            <p:ph idx="1"/>
+          </p:nvPr>
+        </p:nvSpPr>
+        <p:spPr/>
+        <p:txBody>
+          <a:bodyPr>
+            <a:normAutofit fontScale="77500" lnSpcReduction="20000"/>
+          </a:bodyPr>
+          <a:lstStyle/>
+          <a:p>
+            <a:pPr marL="514350" indent="-514350">
+              <a:buFont typeface="+mj-lt"/>
+              <a:buAutoNum type="arabicPeriod"/>
+            </a:pPr>
+            <a:r>
+              <a:rPr lang="en-IN" dirty="0" smtClean="0"/>
+              <a:t>We </a:t>
+            </a:r>
+            <a:r>
+              <a:rPr lang="en-IN" dirty="0"/>
+              <a:t>want PLC tags from Eaton</a:t>
+            </a:r>
+          </a:p>
+          <a:p>
+            <a:pPr marL="514350" indent="-514350">
+              <a:buFont typeface="+mj-lt"/>
+              <a:buAutoNum type="arabicPeriod"/>
+            </a:pPr>
+            <a:r>
+              <a:rPr lang="en-IN" dirty="0" smtClean="0"/>
+              <a:t>Start </a:t>
+            </a:r>
+            <a:r>
+              <a:rPr lang="en-IN" dirty="0"/>
+              <a:t>signal from ALTS (manual).  How PLC will give us in manual mode?</a:t>
+            </a:r>
+          </a:p>
+          <a:p>
+            <a:pPr marL="514350" indent="-514350">
+              <a:buFont typeface="+mj-lt"/>
+              <a:buAutoNum type="arabicPeriod"/>
+            </a:pPr>
+            <a:r>
+              <a:rPr lang="en-IN" dirty="0" smtClean="0"/>
+              <a:t>What </a:t>
+            </a:r>
+            <a:r>
+              <a:rPr lang="en-IN" dirty="0"/>
+              <a:t>are the emergency stop signals?  How the STOP signal in the existing system is handled</a:t>
+            </a:r>
+            <a:r>
+              <a:rPr lang="en-IN" dirty="0" smtClean="0"/>
+              <a:t>?</a:t>
+            </a:r>
+          </a:p>
+          <a:p>
+            <a:pPr marL="514350" indent="-514350">
+              <a:buFont typeface="+mj-lt"/>
+              <a:buAutoNum type="arabicPeriod"/>
+            </a:pPr>
+            <a:r>
+              <a:rPr lang="en-GB" dirty="0" smtClean="0"/>
+              <a:t>Retest count is INI configured to 1 retest?  It can also be hard coded.  Should we still seek from PLC for count?</a:t>
+            </a:r>
+          </a:p>
+          <a:p>
+            <a:pPr marL="514350" indent="-514350">
+              <a:buFont typeface="+mj-lt"/>
+              <a:buAutoNum type="arabicPeriod"/>
+            </a:pPr>
+            <a:r>
+              <a:rPr lang="en-GB" dirty="0" smtClean="0"/>
+              <a:t>If we can reduce the user count to 1, there are 4 user entries in DB write.  What can we write for User 2, 3 &amp; 4</a:t>
+            </a:r>
+          </a:p>
+          <a:p>
+            <a:pPr marL="514350" indent="-514350">
+              <a:buFont typeface="+mj-lt"/>
+              <a:buAutoNum type="arabicPeriod"/>
+            </a:pPr>
+            <a:r>
+              <a:rPr lang="en-GB" dirty="0" err="1" smtClean="0"/>
+              <a:t>LeakTek</a:t>
+            </a:r>
+            <a:r>
+              <a:rPr lang="en-GB" dirty="0" smtClean="0"/>
+              <a:t> DB configuration</a:t>
+            </a:r>
+          </a:p>
+          <a:p>
+            <a:pPr marL="514350" indent="-514350">
+              <a:buFont typeface="+mj-lt"/>
+              <a:buAutoNum type="arabicPeriod"/>
+            </a:pPr>
+            <a:r>
+              <a:rPr lang="en-GB" dirty="0" smtClean="0"/>
+              <a:t>Part ready at scanner.  Will it be provided from PLC?</a:t>
+            </a:r>
+            <a:endParaRPr lang="en-GB" dirty="0"/>
+          </a:p>
+        </p:txBody>
+      </p:sp>
+    </p:spTree>
+    <p:extLst>
+      <p:ext uri="{BB962C8B-B14F-4D97-AF65-F5344CB8AC3E}">
+        <p14:creationId xmlns:p14="http://schemas.microsoft.com/office/powerpoint/2010/main" val="2884218104"/>
+      </p:ext>
+    </p:extLst>
+  </p:cSld>
+  <p:clrMapOvr>
+    <a:masterClrMapping/>
+  </p:clrMapOvr>
+</p:sld>
+</file>
+
+<file path=ppt/slides/slide6.xml><?xml version="1.0" encoding="utf-8"?>
+<p:sld xmlns:a="http://schemas.openxmlformats.org/drawingml/2006/main" xmlns:r="http://schemas.openxmlformats.org/officeDocument/2006/relationships" xmlns:p="http://schemas.openxmlformats.org/presentationml/2006/main">
+  <p:cSld>
+    <p:spTree>
+      <p:nvGrpSpPr>
+        <p:cNvPr id="1" name=""/>
+        <p:cNvGrpSpPr/>
+        <p:nvPr/>
+      </p:nvGrpSpPr>
+      <p:grpSpPr>
+        <a:xfrm>
+          <a:off x="0" y="0"/>
+          <a:ext cx="0" cy="0"/>
+          <a:chOff x="0" y="0"/>
+          <a:chExt cx="0" cy="0"/>
+        </a:xfrm>
+      </p:grpSpPr>
+      <p:sp>
+        <p:nvSpPr>
+          <p:cNvPr id="2" name="Title 1"/>
+          <p:cNvSpPr>
+            <a:spLocks noGrp="1"/>
+          </p:cNvSpPr>
+          <p:nvPr>
+            <p:ph type="title"/>
+          </p:nvPr>
+        </p:nvSpPr>
+        <p:spPr/>
+        <p:txBody>
+          <a:bodyPr/>
+          <a:lstStyle/>
+          <a:p>
+            <a:r>
+              <a:rPr lang="en-GB" dirty="0" smtClean="0"/>
+              <a:t>Clarifications</a:t>
+            </a:r>
+            <a:endParaRPr lang="en-IN" dirty="0"/>
+          </a:p>
+        </p:txBody>
+      </p:sp>
+      <p:sp>
+        <p:nvSpPr>
+          <p:cNvPr id="3" name="Content Placeholder 2"/>
+          <p:cNvSpPr>
+            <a:spLocks noGrp="1"/>
+          </p:cNvSpPr>
+          <p:nvPr>
+            <p:ph idx="1"/>
+          </p:nvPr>
+        </p:nvSpPr>
+        <p:spPr/>
+        <p:txBody>
+          <a:bodyPr>
+            <a:normAutofit lnSpcReduction="10000"/>
+          </a:bodyPr>
+          <a:lstStyle/>
+          <a:p>
+            <a:r>
+              <a:rPr lang="en-IN" dirty="0"/>
+              <a:t>In existing ALTS, work order number is part of the result written to the SQL Server database.   You mentioned that we won’t have work order numbers for the new system. What do we write to the database in lieu of work order number?</a:t>
+            </a:r>
+            <a:r>
+              <a:rPr lang="en-IN" dirty="0">
+                <a:solidFill>
+                  <a:srgbClr val="FF0000"/>
+                </a:solidFill>
+              </a:rPr>
+              <a:t> Do you have to write anything at all? Maybe we should call to have a conversation on </a:t>
+            </a:r>
+            <a:r>
+              <a:rPr lang="en-IN" dirty="0" smtClean="0">
+                <a:solidFill>
+                  <a:srgbClr val="FF0000"/>
+                </a:solidFill>
+              </a:rPr>
+              <a:t>this</a:t>
+            </a:r>
+          </a:p>
+          <a:p>
+            <a:r>
+              <a:rPr lang="en-GB" dirty="0" smtClean="0">
+                <a:solidFill>
+                  <a:srgbClr val="FF0000"/>
+                </a:solidFill>
+              </a:rPr>
+              <a:t>-use constant for now from.</a:t>
+            </a:r>
+            <a:endParaRPr lang="en-GB" dirty="0">
+              <a:solidFill>
+                <a:srgbClr val="FF0000"/>
+              </a:solidFill>
+            </a:endParaRPr>
+          </a:p>
+        </p:txBody>
+      </p:sp>
+    </p:spTree>
+    <p:extLst>
+      <p:ext uri="{BB962C8B-B14F-4D97-AF65-F5344CB8AC3E}">
+        <p14:creationId xmlns:p14="http://schemas.microsoft.com/office/powerpoint/2010/main" val="3915483266"/>
+      </p:ext>
+    </p:extLst>
+  </p:cSld>
+  <p:clrMapOvr>
+    <a:masterClrMapping/>
+  </p:clrMapOvr>
 </p:sld>
 </file>
 

--- a/Documentation/Legacy ALTS vs New ALTS.pptx
+++ b/Documentation/Legacy ALTS vs New ALTS.pptx
@@ -8,9 +8,10 @@
     <p:sldId id="257" r:id="rId2"/>
     <p:sldId id="258" r:id="rId3"/>
     <p:sldId id="259" r:id="rId4"/>
-    <p:sldId id="262" r:id="rId5"/>
-    <p:sldId id="260" r:id="rId6"/>
-    <p:sldId id="261" r:id="rId7"/>
+    <p:sldId id="263" r:id="rId5"/>
+    <p:sldId id="262" r:id="rId6"/>
+    <p:sldId id="260" r:id="rId7"/>
+    <p:sldId id="261" r:id="rId8"/>
   </p:sldIdLst>
   <p:sldSz cx="9144000" cy="6858000" type="screen4x3"/>
   <p:notesSz cx="6858000" cy="9144000"/>
@@ -293,7 +294,7 @@
           <a:p>
             <a:fld id="{E990F926-FFDE-4051-869B-E2E0FCD05DBF}" type="datetimeFigureOut">
               <a:rPr lang="en-IN" smtClean="0"/>
-              <a:t>03-02-2015</a:t>
+              <a:t>06-02-2015</a:t>
             </a:fld>
             <a:endParaRPr lang="en-IN"/>
           </a:p>
@@ -463,7 +464,7 @@
           <a:p>
             <a:fld id="{E990F926-FFDE-4051-869B-E2E0FCD05DBF}" type="datetimeFigureOut">
               <a:rPr lang="en-IN" smtClean="0"/>
-              <a:t>03-02-2015</a:t>
+              <a:t>06-02-2015</a:t>
             </a:fld>
             <a:endParaRPr lang="en-IN"/>
           </a:p>
@@ -643,7 +644,7 @@
           <a:p>
             <a:fld id="{E990F926-FFDE-4051-869B-E2E0FCD05DBF}" type="datetimeFigureOut">
               <a:rPr lang="en-IN" smtClean="0"/>
-              <a:t>03-02-2015</a:t>
+              <a:t>06-02-2015</a:t>
             </a:fld>
             <a:endParaRPr lang="en-IN"/>
           </a:p>
@@ -813,7 +814,7 @@
           <a:p>
             <a:fld id="{E990F926-FFDE-4051-869B-E2E0FCD05DBF}" type="datetimeFigureOut">
               <a:rPr lang="en-IN" smtClean="0"/>
-              <a:t>03-02-2015</a:t>
+              <a:t>06-02-2015</a:t>
             </a:fld>
             <a:endParaRPr lang="en-IN"/>
           </a:p>
@@ -1059,7 +1060,7 @@
           <a:p>
             <a:fld id="{E990F926-FFDE-4051-869B-E2E0FCD05DBF}" type="datetimeFigureOut">
               <a:rPr lang="en-IN" smtClean="0"/>
-              <a:t>03-02-2015</a:t>
+              <a:t>06-02-2015</a:t>
             </a:fld>
             <a:endParaRPr lang="en-IN"/>
           </a:p>
@@ -1347,7 +1348,7 @@
           <a:p>
             <a:fld id="{E990F926-FFDE-4051-869B-E2E0FCD05DBF}" type="datetimeFigureOut">
               <a:rPr lang="en-IN" smtClean="0"/>
-              <a:t>03-02-2015</a:t>
+              <a:t>06-02-2015</a:t>
             </a:fld>
             <a:endParaRPr lang="en-IN"/>
           </a:p>
@@ -1769,7 +1770,7 @@
           <a:p>
             <a:fld id="{E990F926-FFDE-4051-869B-E2E0FCD05DBF}" type="datetimeFigureOut">
               <a:rPr lang="en-IN" smtClean="0"/>
-              <a:t>03-02-2015</a:t>
+              <a:t>06-02-2015</a:t>
             </a:fld>
             <a:endParaRPr lang="en-IN"/>
           </a:p>
@@ -1887,7 +1888,7 @@
           <a:p>
             <a:fld id="{E990F926-FFDE-4051-869B-E2E0FCD05DBF}" type="datetimeFigureOut">
               <a:rPr lang="en-IN" smtClean="0"/>
-              <a:t>03-02-2015</a:t>
+              <a:t>06-02-2015</a:t>
             </a:fld>
             <a:endParaRPr lang="en-IN"/>
           </a:p>
@@ -1982,7 +1983,7 @@
           <a:p>
             <a:fld id="{E990F926-FFDE-4051-869B-E2E0FCD05DBF}" type="datetimeFigureOut">
               <a:rPr lang="en-IN" smtClean="0"/>
-              <a:t>03-02-2015</a:t>
+              <a:t>06-02-2015</a:t>
             </a:fld>
             <a:endParaRPr lang="en-IN"/>
           </a:p>
@@ -2259,7 +2260,7 @@
           <a:p>
             <a:fld id="{E990F926-FFDE-4051-869B-E2E0FCD05DBF}" type="datetimeFigureOut">
               <a:rPr lang="en-IN" smtClean="0"/>
-              <a:t>03-02-2015</a:t>
+              <a:t>06-02-2015</a:t>
             </a:fld>
             <a:endParaRPr lang="en-IN"/>
           </a:p>
@@ -2512,7 +2513,7 @@
           <a:p>
             <a:fld id="{E990F926-FFDE-4051-869B-E2E0FCD05DBF}" type="datetimeFigureOut">
               <a:rPr lang="en-IN" smtClean="0"/>
-              <a:t>03-02-2015</a:t>
+              <a:t>06-02-2015</a:t>
             </a:fld>
             <a:endParaRPr lang="en-IN"/>
           </a:p>
@@ -2725,7 +2726,7 @@
           <a:p>
             <a:fld id="{E990F926-FFDE-4051-869B-E2E0FCD05DBF}" type="datetimeFigureOut">
               <a:rPr lang="en-IN" smtClean="0"/>
-              <a:t>03-02-2015</a:t>
+              <a:t>06-02-2015</a:t>
             </a:fld>
             <a:endParaRPr lang="en-IN"/>
           </a:p>
@@ -5719,8 +5720,8 @@
         </p:nvSpPr>
         <p:spPr>
           <a:xfrm>
-            <a:off x="-5758076" y="188377"/>
-            <a:ext cx="3483646" cy="2308324"/>
+            <a:off x="-5738654" y="590580"/>
+            <a:ext cx="2535246" cy="2031325"/>
           </a:xfrm>
           <a:prstGeom prst="rect">
             <a:avLst/>
@@ -5739,62 +5740,67 @@
             </a:r>
           </a:p>
           <a:p>
-            <a:r>
-              <a:rPr lang="en-IN" dirty="0" smtClean="0"/>
-              <a:t>1.Robot Available (Yes/No) </a:t>
-            </a:r>
-          </a:p>
-          <a:p>
-            <a:r>
-              <a:rPr lang="en-IN" strike="sngStrike" dirty="0" smtClean="0">
-                <a:solidFill>
-                  <a:srgbClr val="FF0000"/>
-                </a:solidFill>
-              </a:rPr>
-              <a:t>2.Recent Part Loaded Station # ( ) </a:t>
-            </a:r>
-          </a:p>
-          <a:p>
-            <a:r>
-              <a:rPr lang="en-IN" strike="sngStrike" dirty="0" smtClean="0">
-                <a:solidFill>
-                  <a:srgbClr val="FF0000"/>
-                </a:solidFill>
-              </a:rPr>
-              <a:t>3.Recent Part Unloaded Station #( )</a:t>
-            </a:r>
-            <a:br>
-              <a:rPr lang="en-IN" strike="sngStrike" dirty="0" smtClean="0">
-                <a:solidFill>
-                  <a:srgbClr val="FF0000"/>
-                </a:solidFill>
-              </a:rPr>
-            </a:br>
-            <a:r>
-              <a:rPr lang="en-IN" strike="sngStrike" dirty="0" smtClean="0">
-                <a:solidFill>
-                  <a:srgbClr val="FF0000"/>
-                </a:solidFill>
-              </a:rPr>
-              <a:t>4.Reurn Count()</a:t>
-            </a:r>
-          </a:p>
-          <a:p>
+            <a:pPr marL="342900" indent="-342900">
+              <a:buFont typeface="+mj-lt"/>
+              <a:buAutoNum type="arabicPeriod"/>
+            </a:pPr>
+            <a:r>
+              <a:rPr lang="en-IN" dirty="0" err="1" smtClean="0"/>
+              <a:t>Robot_Available</a:t>
+            </a:r>
+            <a:endParaRPr lang="en-IN" dirty="0"/>
+          </a:p>
+          <a:p>
+            <a:pPr marL="342900" indent="-342900">
+              <a:buFont typeface="+mj-lt"/>
+              <a:buAutoNum type="arabicPeriod"/>
+            </a:pPr>
+            <a:r>
+              <a:rPr lang="en-IN" dirty="0" err="1" smtClean="0"/>
+              <a:t>Start_Test</a:t>
+            </a:r>
+            <a:endParaRPr lang="en-IN" dirty="0"/>
+          </a:p>
+          <a:p>
+            <a:pPr marL="342900" indent="-342900">
+              <a:buFont typeface="+mj-lt"/>
+              <a:buAutoNum type="arabicPeriod"/>
+            </a:pPr>
+            <a:r>
+              <a:rPr lang="en-IN" dirty="0" err="1" smtClean="0"/>
+              <a:t>Stop_Test</a:t>
+            </a:r>
+            <a:endParaRPr lang="en-IN" dirty="0"/>
+          </a:p>
+          <a:p>
+            <a:pPr marL="342900" indent="-342900">
+              <a:buFont typeface="+mj-lt"/>
+              <a:buAutoNum type="arabicPeriod"/>
+            </a:pPr>
+            <a:r>
+              <a:rPr lang="en-IN" dirty="0" err="1" smtClean="0"/>
+              <a:t>Scan_Trigger</a:t>
+            </a:r>
+            <a:endParaRPr lang="en-IN" dirty="0" smtClean="0"/>
+          </a:p>
+          <a:p>
+            <a:pPr marL="342900" indent="-342900">
+              <a:buFont typeface="+mj-lt"/>
+              <a:buAutoNum type="arabicPeriod"/>
+            </a:pPr>
             <a:r>
               <a:rPr lang="en-GB" dirty="0" smtClean="0"/>
-              <a:t>5.Start Test()</a:t>
-            </a:r>
-          </a:p>
-          <a:p>
+              <a:t>Station # to Start Test</a:t>
+            </a:r>
+          </a:p>
+          <a:p>
+            <a:pPr marL="342900" indent="-342900">
+              <a:buFont typeface="+mj-lt"/>
+              <a:buAutoNum type="arabicPeriod"/>
+            </a:pPr>
             <a:r>
               <a:rPr lang="en-GB" dirty="0" smtClean="0"/>
-              <a:t>6.Stop Test()</a:t>
-            </a:r>
-          </a:p>
-          <a:p>
-            <a:r>
-              <a:rPr lang="en-GB" dirty="0" smtClean="0"/>
-              <a:t>7.Scan Trigger()</a:t>
+              <a:t>Read  Tag Ack.</a:t>
             </a:r>
             <a:endParaRPr lang="en-IN" dirty="0"/>
           </a:p>
@@ -5809,7 +5815,7 @@
         <p:spPr>
           <a:xfrm>
             <a:off x="-5729626" y="3624425"/>
-            <a:ext cx="4558043" cy="3139321"/>
+            <a:ext cx="2981394" cy="3139321"/>
           </a:xfrm>
           <a:prstGeom prst="rect">
             <a:avLst/>
@@ -5829,115 +5835,112 @@
           </a:p>
           <a:p>
             <a:pPr marL="342900" indent="-342900">
+              <a:buFont typeface="+mj-lt"/>
               <a:buAutoNum type="arabicPeriod"/>
             </a:pPr>
             <a:r>
-              <a:rPr lang="en-IN" dirty="0" smtClean="0"/>
-              <a:t>Task Available for Robot(Yes/No) </a:t>
-            </a:r>
+              <a:rPr lang="en-IN" dirty="0" err="1"/>
+              <a:t>Task_Available_for_Robot</a:t>
+            </a:r>
+            <a:endParaRPr lang="en-IN" dirty="0"/>
           </a:p>
           <a:p>
             <a:pPr marL="342900" indent="-342900">
+              <a:buFont typeface="+mj-lt"/>
               <a:buAutoNum type="arabicPeriod"/>
             </a:pPr>
             <a:r>
-              <a:rPr lang="en-IN" dirty="0" smtClean="0"/>
-              <a:t>New Part (Yes/ No) </a:t>
-            </a:r>
+              <a:rPr lang="en-IN" dirty="0" err="1"/>
+              <a:t>New_Serial</a:t>
+            </a:r>
+            <a:endParaRPr lang="en-IN" dirty="0"/>
           </a:p>
           <a:p>
             <a:pPr marL="342900" indent="-342900">
+              <a:buFont typeface="+mj-lt"/>
               <a:buAutoNum type="arabicPeriod"/>
             </a:pPr>
             <a:r>
-              <a:rPr lang="en-IN" dirty="0" err="1" smtClean="0"/>
-              <a:t>Part_Adapter</a:t>
-            </a:r>
-            <a:r>
-              <a:rPr lang="en-IN" dirty="0" smtClean="0"/>
-              <a:t> Plate Size </a:t>
-            </a:r>
+              <a:rPr lang="en-IN" dirty="0" err="1"/>
+              <a:t>Serial_Adapter_Plate_Size</a:t>
+            </a:r>
+            <a:endParaRPr lang="en-IN" dirty="0"/>
           </a:p>
           <a:p>
             <a:pPr marL="342900" indent="-342900">
+              <a:buFont typeface="+mj-lt"/>
               <a:buAutoNum type="arabicPeriod"/>
             </a:pPr>
             <a:r>
-              <a:rPr lang="en-IN" dirty="0" err="1" smtClean="0"/>
-              <a:t>Part_Displacement</a:t>
-            </a:r>
-            <a:r>
-              <a:rPr lang="en-IN" dirty="0" smtClean="0"/>
-              <a:t> Size</a:t>
-            </a:r>
+              <a:rPr lang="en-IN" dirty="0" err="1"/>
+              <a:t>Serial_Displacement_Size</a:t>
+            </a:r>
+            <a:endParaRPr lang="en-IN" dirty="0"/>
           </a:p>
           <a:p>
             <a:pPr marL="342900" indent="-342900">
+              <a:buFont typeface="+mj-lt"/>
               <a:buAutoNum type="arabicPeriod"/>
             </a:pPr>
             <a:r>
-              <a:rPr lang="en-IN" strike="sngStrike" dirty="0" smtClean="0">
-                <a:solidFill>
-                  <a:srgbClr val="FF0000"/>
-                </a:solidFill>
-              </a:rPr>
-              <a:t>Test Type</a:t>
-            </a:r>
-            <a:r>
-              <a:rPr lang="en-IN" strike="sngStrike" dirty="0" smtClean="0"/>
-              <a:t> </a:t>
-            </a:r>
+              <a:rPr lang="en-IN" dirty="0" err="1"/>
+              <a:t>Serial_Flange_Size</a:t>
+            </a:r>
+            <a:endParaRPr lang="en-IN" dirty="0"/>
           </a:p>
           <a:p>
             <a:pPr marL="342900" indent="-342900">
+              <a:buFont typeface="+mj-lt"/>
               <a:buAutoNum type="arabicPeriod"/>
             </a:pPr>
             <a:r>
-              <a:rPr lang="en-IN" dirty="0" smtClean="0"/>
-              <a:t>Test Result (Pass/Fail) ** For first iteration, </a:t>
-            </a:r>
+              <a:rPr lang="en-IN" dirty="0" err="1"/>
+              <a:t>Test_Result</a:t>
+            </a:r>
+            <a:endParaRPr lang="en-IN" dirty="0"/>
           </a:p>
           <a:p>
             <a:pPr marL="342900" indent="-342900">
+              <a:buFont typeface="+mj-lt"/>
               <a:buAutoNum type="arabicPeriod"/>
             </a:pPr>
             <a:r>
-              <a:rPr lang="en-IN" dirty="0" smtClean="0"/>
-              <a:t>Station # to Unload ( )</a:t>
-            </a:r>
+              <a:rPr lang="en-IN" dirty="0" err="1"/>
+              <a:t>Station_Number</a:t>
+            </a:r>
+            <a:endParaRPr lang="en-IN" dirty="0"/>
           </a:p>
           <a:p>
             <a:pPr marL="342900" indent="-342900">
+              <a:buFont typeface="+mj-lt"/>
               <a:buAutoNum type="arabicPeriod"/>
             </a:pPr>
             <a:r>
-              <a:rPr lang="en-GB" dirty="0" smtClean="0"/>
-              <a:t>Part Flange Size()</a:t>
-            </a:r>
-            <a:endParaRPr lang="en-IN" dirty="0" smtClean="0"/>
+              <a:rPr lang="en-IN" dirty="0"/>
+              <a:t>Rerun</a:t>
+            </a:r>
           </a:p>
           <a:p>
             <a:pPr marL="342900" indent="-342900">
+              <a:buFont typeface="+mj-lt"/>
               <a:buAutoNum type="arabicPeriod"/>
             </a:pPr>
             <a:r>
-              <a:rPr lang="en-GB" dirty="0" smtClean="0"/>
-              <a:t>Rerun</a:t>
-            </a:r>
-            <a:r>
-              <a:rPr lang="en-GB" dirty="0" smtClean="0"/>
-              <a:t>()</a:t>
-            </a:r>
+              <a:rPr lang="en-IN" dirty="0" err="1" smtClean="0"/>
+              <a:t>Invalid_Serial_Number</a:t>
+            </a:r>
+            <a:endParaRPr lang="en-IN" dirty="0" smtClean="0"/>
           </a:p>
           <a:p>
             <a:pPr marL="342900" indent="-342900">
+              <a:buFont typeface="+mj-lt"/>
               <a:buAutoNum type="arabicPeriod"/>
             </a:pPr>
             <a:r>
               <a:rPr lang="en-GB" dirty="0" smtClean="0"/>
-              <a:t>Invalid Serial</a:t>
-            </a:r>
-            <a:endParaRPr lang="en-IN" dirty="0" smtClean="0"/>
+              <a:t>Write Tag Ack.</a:t>
+            </a:r>
+            <a:endParaRPr lang="en-IN" dirty="0"/>
           </a:p>
         </p:txBody>
       </p:sp>
@@ -6528,6 +6531,86 @@
           </a:p>
         </p:txBody>
       </p:sp>
+      <p:sp>
+        <p:nvSpPr>
+          <p:cNvPr id="54" name="Flowchart: Direct Access Storage 53"/>
+          <p:cNvSpPr/>
+          <p:nvPr/>
+        </p:nvSpPr>
+        <p:spPr>
+          <a:xfrm rot="16200000">
+            <a:off x="-966928" y="4600934"/>
+            <a:ext cx="1656184" cy="1273571"/>
+          </a:xfrm>
+          <a:prstGeom prst="flowChartMagneticDrum">
+            <a:avLst/>
+          </a:prstGeom>
+        </p:spPr>
+        <p:style>
+          <a:lnRef idx="2">
+            <a:schemeClr val="accent1">
+              <a:shade val="50000"/>
+            </a:schemeClr>
+          </a:lnRef>
+          <a:fillRef idx="1">
+            <a:schemeClr val="accent1"/>
+          </a:fillRef>
+          <a:effectRef idx="0">
+            <a:schemeClr val="accent1"/>
+          </a:effectRef>
+          <a:fontRef idx="minor">
+            <a:schemeClr val="lt1"/>
+          </a:fontRef>
+        </p:style>
+        <p:txBody>
+          <a:bodyPr rtlCol="0" anchor="ctr"/>
+          <a:lstStyle/>
+          <a:p>
+            <a:pPr algn="ctr"/>
+            <a:r>
+              <a:rPr lang="en-GB" dirty="0" smtClean="0"/>
+              <a:t>Part Detail DB</a:t>
+            </a:r>
+            <a:endParaRPr lang="en-IN" dirty="0"/>
+          </a:p>
+        </p:txBody>
+      </p:sp>
+      <p:cxnSp>
+        <p:nvCxnSpPr>
+          <p:cNvPr id="4" name="Elbow Connector 3"/>
+          <p:cNvCxnSpPr>
+            <a:stCxn id="54" idx="4"/>
+            <a:endCxn id="44" idx="4"/>
+          </p:cNvCxnSpPr>
+          <p:nvPr/>
+        </p:nvCxnSpPr>
+        <p:spPr>
+          <a:xfrm rot="5400000" flipH="1" flipV="1">
+            <a:off x="45666" y="3776110"/>
+            <a:ext cx="449016" cy="818021"/>
+          </a:xfrm>
+          <a:prstGeom prst="bentConnector3">
+            <a:avLst/>
+          </a:prstGeom>
+          <a:ln>
+            <a:tailEnd type="arrow"/>
+          </a:ln>
+        </p:spPr>
+        <p:style>
+          <a:lnRef idx="1">
+            <a:schemeClr val="accent1"/>
+          </a:lnRef>
+          <a:fillRef idx="0">
+            <a:schemeClr val="accent1"/>
+          </a:fillRef>
+          <a:effectRef idx="0">
+            <a:schemeClr val="accent1"/>
+          </a:effectRef>
+          <a:fontRef idx="minor">
+            <a:schemeClr val="tx1"/>
+          </a:fontRef>
+        </p:style>
+      </p:cxnSp>
     </p:spTree>
     <p:extLst>
       <p:ext uri="{BB962C8B-B14F-4D97-AF65-F5344CB8AC3E}">
@@ -6602,7 +6685,9 @@
         </p:nvSpPr>
         <p:spPr/>
         <p:txBody>
-          <a:bodyPr/>
+          <a:bodyPr>
+            <a:normAutofit fontScale="85000" lnSpcReduction="20000"/>
+          </a:bodyPr>
           <a:lstStyle/>
           <a:p>
             <a:r>
@@ -6619,7 +6704,15 @@
           <a:p>
             <a:r>
               <a:rPr lang="en-GB" dirty="0" smtClean="0"/>
-              <a:t>PC determines the new part by checking scanning area.</a:t>
+              <a:t>PC scans for the new serial after getting </a:t>
+            </a:r>
+            <a:r>
+              <a:rPr lang="en-GB" dirty="0" err="1" smtClean="0"/>
+              <a:t>scan_trigger</a:t>
+            </a:r>
+            <a:r>
+              <a:rPr lang="en-GB" dirty="0" smtClean="0"/>
+              <a:t> from PLC</a:t>
             </a:r>
           </a:p>
           <a:p>
@@ -6627,6 +6720,27 @@
               <a:rPr lang="en-GB" dirty="0" smtClean="0"/>
               <a:t>PC sends the rerun command to Robot and robot acts accordingly (re-clamp part).</a:t>
             </a:r>
+          </a:p>
+          <a:p>
+            <a:r>
+              <a:rPr lang="en-GB" dirty="0" smtClean="0"/>
+              <a:t>PC sends the invalid s.no along with new s.no to intimate the arrival of serial at scanner stage which has no DB entry</a:t>
+            </a:r>
+            <a:r>
+              <a:rPr lang="en-GB" dirty="0" smtClean="0"/>
+              <a:t>.</a:t>
+            </a:r>
+          </a:p>
+          <a:p>
+            <a:r>
+              <a:rPr lang="en-GB" dirty="0" smtClean="0"/>
+              <a:t>Work order </a:t>
+            </a:r>
+            <a:r>
+              <a:rPr lang="en-GB" smtClean="0"/>
+              <a:t>number will be used from INI file</a:t>
+            </a:r>
+            <a:endParaRPr lang="en-GB" dirty="0" smtClean="0"/>
           </a:p>
           <a:p>
             <a:endParaRPr lang="en-IN" dirty="0"/>
@@ -6682,12 +6796,18 @@
         </p:nvSpPr>
         <p:spPr/>
         <p:txBody>
-          <a:bodyPr/>
+          <a:bodyPr>
+            <a:normAutofit/>
+          </a:bodyPr>
           <a:lstStyle/>
           <a:p>
             <a:r>
               <a:rPr lang="en-GB" dirty="0" smtClean="0"/>
-              <a:t>System Setup</a:t>
+              <a:t>New ALTS – Robot </a:t>
+            </a:r>
+            <a:r>
+              <a:rPr lang="en-GB" dirty="0" err="1" smtClean="0"/>
+              <a:t>Behavior</a:t>
             </a:r>
             <a:endParaRPr lang="en-IN" dirty="0"/>
           </a:p>
@@ -6710,30 +6830,50 @@
           <a:p>
             <a:r>
               <a:rPr lang="en-GB" dirty="0" smtClean="0"/>
-              <a:t>2 scanners for Auto mode &amp; 1 scanner for manual mode</a:t>
-            </a:r>
-          </a:p>
-          <a:p>
+              <a:t>Should act according for Invalid </a:t>
+            </a:r>
+            <a:r>
+              <a:rPr lang="en-GB" dirty="0" err="1" smtClean="0"/>
+              <a:t>S.No</a:t>
+            </a:r>
             <a:r>
               <a:rPr lang="en-GB" dirty="0" smtClean="0"/>
-              <a:t>-add to logic</a:t>
-            </a:r>
-          </a:p>
-          <a:p>
+              <a:t>.  Move the invalid serial (part) to </a:t>
+            </a:r>
+            <a:r>
+              <a:rPr lang="en-GB" dirty="0" err="1" smtClean="0"/>
+              <a:t>appropiate</a:t>
+            </a:r>
             <a:r>
               <a:rPr lang="en-GB" dirty="0" smtClean="0"/>
-              <a:t>Log results for all retest</a:t>
-            </a:r>
-          </a:p>
-          <a:p>
-            <a:endParaRPr lang="en-IN" dirty="0"/>
+              <a:t> location.</a:t>
+            </a:r>
+          </a:p>
+          <a:p>
+            <a:r>
+              <a:rPr lang="en-GB" dirty="0" smtClean="0"/>
+              <a:t>Should act </a:t>
+            </a:r>
+            <a:r>
+              <a:rPr lang="en-GB" dirty="0" err="1" smtClean="0"/>
+              <a:t>accodingly</a:t>
+            </a:r>
+            <a:r>
+              <a:rPr lang="en-GB" dirty="0" smtClean="0"/>
+              <a:t> to Test result and rerun command.</a:t>
+            </a:r>
+            <a:r>
+              <a:rPr lang="en-IN" dirty="0" smtClean="0"/>
+              <a:t>  If rerun is true, robot should send the start signal again for the specific station.</a:t>
+            </a:r>
+            <a:endParaRPr lang="en-GB" dirty="0" smtClean="0"/>
           </a:p>
         </p:txBody>
       </p:sp>
     </p:spTree>
     <p:extLst>
       <p:ext uri="{BB962C8B-B14F-4D97-AF65-F5344CB8AC3E}">
-        <p14:creationId xmlns:p14="http://schemas.microsoft.com/office/powerpoint/2010/main" val="3652892771"/>
+        <p14:creationId xmlns:p14="http://schemas.microsoft.com/office/powerpoint/2010/main" val="3780657917"/>
       </p:ext>
     </p:extLst>
   </p:cSld>
@@ -6772,18 +6912,12 @@
         </p:nvSpPr>
         <p:spPr/>
         <p:txBody>
-          <a:bodyPr>
-            <a:normAutofit/>
-          </a:bodyPr>
-          <a:lstStyle/>
-          <a:p>
-            <a:r>
-              <a:rPr lang="en-GB" dirty="0"/>
-              <a:t>More </a:t>
-            </a:r>
+          <a:bodyPr/>
+          <a:lstStyle/>
+          <a:p>
             <a:r>
               <a:rPr lang="en-GB" dirty="0" smtClean="0"/>
-              <a:t>Questions</a:t>
+              <a:t>System Setup</a:t>
             </a:r>
             <a:endParaRPr lang="en-IN" dirty="0"/>
           </a:p>
@@ -6801,107 +6935,35 @@
         </p:nvSpPr>
         <p:spPr/>
         <p:txBody>
-          <a:bodyPr>
-            <a:normAutofit fontScale="77500" lnSpcReduction="20000"/>
-          </a:bodyPr>
-          <a:lstStyle/>
-          <a:p>
-            <a:pPr marL="514350" indent="-514350">
-              <a:buFont typeface="+mj-lt"/>
-              <a:buAutoNum type="arabicPeriod"/>
-            </a:pPr>
-            <a:r>
-              <a:rPr lang="en-IN" dirty="0" smtClean="0"/>
-              <a:t>We </a:t>
-            </a:r>
-            <a:r>
-              <a:rPr lang="en-IN" dirty="0"/>
-              <a:t>want PLC tags from Eaton</a:t>
-            </a:r>
-          </a:p>
-          <a:p>
-            <a:pPr marL="514350" indent="-514350">
-              <a:buFont typeface="+mj-lt"/>
-              <a:buAutoNum type="arabicPeriod"/>
-            </a:pPr>
-            <a:r>
-              <a:rPr lang="en-IN" dirty="0" smtClean="0"/>
-              <a:t>Start </a:t>
-            </a:r>
-            <a:r>
-              <a:rPr lang="en-IN" dirty="0"/>
-              <a:t>signal from ALTS (manual).  How PLC will give us in manual mode?</a:t>
-            </a:r>
-          </a:p>
-          <a:p>
-            <a:pPr marL="514350" indent="-514350">
-              <a:buFont typeface="+mj-lt"/>
-              <a:buAutoNum type="arabicPeriod"/>
-            </a:pPr>
-            <a:r>
-              <a:rPr lang="en-IN" dirty="0" smtClean="0"/>
-              <a:t>What </a:t>
-            </a:r>
-            <a:r>
-              <a:rPr lang="en-IN" dirty="0"/>
-              <a:t>are the emergency stop signals?  How the STOP signal in the existing system is handled</a:t>
-            </a:r>
-            <a:r>
-              <a:rPr lang="en-IN" dirty="0" smtClean="0"/>
-              <a:t>?</a:t>
-            </a:r>
-          </a:p>
-          <a:p>
-            <a:pPr marL="514350" indent="-514350">
-              <a:buFont typeface="+mj-lt"/>
-              <a:buAutoNum type="arabicPeriod"/>
-            </a:pPr>
+          <a:bodyPr/>
+          <a:lstStyle/>
+          <a:p>
             <a:r>
               <a:rPr lang="en-GB" dirty="0" smtClean="0"/>
-              <a:t>Retest count is INI configured to 1 retest?  It can also be hard coded.  Should we still seek from PLC for count?</a:t>
-            </a:r>
-          </a:p>
-          <a:p>
-            <a:pPr marL="514350" indent="-514350">
-              <a:buFont typeface="+mj-lt"/>
-              <a:buAutoNum type="arabicPeriod"/>
-            </a:pPr>
+              <a:t>2 scanners for Auto mode &amp; 1 scanner for manual mode</a:t>
+            </a:r>
+          </a:p>
+          <a:p>
             <a:r>
               <a:rPr lang="en-GB" dirty="0" smtClean="0"/>
-              <a:t>If we can reduce the user count to 1, there are 4 user entries in DB write.  What can we write for User 2, 3 &amp; 4</a:t>
-            </a:r>
-          </a:p>
-          <a:p>
-            <a:pPr marL="514350" indent="-514350">
-              <a:buFont typeface="+mj-lt"/>
-              <a:buAutoNum type="arabicPeriod"/>
-            </a:pPr>
-            <a:r>
-              <a:rPr lang="en-GB" dirty="0" err="1" smtClean="0"/>
-              <a:t>LeakTek</a:t>
-            </a:r>
+              <a:t>-add to logic</a:t>
+            </a:r>
+          </a:p>
+          <a:p>
             <a:r>
               <a:rPr lang="en-GB" dirty="0" smtClean="0"/>
-              <a:t> DB configuration</a:t>
-            </a:r>
-          </a:p>
-          <a:p>
-            <a:pPr marL="514350" indent="-514350">
-              <a:buFont typeface="+mj-lt"/>
-              <a:buAutoNum type="arabicPeriod"/>
-            </a:pPr>
-            <a:r>
-              <a:rPr lang="en-GB" dirty="0" smtClean="0"/>
-              <a:t>Part ready at scanner.  Will it be provided from PLC?</a:t>
-            </a:r>
-            <a:endParaRPr lang="en-GB" dirty="0"/>
+              <a:t>Log results for all retest</a:t>
+            </a:r>
+          </a:p>
+          <a:p>
+            <a:endParaRPr lang="en-IN" dirty="0"/>
           </a:p>
         </p:txBody>
       </p:sp>
     </p:spTree>
     <p:extLst>
       <p:ext uri="{BB962C8B-B14F-4D97-AF65-F5344CB8AC3E}">
-        <p14:creationId xmlns:p14="http://schemas.microsoft.com/office/powerpoint/2010/main" val="2884218104"/>
+        <p14:creationId xmlns:p14="http://schemas.microsoft.com/office/powerpoint/2010/main" val="3652892771"/>
       </p:ext>
     </p:extLst>
   </p:cSld>
@@ -6940,12 +7002,18 @@
         </p:nvSpPr>
         <p:spPr/>
         <p:txBody>
-          <a:bodyPr/>
-          <a:lstStyle/>
-          <a:p>
+          <a:bodyPr>
+            <a:normAutofit/>
+          </a:bodyPr>
+          <a:lstStyle/>
+          <a:p>
+            <a:r>
+              <a:rPr lang="en-GB" dirty="0"/>
+              <a:t>More </a:t>
+            </a:r>
             <a:r>
               <a:rPr lang="en-GB" dirty="0" smtClean="0"/>
-              <a:t>Clarifications</a:t>
+              <a:t>Questions</a:t>
             </a:r>
             <a:endParaRPr lang="en-IN" dirty="0"/>
           </a:p>
@@ -6964,7 +7032,169 @@
         <p:spPr/>
         <p:txBody>
           <a:bodyPr>
-            <a:normAutofit lnSpcReduction="10000"/>
+            <a:normAutofit fontScale="77500" lnSpcReduction="20000"/>
+          </a:bodyPr>
+          <a:lstStyle/>
+          <a:p>
+            <a:pPr marL="514350" indent="-514350">
+              <a:buFont typeface="+mj-lt"/>
+              <a:buAutoNum type="arabicPeriod"/>
+            </a:pPr>
+            <a:r>
+              <a:rPr lang="en-IN" dirty="0" smtClean="0"/>
+              <a:t>We </a:t>
+            </a:r>
+            <a:r>
+              <a:rPr lang="en-IN" dirty="0"/>
+              <a:t>want PLC tags from Eaton</a:t>
+            </a:r>
+          </a:p>
+          <a:p>
+            <a:pPr marL="514350" indent="-514350">
+              <a:buFont typeface="+mj-lt"/>
+              <a:buAutoNum type="arabicPeriod"/>
+            </a:pPr>
+            <a:r>
+              <a:rPr lang="en-IN" dirty="0" smtClean="0"/>
+              <a:t>Start </a:t>
+            </a:r>
+            <a:r>
+              <a:rPr lang="en-IN" dirty="0"/>
+              <a:t>signal from ALTS (manual).  How PLC will give us in manual mode?</a:t>
+            </a:r>
+          </a:p>
+          <a:p>
+            <a:pPr marL="514350" indent="-514350">
+              <a:buFont typeface="+mj-lt"/>
+              <a:buAutoNum type="arabicPeriod"/>
+            </a:pPr>
+            <a:r>
+              <a:rPr lang="en-IN" dirty="0" smtClean="0"/>
+              <a:t>What </a:t>
+            </a:r>
+            <a:r>
+              <a:rPr lang="en-IN" dirty="0"/>
+              <a:t>are the emergency stop signals?  How the STOP signal in the existing system is handled</a:t>
+            </a:r>
+            <a:r>
+              <a:rPr lang="en-IN" dirty="0" smtClean="0"/>
+              <a:t>?</a:t>
+            </a:r>
+          </a:p>
+          <a:p>
+            <a:pPr marL="514350" indent="-514350">
+              <a:buFont typeface="+mj-lt"/>
+              <a:buAutoNum type="arabicPeriod"/>
+            </a:pPr>
+            <a:r>
+              <a:rPr lang="en-GB" dirty="0" smtClean="0"/>
+              <a:t>Retest count is INI configured to 1 retest?  It can also be hard coded.  Should we still seek from PLC for count?</a:t>
+            </a:r>
+          </a:p>
+          <a:p>
+            <a:pPr marL="514350" indent="-514350">
+              <a:buFont typeface="+mj-lt"/>
+              <a:buAutoNum type="arabicPeriod"/>
+            </a:pPr>
+            <a:r>
+              <a:rPr lang="en-GB" dirty="0" smtClean="0"/>
+              <a:t>If we can reduce the user count to 1, there are 4 user entries in DB write.  What can we write for User 2, 3 &amp; 4</a:t>
+            </a:r>
+          </a:p>
+          <a:p>
+            <a:pPr marL="514350" indent="-514350">
+              <a:buFont typeface="+mj-lt"/>
+              <a:buAutoNum type="arabicPeriod"/>
+            </a:pPr>
+            <a:r>
+              <a:rPr lang="en-GB" dirty="0" err="1" smtClean="0"/>
+              <a:t>LeakTek</a:t>
+            </a:r>
+            <a:r>
+              <a:rPr lang="en-GB" dirty="0" smtClean="0"/>
+              <a:t> DB configuration</a:t>
+            </a:r>
+          </a:p>
+          <a:p>
+            <a:pPr marL="514350" indent="-514350">
+              <a:buFont typeface="+mj-lt"/>
+              <a:buAutoNum type="arabicPeriod"/>
+            </a:pPr>
+            <a:r>
+              <a:rPr lang="en-GB" dirty="0" smtClean="0"/>
+              <a:t>Part ready at scanner.  Will it be provided from PLC?</a:t>
+            </a:r>
+            <a:endParaRPr lang="en-GB" dirty="0"/>
+          </a:p>
+        </p:txBody>
+      </p:sp>
+    </p:spTree>
+    <p:extLst>
+      <p:ext uri="{BB962C8B-B14F-4D97-AF65-F5344CB8AC3E}">
+        <p14:creationId xmlns:p14="http://schemas.microsoft.com/office/powerpoint/2010/main" val="2884218104"/>
+      </p:ext>
+    </p:extLst>
+  </p:cSld>
+  <p:clrMapOvr>
+    <a:masterClrMapping/>
+  </p:clrMapOvr>
+</p:sld>
+</file>
+
+<file path=ppt/slides/slide7.xml><?xml version="1.0" encoding="utf-8"?>
+<p:sld xmlns:a="http://schemas.openxmlformats.org/drawingml/2006/main" xmlns:r="http://schemas.openxmlformats.org/officeDocument/2006/relationships" xmlns:p="http://schemas.openxmlformats.org/presentationml/2006/main">
+  <p:cSld>
+    <p:spTree>
+      <p:nvGrpSpPr>
+        <p:cNvPr id="1" name=""/>
+        <p:cNvGrpSpPr/>
+        <p:nvPr/>
+      </p:nvGrpSpPr>
+      <p:grpSpPr>
+        <a:xfrm>
+          <a:off x="0" y="0"/>
+          <a:ext cx="0" cy="0"/>
+          <a:chOff x="0" y="0"/>
+          <a:chExt cx="0" cy="0"/>
+        </a:xfrm>
+      </p:grpSpPr>
+      <p:sp>
+        <p:nvSpPr>
+          <p:cNvPr id="2" name="Title 1"/>
+          <p:cNvSpPr>
+            <a:spLocks noGrp="1"/>
+          </p:cNvSpPr>
+          <p:nvPr>
+            <p:ph type="title"/>
+          </p:nvPr>
+        </p:nvSpPr>
+        <p:spPr/>
+        <p:txBody>
+          <a:bodyPr/>
+          <a:lstStyle/>
+          <a:p>
+            <a:r>
+              <a:rPr lang="en-GB" dirty="0" smtClean="0"/>
+              <a:t>Clarifications</a:t>
+            </a:r>
+            <a:endParaRPr lang="en-IN" dirty="0"/>
+          </a:p>
+        </p:txBody>
+      </p:sp>
+      <p:sp>
+        <p:nvSpPr>
+          <p:cNvPr id="3" name="Content Placeholder 2"/>
+          <p:cNvSpPr>
+            <a:spLocks noGrp="1"/>
+          </p:cNvSpPr>
+          <p:nvPr>
+            <p:ph idx="1"/>
+          </p:nvPr>
+        </p:nvSpPr>
+        <p:spPr/>
+        <p:txBody>
+          <a:bodyPr>
+            <a:normAutofit fontScale="70000" lnSpcReduction="20000"/>
           </a:bodyPr>
           <a:lstStyle/>
           <a:p>
@@ -6996,7 +7226,45 @@
                   <a:srgbClr val="FF0000"/>
                 </a:solidFill>
               </a:rPr>
-              <a:t>-use constant for now from.</a:t>
+              <a:t>-use constant for now from</a:t>
+            </a:r>
+            <a:r>
+              <a:rPr lang="en-GB" dirty="0" smtClean="0">
+                <a:solidFill>
+                  <a:srgbClr val="FF0000"/>
+                </a:solidFill>
+              </a:rPr>
+              <a:t>.</a:t>
+            </a:r>
+          </a:p>
+          <a:p>
+            <a:r>
+              <a:rPr lang="en-IN" dirty="0"/>
+              <a:t>   If the part fails air leak test, we will re-run the test.  How many times can you re-run the test? I am assuming that we log the results for all runs in the SQL database (we need to check if there is a timestamp parameter when writing results to the database to distinguish between the different runs). </a:t>
+            </a:r>
+            <a:r>
+              <a:rPr lang="en-IN" dirty="0">
+                <a:solidFill>
+                  <a:srgbClr val="FF0000"/>
+                </a:solidFill>
+              </a:rPr>
+              <a:t>I believe we agreed on 1 retest (</a:t>
+            </a:r>
+            <a:r>
+              <a:rPr lang="en-IN" b="1" dirty="0">
+                <a:solidFill>
+                  <a:srgbClr val="FF0000"/>
+                </a:solidFill>
+              </a:rPr>
+              <a:t>Mike</a:t>
+            </a:r>
+            <a:r>
+              <a:rPr lang="en-IN" dirty="0">
+                <a:solidFill>
+                  <a:srgbClr val="FF0000"/>
+                </a:solidFill>
+              </a:rPr>
+              <a:t> please confirm). We do log results for all runs. Maybe we should get together to check that parameter; I’m not sure where to check that…</a:t>
             </a:r>
             <a:endParaRPr lang="en-GB" dirty="0">
               <a:solidFill>

--- a/Documentation/Legacy ALTS vs New ALTS.pptx
+++ b/Documentation/Legacy ALTS vs New ALTS.pptx
@@ -5,13 +5,17 @@
     <p:sldMasterId id="2147483648" r:id="rId1"/>
   </p:sldMasterIdLst>
   <p:sldIdLst>
-    <p:sldId id="257" r:id="rId2"/>
-    <p:sldId id="258" r:id="rId3"/>
-    <p:sldId id="259" r:id="rId4"/>
-    <p:sldId id="263" r:id="rId5"/>
-    <p:sldId id="262" r:id="rId6"/>
-    <p:sldId id="260" r:id="rId7"/>
-    <p:sldId id="261" r:id="rId8"/>
+    <p:sldId id="264" r:id="rId2"/>
+    <p:sldId id="262" r:id="rId3"/>
+    <p:sldId id="257" r:id="rId4"/>
+    <p:sldId id="258" r:id="rId5"/>
+    <p:sldId id="265" r:id="rId6"/>
+    <p:sldId id="266" r:id="rId7"/>
+    <p:sldId id="259" r:id="rId8"/>
+    <p:sldId id="263" r:id="rId9"/>
+    <p:sldId id="267" r:id="rId10"/>
+    <p:sldId id="261" r:id="rId11"/>
+    <p:sldId id="260" r:id="rId12"/>
   </p:sldIdLst>
   <p:sldSz cx="9144000" cy="6858000" type="screen4x3"/>
   <p:notesSz cx="6858000" cy="9144000"/>
@@ -294,7 +298,7 @@
           <a:p>
             <a:fld id="{E990F926-FFDE-4051-869B-E2E0FCD05DBF}" type="datetimeFigureOut">
               <a:rPr lang="en-IN" smtClean="0"/>
-              <a:t>06-02-2015</a:t>
+              <a:t>10-02-2015</a:t>
             </a:fld>
             <a:endParaRPr lang="en-IN"/>
           </a:p>
@@ -464,7 +468,7 @@
           <a:p>
             <a:fld id="{E990F926-FFDE-4051-869B-E2E0FCD05DBF}" type="datetimeFigureOut">
               <a:rPr lang="en-IN" smtClean="0"/>
-              <a:t>06-02-2015</a:t>
+              <a:t>10-02-2015</a:t>
             </a:fld>
             <a:endParaRPr lang="en-IN"/>
           </a:p>
@@ -644,7 +648,7 @@
           <a:p>
             <a:fld id="{E990F926-FFDE-4051-869B-E2E0FCD05DBF}" type="datetimeFigureOut">
               <a:rPr lang="en-IN" smtClean="0"/>
-              <a:t>06-02-2015</a:t>
+              <a:t>10-02-2015</a:t>
             </a:fld>
             <a:endParaRPr lang="en-IN"/>
           </a:p>
@@ -814,7 +818,7 @@
           <a:p>
             <a:fld id="{E990F926-FFDE-4051-869B-E2E0FCD05DBF}" type="datetimeFigureOut">
               <a:rPr lang="en-IN" smtClean="0"/>
-              <a:t>06-02-2015</a:t>
+              <a:t>10-02-2015</a:t>
             </a:fld>
             <a:endParaRPr lang="en-IN"/>
           </a:p>
@@ -1060,7 +1064,7 @@
           <a:p>
             <a:fld id="{E990F926-FFDE-4051-869B-E2E0FCD05DBF}" type="datetimeFigureOut">
               <a:rPr lang="en-IN" smtClean="0"/>
-              <a:t>06-02-2015</a:t>
+              <a:t>10-02-2015</a:t>
             </a:fld>
             <a:endParaRPr lang="en-IN"/>
           </a:p>
@@ -1348,7 +1352,7 @@
           <a:p>
             <a:fld id="{E990F926-FFDE-4051-869B-E2E0FCD05DBF}" type="datetimeFigureOut">
               <a:rPr lang="en-IN" smtClean="0"/>
-              <a:t>06-02-2015</a:t>
+              <a:t>10-02-2015</a:t>
             </a:fld>
             <a:endParaRPr lang="en-IN"/>
           </a:p>
@@ -1770,7 +1774,7 @@
           <a:p>
             <a:fld id="{E990F926-FFDE-4051-869B-E2E0FCD05DBF}" type="datetimeFigureOut">
               <a:rPr lang="en-IN" smtClean="0"/>
-              <a:t>06-02-2015</a:t>
+              <a:t>10-02-2015</a:t>
             </a:fld>
             <a:endParaRPr lang="en-IN"/>
           </a:p>
@@ -1888,7 +1892,7 @@
           <a:p>
             <a:fld id="{E990F926-FFDE-4051-869B-E2E0FCD05DBF}" type="datetimeFigureOut">
               <a:rPr lang="en-IN" smtClean="0"/>
-              <a:t>06-02-2015</a:t>
+              <a:t>10-02-2015</a:t>
             </a:fld>
             <a:endParaRPr lang="en-IN"/>
           </a:p>
@@ -1983,7 +1987,7 @@
           <a:p>
             <a:fld id="{E990F926-FFDE-4051-869B-E2E0FCD05DBF}" type="datetimeFigureOut">
               <a:rPr lang="en-IN" smtClean="0"/>
-              <a:t>06-02-2015</a:t>
+              <a:t>10-02-2015</a:t>
             </a:fld>
             <a:endParaRPr lang="en-IN"/>
           </a:p>
@@ -2260,7 +2264,7 @@
           <a:p>
             <a:fld id="{E990F926-FFDE-4051-869B-E2E0FCD05DBF}" type="datetimeFigureOut">
               <a:rPr lang="en-IN" smtClean="0"/>
-              <a:t>06-02-2015</a:t>
+              <a:t>10-02-2015</a:t>
             </a:fld>
             <a:endParaRPr lang="en-IN"/>
           </a:p>
@@ -2513,7 +2517,7 @@
           <a:p>
             <a:fld id="{E990F926-FFDE-4051-869B-E2E0FCD05DBF}" type="datetimeFigureOut">
               <a:rPr lang="en-IN" smtClean="0"/>
-              <a:t>06-02-2015</a:t>
+              <a:t>10-02-2015</a:t>
             </a:fld>
             <a:endParaRPr lang="en-IN"/>
           </a:p>
@@ -2726,7 +2730,7 @@
           <a:p>
             <a:fld id="{E990F926-FFDE-4051-869B-E2E0FCD05DBF}" type="datetimeFigureOut">
               <a:rPr lang="en-IN" smtClean="0"/>
-              <a:t>06-02-2015</a:t>
+              <a:t>10-02-2015</a:t>
             </a:fld>
             <a:endParaRPr lang="en-IN"/>
           </a:p>
@@ -3103,13 +3107,495 @@
       </p:grpSpPr>
       <p:sp>
         <p:nvSpPr>
+          <p:cNvPr id="2" name="Title 1"/>
+          <p:cNvSpPr>
+            <a:spLocks noGrp="1"/>
+          </p:cNvSpPr>
+          <p:nvPr>
+            <p:ph type="title"/>
+          </p:nvPr>
+        </p:nvSpPr>
+        <p:spPr/>
+        <p:txBody>
+          <a:bodyPr/>
+          <a:lstStyle/>
+          <a:p>
+            <a:r>
+              <a:rPr lang="en-US" dirty="0" smtClean="0"/>
+              <a:t>System Diagram</a:t>
+            </a:r>
+            <a:endParaRPr lang="en-IN" dirty="0"/>
+          </a:p>
+        </p:txBody>
+      </p:sp>
+      <p:sp>
+        <p:nvSpPr>
+          <p:cNvPr id="3" name="Content Placeholder 2"/>
+          <p:cNvSpPr>
+            <a:spLocks noGrp="1"/>
+          </p:cNvSpPr>
+          <p:nvPr>
+            <p:ph idx="1"/>
+          </p:nvPr>
+        </p:nvSpPr>
+        <p:spPr/>
+        <p:txBody>
+          <a:bodyPr/>
+          <a:lstStyle/>
+          <a:p>
+            <a:endParaRPr lang="en-IN"/>
+          </a:p>
+        </p:txBody>
+      </p:sp>
+      <p:pic>
+        <p:nvPicPr>
+          <p:cNvPr id="1027" name="Picture 3" descr="C:\Users\lenovo\Dropbox\Camera Uploads\2015-02-09 18.02.19.jpg"/>
+          <p:cNvPicPr>
+            <a:picLocks noChangeAspect="1" noChangeArrowheads="1"/>
+          </p:cNvPicPr>
+          <p:nvPr/>
+        </p:nvPicPr>
+        <p:blipFill>
+          <a:blip r:embed="rId2" cstate="print">
+            <a:extLst>
+              <a:ext uri="{28A0092B-C50C-407E-A947-70E740481C1C}">
+                <a14:useLocalDpi xmlns:a14="http://schemas.microsoft.com/office/drawing/2010/main" val="0"/>
+              </a:ext>
+            </a:extLst>
+          </a:blip>
+          <a:srcRect/>
+          <a:stretch>
+            <a:fillRect/>
+          </a:stretch>
+        </p:blipFill>
+        <p:spPr bwMode="auto">
+          <a:xfrm>
+            <a:off x="683568" y="1557427"/>
+            <a:ext cx="7923538" cy="5300573"/>
+          </a:xfrm>
+          <a:prstGeom prst="rect">
+            <a:avLst/>
+          </a:prstGeom>
+          <a:noFill/>
+          <a:extLst>
+            <a:ext uri="{909E8E84-426E-40DD-AFC4-6F175D3DCCD1}">
+              <a14:hiddenFill xmlns:a14="http://schemas.microsoft.com/office/drawing/2010/main">
+                <a:solidFill>
+                  <a:srgbClr val="FFFFFF"/>
+                </a:solidFill>
+              </a14:hiddenFill>
+            </a:ext>
+          </a:extLst>
+        </p:spPr>
+      </p:pic>
+    </p:spTree>
+    <p:extLst>
+      <p:ext uri="{BB962C8B-B14F-4D97-AF65-F5344CB8AC3E}">
+        <p14:creationId xmlns:p14="http://schemas.microsoft.com/office/powerpoint/2010/main" val="2492618995"/>
+      </p:ext>
+    </p:extLst>
+  </p:cSld>
+  <p:clrMapOvr>
+    <a:masterClrMapping/>
+  </p:clrMapOvr>
+</p:sld>
+</file>
+
+<file path=ppt/slides/slide10.xml><?xml version="1.0" encoding="utf-8"?>
+<p:sld xmlns:a="http://schemas.openxmlformats.org/drawingml/2006/main" xmlns:r="http://schemas.openxmlformats.org/officeDocument/2006/relationships" xmlns:p="http://schemas.openxmlformats.org/presentationml/2006/main">
+  <p:cSld>
+    <p:spTree>
+      <p:nvGrpSpPr>
+        <p:cNvPr id="1" name=""/>
+        <p:cNvGrpSpPr/>
+        <p:nvPr/>
+      </p:nvGrpSpPr>
+      <p:grpSpPr>
+        <a:xfrm>
+          <a:off x="0" y="0"/>
+          <a:ext cx="0" cy="0"/>
+          <a:chOff x="0" y="0"/>
+          <a:chExt cx="0" cy="0"/>
+        </a:xfrm>
+      </p:grpSpPr>
+      <p:sp>
+        <p:nvSpPr>
+          <p:cNvPr id="2" name="Title 1"/>
+          <p:cNvSpPr>
+            <a:spLocks noGrp="1"/>
+          </p:cNvSpPr>
+          <p:nvPr>
+            <p:ph type="title"/>
+          </p:nvPr>
+        </p:nvSpPr>
+        <p:spPr/>
+        <p:txBody>
+          <a:bodyPr/>
+          <a:lstStyle/>
+          <a:p>
+            <a:r>
+              <a:rPr lang="en-GB" dirty="0" smtClean="0"/>
+              <a:t>Clarifications</a:t>
+            </a:r>
+            <a:endParaRPr lang="en-IN" dirty="0"/>
+          </a:p>
+        </p:txBody>
+      </p:sp>
+      <p:sp>
+        <p:nvSpPr>
+          <p:cNvPr id="3" name="Content Placeholder 2"/>
+          <p:cNvSpPr>
+            <a:spLocks noGrp="1"/>
+          </p:cNvSpPr>
+          <p:nvPr>
+            <p:ph idx="1"/>
+          </p:nvPr>
+        </p:nvSpPr>
+        <p:spPr/>
+        <p:txBody>
+          <a:bodyPr>
+            <a:normAutofit fontScale="70000" lnSpcReduction="20000"/>
+          </a:bodyPr>
+          <a:lstStyle/>
+          <a:p>
+            <a:r>
+              <a:rPr lang="en-IN" dirty="0"/>
+              <a:t>In existing ALTS, work order number is part of the result written to the SQL Server database.   You mentioned that we won’t have work order numbers for the new system. What do we write to the database in lieu of work order number?</a:t>
+            </a:r>
+            <a:r>
+              <a:rPr lang="en-IN" dirty="0">
+                <a:solidFill>
+                  <a:srgbClr val="FF0000"/>
+                </a:solidFill>
+              </a:rPr>
+              <a:t> Do you have to write anything at all? Maybe we should call to have a conversation on </a:t>
+            </a:r>
+            <a:r>
+              <a:rPr lang="en-IN" dirty="0" smtClean="0">
+                <a:solidFill>
+                  <a:srgbClr val="FF0000"/>
+                </a:solidFill>
+              </a:rPr>
+              <a:t>this</a:t>
+            </a:r>
+          </a:p>
+          <a:p>
+            <a:r>
+              <a:rPr lang="en-GB" dirty="0" smtClean="0">
+                <a:solidFill>
+                  <a:srgbClr val="FF0000"/>
+                </a:solidFill>
+              </a:rPr>
+              <a:t>-use constant for now from.</a:t>
+            </a:r>
+          </a:p>
+          <a:p>
+            <a:r>
+              <a:rPr lang="en-IN" dirty="0"/>
+              <a:t>   If the part fails air leak test, we will re-run the test.  How many times can you re-run the test? I am assuming that we log the results for all runs in the SQL database (we need to check if there is a timestamp parameter when writing results to the database to distinguish between the different runs). </a:t>
+            </a:r>
+            <a:r>
+              <a:rPr lang="en-IN" dirty="0">
+                <a:solidFill>
+                  <a:srgbClr val="FF0000"/>
+                </a:solidFill>
+              </a:rPr>
+              <a:t>I believe we agreed on 1 retest (</a:t>
+            </a:r>
+            <a:r>
+              <a:rPr lang="en-IN" b="1" dirty="0">
+                <a:solidFill>
+                  <a:srgbClr val="FF0000"/>
+                </a:solidFill>
+              </a:rPr>
+              <a:t>Mike</a:t>
+            </a:r>
+            <a:r>
+              <a:rPr lang="en-IN" dirty="0">
+                <a:solidFill>
+                  <a:srgbClr val="FF0000"/>
+                </a:solidFill>
+              </a:rPr>
+              <a:t> please confirm). We do log results for all runs. Maybe we should get together to check that parameter; I’m not sure where to check that…</a:t>
+            </a:r>
+            <a:endParaRPr lang="en-GB" dirty="0">
+              <a:solidFill>
+                <a:srgbClr val="FF0000"/>
+              </a:solidFill>
+            </a:endParaRPr>
+          </a:p>
+        </p:txBody>
+      </p:sp>
+    </p:spTree>
+    <p:extLst>
+      <p:ext uri="{BB962C8B-B14F-4D97-AF65-F5344CB8AC3E}">
+        <p14:creationId xmlns:p14="http://schemas.microsoft.com/office/powerpoint/2010/main" val="3915483266"/>
+      </p:ext>
+    </p:extLst>
+  </p:cSld>
+  <p:clrMapOvr>
+    <a:masterClrMapping/>
+  </p:clrMapOvr>
+</p:sld>
+</file>
+
+<file path=ppt/slides/slide11.xml><?xml version="1.0" encoding="utf-8"?>
+<p:sld xmlns:a="http://schemas.openxmlformats.org/drawingml/2006/main" xmlns:r="http://schemas.openxmlformats.org/officeDocument/2006/relationships" xmlns:p="http://schemas.openxmlformats.org/presentationml/2006/main">
+  <p:cSld>
+    <p:spTree>
+      <p:nvGrpSpPr>
+        <p:cNvPr id="1" name=""/>
+        <p:cNvGrpSpPr/>
+        <p:nvPr/>
+      </p:nvGrpSpPr>
+      <p:grpSpPr>
+        <a:xfrm>
+          <a:off x="0" y="0"/>
+          <a:ext cx="0" cy="0"/>
+          <a:chOff x="0" y="0"/>
+          <a:chExt cx="0" cy="0"/>
+        </a:xfrm>
+      </p:grpSpPr>
+      <p:sp>
+        <p:nvSpPr>
+          <p:cNvPr id="2" name="Title 1"/>
+          <p:cNvSpPr>
+            <a:spLocks noGrp="1"/>
+          </p:cNvSpPr>
+          <p:nvPr>
+            <p:ph type="title"/>
+          </p:nvPr>
+        </p:nvSpPr>
+        <p:spPr/>
+        <p:txBody>
+          <a:bodyPr>
+            <a:normAutofit/>
+          </a:bodyPr>
+          <a:lstStyle/>
+          <a:p>
+            <a:r>
+              <a:rPr lang="en-GB" dirty="0"/>
+              <a:t>More </a:t>
+            </a:r>
+            <a:r>
+              <a:rPr lang="en-GB" dirty="0" smtClean="0"/>
+              <a:t>Questions</a:t>
+            </a:r>
+            <a:endParaRPr lang="en-IN" dirty="0"/>
+          </a:p>
+        </p:txBody>
+      </p:sp>
+      <p:sp>
+        <p:nvSpPr>
+          <p:cNvPr id="3" name="Content Placeholder 2"/>
+          <p:cNvSpPr>
+            <a:spLocks noGrp="1"/>
+          </p:cNvSpPr>
+          <p:nvPr>
+            <p:ph idx="1"/>
+          </p:nvPr>
+        </p:nvSpPr>
+        <p:spPr/>
+        <p:txBody>
+          <a:bodyPr>
+            <a:normAutofit/>
+          </a:bodyPr>
+          <a:lstStyle/>
+          <a:p>
+            <a:pPr marL="514350" indent="-514350">
+              <a:buFont typeface="+mj-lt"/>
+              <a:buAutoNum type="arabicPeriod"/>
+            </a:pPr>
+            <a:r>
+              <a:rPr lang="en-IN" dirty="0" smtClean="0"/>
+              <a:t>What </a:t>
+            </a:r>
+            <a:r>
+              <a:rPr lang="en-IN" dirty="0"/>
+              <a:t>are the emergency stop signals?  How the STOP signal in the existing system is </a:t>
+            </a:r>
+            <a:r>
+              <a:rPr lang="en-IN"/>
+              <a:t>handled</a:t>
+            </a:r>
+            <a:r>
+              <a:rPr lang="en-IN" smtClean="0"/>
+              <a:t>?</a:t>
+            </a:r>
+            <a:endParaRPr lang="en-IN" dirty="0" smtClean="0"/>
+          </a:p>
+        </p:txBody>
+      </p:sp>
+    </p:spTree>
+    <p:extLst>
+      <p:ext uri="{BB962C8B-B14F-4D97-AF65-F5344CB8AC3E}">
+        <p14:creationId xmlns:p14="http://schemas.microsoft.com/office/powerpoint/2010/main" val="2884218104"/>
+      </p:ext>
+    </p:extLst>
+  </p:cSld>
+  <p:clrMapOvr>
+    <a:masterClrMapping/>
+  </p:clrMapOvr>
+</p:sld>
+</file>
+
+<file path=ppt/slides/slide2.xml><?xml version="1.0" encoding="utf-8"?>
+<p:sld xmlns:a="http://schemas.openxmlformats.org/drawingml/2006/main" xmlns:r="http://schemas.openxmlformats.org/officeDocument/2006/relationships" xmlns:p="http://schemas.openxmlformats.org/presentationml/2006/main">
+  <p:cSld>
+    <p:spTree>
+      <p:nvGrpSpPr>
+        <p:cNvPr id="1" name=""/>
+        <p:cNvGrpSpPr/>
+        <p:nvPr/>
+      </p:nvGrpSpPr>
+      <p:grpSpPr>
+        <a:xfrm>
+          <a:off x="0" y="0"/>
+          <a:ext cx="0" cy="0"/>
+          <a:chOff x="0" y="0"/>
+          <a:chExt cx="0" cy="0"/>
+        </a:xfrm>
+      </p:grpSpPr>
+      <p:sp>
+        <p:nvSpPr>
+          <p:cNvPr id="2" name="Title 1"/>
+          <p:cNvSpPr>
+            <a:spLocks noGrp="1"/>
+          </p:cNvSpPr>
+          <p:nvPr>
+            <p:ph type="title"/>
+          </p:nvPr>
+        </p:nvSpPr>
+        <p:spPr/>
+        <p:txBody>
+          <a:bodyPr/>
+          <a:lstStyle/>
+          <a:p>
+            <a:r>
+              <a:rPr lang="en-GB" dirty="0" smtClean="0"/>
+              <a:t>System Setup</a:t>
+            </a:r>
+            <a:endParaRPr lang="en-IN" dirty="0"/>
+          </a:p>
+        </p:txBody>
+      </p:sp>
+      <p:sp>
+        <p:nvSpPr>
+          <p:cNvPr id="3" name="Content Placeholder 2"/>
+          <p:cNvSpPr>
+            <a:spLocks noGrp="1"/>
+          </p:cNvSpPr>
+          <p:nvPr>
+            <p:ph idx="1"/>
+          </p:nvPr>
+        </p:nvSpPr>
+        <p:spPr/>
+        <p:txBody>
+          <a:bodyPr>
+            <a:normAutofit fontScale="77500" lnSpcReduction="20000"/>
+          </a:bodyPr>
+          <a:lstStyle/>
+          <a:p>
+            <a:r>
+              <a:rPr lang="en-GB" dirty="0" smtClean="0"/>
+              <a:t>2 scanners for Auto mode &amp; 1 scanner for manual mode</a:t>
+            </a:r>
+          </a:p>
+          <a:p>
+            <a:r>
+              <a:rPr lang="en-US" dirty="0" smtClean="0"/>
+              <a:t>1 input conveyor where serials comes in.</a:t>
+            </a:r>
+          </a:p>
+          <a:p>
+            <a:r>
+              <a:rPr lang="en-US" dirty="0" smtClean="0"/>
+              <a:t>After test, serials can go away either of</a:t>
+            </a:r>
+          </a:p>
+          <a:p>
+            <a:pPr lvl="1"/>
+            <a:r>
+              <a:rPr lang="en-US" dirty="0" smtClean="0"/>
+              <a:t>Pass serial conveyor</a:t>
+            </a:r>
+          </a:p>
+          <a:p>
+            <a:pPr lvl="1"/>
+            <a:r>
+              <a:rPr lang="en-US" dirty="0" smtClean="0"/>
+              <a:t>Fail serial conveyor</a:t>
+            </a:r>
+          </a:p>
+          <a:p>
+            <a:pPr lvl="1"/>
+            <a:r>
+              <a:rPr lang="en-US" dirty="0" smtClean="0"/>
+              <a:t>Invalid serial conveyor</a:t>
+            </a:r>
+          </a:p>
+          <a:p>
+            <a:r>
+              <a:rPr lang="en-US" dirty="0" smtClean="0"/>
+              <a:t>Only one robot exists and the availability of the robot is based on the tasks from PC.</a:t>
+            </a:r>
+          </a:p>
+          <a:p>
+            <a:r>
+              <a:rPr lang="en-US" dirty="0" smtClean="0"/>
+              <a:t>Four test stations exists for testing four serials in parallel.</a:t>
+            </a:r>
+          </a:p>
+          <a:p>
+            <a:r>
+              <a:rPr lang="en-US" dirty="0" smtClean="0"/>
+              <a:t>Air Leak Test Instrument, Model-E from ATC is used for testing purpose.</a:t>
+            </a:r>
+          </a:p>
+          <a:p>
+            <a:endParaRPr lang="en-US" dirty="0" smtClean="0"/>
+          </a:p>
+        </p:txBody>
+      </p:sp>
+    </p:spTree>
+    <p:extLst>
+      <p:ext uri="{BB962C8B-B14F-4D97-AF65-F5344CB8AC3E}">
+        <p14:creationId xmlns:p14="http://schemas.microsoft.com/office/powerpoint/2010/main" val="3652892771"/>
+      </p:ext>
+    </p:extLst>
+  </p:cSld>
+  <p:clrMapOvr>
+    <a:masterClrMapping/>
+  </p:clrMapOvr>
+</p:sld>
+</file>
+
+<file path=ppt/slides/slide3.xml><?xml version="1.0" encoding="utf-8"?>
+<p:sld xmlns:a="http://schemas.openxmlformats.org/drawingml/2006/main" xmlns:r="http://schemas.openxmlformats.org/officeDocument/2006/relationships" xmlns:p="http://schemas.openxmlformats.org/presentationml/2006/main">
+  <p:cSld>
+    <p:spTree>
+      <p:nvGrpSpPr>
+        <p:cNvPr id="1" name=""/>
+        <p:cNvGrpSpPr/>
+        <p:nvPr/>
+      </p:nvGrpSpPr>
+      <p:grpSpPr>
+        <a:xfrm>
+          <a:off x="0" y="0"/>
+          <a:ext cx="0" cy="0"/>
+          <a:chOff x="0" y="0"/>
+          <a:chExt cx="0" cy="0"/>
+        </a:xfrm>
+      </p:grpSpPr>
+      <p:sp>
+        <p:nvSpPr>
           <p:cNvPr id="4" name="Flowchart: Direct Access Storage 3"/>
           <p:cNvSpPr/>
           <p:nvPr/>
         </p:nvSpPr>
         <p:spPr>
           <a:xfrm rot="16200000">
-            <a:off x="521151" y="4298692"/>
+            <a:off x="210705" y="4723099"/>
             <a:ext cx="1656184" cy="1273571"/>
           </a:xfrm>
           <a:prstGeom prst="flowChartMagneticDrum">
@@ -3153,7 +3639,7 @@
         </p:nvSpPr>
         <p:spPr>
           <a:xfrm rot="16200000">
-            <a:off x="536830" y="676748"/>
+            <a:off x="226384" y="1101155"/>
             <a:ext cx="1624827" cy="1061949"/>
           </a:xfrm>
           <a:prstGeom prst="flowChartMagneticDrum">
@@ -3197,7 +3683,7 @@
         </p:nvSpPr>
         <p:spPr>
           <a:xfrm>
-            <a:off x="521150" y="2524192"/>
+            <a:off x="210704" y="2948599"/>
             <a:ext cx="1656184" cy="1224136"/>
           </a:xfrm>
           <a:prstGeom prst="rect">
@@ -3241,7 +3727,7 @@
         </p:nvSpPr>
         <p:spPr>
           <a:xfrm rot="16200000">
-            <a:off x="6612713" y="4366125"/>
+            <a:off x="6302267" y="4790532"/>
             <a:ext cx="522548" cy="609554"/>
           </a:xfrm>
           <a:prstGeom prst="flowChartMagneticDrum">
@@ -3284,7 +3770,7 @@
         </p:nvSpPr>
         <p:spPr>
           <a:xfrm rot="16200000">
-            <a:off x="6612713" y="4646873"/>
+            <a:off x="6302267" y="5071280"/>
             <a:ext cx="522548" cy="609554"/>
           </a:xfrm>
           <a:prstGeom prst="flowChartMagneticDrum">
@@ -3327,7 +3813,7 @@
         </p:nvSpPr>
         <p:spPr>
           <a:xfrm rot="16200000">
-            <a:off x="6612713" y="4924053"/>
+            <a:off x="6302267" y="5348460"/>
             <a:ext cx="522548" cy="609554"/>
           </a:xfrm>
           <a:prstGeom prst="flowChartMagneticDrum">
@@ -3373,7 +3859,7 @@
         </p:nvCxnSpPr>
         <p:spPr>
           <a:xfrm flipH="1" flipV="1">
-            <a:off x="1349242" y="3748328"/>
+            <a:off x="1038796" y="4172735"/>
             <a:ext cx="1" cy="359058"/>
           </a:xfrm>
           <a:prstGeom prst="straightConnector1">
@@ -3409,7 +3895,7 @@
         </p:nvCxnSpPr>
         <p:spPr>
           <a:xfrm flipV="1">
-            <a:off x="1349242" y="2020136"/>
+            <a:off x="1038796" y="2444543"/>
             <a:ext cx="2" cy="504056"/>
           </a:xfrm>
           <a:prstGeom prst="straightConnector1">
@@ -3442,7 +3928,7 @@
         </p:nvSpPr>
         <p:spPr>
           <a:xfrm>
-            <a:off x="6841691" y="650369"/>
+            <a:off x="6531245" y="1074776"/>
             <a:ext cx="2156165" cy="1656184"/>
           </a:xfrm>
           <a:prstGeom prst="decagon">
@@ -3484,7 +3970,7 @@
         </p:nvSpPr>
         <p:spPr>
           <a:xfrm>
-            <a:off x="3275625" y="2306553"/>
+            <a:off x="2965179" y="2730960"/>
             <a:ext cx="2156165" cy="1656184"/>
           </a:xfrm>
           <a:prstGeom prst="decagon">
@@ -3531,7 +4017,7 @@
         </p:nvCxnSpPr>
         <p:spPr>
           <a:xfrm rot="16200000" flipH="1" flipV="1">
-            <a:off x="4547831" y="-415940"/>
+            <a:off x="4237385" y="8467"/>
             <a:ext cx="1972486" cy="4105108"/>
           </a:xfrm>
           <a:prstGeom prst="bentConnector4">
@@ -3570,7 +4056,7 @@
         </p:nvCxnSpPr>
         <p:spPr>
           <a:xfrm rot="10800000" flipV="1">
-            <a:off x="4020562" y="966673"/>
+            <a:off x="3710116" y="1391080"/>
             <a:ext cx="3027024" cy="1339882"/>
           </a:xfrm>
           <a:prstGeom prst="bentConnector2">
@@ -3606,7 +4092,7 @@
         </p:nvCxnSpPr>
         <p:spPr>
           <a:xfrm rot="10800000" flipV="1">
-            <a:off x="5225896" y="1990249"/>
+            <a:off x="4915450" y="2414656"/>
             <a:ext cx="1821691" cy="632608"/>
           </a:xfrm>
           <a:prstGeom prst="bentConnector3">
@@ -3644,7 +4130,7 @@
         </p:nvCxnSpPr>
         <p:spPr>
           <a:xfrm rot="5400000">
-            <a:off x="6095162" y="1643179"/>
+            <a:off x="5784716" y="2067586"/>
             <a:ext cx="828094" cy="2154838"/>
           </a:xfrm>
           <a:prstGeom prst="bentConnector2">
@@ -3680,7 +4166,7 @@
         </p:nvCxnSpPr>
         <p:spPr>
           <a:xfrm rot="10800000" flipV="1">
-            <a:off x="4686853" y="1478461"/>
+            <a:off x="4376407" y="1902868"/>
             <a:ext cx="2154838" cy="828094"/>
           </a:xfrm>
           <a:prstGeom prst="bentConnector2">
@@ -3716,7 +4202,7 @@
         </p:nvCxnSpPr>
         <p:spPr>
           <a:xfrm>
-            <a:off x="5225895" y="3646433"/>
+            <a:off x="4915449" y="4070840"/>
             <a:ext cx="1343315" cy="1024469"/>
           </a:xfrm>
           <a:prstGeom prst="bentConnector3">
@@ -3754,7 +4240,7 @@
         </p:nvCxnSpPr>
         <p:spPr>
           <a:xfrm rot="16200000" flipH="1">
-            <a:off x="5133574" y="3516013"/>
+            <a:off x="4823128" y="3940420"/>
             <a:ext cx="988915" cy="1882357"/>
           </a:xfrm>
           <a:prstGeom prst="bentConnector2">
@@ -3790,7 +4276,7 @@
         </p:nvCxnSpPr>
         <p:spPr>
           <a:xfrm rot="16200000" flipH="1">
-            <a:off x="4661839" y="3321458"/>
+            <a:off x="4351393" y="3745865"/>
             <a:ext cx="1266095" cy="2548648"/>
           </a:xfrm>
           <a:prstGeom prst="bentConnector2">
@@ -3823,7 +4309,7 @@
         </p:nvSpPr>
         <p:spPr>
           <a:xfrm rot="16200000">
-            <a:off x="6606096" y="5254112"/>
+            <a:off x="6295650" y="5678519"/>
             <a:ext cx="522548" cy="609554"/>
           </a:xfrm>
           <a:prstGeom prst="flowChartMagneticDrum">
@@ -3869,7 +4355,7 @@
         </p:nvCxnSpPr>
         <p:spPr>
           <a:xfrm rot="10800000" flipH="1" flipV="1">
-            <a:off x="3481519" y="3646433"/>
+            <a:off x="3171073" y="4070840"/>
             <a:ext cx="3081073" cy="1912456"/>
           </a:xfrm>
           <a:prstGeom prst="bentConnector3">
@@ -3907,7 +4393,7 @@
         </p:nvCxnSpPr>
         <p:spPr>
           <a:xfrm rot="10800000" flipV="1">
-            <a:off x="2177335" y="3134644"/>
+            <a:off x="1866889" y="3559051"/>
             <a:ext cx="1098291" cy="1615"/>
           </a:xfrm>
           <a:prstGeom prst="bentConnector3">
@@ -3940,7 +4426,7 @@
         </p:nvSpPr>
         <p:spPr>
           <a:xfrm>
-            <a:off x="256090" y="5820163"/>
+            <a:off x="-54356" y="6244570"/>
             <a:ext cx="2186304" cy="646331"/>
           </a:xfrm>
           <a:prstGeom prst="rect">
@@ -3978,7 +4464,7 @@
         </p:nvSpPr>
         <p:spPr>
           <a:xfrm>
-            <a:off x="3027805" y="395309"/>
+            <a:off x="2717359" y="819716"/>
             <a:ext cx="1660006" cy="369332"/>
           </a:xfrm>
           <a:prstGeom prst="rect">
@@ -4008,7 +4494,7 @@
         </p:nvSpPr>
         <p:spPr>
           <a:xfrm>
-            <a:off x="3991443" y="937062"/>
+            <a:off x="3680997" y="1361469"/>
             <a:ext cx="1574342" cy="369332"/>
           </a:xfrm>
           <a:prstGeom prst="rect">
@@ -4038,7 +4524,7 @@
         </p:nvSpPr>
         <p:spPr>
           <a:xfrm>
-            <a:off x="4632359" y="1438815"/>
+            <a:off x="4321913" y="1863222"/>
             <a:ext cx="854721" cy="369332"/>
           </a:xfrm>
           <a:prstGeom prst="rect">
@@ -4068,7 +4554,7 @@
         </p:nvSpPr>
         <p:spPr>
           <a:xfrm>
-            <a:off x="5487493" y="1931985"/>
+            <a:off x="5177047" y="2356392"/>
             <a:ext cx="630942" cy="369332"/>
           </a:xfrm>
           <a:prstGeom prst="rect">
@@ -4098,7 +4584,7 @@
         </p:nvSpPr>
         <p:spPr>
           <a:xfrm>
-            <a:off x="7011401" y="2772422"/>
+            <a:off x="6700955" y="3196829"/>
             <a:ext cx="566052" cy="369332"/>
           </a:xfrm>
           <a:prstGeom prst="rect">
@@ -4128,7 +4614,7 @@
         </p:nvSpPr>
         <p:spPr>
           <a:xfrm>
-            <a:off x="2997966" y="5262241"/>
+            <a:off x="2687520" y="5686648"/>
             <a:ext cx="566052" cy="369332"/>
           </a:xfrm>
           <a:prstGeom prst="rect">
@@ -4158,7 +4644,7 @@
         </p:nvSpPr>
         <p:spPr>
           <a:xfrm>
-            <a:off x="4008692" y="4937574"/>
+            <a:off x="3698246" y="5361981"/>
             <a:ext cx="630942" cy="369332"/>
           </a:xfrm>
           <a:prstGeom prst="rect">
@@ -4188,7 +4674,7 @@
         </p:nvSpPr>
         <p:spPr>
           <a:xfrm>
-            <a:off x="4751464" y="4656278"/>
+            <a:off x="4441018" y="5080685"/>
             <a:ext cx="595035" cy="369332"/>
           </a:xfrm>
           <a:prstGeom prst="rect">
@@ -4218,7 +4704,7 @@
         </p:nvSpPr>
         <p:spPr>
           <a:xfrm>
-            <a:off x="5522000" y="4086461"/>
+            <a:off x="5211554" y="4510868"/>
             <a:ext cx="958917" cy="646331"/>
           </a:xfrm>
           <a:prstGeom prst="rect">
@@ -4248,61 +4734,13 @@
       </p:sp>
       <p:sp>
         <p:nvSpPr>
-          <p:cNvPr id="2" name="TextBox 1"/>
-          <p:cNvSpPr txBox="1"/>
-          <p:nvPr/>
-        </p:nvSpPr>
-        <p:spPr>
-          <a:xfrm>
-            <a:off x="7317025" y="4681667"/>
-            <a:ext cx="3653949" cy="646331"/>
-          </a:xfrm>
-          <a:prstGeom prst="rect">
-            <a:avLst/>
-          </a:prstGeom>
-          <a:noFill/>
-        </p:spPr>
-        <p:txBody>
-          <a:bodyPr wrap="none" rtlCol="0">
-            <a:spAutoFit/>
-          </a:bodyPr>
-          <a:lstStyle/>
-          <a:p>
-            <a:r>
-              <a:rPr lang="en-GB" dirty="0" smtClean="0">
-                <a:solidFill>
-                  <a:srgbClr val="FF0000"/>
-                </a:solidFill>
-              </a:rPr>
-              <a:t>Only 3 DO lines are used in S/W</a:t>
-            </a:r>
-          </a:p>
-          <a:p>
-            <a:r>
-              <a:rPr lang="en-GB" dirty="0" smtClean="0">
-                <a:solidFill>
-                  <a:srgbClr val="FF0000"/>
-                </a:solidFill>
-              </a:rPr>
-              <a:t>Where as 4 DO lines are used in H/W</a:t>
-            </a:r>
-            <a:endParaRPr lang="en-IN" dirty="0">
-              <a:solidFill>
-                <a:srgbClr val="FF0000"/>
-              </a:solidFill>
-            </a:endParaRPr>
-          </a:p>
-        </p:txBody>
-      </p:sp>
-      <p:sp>
-        <p:nvSpPr>
           <p:cNvPr id="38" name="Flowchart: Direct Access Storage 37"/>
           <p:cNvSpPr/>
           <p:nvPr/>
         </p:nvSpPr>
         <p:spPr>
           <a:xfrm rot="15369931">
-            <a:off x="5468177" y="392958"/>
+            <a:off x="5157731" y="817365"/>
             <a:ext cx="226394" cy="177506"/>
           </a:xfrm>
           <a:prstGeom prst="flowChartMagneticDrum">
@@ -4345,7 +4783,7 @@
         </p:nvSpPr>
         <p:spPr>
           <a:xfrm rot="15145955">
-            <a:off x="5442610" y="167090"/>
+            <a:off x="5132164" y="591497"/>
             <a:ext cx="157839" cy="456436"/>
           </a:xfrm>
           <a:prstGeom prst="flowChartMagneticDrum">
@@ -4388,7 +4826,7 @@
         </p:nvSpPr>
         <p:spPr>
           <a:xfrm rot="15369931">
-            <a:off x="5970678" y="964321"/>
+            <a:off x="5660232" y="1388728"/>
             <a:ext cx="226394" cy="177506"/>
           </a:xfrm>
           <a:prstGeom prst="flowChartMagneticDrum">
@@ -4431,7 +4869,7 @@
         </p:nvSpPr>
         <p:spPr>
           <a:xfrm rot="15145955">
-            <a:off x="5945111" y="738453"/>
+            <a:off x="5634665" y="1162860"/>
             <a:ext cx="157839" cy="456436"/>
           </a:xfrm>
           <a:prstGeom prst="flowChartMagneticDrum">
@@ -4463,6 +4901,53 @@
           <a:p>
             <a:pPr algn="ctr"/>
             <a:endParaRPr lang="en-IN"/>
+          </a:p>
+        </p:txBody>
+      </p:sp>
+      <p:sp>
+        <p:nvSpPr>
+          <p:cNvPr id="41" name="Title 1"/>
+          <p:cNvSpPr txBox="1">
+            <a:spLocks/>
+          </p:cNvSpPr>
+          <p:nvPr/>
+        </p:nvSpPr>
+        <p:spPr>
+          <a:xfrm>
+            <a:off x="-39263" y="-183143"/>
+            <a:ext cx="8229600" cy="1143000"/>
+          </a:xfrm>
+          <a:prstGeom prst="rect">
+            <a:avLst/>
+          </a:prstGeom>
+        </p:spPr>
+        <p:txBody>
+          <a:bodyPr vert="horz" lIns="91440" tIns="45720" rIns="91440" bIns="45720" rtlCol="0" anchor="ctr">
+            <a:normAutofit fontScale="97500"/>
+          </a:bodyPr>
+          <a:lstStyle>
+            <a:lvl1pPr algn="ctr" defTabSz="914400" rtl="0" eaLnBrk="1" latinLnBrk="0" hangingPunct="1">
+              <a:spcBef>
+                <a:spcPct val="0"/>
+              </a:spcBef>
+              <a:buNone/>
+              <a:defRPr sz="4400" kern="1200">
+                <a:solidFill>
+                  <a:schemeClr val="tx1"/>
+                </a:solidFill>
+                <a:latin typeface="+mj-lt"/>
+                <a:ea typeface="+mj-ea"/>
+                <a:cs typeface="+mj-cs"/>
+              </a:defRPr>
+            </a:lvl1pPr>
+          </a:lstStyle>
+          <a:p>
+            <a:pPr algn="l"/>
+            <a:r>
+              <a:rPr lang="en-US" dirty="0" smtClean="0"/>
+              <a:t>Existing ALT Setup</a:t>
+            </a:r>
+            <a:endParaRPr lang="en-IN" sz="2700" dirty="0"/>
           </a:p>
         </p:txBody>
       </p:sp>
@@ -4486,7 +4971,7 @@
 </p:sld>
 </file>
 
-<file path=ppt/slides/slide2.xml><?xml version="1.0" encoding="utf-8"?>
+<file path=ppt/slides/slide4.xml><?xml version="1.0" encoding="utf-8"?>
 <p:sld xmlns:a="http://schemas.openxmlformats.org/drawingml/2006/main" xmlns:r="http://schemas.openxmlformats.org/officeDocument/2006/relationships" xmlns:p="http://schemas.openxmlformats.org/presentationml/2006/main">
   <p:cSld>
     <p:spTree>
@@ -4511,7 +4996,7 @@
         </p:nvSpPr>
         <p:spPr>
           <a:xfrm rot="16200000">
-            <a:off x="600647" y="676748"/>
+            <a:off x="600647" y="1349707"/>
             <a:ext cx="1624827" cy="1061949"/>
           </a:xfrm>
           <a:prstGeom prst="flowChartMagneticDrum">
@@ -4558,7 +5043,7 @@
         </p:nvCxnSpPr>
         <p:spPr>
           <a:xfrm flipV="1">
-            <a:off x="1412105" y="2020136"/>
+            <a:off x="1412105" y="2693095"/>
             <a:ext cx="956" cy="284296"/>
           </a:xfrm>
           <a:prstGeom prst="straightConnector1">
@@ -4591,7 +5076,7 @@
         </p:nvSpPr>
         <p:spPr>
           <a:xfrm>
-            <a:off x="6841691" y="650369"/>
+            <a:off x="6841691" y="1323328"/>
             <a:ext cx="2156165" cy="1656184"/>
           </a:xfrm>
           <a:prstGeom prst="decagon">
@@ -4636,7 +5121,7 @@
         </p:nvCxnSpPr>
         <p:spPr>
           <a:xfrm rot="16200000" flipH="1" flipV="1">
-            <a:off x="4625082" y="-325343"/>
+            <a:off x="4625082" y="347616"/>
             <a:ext cx="1985833" cy="3937259"/>
           </a:xfrm>
           <a:prstGeom prst="bentConnector4">
@@ -4675,7 +5160,7 @@
         </p:nvCxnSpPr>
         <p:spPr>
           <a:xfrm rot="10800000" flipV="1">
-            <a:off x="3988112" y="966672"/>
+            <a:off x="3988112" y="1639631"/>
             <a:ext cx="3059474" cy="1517381"/>
           </a:xfrm>
           <a:prstGeom prst="bentConnector2">
@@ -4711,7 +5196,7 @@
         </p:nvCxnSpPr>
         <p:spPr>
           <a:xfrm rot="10800000" flipV="1">
-            <a:off x="4787236" y="1990248"/>
+            <a:off x="4787236" y="2663207"/>
             <a:ext cx="2260350" cy="493805"/>
           </a:xfrm>
           <a:prstGeom prst="bentConnector2">
@@ -4747,7 +5232,7 @@
         </p:nvCxnSpPr>
         <p:spPr>
           <a:xfrm flipH="1">
-            <a:off x="5431790" y="1990249"/>
+            <a:off x="5431790" y="2663208"/>
             <a:ext cx="3360171" cy="1142273"/>
           </a:xfrm>
           <a:prstGeom prst="bentConnector3">
@@ -4785,7 +5270,7 @@
         </p:nvCxnSpPr>
         <p:spPr>
           <a:xfrm rot="10800000" flipV="1">
-            <a:off x="4387675" y="1478460"/>
+            <a:off x="4387675" y="2151419"/>
             <a:ext cx="2454017" cy="952165"/>
           </a:xfrm>
           <a:prstGeom prst="bentConnector2">
@@ -4821,7 +5306,7 @@
         </p:nvCxnSpPr>
         <p:spPr>
           <a:xfrm rot="16200000" flipH="1">
-            <a:off x="5233267" y="3334959"/>
+            <a:off x="5233267" y="4007918"/>
             <a:ext cx="889912" cy="1781974"/>
           </a:xfrm>
           <a:prstGeom prst="bentConnector2">
@@ -4857,7 +5342,7 @@
         </p:nvCxnSpPr>
         <p:spPr>
           <a:xfrm rot="16200000" flipH="1">
-            <a:off x="4919826" y="3302266"/>
+            <a:off x="4919826" y="3975225"/>
             <a:ext cx="1117232" cy="2181536"/>
           </a:xfrm>
           <a:prstGeom prst="bentConnector2">
@@ -4893,7 +5378,7 @@
         </p:nvCxnSpPr>
         <p:spPr>
           <a:xfrm rot="16200000" flipH="1">
-            <a:off x="4554741" y="3214361"/>
+            <a:off x="4554741" y="3887320"/>
             <a:ext cx="1447840" cy="2581098"/>
           </a:xfrm>
           <a:prstGeom prst="bentConnector2">
@@ -4926,7 +5411,7 @@
         </p:nvGrpSpPr>
         <p:grpSpPr>
           <a:xfrm>
-            <a:off x="6569210" y="4409628"/>
+            <a:off x="6569210" y="5082587"/>
             <a:ext cx="621987" cy="1410535"/>
             <a:chOff x="6569210" y="4409628"/>
             <a:chExt cx="621987" cy="1410535"/>
@@ -5116,7 +5601,7 @@
         </p:nvCxnSpPr>
         <p:spPr>
           <a:xfrm rot="10800000" flipH="1" flipV="1">
-            <a:off x="3649369" y="3628839"/>
+            <a:off x="3649369" y="4301798"/>
             <a:ext cx="2932274" cy="1930049"/>
           </a:xfrm>
           <a:prstGeom prst="bentConnector3">
@@ -5154,7 +5639,7 @@
         </p:nvCxnSpPr>
         <p:spPr>
           <a:xfrm rot="10800000">
-            <a:off x="2231536" y="3132522"/>
+            <a:off x="2231536" y="3805481"/>
             <a:ext cx="1112022" cy="12700"/>
           </a:xfrm>
           <a:prstGeom prst="bentConnector3">
@@ -5187,7 +5672,7 @@
         </p:nvSpPr>
         <p:spPr>
           <a:xfrm>
-            <a:off x="3027805" y="395309"/>
+            <a:off x="3027805" y="1068268"/>
             <a:ext cx="751103" cy="369332"/>
           </a:xfrm>
           <a:prstGeom prst="rect">
@@ -5217,7 +5702,7 @@
         </p:nvSpPr>
         <p:spPr>
           <a:xfrm>
-            <a:off x="3991443" y="937062"/>
+            <a:off x="3991443" y="1610021"/>
             <a:ext cx="665439" cy="369332"/>
           </a:xfrm>
           <a:prstGeom prst="rect">
@@ -5247,7 +5732,7 @@
         </p:nvSpPr>
         <p:spPr>
           <a:xfrm>
-            <a:off x="4357412" y="1472320"/>
+            <a:off x="4357412" y="2145279"/>
             <a:ext cx="854721" cy="369332"/>
           </a:xfrm>
           <a:prstGeom prst="rect">
@@ -5277,7 +5762,7 @@
         </p:nvSpPr>
         <p:spPr>
           <a:xfrm>
-            <a:off x="4751464" y="1977618"/>
+            <a:off x="4751464" y="2650577"/>
             <a:ext cx="630942" cy="369332"/>
           </a:xfrm>
           <a:prstGeom prst="rect">
@@ -5307,7 +5792,7 @@
         </p:nvSpPr>
         <p:spPr>
           <a:xfrm>
-            <a:off x="5533030" y="2299387"/>
+            <a:off x="5533030" y="2972346"/>
             <a:ext cx="566052" cy="369332"/>
           </a:xfrm>
           <a:prstGeom prst="rect">
@@ -5337,7 +5822,7 @@
         </p:nvSpPr>
         <p:spPr>
           <a:xfrm>
-            <a:off x="4742222" y="4324729"/>
+            <a:off x="4742222" y="4997688"/>
             <a:ext cx="566052" cy="369332"/>
           </a:xfrm>
           <a:prstGeom prst="rect">
@@ -5367,7 +5852,7 @@
         </p:nvSpPr>
         <p:spPr>
           <a:xfrm>
-            <a:off x="4324162" y="4601892"/>
+            <a:off x="4324162" y="5274851"/>
             <a:ext cx="630942" cy="369332"/>
           </a:xfrm>
           <a:prstGeom prst="rect">
@@ -5397,7 +5882,7 @@
         </p:nvSpPr>
         <p:spPr>
           <a:xfrm>
-            <a:off x="3972228" y="4928282"/>
+            <a:off x="3972228" y="5601241"/>
             <a:ext cx="595035" cy="369332"/>
           </a:xfrm>
           <a:prstGeom prst="rect">
@@ -5427,7 +5912,7 @@
         </p:nvSpPr>
         <p:spPr>
           <a:xfrm>
-            <a:off x="3032526" y="4974448"/>
+            <a:off x="3032526" y="5647407"/>
             <a:ext cx="958917" cy="646331"/>
           </a:xfrm>
           <a:prstGeom prst="rect">
@@ -5463,7 +5948,7 @@
         </p:nvSpPr>
         <p:spPr>
           <a:xfrm>
-            <a:off x="-140246" y="2304430"/>
+            <a:off x="-140246" y="2977389"/>
             <a:ext cx="2371782" cy="1656184"/>
           </a:xfrm>
           <a:prstGeom prst="decagon">
@@ -5507,7 +5992,7 @@
         </p:nvSpPr>
         <p:spPr>
           <a:xfrm>
-            <a:off x="-8101408" y="2320272"/>
+            <a:off x="-8101408" y="2993231"/>
             <a:ext cx="2371782" cy="1656184"/>
           </a:xfrm>
           <a:prstGeom prst="decagon">
@@ -5570,7 +6055,7 @@
         </p:nvSpPr>
         <p:spPr>
           <a:xfrm>
-            <a:off x="-1639719" y="1104062"/>
+            <a:off x="-1639719" y="1777021"/>
             <a:ext cx="1728192" cy="788445"/>
           </a:xfrm>
           <a:prstGeom prst="rect">
@@ -5615,7 +6100,7 @@
         </p:nvCxnSpPr>
         <p:spPr>
           <a:xfrm>
-            <a:off x="88473" y="1498285"/>
+            <a:off x="88473" y="2171244"/>
             <a:ext cx="590712" cy="806147"/>
           </a:xfrm>
           <a:prstGeom prst="bentConnector2">
@@ -5651,7 +6136,7 @@
         </p:nvCxnSpPr>
         <p:spPr>
           <a:xfrm flipH="1">
-            <a:off x="-5956111" y="3644310"/>
+            <a:off x="-5956111" y="4317269"/>
             <a:ext cx="6042350" cy="15842"/>
           </a:xfrm>
           <a:prstGeom prst="straightConnector1">
@@ -5687,7 +6172,7 @@
         </p:nvCxnSpPr>
         <p:spPr>
           <a:xfrm flipV="1">
-            <a:off x="-5956111" y="2620734"/>
+            <a:off x="-5956111" y="3293693"/>
             <a:ext cx="6042350" cy="15842"/>
           </a:xfrm>
           <a:prstGeom prst="straightConnector1">
@@ -5720,8 +6205,8 @@
         </p:nvSpPr>
         <p:spPr>
           <a:xfrm>
-            <a:off x="-5738654" y="590580"/>
-            <a:ext cx="2535246" cy="2031325"/>
+            <a:off x="-5738654" y="1547288"/>
+            <a:ext cx="3168431" cy="2031325"/>
           </a:xfrm>
           <a:prstGeom prst="rect">
             <a:avLst/>
@@ -5789,20 +6274,17 @@
               <a:buAutoNum type="arabicPeriod"/>
             </a:pPr>
             <a:r>
-              <a:rPr lang="en-GB" dirty="0" smtClean="0"/>
-              <a:t>Station # to Start Test</a:t>
-            </a:r>
+              <a:rPr lang="en-GB" dirty="0" err="1" smtClean="0"/>
+              <a:t>Station_No_Start_Stop_Test</a:t>
+            </a:r>
+            <a:endParaRPr lang="en-GB" dirty="0"/>
           </a:p>
           <a:p>
             <a:pPr marL="342900" indent="-342900">
               <a:buFont typeface="+mj-lt"/>
               <a:buAutoNum type="arabicPeriod"/>
             </a:pPr>
-            <a:r>
-              <a:rPr lang="en-GB" dirty="0" smtClean="0"/>
-              <a:t>Read  Tag Ack.</a:t>
-            </a:r>
-            <a:endParaRPr lang="en-IN" dirty="0"/>
+            <a:endParaRPr lang="en-IN" dirty="0" smtClean="0"/>
           </a:p>
         </p:txBody>
       </p:sp>
@@ -5814,8 +6296,8 @@
         </p:nvSpPr>
         <p:spPr>
           <a:xfrm>
-            <a:off x="-5729626" y="3624425"/>
-            <a:ext cx="2981394" cy="3139321"/>
+            <a:off x="-5729626" y="4297384"/>
+            <a:ext cx="2809872" cy="3139321"/>
           </a:xfrm>
           <a:prstGeom prst="rect">
             <a:avLst/>
@@ -5834,7 +6316,7 @@
             </a:r>
           </a:p>
           <a:p>
-            <a:pPr marL="342900" indent="-342900">
+            <a:pPr>
               <a:buFont typeface="+mj-lt"/>
               <a:buAutoNum type="arabicPeriod"/>
             </a:pPr>
@@ -5845,102 +6327,102 @@
             <a:endParaRPr lang="en-IN" dirty="0"/>
           </a:p>
           <a:p>
-            <a:pPr marL="342900" indent="-342900">
+            <a:pPr>
               <a:buFont typeface="+mj-lt"/>
               <a:buAutoNum type="arabicPeriod"/>
             </a:pPr>
             <a:r>
-              <a:rPr lang="en-IN" dirty="0" err="1"/>
+              <a:rPr lang="en-IN" dirty="0" err="1" smtClean="0"/>
               <a:t>New_Serial</a:t>
             </a:r>
             <a:endParaRPr lang="en-IN" dirty="0"/>
           </a:p>
           <a:p>
-            <a:pPr marL="342900" indent="-342900">
+            <a:pPr>
               <a:buFont typeface="+mj-lt"/>
               <a:buAutoNum type="arabicPeriod"/>
             </a:pPr>
             <a:r>
-              <a:rPr lang="en-IN" dirty="0" err="1"/>
+              <a:rPr lang="en-IN" dirty="0" err="1" smtClean="0"/>
               <a:t>Serial_Adapter_Plate_Size</a:t>
             </a:r>
             <a:endParaRPr lang="en-IN" dirty="0"/>
           </a:p>
           <a:p>
-            <a:pPr marL="342900" indent="-342900">
+            <a:pPr>
               <a:buFont typeface="+mj-lt"/>
               <a:buAutoNum type="arabicPeriod"/>
             </a:pPr>
             <a:r>
-              <a:rPr lang="en-IN" dirty="0" err="1"/>
+              <a:rPr lang="en-IN" dirty="0" err="1" smtClean="0"/>
               <a:t>Serial_Displacement_Size</a:t>
             </a:r>
-            <a:endParaRPr lang="en-IN" dirty="0"/>
-          </a:p>
-          <a:p>
-            <a:pPr marL="342900" indent="-342900">
+            <a:endParaRPr lang="en-IN" dirty="0" smtClean="0"/>
+          </a:p>
+          <a:p>
+            <a:pPr>
               <a:buFont typeface="+mj-lt"/>
               <a:buAutoNum type="arabicPeriod"/>
             </a:pPr>
             <a:r>
-              <a:rPr lang="en-IN" dirty="0" err="1"/>
+              <a:rPr lang="en-IN" dirty="0" err="1" smtClean="0"/>
               <a:t>Serial_Flange_Size</a:t>
             </a:r>
-            <a:endParaRPr lang="en-IN" dirty="0"/>
-          </a:p>
-          <a:p>
-            <a:pPr marL="342900" indent="-342900">
+            <a:endParaRPr lang="en-IN" dirty="0" smtClean="0"/>
+          </a:p>
+          <a:p>
+            <a:pPr>
               <a:buFont typeface="+mj-lt"/>
               <a:buAutoNum type="arabicPeriod"/>
             </a:pPr>
             <a:r>
-              <a:rPr lang="en-IN" dirty="0" err="1"/>
+              <a:rPr lang="en-IN" dirty="0" err="1" smtClean="0"/>
               <a:t>Test_Result</a:t>
             </a:r>
-            <a:endParaRPr lang="en-IN" dirty="0"/>
-          </a:p>
-          <a:p>
-            <a:pPr marL="342900" indent="-342900">
+            <a:endParaRPr lang="en-IN" dirty="0" smtClean="0"/>
+          </a:p>
+          <a:p>
+            <a:pPr>
               <a:buFont typeface="+mj-lt"/>
               <a:buAutoNum type="arabicPeriod"/>
             </a:pPr>
             <a:r>
-              <a:rPr lang="en-IN" dirty="0" err="1"/>
+              <a:rPr lang="en-IN" dirty="0" err="1" smtClean="0"/>
               <a:t>Station_Number</a:t>
             </a:r>
-            <a:endParaRPr lang="en-IN" dirty="0"/>
-          </a:p>
-          <a:p>
-            <a:pPr marL="342900" indent="-342900">
+            <a:endParaRPr lang="en-IN" dirty="0" smtClean="0"/>
+          </a:p>
+          <a:p>
+            <a:pPr>
               <a:buFont typeface="+mj-lt"/>
               <a:buAutoNum type="arabicPeriod"/>
             </a:pPr>
             <a:r>
-              <a:rPr lang="en-IN" dirty="0"/>
+              <a:rPr lang="en-IN" dirty="0" smtClean="0"/>
               <a:t>Rerun</a:t>
             </a:r>
           </a:p>
           <a:p>
-            <a:pPr marL="342900" indent="-342900">
+            <a:pPr>
               <a:buFont typeface="+mj-lt"/>
               <a:buAutoNum type="arabicPeriod"/>
             </a:pPr>
             <a:r>
               <a:rPr lang="en-IN" dirty="0" err="1" smtClean="0"/>
-              <a:t>Invalid_Serial_Number</a:t>
+              <a:t>Invalid_SNo</a:t>
             </a:r>
             <a:endParaRPr lang="en-IN" dirty="0" smtClean="0"/>
           </a:p>
           <a:p>
-            <a:pPr marL="342900" indent="-342900">
+            <a:pPr>
               <a:buFont typeface="+mj-lt"/>
               <a:buAutoNum type="arabicPeriod"/>
             </a:pPr>
             <a:r>
-              <a:rPr lang="en-GB" dirty="0" smtClean="0"/>
-              <a:t>Write Tag Ack.</a:t>
-            </a:r>
-            <a:endParaRPr lang="en-IN" dirty="0"/>
+              <a:rPr lang="en-US" dirty="0" err="1" smtClean="0"/>
+              <a:t>PC_ACK_Read_Tags</a:t>
+            </a:r>
+            <a:endParaRPr lang="en-US" dirty="0"/>
           </a:p>
         </p:txBody>
       </p:sp>
@@ -5952,7 +6434,7 @@
         </p:nvSpPr>
         <p:spPr>
           <a:xfrm>
-            <a:off x="3343558" y="2430626"/>
+            <a:off x="3343558" y="3103585"/>
             <a:ext cx="2088232" cy="1403792"/>
           </a:xfrm>
           <a:prstGeom prst="star16">
@@ -5999,7 +6481,7 @@
         </p:nvCxnSpPr>
         <p:spPr>
           <a:xfrm rot="5400000">
-            <a:off x="6523932" y="1134932"/>
+            <a:off x="6523932" y="1807891"/>
             <a:ext cx="557369" cy="2900607"/>
           </a:xfrm>
           <a:prstGeom prst="bentConnector2">
@@ -6033,7 +6515,7 @@
         </p:nvSpPr>
         <p:spPr>
           <a:xfrm>
-            <a:off x="7145522" y="2585235"/>
+            <a:off x="7145522" y="3258194"/>
             <a:ext cx="1173078" cy="369332"/>
           </a:xfrm>
           <a:prstGeom prst="rect">
@@ -6066,7 +6548,7 @@
         </p:nvCxnSpPr>
         <p:spPr>
           <a:xfrm flipH="1">
-            <a:off x="5352312" y="1478461"/>
+            <a:off x="5352312" y="2151420"/>
             <a:ext cx="3645544" cy="1922663"/>
           </a:xfrm>
           <a:prstGeom prst="bentConnector3">
@@ -6101,7 +6583,7 @@
         </p:nvSpPr>
         <p:spPr>
           <a:xfrm>
-            <a:off x="8791961" y="2851098"/>
+            <a:off x="8791961" y="3524057"/>
             <a:ext cx="527260" cy="369332"/>
           </a:xfrm>
           <a:prstGeom prst="rect">
@@ -6131,7 +6613,7 @@
         </p:nvSpPr>
         <p:spPr>
           <a:xfrm>
-            <a:off x="9003289" y="3132522"/>
+            <a:off x="9003289" y="3805481"/>
             <a:ext cx="537263" cy="369332"/>
           </a:xfrm>
           <a:prstGeom prst="rect">
@@ -6161,7 +6643,7 @@
         </p:nvSpPr>
         <p:spPr>
           <a:xfrm rot="16200000">
-            <a:off x="584971" y="4563046"/>
+            <a:off x="584971" y="5236005"/>
             <a:ext cx="1656184" cy="1273571"/>
           </a:xfrm>
           <a:prstGeom prst="flowChartMagneticDrum">
@@ -6208,7 +6690,7 @@
         </p:nvCxnSpPr>
         <p:spPr>
           <a:xfrm flipH="1" flipV="1">
-            <a:off x="1412105" y="3960612"/>
+            <a:off x="1412105" y="4633571"/>
             <a:ext cx="958" cy="411128"/>
           </a:xfrm>
           <a:prstGeom prst="straightConnector1">
@@ -6241,7 +6723,7 @@
         </p:nvSpPr>
         <p:spPr>
           <a:xfrm>
-            <a:off x="319910" y="6084517"/>
+            <a:off x="319910" y="6757476"/>
             <a:ext cx="2186304" cy="646331"/>
           </a:xfrm>
           <a:prstGeom prst="rect">
@@ -6273,61 +6755,13 @@
       </p:sp>
       <p:sp>
         <p:nvSpPr>
-          <p:cNvPr id="115" name="TextBox 114"/>
-          <p:cNvSpPr txBox="1"/>
-          <p:nvPr/>
-        </p:nvSpPr>
-        <p:spPr>
-          <a:xfrm>
-            <a:off x="7228616" y="4770379"/>
-            <a:ext cx="3653949" cy="646331"/>
-          </a:xfrm>
-          <a:prstGeom prst="rect">
-            <a:avLst/>
-          </a:prstGeom>
-          <a:noFill/>
-        </p:spPr>
-        <p:txBody>
-          <a:bodyPr wrap="none" rtlCol="0">
-            <a:spAutoFit/>
-          </a:bodyPr>
-          <a:lstStyle/>
-          <a:p>
-            <a:r>
-              <a:rPr lang="en-GB" dirty="0" smtClean="0">
-                <a:solidFill>
-                  <a:srgbClr val="FF0000"/>
-                </a:solidFill>
-              </a:rPr>
-              <a:t>Only 3 DO lines are used in S/W</a:t>
-            </a:r>
-          </a:p>
-          <a:p>
-            <a:r>
-              <a:rPr lang="en-GB" dirty="0" smtClean="0">
-                <a:solidFill>
-                  <a:srgbClr val="FF0000"/>
-                </a:solidFill>
-              </a:rPr>
-              <a:t>Where as 4 DO lines are used in H/W</a:t>
-            </a:r>
-            <a:endParaRPr lang="en-IN" dirty="0">
-              <a:solidFill>
-                <a:srgbClr val="FF0000"/>
-              </a:solidFill>
-            </a:endParaRPr>
-          </a:p>
-        </p:txBody>
-      </p:sp>
-      <p:sp>
-        <p:nvSpPr>
           <p:cNvPr id="116" name="Multiply 115"/>
           <p:cNvSpPr/>
           <p:nvPr/>
         </p:nvSpPr>
         <p:spPr>
           <a:xfrm>
-            <a:off x="4067300" y="4845520"/>
+            <a:off x="4067300" y="5518479"/>
             <a:ext cx="2980286" cy="713368"/>
           </a:xfrm>
           <a:prstGeom prst="mathMultiply">
@@ -6367,7 +6801,7 @@
         </p:nvSpPr>
         <p:spPr>
           <a:xfrm rot="15369931">
-            <a:off x="5468177" y="392958"/>
+            <a:off x="5468177" y="1065917"/>
             <a:ext cx="226394" cy="177506"/>
           </a:xfrm>
           <a:prstGeom prst="flowChartMagneticDrum">
@@ -6410,7 +6844,7 @@
         </p:nvSpPr>
         <p:spPr>
           <a:xfrm rot="15145955">
-            <a:off x="5442610" y="167090"/>
+            <a:off x="5442610" y="840049"/>
             <a:ext cx="157839" cy="456436"/>
           </a:xfrm>
           <a:prstGeom prst="flowChartMagneticDrum">
@@ -6453,7 +6887,7 @@
         </p:nvSpPr>
         <p:spPr>
           <a:xfrm rot="15369931">
-            <a:off x="5860443" y="894171"/>
+            <a:off x="5860443" y="1567130"/>
             <a:ext cx="226394" cy="177506"/>
           </a:xfrm>
           <a:prstGeom prst="flowChartMagneticDrum">
@@ -6496,7 +6930,7 @@
         </p:nvSpPr>
         <p:spPr>
           <a:xfrm rot="15145955">
-            <a:off x="5834876" y="668303"/>
+            <a:off x="5834876" y="1341262"/>
             <a:ext cx="157839" cy="456436"/>
           </a:xfrm>
           <a:prstGeom prst="flowChartMagneticDrum">
@@ -6539,7 +6973,7 @@
         </p:nvSpPr>
         <p:spPr>
           <a:xfrm rot="16200000">
-            <a:off x="-966928" y="4600934"/>
+            <a:off x="-966928" y="5273893"/>
             <a:ext cx="1656184" cy="1273571"/>
           </a:xfrm>
           <a:prstGeom prst="flowChartMagneticDrum">
@@ -6586,7 +7020,7 @@
         </p:nvCxnSpPr>
         <p:spPr>
           <a:xfrm rot="5400000" flipH="1" flipV="1">
-            <a:off x="45666" y="3776110"/>
+            <a:off x="45666" y="4449069"/>
             <a:ext cx="449016" cy="818021"/>
           </a:xfrm>
           <a:prstGeom prst="bentConnector3">
@@ -6611,6 +7045,53 @@
           </a:fontRef>
         </p:style>
       </p:cxnSp>
+      <p:sp>
+        <p:nvSpPr>
+          <p:cNvPr id="56" name="Title 1"/>
+          <p:cNvSpPr txBox="1">
+            <a:spLocks/>
+          </p:cNvSpPr>
+          <p:nvPr/>
+        </p:nvSpPr>
+        <p:spPr>
+          <a:xfrm>
+            <a:off x="-28066" y="-218855"/>
+            <a:ext cx="8229600" cy="1143000"/>
+          </a:xfrm>
+          <a:prstGeom prst="rect">
+            <a:avLst/>
+          </a:prstGeom>
+        </p:spPr>
+        <p:txBody>
+          <a:bodyPr vert="horz" lIns="91440" tIns="45720" rIns="91440" bIns="45720" rtlCol="0" anchor="ctr">
+            <a:normAutofit fontScale="97500"/>
+          </a:bodyPr>
+          <a:lstStyle>
+            <a:lvl1pPr algn="ctr" defTabSz="914400" rtl="0" eaLnBrk="1" latinLnBrk="0" hangingPunct="1">
+              <a:spcBef>
+                <a:spcPct val="0"/>
+              </a:spcBef>
+              <a:buNone/>
+              <a:defRPr sz="4400" kern="1200">
+                <a:solidFill>
+                  <a:schemeClr val="tx1"/>
+                </a:solidFill>
+                <a:latin typeface="+mj-lt"/>
+                <a:ea typeface="+mj-ea"/>
+                <a:cs typeface="+mj-cs"/>
+              </a:defRPr>
+            </a:lvl1pPr>
+          </a:lstStyle>
+          <a:p>
+            <a:pPr algn="l"/>
+            <a:r>
+              <a:rPr lang="en-US" dirty="0" smtClean="0"/>
+              <a:t>New ALT Requirement</a:t>
+            </a:r>
+            <a:endParaRPr lang="en-IN" sz="2700" dirty="0"/>
+          </a:p>
+        </p:txBody>
+      </p:sp>
     </p:spTree>
     <p:extLst>
       <p:ext uri="{BB962C8B-B14F-4D97-AF65-F5344CB8AC3E}">
@@ -6631,258 +7112,6 @@
 </p:sld>
 </file>
 
-<file path=ppt/slides/slide3.xml><?xml version="1.0" encoding="utf-8"?>
-<p:sld xmlns:a="http://schemas.openxmlformats.org/drawingml/2006/main" xmlns:r="http://schemas.openxmlformats.org/officeDocument/2006/relationships" xmlns:p="http://schemas.openxmlformats.org/presentationml/2006/main">
-  <p:cSld>
-    <p:spTree>
-      <p:nvGrpSpPr>
-        <p:cNvPr id="1" name=""/>
-        <p:cNvGrpSpPr/>
-        <p:nvPr/>
-      </p:nvGrpSpPr>
-      <p:grpSpPr>
-        <a:xfrm>
-          <a:off x="0" y="0"/>
-          <a:ext cx="0" cy="0"/>
-          <a:chOff x="0" y="0"/>
-          <a:chExt cx="0" cy="0"/>
-        </a:xfrm>
-      </p:grpSpPr>
-      <p:sp>
-        <p:nvSpPr>
-          <p:cNvPr id="2" name="Title 1"/>
-          <p:cNvSpPr>
-            <a:spLocks noGrp="1"/>
-          </p:cNvSpPr>
-          <p:nvPr>
-            <p:ph type="title"/>
-          </p:nvPr>
-        </p:nvSpPr>
-        <p:spPr/>
-        <p:txBody>
-          <a:bodyPr>
-            <a:normAutofit/>
-          </a:bodyPr>
-          <a:lstStyle/>
-          <a:p>
-            <a:r>
-              <a:rPr lang="en-GB" dirty="0" smtClean="0"/>
-              <a:t>New ALTS - PC Behaviour</a:t>
-            </a:r>
-            <a:endParaRPr lang="en-IN" dirty="0"/>
-          </a:p>
-        </p:txBody>
-      </p:sp>
-      <p:sp>
-        <p:nvSpPr>
-          <p:cNvPr id="3" name="Content Placeholder 2"/>
-          <p:cNvSpPr>
-            <a:spLocks noGrp="1"/>
-          </p:cNvSpPr>
-          <p:nvPr>
-            <p:ph idx="1"/>
-          </p:nvPr>
-        </p:nvSpPr>
-        <p:spPr/>
-        <p:txBody>
-          <a:bodyPr>
-            <a:normAutofit fontScale="85000" lnSpcReduction="20000"/>
-          </a:bodyPr>
-          <a:lstStyle/>
-          <a:p>
-            <a:r>
-              <a:rPr lang="en-GB" dirty="0" smtClean="0"/>
-              <a:t>PC remembers the station occupancy and act accordingly for the new part.</a:t>
-            </a:r>
-          </a:p>
-          <a:p>
-            <a:r>
-              <a:rPr lang="en-GB" dirty="0" smtClean="0"/>
-              <a:t>PC directly controls the SELECT line for ALT instrument to select the test type.</a:t>
-            </a:r>
-          </a:p>
-          <a:p>
-            <a:r>
-              <a:rPr lang="en-GB" dirty="0" smtClean="0"/>
-              <a:t>PC scans for the new serial after getting </a:t>
-            </a:r>
-            <a:r>
-              <a:rPr lang="en-GB" dirty="0" err="1" smtClean="0"/>
-              <a:t>scan_trigger</a:t>
-            </a:r>
-            <a:r>
-              <a:rPr lang="en-GB" dirty="0" smtClean="0"/>
-              <a:t> from PLC</a:t>
-            </a:r>
-          </a:p>
-          <a:p>
-            <a:r>
-              <a:rPr lang="en-GB" dirty="0" smtClean="0"/>
-              <a:t>PC sends the rerun command to Robot and robot acts accordingly (re-clamp part).</a:t>
-            </a:r>
-          </a:p>
-          <a:p>
-            <a:r>
-              <a:rPr lang="en-GB" dirty="0" smtClean="0"/>
-              <a:t>PC sends the invalid s.no along with new s.no to intimate the arrival of serial at scanner stage which has no DB entry</a:t>
-            </a:r>
-            <a:r>
-              <a:rPr lang="en-GB" dirty="0" smtClean="0"/>
-              <a:t>.</a:t>
-            </a:r>
-          </a:p>
-          <a:p>
-            <a:r>
-              <a:rPr lang="en-GB" dirty="0" smtClean="0"/>
-              <a:t>Work order </a:t>
-            </a:r>
-            <a:r>
-              <a:rPr lang="en-GB" smtClean="0"/>
-              <a:t>number will be used from INI file</a:t>
-            </a:r>
-            <a:endParaRPr lang="en-GB" dirty="0" smtClean="0"/>
-          </a:p>
-          <a:p>
-            <a:endParaRPr lang="en-IN" dirty="0"/>
-          </a:p>
-        </p:txBody>
-      </p:sp>
-    </p:spTree>
-    <p:extLst>
-      <p:ext uri="{BB962C8B-B14F-4D97-AF65-F5344CB8AC3E}">
-        <p14:creationId xmlns:p14="http://schemas.microsoft.com/office/powerpoint/2010/main" val="2136999653"/>
-      </p:ext>
-    </p:extLst>
-  </p:cSld>
-  <p:clrMapOvr>
-    <a:masterClrMapping/>
-  </p:clrMapOvr>
-  <p:timing>
-    <p:tnLst>
-      <p:par>
-        <p:cTn id="1" dur="indefinite" restart="never" nodeType="tmRoot"/>
-      </p:par>
-    </p:tnLst>
-  </p:timing>
-</p:sld>
-</file>
-
-<file path=ppt/slides/slide4.xml><?xml version="1.0" encoding="utf-8"?>
-<p:sld xmlns:a="http://schemas.openxmlformats.org/drawingml/2006/main" xmlns:r="http://schemas.openxmlformats.org/officeDocument/2006/relationships" xmlns:p="http://schemas.openxmlformats.org/presentationml/2006/main">
-  <p:cSld>
-    <p:spTree>
-      <p:nvGrpSpPr>
-        <p:cNvPr id="1" name=""/>
-        <p:cNvGrpSpPr/>
-        <p:nvPr/>
-      </p:nvGrpSpPr>
-      <p:grpSpPr>
-        <a:xfrm>
-          <a:off x="0" y="0"/>
-          <a:ext cx="0" cy="0"/>
-          <a:chOff x="0" y="0"/>
-          <a:chExt cx="0" cy="0"/>
-        </a:xfrm>
-      </p:grpSpPr>
-      <p:sp>
-        <p:nvSpPr>
-          <p:cNvPr id="2" name="Title 1"/>
-          <p:cNvSpPr>
-            <a:spLocks noGrp="1"/>
-          </p:cNvSpPr>
-          <p:nvPr>
-            <p:ph type="title"/>
-          </p:nvPr>
-        </p:nvSpPr>
-        <p:spPr/>
-        <p:txBody>
-          <a:bodyPr>
-            <a:normAutofit/>
-          </a:bodyPr>
-          <a:lstStyle/>
-          <a:p>
-            <a:r>
-              <a:rPr lang="en-GB" dirty="0" smtClean="0"/>
-              <a:t>New ALTS – Robot </a:t>
-            </a:r>
-            <a:r>
-              <a:rPr lang="en-GB" dirty="0" err="1" smtClean="0"/>
-              <a:t>Behavior</a:t>
-            </a:r>
-            <a:endParaRPr lang="en-IN" dirty="0"/>
-          </a:p>
-        </p:txBody>
-      </p:sp>
-      <p:sp>
-        <p:nvSpPr>
-          <p:cNvPr id="3" name="Content Placeholder 2"/>
-          <p:cNvSpPr>
-            <a:spLocks noGrp="1"/>
-          </p:cNvSpPr>
-          <p:nvPr>
-            <p:ph idx="1"/>
-          </p:nvPr>
-        </p:nvSpPr>
-        <p:spPr/>
-        <p:txBody>
-          <a:bodyPr/>
-          <a:lstStyle/>
-          <a:p>
-            <a:r>
-              <a:rPr lang="en-GB" dirty="0" smtClean="0"/>
-              <a:t>Should act according for Invalid </a:t>
-            </a:r>
-            <a:r>
-              <a:rPr lang="en-GB" dirty="0" err="1" smtClean="0"/>
-              <a:t>S.No</a:t>
-            </a:r>
-            <a:r>
-              <a:rPr lang="en-GB" dirty="0" smtClean="0"/>
-              <a:t>.  Move the invalid serial (part) to </a:t>
-            </a:r>
-            <a:r>
-              <a:rPr lang="en-GB" dirty="0" err="1" smtClean="0"/>
-              <a:t>appropiate</a:t>
-            </a:r>
-            <a:r>
-              <a:rPr lang="en-GB" dirty="0" smtClean="0"/>
-              <a:t> location.</a:t>
-            </a:r>
-          </a:p>
-          <a:p>
-            <a:r>
-              <a:rPr lang="en-GB" dirty="0" smtClean="0"/>
-              <a:t>Should act </a:t>
-            </a:r>
-            <a:r>
-              <a:rPr lang="en-GB" dirty="0" err="1" smtClean="0"/>
-              <a:t>accodingly</a:t>
-            </a:r>
-            <a:r>
-              <a:rPr lang="en-GB" dirty="0" smtClean="0"/>
-              <a:t> to Test result and rerun command.</a:t>
-            </a:r>
-            <a:r>
-              <a:rPr lang="en-IN" dirty="0" smtClean="0"/>
-              <a:t>  If rerun is true, robot should send the start signal again for the specific station.</a:t>
-            </a:r>
-            <a:endParaRPr lang="en-GB" dirty="0" smtClean="0"/>
-          </a:p>
-        </p:txBody>
-      </p:sp>
-    </p:spTree>
-    <p:extLst>
-      <p:ext uri="{BB962C8B-B14F-4D97-AF65-F5344CB8AC3E}">
-        <p14:creationId xmlns:p14="http://schemas.microsoft.com/office/powerpoint/2010/main" val="3780657917"/>
-      </p:ext>
-    </p:extLst>
-  </p:cSld>
-  <p:clrMapOvr>
-    <a:masterClrMapping/>
-  </p:clrMapOvr>
-</p:sld>
-</file>
-
 <file path=ppt/slides/slide5.xml><?xml version="1.0" encoding="utf-8"?>
 <p:sld xmlns:a="http://schemas.openxmlformats.org/drawingml/2006/main" xmlns:r="http://schemas.openxmlformats.org/officeDocument/2006/relationships" xmlns:p="http://schemas.openxmlformats.org/presentationml/2006/main">
   <p:cSld>
@@ -6912,14 +7141,23 @@
         </p:nvSpPr>
         <p:spPr/>
         <p:txBody>
-          <a:bodyPr/>
-          <a:lstStyle/>
-          <a:p>
-            <a:r>
-              <a:rPr lang="en-GB" dirty="0" smtClean="0"/>
-              <a:t>System Setup</a:t>
-            </a:r>
-            <a:endParaRPr lang="en-IN" dirty="0"/>
+          <a:bodyPr>
+            <a:normAutofit fontScale="90000"/>
+          </a:bodyPr>
+          <a:lstStyle/>
+          <a:p>
+            <a:r>
+              <a:rPr lang="en-US" dirty="0" smtClean="0"/>
+              <a:t>Read Tags - Data</a:t>
+            </a:r>
+            <a:br>
+              <a:rPr lang="en-US" dirty="0" smtClean="0"/>
+            </a:br>
+            <a:r>
+              <a:rPr lang="en-US" sz="2700" dirty="0" smtClean="0"/>
+              <a:t>(from Robot to LabVIEW)</a:t>
+            </a:r>
+            <a:endParaRPr lang="en-IN" sz="2700" dirty="0"/>
           </a:p>
         </p:txBody>
       </p:sp>
@@ -6935,25 +7173,204 @@
         </p:nvSpPr>
         <p:spPr/>
         <p:txBody>
-          <a:bodyPr/>
-          <a:lstStyle/>
-          <a:p>
-            <a:r>
-              <a:rPr lang="en-GB" dirty="0" smtClean="0"/>
-              <a:t>2 scanners for Auto mode &amp; 1 scanner for manual mode</a:t>
-            </a:r>
-          </a:p>
-          <a:p>
-            <a:r>
-              <a:rPr lang="en-GB" dirty="0" smtClean="0"/>
-              <a:t>-add to logic</a:t>
-            </a:r>
-          </a:p>
-          <a:p>
-            <a:r>
-              <a:rPr lang="en-GB" dirty="0" smtClean="0"/>
-              <a:t>Log results for all retest</a:t>
-            </a:r>
+          <a:bodyPr>
+            <a:normAutofit fontScale="55000" lnSpcReduction="20000"/>
+          </a:bodyPr>
+          <a:lstStyle/>
+          <a:p>
+            <a:pPr>
+              <a:buFont typeface="+mj-lt"/>
+              <a:buAutoNum type="arabicPeriod"/>
+            </a:pPr>
+            <a:r>
+              <a:rPr lang="en-IN" dirty="0" err="1" smtClean="0"/>
+              <a:t>Robot_Available</a:t>
+            </a:r>
+            <a:endParaRPr lang="en-IN" dirty="0" smtClean="0"/>
+          </a:p>
+          <a:p>
+            <a:pPr marL="1028700" lvl="1" indent="-571500">
+              <a:buFont typeface="+mj-lt"/>
+              <a:buAutoNum type="alphaLcParenR"/>
+            </a:pPr>
+            <a:r>
+              <a:rPr lang="en-IN" dirty="0" smtClean="0"/>
+              <a:t>1 = Robot </a:t>
+            </a:r>
+            <a:r>
+              <a:rPr lang="en-IN" dirty="0"/>
+              <a:t>Available</a:t>
+            </a:r>
+          </a:p>
+          <a:p>
+            <a:pPr marL="1028700" lvl="1" indent="-571500">
+              <a:buFont typeface="+mj-lt"/>
+              <a:buAutoNum type="alphaLcParenR"/>
+            </a:pPr>
+            <a:r>
+              <a:rPr lang="en-IN" dirty="0" smtClean="0"/>
+              <a:t>0 = Robot </a:t>
+            </a:r>
+            <a:r>
+              <a:rPr lang="en-IN" dirty="0"/>
+              <a:t>Unavailable</a:t>
+            </a:r>
+          </a:p>
+          <a:p>
+            <a:pPr>
+              <a:buFont typeface="+mj-lt"/>
+              <a:buAutoNum type="arabicPeriod"/>
+            </a:pPr>
+            <a:r>
+              <a:rPr lang="en-IN" dirty="0" err="1" smtClean="0"/>
+              <a:t>Start_Test</a:t>
+            </a:r>
+            <a:endParaRPr lang="en-IN" dirty="0" smtClean="0"/>
+          </a:p>
+          <a:p>
+            <a:pPr marL="971550" lvl="1" indent="-514350">
+              <a:buFont typeface="+mj-lt"/>
+              <a:buAutoNum type="alphaLcParenR"/>
+            </a:pPr>
+            <a:r>
+              <a:rPr lang="en-US" dirty="0" smtClean="0"/>
+              <a:t>1 = Start Test</a:t>
+            </a:r>
+          </a:p>
+          <a:p>
+            <a:pPr marL="971550" lvl="1" indent="-514350">
+              <a:buFont typeface="+mj-lt"/>
+              <a:buAutoNum type="alphaLcParenR"/>
+            </a:pPr>
+            <a:r>
+              <a:rPr lang="en-US" dirty="0" smtClean="0"/>
+              <a:t>0 = Nothing</a:t>
+            </a:r>
+            <a:endParaRPr lang="en-IN" dirty="0"/>
+          </a:p>
+          <a:p>
+            <a:pPr>
+              <a:buFont typeface="+mj-lt"/>
+              <a:buAutoNum type="arabicPeriod"/>
+            </a:pPr>
+            <a:r>
+              <a:rPr lang="en-IN" dirty="0" err="1" smtClean="0"/>
+              <a:t>Stop_Test</a:t>
+            </a:r>
+            <a:endParaRPr lang="en-IN" dirty="0" smtClean="0"/>
+          </a:p>
+          <a:p>
+            <a:pPr marL="971550" lvl="1" indent="-514350">
+              <a:buFont typeface="+mj-lt"/>
+              <a:buAutoNum type="alphaLcParenR"/>
+            </a:pPr>
+            <a:r>
+              <a:rPr lang="en-US" dirty="0"/>
+              <a:t>1 = </a:t>
+            </a:r>
+            <a:r>
+              <a:rPr lang="en-US" dirty="0" smtClean="0"/>
+              <a:t>Stop Test</a:t>
+            </a:r>
+            <a:endParaRPr lang="en-US" dirty="0"/>
+          </a:p>
+          <a:p>
+            <a:pPr marL="971550" lvl="1" indent="-514350">
+              <a:buFont typeface="+mj-lt"/>
+              <a:buAutoNum type="alphaLcParenR"/>
+            </a:pPr>
+            <a:r>
+              <a:rPr lang="en-US" dirty="0"/>
+              <a:t>0 = </a:t>
+            </a:r>
+            <a:r>
+              <a:rPr lang="en-US" dirty="0" smtClean="0"/>
+              <a:t>Nothing</a:t>
+            </a:r>
+            <a:endParaRPr lang="en-IN" dirty="0"/>
+          </a:p>
+          <a:p>
+            <a:pPr>
+              <a:buFont typeface="+mj-lt"/>
+              <a:buAutoNum type="arabicPeriod"/>
+            </a:pPr>
+            <a:r>
+              <a:rPr lang="en-GB" dirty="0" err="1"/>
+              <a:t>Station_No_Start_Stop_Test</a:t>
+            </a:r>
+            <a:endParaRPr lang="en-GB" dirty="0"/>
+          </a:p>
+          <a:p>
+            <a:pPr marL="971550" lvl="1" indent="-514350">
+              <a:buFont typeface="+mj-lt"/>
+              <a:buAutoNum type="alphaLcParenR"/>
+            </a:pPr>
+            <a:r>
+              <a:rPr lang="en-GB" dirty="0"/>
+              <a:t>0 = Station-1</a:t>
+            </a:r>
+          </a:p>
+          <a:p>
+            <a:pPr marL="971550" lvl="1" indent="-514350">
+              <a:buFont typeface="+mj-lt"/>
+              <a:buAutoNum type="alphaLcParenR"/>
+            </a:pPr>
+            <a:r>
+              <a:rPr lang="en-GB" dirty="0"/>
+              <a:t>1 = Station-2</a:t>
+            </a:r>
+          </a:p>
+          <a:p>
+            <a:pPr marL="971550" lvl="1" indent="-514350">
+              <a:buFont typeface="+mj-lt"/>
+              <a:buAutoNum type="alphaLcParenR"/>
+            </a:pPr>
+            <a:r>
+              <a:rPr lang="en-GB" dirty="0"/>
+              <a:t>2 = Station-3</a:t>
+            </a:r>
+          </a:p>
+          <a:p>
+            <a:pPr marL="971550" lvl="1" indent="-514350">
+              <a:buFont typeface="+mj-lt"/>
+              <a:buAutoNum type="alphaLcParenR"/>
+            </a:pPr>
+            <a:r>
+              <a:rPr lang="en-GB" dirty="0"/>
+              <a:t>3 = Station-4</a:t>
+            </a:r>
+          </a:p>
+          <a:p>
+            <a:pPr>
+              <a:buFont typeface="+mj-lt"/>
+              <a:buAutoNum type="arabicPeriod"/>
+            </a:pPr>
+            <a:r>
+              <a:rPr lang="en-IN" dirty="0" err="1" smtClean="0"/>
+              <a:t>Scan_Trigger</a:t>
+            </a:r>
+            <a:endParaRPr lang="en-IN" dirty="0" smtClean="0"/>
+          </a:p>
+          <a:p>
+            <a:pPr marL="971550" lvl="1" indent="-514350">
+              <a:buFont typeface="+mj-lt"/>
+              <a:buAutoNum type="alphaLcParenR"/>
+            </a:pPr>
+            <a:r>
+              <a:rPr lang="en-US" dirty="0" smtClean="0"/>
+              <a:t>0 = Scan Trigger (Serial available @ scanner location)</a:t>
+            </a:r>
+          </a:p>
+          <a:p>
+            <a:pPr marL="971550" lvl="1" indent="-514350">
+              <a:buFont typeface="+mj-lt"/>
+              <a:buAutoNum type="alphaLcParenR"/>
+            </a:pPr>
+            <a:r>
+              <a:rPr lang="en-US" dirty="0" smtClean="0"/>
+              <a:t>1 = No trigger</a:t>
+            </a:r>
+            <a:endParaRPr lang="en-IN" dirty="0" smtClean="0"/>
           </a:p>
           <a:p>
             <a:endParaRPr lang="en-IN" dirty="0"/>
@@ -6963,7 +7380,7 @@
     </p:spTree>
     <p:extLst>
       <p:ext uri="{BB962C8B-B14F-4D97-AF65-F5344CB8AC3E}">
-        <p14:creationId xmlns:p14="http://schemas.microsoft.com/office/powerpoint/2010/main" val="3652892771"/>
+        <p14:creationId xmlns:p14="http://schemas.microsoft.com/office/powerpoint/2010/main" val="2386489542"/>
       </p:ext>
     </p:extLst>
   </p:cSld>
@@ -7003,19 +7420,22 @@
         <p:spPr/>
         <p:txBody>
           <a:bodyPr>
-            <a:normAutofit/>
+            <a:normAutofit fontScale="90000"/>
           </a:bodyPr>
           <a:lstStyle/>
           <a:p>
             <a:r>
-              <a:rPr lang="en-GB" dirty="0"/>
-              <a:t>More </a:t>
-            </a:r>
-            <a:r>
-              <a:rPr lang="en-GB" dirty="0" smtClean="0"/>
-              <a:t>Questions</a:t>
-            </a:r>
-            <a:endParaRPr lang="en-IN" dirty="0"/>
+              <a:rPr lang="en-US" dirty="0" smtClean="0"/>
+              <a:t>Write Tags – Data</a:t>
+            </a:r>
+            <a:br>
+              <a:rPr lang="en-US" dirty="0" smtClean="0"/>
+            </a:br>
+            <a:r>
+              <a:rPr lang="en-US" sz="2700" dirty="0" smtClean="0"/>
+              <a:t>(from LabVIEW to Robot)</a:t>
+            </a:r>
+            <a:endParaRPr lang="en-IN" sz="2700" dirty="0"/>
           </a:p>
         </p:txBody>
       </p:sp>
@@ -7032,106 +7452,384 @@
         <p:spPr/>
         <p:txBody>
           <a:bodyPr>
-            <a:normAutofit fontScale="77500" lnSpcReduction="20000"/>
+            <a:normAutofit fontScale="32500" lnSpcReduction="20000"/>
           </a:bodyPr>
           <a:lstStyle/>
           <a:p>
-            <a:pPr marL="514350" indent="-514350">
+            <a:pPr>
               <a:buFont typeface="+mj-lt"/>
               <a:buAutoNum type="arabicPeriod"/>
             </a:pPr>
             <a:r>
-              <a:rPr lang="en-IN" dirty="0" smtClean="0"/>
-              <a:t>We </a:t>
-            </a:r>
-            <a:r>
-              <a:rPr lang="en-IN" dirty="0"/>
-              <a:t>want PLC tags from Eaton</a:t>
-            </a:r>
-          </a:p>
-          <a:p>
-            <a:pPr marL="514350" indent="-514350">
+              <a:rPr lang="en-IN" dirty="0" err="1" smtClean="0"/>
+              <a:t>Task_Available_for_Robot</a:t>
+            </a:r>
+            <a:endParaRPr lang="en-IN" dirty="0" smtClean="0"/>
+          </a:p>
+          <a:p>
+            <a:pPr marL="971550" lvl="1" indent="-514350">
+              <a:buFont typeface="+mj-lt"/>
+              <a:buAutoNum type="alphaLcParenR"/>
+            </a:pPr>
+            <a:r>
+              <a:rPr lang="en-US" dirty="0"/>
+              <a:t>1 = </a:t>
+            </a:r>
+            <a:r>
+              <a:rPr lang="en-US" dirty="0" smtClean="0"/>
+              <a:t>Task Available for Robot</a:t>
+            </a:r>
+            <a:endParaRPr lang="en-US" dirty="0"/>
+          </a:p>
+          <a:p>
+            <a:pPr marL="971550" lvl="1" indent="-514350">
+              <a:buFont typeface="+mj-lt"/>
+              <a:buAutoNum type="alphaLcParenR"/>
+            </a:pPr>
+            <a:r>
+              <a:rPr lang="en-US" dirty="0"/>
+              <a:t>0 = </a:t>
+            </a:r>
+            <a:r>
+              <a:rPr lang="en-US" dirty="0" smtClean="0"/>
+              <a:t>Nothing</a:t>
+            </a:r>
+            <a:endParaRPr lang="en-IN" dirty="0"/>
+          </a:p>
+          <a:p>
+            <a:pPr>
               <a:buFont typeface="+mj-lt"/>
               <a:buAutoNum type="arabicPeriod"/>
             </a:pPr>
             <a:r>
-              <a:rPr lang="en-IN" dirty="0" smtClean="0"/>
-              <a:t>Start </a:t>
-            </a:r>
-            <a:r>
-              <a:rPr lang="en-IN" dirty="0"/>
-              <a:t>signal from ALTS (manual).  How PLC will give us in manual mode?</a:t>
-            </a:r>
-          </a:p>
-          <a:p>
-            <a:pPr marL="514350" indent="-514350">
+              <a:rPr lang="en-IN" dirty="0" err="1" smtClean="0"/>
+              <a:t>New_Serial</a:t>
+            </a:r>
+            <a:endParaRPr lang="en-IN" dirty="0" smtClean="0"/>
+          </a:p>
+          <a:p>
+            <a:pPr marL="971550" lvl="1" indent="-514350">
+              <a:buFont typeface="+mj-lt"/>
+              <a:buAutoNum type="alphaLcParenR"/>
+            </a:pPr>
+            <a:r>
+              <a:rPr lang="en-US" dirty="0"/>
+              <a:t>1 = </a:t>
+            </a:r>
+            <a:r>
+              <a:rPr lang="en-US" dirty="0" smtClean="0"/>
+              <a:t>New Serial Task</a:t>
+            </a:r>
+            <a:endParaRPr lang="en-US" dirty="0"/>
+          </a:p>
+          <a:p>
+            <a:pPr marL="971550" lvl="1" indent="-514350">
+              <a:buFont typeface="+mj-lt"/>
+              <a:buAutoNum type="alphaLcParenR"/>
+            </a:pPr>
+            <a:r>
+              <a:rPr lang="en-US" dirty="0"/>
+              <a:t>0 = </a:t>
+            </a:r>
+            <a:r>
+              <a:rPr lang="en-US" dirty="0" smtClean="0"/>
+              <a:t>Nothing</a:t>
+            </a:r>
+            <a:endParaRPr lang="en-IN" dirty="0"/>
+          </a:p>
+          <a:p>
+            <a:pPr>
               <a:buFont typeface="+mj-lt"/>
               <a:buAutoNum type="arabicPeriod"/>
             </a:pPr>
             <a:r>
-              <a:rPr lang="en-IN" dirty="0" smtClean="0"/>
-              <a:t>What </a:t>
-            </a:r>
-            <a:r>
-              <a:rPr lang="en-IN" dirty="0"/>
-              <a:t>are the emergency stop signals?  How the STOP signal in the existing system is handled</a:t>
-            </a:r>
-            <a:r>
-              <a:rPr lang="en-IN" dirty="0" smtClean="0"/>
-              <a:t>?</a:t>
-            </a:r>
-          </a:p>
-          <a:p>
-            <a:pPr marL="514350" indent="-514350">
+              <a:rPr lang="en-IN" dirty="0" err="1" smtClean="0"/>
+              <a:t>Serial_Adapter_Plate_Size</a:t>
+            </a:r>
+            <a:endParaRPr lang="en-IN" dirty="0" smtClean="0"/>
+          </a:p>
+          <a:p>
+            <a:pPr lvl="1"/>
+            <a:r>
+              <a:rPr lang="en-US" dirty="0"/>
+              <a:t>Numeric data </a:t>
+            </a:r>
+            <a:r>
+              <a:rPr lang="en-US" dirty="0" smtClean="0"/>
+              <a:t>type from DB</a:t>
+            </a:r>
+            <a:endParaRPr lang="en-IN" dirty="0"/>
+          </a:p>
+          <a:p>
+            <a:pPr>
               <a:buFont typeface="+mj-lt"/>
               <a:buAutoNum type="arabicPeriod"/>
             </a:pPr>
             <a:r>
-              <a:rPr lang="en-GB" dirty="0" smtClean="0"/>
-              <a:t>Retest count is INI configured to 1 retest?  It can also be hard coded.  Should we still seek from PLC for count?</a:t>
-            </a:r>
-          </a:p>
-          <a:p>
-            <a:pPr marL="514350" indent="-514350">
+              <a:rPr lang="en-IN" dirty="0" err="1" smtClean="0"/>
+              <a:t>Serial_Displacement_Size</a:t>
+            </a:r>
+            <a:endParaRPr lang="en-IN" dirty="0" smtClean="0"/>
+          </a:p>
+          <a:p>
+            <a:pPr lvl="1"/>
+            <a:r>
+              <a:rPr lang="en-US" dirty="0" smtClean="0"/>
+              <a:t>Numeric data type from DB</a:t>
+            </a:r>
+            <a:endParaRPr lang="en-IN" dirty="0"/>
+          </a:p>
+          <a:p>
+            <a:pPr>
               <a:buFont typeface="+mj-lt"/>
               <a:buAutoNum type="arabicPeriod"/>
             </a:pPr>
             <a:r>
-              <a:rPr lang="en-GB" dirty="0" smtClean="0"/>
-              <a:t>If we can reduce the user count to 1, there are 4 user entries in DB write.  What can we write for User 2, 3 &amp; 4</a:t>
-            </a:r>
-          </a:p>
-          <a:p>
-            <a:pPr marL="514350" indent="-514350">
+              <a:rPr lang="en-IN" dirty="0" err="1" smtClean="0"/>
+              <a:t>Serial_Flange_Size</a:t>
+            </a:r>
+            <a:endParaRPr lang="en-IN" dirty="0" smtClean="0"/>
+          </a:p>
+          <a:p>
+            <a:pPr lvl="1"/>
+            <a:r>
+              <a:rPr lang="en-US" dirty="0" smtClean="0">
+                <a:solidFill>
+                  <a:srgbClr val="7030A0"/>
+                </a:solidFill>
+              </a:rPr>
+              <a:t>String</a:t>
+            </a:r>
+            <a:r>
+              <a:rPr lang="en-US" dirty="0" smtClean="0"/>
+              <a:t> data type from DB</a:t>
+            </a:r>
+            <a:endParaRPr lang="en-IN" dirty="0"/>
+          </a:p>
+          <a:p>
+            <a:pPr>
               <a:buFont typeface="+mj-lt"/>
               <a:buAutoNum type="arabicPeriod"/>
             </a:pPr>
             <a:r>
-              <a:rPr lang="en-GB" dirty="0" err="1" smtClean="0"/>
-              <a:t>LeakTek</a:t>
-            </a:r>
-            <a:r>
-              <a:rPr lang="en-GB" dirty="0" smtClean="0"/>
-              <a:t> DB configuration</a:t>
-            </a:r>
-          </a:p>
-          <a:p>
-            <a:pPr marL="514350" indent="-514350">
+              <a:rPr lang="en-IN" dirty="0" err="1" smtClean="0"/>
+              <a:t>Test_Result</a:t>
+            </a:r>
+            <a:endParaRPr lang="en-IN" dirty="0" smtClean="0"/>
+          </a:p>
+          <a:p>
+            <a:pPr marL="971550" lvl="1" indent="-514350">
+              <a:buFont typeface="+mj-lt"/>
+              <a:buAutoNum type="alphaLcParenR"/>
+            </a:pPr>
+            <a:r>
+              <a:rPr lang="en-US" dirty="0"/>
+              <a:t>1 = </a:t>
+            </a:r>
+            <a:r>
+              <a:rPr lang="en-US" dirty="0" smtClean="0"/>
+              <a:t>PASS</a:t>
+            </a:r>
+            <a:endParaRPr lang="en-US" dirty="0"/>
+          </a:p>
+          <a:p>
+            <a:pPr marL="971550" lvl="1" indent="-514350">
+              <a:buFont typeface="+mj-lt"/>
+              <a:buAutoNum type="alphaLcParenR"/>
+            </a:pPr>
+            <a:r>
+              <a:rPr lang="en-US" dirty="0"/>
+              <a:t>0 = </a:t>
+            </a:r>
+            <a:r>
+              <a:rPr lang="en-US" dirty="0" smtClean="0"/>
+              <a:t>FAIL</a:t>
+            </a:r>
+            <a:endParaRPr lang="en-IN" dirty="0"/>
+          </a:p>
+          <a:p>
+            <a:pPr>
               <a:buFont typeface="+mj-lt"/>
               <a:buAutoNum type="arabicPeriod"/>
             </a:pPr>
             <a:r>
-              <a:rPr lang="en-GB" dirty="0" smtClean="0"/>
-              <a:t>Part ready at scanner.  Will it be provided from PLC?</a:t>
-            </a:r>
-            <a:endParaRPr lang="en-GB" dirty="0"/>
+              <a:rPr lang="en-IN" dirty="0" err="1" smtClean="0"/>
+              <a:t>Station_Number</a:t>
+            </a:r>
+            <a:endParaRPr lang="en-IN" dirty="0" smtClean="0"/>
+          </a:p>
+          <a:p>
+            <a:pPr marL="971550" lvl="1" indent="-514350">
+              <a:buFont typeface="+mj-lt"/>
+              <a:buAutoNum type="alphaLcParenR"/>
+            </a:pPr>
+            <a:r>
+              <a:rPr lang="en-GB" dirty="0"/>
+              <a:t>0 = Station-1</a:t>
+            </a:r>
+          </a:p>
+          <a:p>
+            <a:pPr marL="971550" lvl="1" indent="-514350">
+              <a:buFont typeface="+mj-lt"/>
+              <a:buAutoNum type="alphaLcParenR"/>
+            </a:pPr>
+            <a:r>
+              <a:rPr lang="en-GB" dirty="0"/>
+              <a:t>1 = Station-2</a:t>
+            </a:r>
+          </a:p>
+          <a:p>
+            <a:pPr marL="971550" lvl="1" indent="-514350">
+              <a:buFont typeface="+mj-lt"/>
+              <a:buAutoNum type="alphaLcParenR"/>
+            </a:pPr>
+            <a:r>
+              <a:rPr lang="en-GB" dirty="0"/>
+              <a:t>2 = Station-3</a:t>
+            </a:r>
+          </a:p>
+          <a:p>
+            <a:pPr marL="971550" lvl="1" indent="-514350">
+              <a:buFont typeface="+mj-lt"/>
+              <a:buAutoNum type="alphaLcParenR"/>
+            </a:pPr>
+            <a:r>
+              <a:rPr lang="en-GB" dirty="0"/>
+              <a:t>3 = </a:t>
+            </a:r>
+            <a:r>
+              <a:rPr lang="en-GB" dirty="0" smtClean="0"/>
+              <a:t>Station-4</a:t>
+            </a:r>
+            <a:endParaRPr lang="en-IN" dirty="0"/>
+          </a:p>
+          <a:p>
+            <a:pPr>
+              <a:buFont typeface="+mj-lt"/>
+              <a:buAutoNum type="arabicPeriod"/>
+            </a:pPr>
+            <a:r>
+              <a:rPr lang="en-IN" dirty="0" smtClean="0"/>
+              <a:t>Rerun</a:t>
+            </a:r>
+          </a:p>
+          <a:p>
+            <a:pPr marL="971550" lvl="1" indent="-514350">
+              <a:buFont typeface="+mj-lt"/>
+              <a:buAutoNum type="alphaLcParenR"/>
+            </a:pPr>
+            <a:r>
+              <a:rPr lang="en-US" dirty="0"/>
+              <a:t>1 = </a:t>
+            </a:r>
+            <a:r>
+              <a:rPr lang="en-US" dirty="0" smtClean="0"/>
+              <a:t>Rerun (TRUE)</a:t>
+            </a:r>
+            <a:endParaRPr lang="en-US" dirty="0"/>
+          </a:p>
+          <a:p>
+            <a:pPr marL="971550" lvl="1" indent="-514350">
+              <a:buFont typeface="+mj-lt"/>
+              <a:buAutoNum type="alphaLcParenR"/>
+            </a:pPr>
+            <a:r>
+              <a:rPr lang="en-US" dirty="0"/>
+              <a:t>0 = </a:t>
+            </a:r>
+            <a:r>
+              <a:rPr lang="en-US" dirty="0" smtClean="0"/>
+              <a:t>No Rerun</a:t>
+            </a:r>
+            <a:endParaRPr lang="en-IN" dirty="0"/>
+          </a:p>
+          <a:p>
+            <a:pPr>
+              <a:buFont typeface="+mj-lt"/>
+              <a:buAutoNum type="arabicPeriod"/>
+            </a:pPr>
+            <a:r>
+              <a:rPr lang="en-IN" dirty="0" err="1" smtClean="0"/>
+              <a:t>Invalid_SNo</a:t>
+            </a:r>
+            <a:endParaRPr lang="en-IN" dirty="0" smtClean="0"/>
+          </a:p>
+          <a:p>
+            <a:pPr marL="971550" lvl="1" indent="-514350">
+              <a:buFont typeface="+mj-lt"/>
+              <a:buAutoNum type="alphaLcParenR"/>
+            </a:pPr>
+            <a:r>
+              <a:rPr lang="en-US" dirty="0"/>
+              <a:t>1 = </a:t>
+            </a:r>
+            <a:r>
+              <a:rPr lang="en-US" dirty="0" smtClean="0"/>
+              <a:t>Invalid Serial Number at Scanner</a:t>
+            </a:r>
+            <a:endParaRPr lang="en-US" dirty="0"/>
+          </a:p>
+          <a:p>
+            <a:pPr marL="971550" lvl="1" indent="-514350">
+              <a:buFont typeface="+mj-lt"/>
+              <a:buAutoNum type="alphaLcParenR"/>
+            </a:pPr>
+            <a:r>
+              <a:rPr lang="en-US" dirty="0"/>
+              <a:t>0 = </a:t>
+            </a:r>
+            <a:r>
+              <a:rPr lang="en-US" dirty="0" smtClean="0"/>
+              <a:t>Valid Serial Number</a:t>
+            </a:r>
+            <a:endParaRPr lang="en-IN" dirty="0"/>
+          </a:p>
+          <a:p>
+            <a:pPr>
+              <a:buFont typeface="+mj-lt"/>
+              <a:buAutoNum type="arabicPeriod"/>
+            </a:pPr>
+            <a:r>
+              <a:rPr lang="en-US" dirty="0" err="1" smtClean="0"/>
+              <a:t>PC_ACK_Read</a:t>
+            </a:r>
+            <a:r>
+              <a:rPr lang="en-US" dirty="0" err="1" smtClean="0"/>
+              <a:t>_Tag</a:t>
+            </a:r>
+            <a:r>
+              <a:rPr lang="en-US" dirty="0" err="1" smtClean="0"/>
+              <a:t>s</a:t>
+            </a:r>
+            <a:endParaRPr lang="en-US" dirty="0" smtClean="0"/>
+          </a:p>
+          <a:p>
+            <a:pPr marL="971550" lvl="1" indent="-514350">
+              <a:buFont typeface="+mj-lt"/>
+              <a:buAutoNum type="alphaLcParenR"/>
+            </a:pPr>
+            <a:r>
+              <a:rPr lang="en-US" dirty="0" smtClean="0"/>
+              <a:t>1 = PC has read the tags from Robot</a:t>
+            </a:r>
+          </a:p>
+          <a:p>
+            <a:pPr marL="971550" lvl="1" indent="-514350">
+              <a:buFont typeface="+mj-lt"/>
+              <a:buAutoNum type="alphaLcParenR"/>
+            </a:pPr>
+            <a:r>
+              <a:rPr lang="en-US" dirty="0" smtClean="0"/>
+              <a:t>0 = PC has NOT read the tags</a:t>
+            </a:r>
+            <a:endParaRPr lang="en-IN" dirty="0"/>
           </a:p>
         </p:txBody>
       </p:sp>
     </p:spTree>
     <p:extLst>
       <p:ext uri="{BB962C8B-B14F-4D97-AF65-F5344CB8AC3E}">
-        <p14:creationId xmlns:p14="http://schemas.microsoft.com/office/powerpoint/2010/main" val="2884218104"/>
+        <p14:creationId xmlns:p14="http://schemas.microsoft.com/office/powerpoint/2010/main" val="1823923575"/>
       </p:ext>
     </p:extLst>
   </p:cSld>
@@ -7170,12 +7868,18 @@
         </p:nvSpPr>
         <p:spPr/>
         <p:txBody>
-          <a:bodyPr/>
-          <a:lstStyle/>
-          <a:p>
-            <a:r>
-              <a:rPr lang="en-GB" dirty="0" smtClean="0"/>
-              <a:t>Clarifications</a:t>
+          <a:bodyPr>
+            <a:normAutofit/>
+          </a:bodyPr>
+          <a:lstStyle/>
+          <a:p>
+            <a:r>
+              <a:rPr lang="en-GB" dirty="0" smtClean="0"/>
+              <a:t>Expected PC </a:t>
+            </a:r>
+            <a:r>
+              <a:rPr lang="en-GB" dirty="0" smtClean="0"/>
+              <a:t>Behaviour</a:t>
             </a:r>
             <a:endParaRPr lang="en-IN" dirty="0"/>
           </a:p>
@@ -7194,90 +7898,1067 @@
         <p:spPr/>
         <p:txBody>
           <a:bodyPr>
-            <a:normAutofit fontScale="70000" lnSpcReduction="20000"/>
+            <a:normAutofit fontScale="40000" lnSpcReduction="20000"/>
           </a:bodyPr>
           <a:lstStyle/>
           <a:p>
             <a:r>
-              <a:rPr lang="en-IN" dirty="0"/>
-              <a:t>In existing ALTS, work order number is part of the result written to the SQL Server database.   You mentioned that we won’t have work order numbers for the new system. What do we write to the database in lieu of work order number?</a:t>
-            </a:r>
-            <a:r>
-              <a:rPr lang="en-IN" dirty="0">
-                <a:solidFill>
-                  <a:srgbClr val="FF0000"/>
-                </a:solidFill>
-              </a:rPr>
-              <a:t> Do you have to write anything at all? Maybe we should call to have a conversation on </a:t>
-            </a:r>
-            <a:r>
-              <a:rPr lang="en-IN" dirty="0" smtClean="0">
-                <a:solidFill>
-                  <a:srgbClr val="FF0000"/>
-                </a:solidFill>
-              </a:rPr>
-              <a:t>this</a:t>
-            </a:r>
-          </a:p>
-          <a:p>
-            <a:r>
-              <a:rPr lang="en-GB" dirty="0" smtClean="0">
-                <a:solidFill>
-                  <a:srgbClr val="FF0000"/>
-                </a:solidFill>
-              </a:rPr>
-              <a:t>-use constant for now from</a:t>
-            </a:r>
-            <a:r>
-              <a:rPr lang="en-GB" dirty="0" smtClean="0">
-                <a:solidFill>
-                  <a:srgbClr val="FF0000"/>
-                </a:solidFill>
-              </a:rPr>
-              <a:t>.</a:t>
-            </a:r>
-          </a:p>
-          <a:p>
-            <a:r>
-              <a:rPr lang="en-IN" dirty="0"/>
-              <a:t>   If the part fails air leak test, we will re-run the test.  How many times can you re-run the test? I am assuming that we log the results for all runs in the SQL database (we need to check if there is a timestamp parameter when writing results to the database to distinguish between the different runs). </a:t>
-            </a:r>
-            <a:r>
-              <a:rPr lang="en-IN" dirty="0">
-                <a:solidFill>
-                  <a:srgbClr val="FF0000"/>
-                </a:solidFill>
-              </a:rPr>
-              <a:t>I believe we agreed on 1 retest (</a:t>
-            </a:r>
-            <a:r>
-              <a:rPr lang="en-IN" b="1" dirty="0">
-                <a:solidFill>
-                  <a:srgbClr val="FF0000"/>
-                </a:solidFill>
-              </a:rPr>
-              <a:t>Mike</a:t>
-            </a:r>
-            <a:r>
-              <a:rPr lang="en-IN" dirty="0">
-                <a:solidFill>
-                  <a:srgbClr val="FF0000"/>
-                </a:solidFill>
-              </a:rPr>
-              <a:t> please confirm). We do log results for all runs. Maybe we should get together to check that parameter; I’m not sure where to check that…</a:t>
-            </a:r>
-            <a:endParaRPr lang="en-GB" dirty="0">
-              <a:solidFill>
-                <a:srgbClr val="FF0000"/>
-              </a:solidFill>
-            </a:endParaRPr>
+              <a:rPr lang="en-GB" dirty="0" smtClean="0"/>
+              <a:t>PC remembers the station occupancy and </a:t>
+            </a:r>
+            <a:r>
+              <a:rPr lang="en-GB" dirty="0" smtClean="0"/>
+              <a:t>intimate robot to </a:t>
+            </a:r>
+          </a:p>
+          <a:p>
+            <a:pPr lvl="1"/>
+            <a:r>
+              <a:rPr lang="en-GB" dirty="0" smtClean="0"/>
+              <a:t>which station to </a:t>
+            </a:r>
+            <a:r>
+              <a:rPr lang="en-GB" b="1" dirty="0" smtClean="0"/>
+              <a:t>load</a:t>
+            </a:r>
+            <a:r>
+              <a:rPr lang="en-GB" dirty="0" smtClean="0"/>
+              <a:t> the new serial (or) </a:t>
+            </a:r>
+          </a:p>
+          <a:p>
+            <a:pPr lvl="1"/>
+            <a:r>
+              <a:rPr lang="en-GB" dirty="0" smtClean="0"/>
+              <a:t>which station to </a:t>
+            </a:r>
+            <a:r>
+              <a:rPr lang="en-GB" b="1" dirty="0" smtClean="0"/>
+              <a:t>unload </a:t>
+            </a:r>
+            <a:r>
+              <a:rPr lang="en-GB" dirty="0" smtClean="0"/>
+              <a:t>the serial (or)</a:t>
+            </a:r>
+          </a:p>
+          <a:p>
+            <a:pPr lvl="1"/>
+            <a:r>
+              <a:rPr lang="en-GB" dirty="0" smtClean="0"/>
+              <a:t>which station to </a:t>
+            </a:r>
+            <a:r>
+              <a:rPr lang="en-GB" b="1" dirty="0" smtClean="0"/>
+              <a:t>rerun </a:t>
+            </a:r>
+            <a:r>
+              <a:rPr lang="en-GB" dirty="0" smtClean="0"/>
+              <a:t>the serial.</a:t>
+            </a:r>
+            <a:endParaRPr lang="en-GB" dirty="0" smtClean="0"/>
+          </a:p>
+          <a:p>
+            <a:r>
+              <a:rPr lang="en-GB" dirty="0" smtClean="0"/>
+              <a:t>PC sends new serial details (Displacement/Flange/Adapter sizes) when new and valid serial is available at the scanner.</a:t>
+            </a:r>
+          </a:p>
+          <a:p>
+            <a:r>
+              <a:rPr lang="en-GB" dirty="0" smtClean="0"/>
+              <a:t>PC directly controls the sets the </a:t>
+            </a:r>
+            <a:r>
+              <a:rPr lang="en-GB" b="1" dirty="0" smtClean="0"/>
+              <a:t>test type </a:t>
+            </a:r>
+            <a:r>
+              <a:rPr lang="en-GB" dirty="0" smtClean="0"/>
+              <a:t>to run in the </a:t>
+            </a:r>
+            <a:r>
+              <a:rPr lang="en-GB" dirty="0" smtClean="0"/>
+              <a:t>various ALT stations using </a:t>
+            </a:r>
+            <a:r>
+              <a:rPr lang="en-GB" i="1" dirty="0" smtClean="0"/>
+              <a:t>SELECT</a:t>
+            </a:r>
+            <a:r>
+              <a:rPr lang="en-GB" dirty="0" smtClean="0"/>
+              <a:t> line in ALT instrument.</a:t>
+            </a:r>
+          </a:p>
+          <a:p>
+            <a:r>
+              <a:rPr lang="en-GB" dirty="0" smtClean="0"/>
+              <a:t>PC </a:t>
+            </a:r>
+            <a:r>
+              <a:rPr lang="en-GB" dirty="0" smtClean="0"/>
+              <a:t>scans for the new serial after getting </a:t>
+            </a:r>
+            <a:r>
+              <a:rPr lang="en-GB" b="1" dirty="0" err="1" smtClean="0"/>
+              <a:t>Scan_Trigger</a:t>
+            </a:r>
+            <a:r>
+              <a:rPr lang="en-GB" dirty="0" smtClean="0"/>
+              <a:t> </a:t>
+            </a:r>
+            <a:r>
+              <a:rPr lang="en-GB" dirty="0" smtClean="0"/>
+              <a:t>from </a:t>
+            </a:r>
+            <a:r>
+              <a:rPr lang="en-GB" dirty="0" smtClean="0"/>
+              <a:t>PLC.  PC will read both the scanners and uses only the valid serial number from the scanners for further processing.</a:t>
+            </a:r>
+            <a:endParaRPr lang="en-GB" dirty="0" smtClean="0"/>
+          </a:p>
+          <a:p>
+            <a:r>
+              <a:rPr lang="en-GB" dirty="0" smtClean="0"/>
+              <a:t>PC sends the </a:t>
+            </a:r>
+            <a:r>
+              <a:rPr lang="en-GB" b="1" dirty="0" smtClean="0"/>
+              <a:t>rerun</a:t>
+            </a:r>
+            <a:r>
+              <a:rPr lang="en-GB" dirty="0" smtClean="0"/>
+              <a:t> command to Robot and wait for </a:t>
+            </a:r>
+            <a:r>
+              <a:rPr lang="en-GB" b="1" dirty="0" err="1" smtClean="0"/>
+              <a:t>Start_Test</a:t>
+            </a:r>
+            <a:r>
+              <a:rPr lang="en-GB" dirty="0" smtClean="0"/>
+              <a:t> signal from robot to rerun the test.  Number of rerun allowed is controlled by the INI entry.</a:t>
+            </a:r>
+          </a:p>
+          <a:p>
+            <a:r>
+              <a:rPr lang="en-GB" dirty="0" smtClean="0"/>
+              <a:t>PC </a:t>
+            </a:r>
+            <a:r>
+              <a:rPr lang="en-GB" dirty="0" smtClean="0"/>
+              <a:t>sends the </a:t>
+            </a:r>
+            <a:r>
+              <a:rPr lang="en-GB" b="1" dirty="0" err="1" smtClean="0"/>
+              <a:t>New_Serial</a:t>
+            </a:r>
+            <a:r>
+              <a:rPr lang="en-GB" b="1" dirty="0" smtClean="0"/>
+              <a:t> </a:t>
+            </a:r>
+            <a:r>
+              <a:rPr lang="en-GB" dirty="0" smtClean="0"/>
+              <a:t>tag </a:t>
+            </a:r>
+            <a:r>
+              <a:rPr lang="en-GB" dirty="0"/>
+              <a:t>&amp; </a:t>
+            </a:r>
+            <a:r>
+              <a:rPr lang="en-IN" b="1" dirty="0" err="1" smtClean="0"/>
+              <a:t>Invalid_Serial_Number</a:t>
+            </a:r>
+            <a:r>
+              <a:rPr lang="en-IN" dirty="0" smtClean="0"/>
+              <a:t> tag </a:t>
+            </a:r>
+            <a:r>
+              <a:rPr lang="en-GB" dirty="0" smtClean="0"/>
+              <a:t>to </a:t>
+            </a:r>
+            <a:r>
+              <a:rPr lang="en-GB" dirty="0" smtClean="0"/>
+              <a:t>intimate the arrival of serial at scanner stage which has no DB entry.</a:t>
+            </a:r>
+          </a:p>
+          <a:p>
+            <a:r>
+              <a:rPr lang="en-GB" dirty="0" smtClean="0"/>
+              <a:t>Work order number will be used from INI </a:t>
+            </a:r>
+            <a:r>
+              <a:rPr lang="en-GB" dirty="0" smtClean="0"/>
+              <a:t>entry.</a:t>
+            </a:r>
+          </a:p>
+          <a:p>
+            <a:r>
+              <a:rPr lang="en-GB" dirty="0" smtClean="0"/>
+              <a:t>Start/Stop button used in existing system will not work for Auto mode.  In manual mode, test can be started or stopped as is in existing system.</a:t>
+            </a:r>
+            <a:endParaRPr lang="en-GB" dirty="0" smtClean="0"/>
+          </a:p>
+          <a:p>
+            <a:r>
+              <a:rPr lang="en-GB" dirty="0"/>
+              <a:t>PC reads the tags from Robot and sets the </a:t>
+            </a:r>
+            <a:r>
+              <a:rPr lang="en-US" b="1" dirty="0" err="1"/>
+              <a:t>PC_ACK_Read_Tags</a:t>
+            </a:r>
+            <a:r>
+              <a:rPr lang="en-GB" dirty="0"/>
+              <a:t> to 1 (True).  Robot should send the next </a:t>
+            </a:r>
+            <a:r>
+              <a:rPr lang="en-GB" dirty="0" smtClean="0"/>
+              <a:t>signal only </a:t>
+            </a:r>
+            <a:r>
+              <a:rPr lang="en-GB" dirty="0"/>
+              <a:t>after this acknowledgement.  Robot should reset this </a:t>
+            </a:r>
+            <a:r>
+              <a:rPr lang="en-US" b="1" dirty="0" err="1"/>
+              <a:t>PC_ACK_Read_Tags</a:t>
+            </a:r>
+            <a:r>
+              <a:rPr lang="en-GB" dirty="0"/>
+              <a:t> to 0 (False) before sending next tag.</a:t>
+            </a:r>
+            <a:endParaRPr lang="en-IN" dirty="0"/>
+          </a:p>
+          <a:p>
+            <a:pPr marL="0" indent="0">
+              <a:buNone/>
+            </a:pPr>
+            <a:endParaRPr lang="en-US" dirty="0" smtClean="0"/>
+          </a:p>
+          <a:p>
+            <a:pPr marL="0" indent="0">
+              <a:buNone/>
+            </a:pPr>
+            <a:r>
+              <a:rPr lang="en-US" b="1" u="sng" dirty="0" smtClean="0"/>
+              <a:t>PS:</a:t>
+            </a:r>
+            <a:r>
+              <a:rPr lang="en-US" dirty="0" smtClean="0"/>
+              <a:t> INI file </a:t>
+            </a:r>
+            <a:r>
+              <a:rPr lang="en-GB" dirty="0" smtClean="0"/>
+              <a:t>location</a:t>
+            </a:r>
+            <a:r>
+              <a:rPr lang="en-GB" dirty="0"/>
+              <a:t>: C:\Soliton Projects\EATON\ALTS-2015\Software\Info\ALTS-2015.ini</a:t>
+            </a:r>
+          </a:p>
+          <a:p>
+            <a:pPr marL="0" indent="0">
+              <a:buNone/>
+            </a:pPr>
+            <a:endParaRPr lang="en-IN" dirty="0"/>
           </a:p>
         </p:txBody>
       </p:sp>
     </p:spTree>
     <p:extLst>
       <p:ext uri="{BB962C8B-B14F-4D97-AF65-F5344CB8AC3E}">
-        <p14:creationId xmlns:p14="http://schemas.microsoft.com/office/powerpoint/2010/main" val="3915483266"/>
+        <p14:creationId xmlns:p14="http://schemas.microsoft.com/office/powerpoint/2010/main" val="2136999653"/>
+      </p:ext>
+    </p:extLst>
+  </p:cSld>
+  <p:clrMapOvr>
+    <a:masterClrMapping/>
+  </p:clrMapOvr>
+  <p:timing>
+    <p:tnLst>
+      <p:par>
+        <p:cTn id="1" dur="indefinite" restart="never" nodeType="tmRoot"/>
+      </p:par>
+    </p:tnLst>
+  </p:timing>
+</p:sld>
+</file>
+
+<file path=ppt/slides/slide8.xml><?xml version="1.0" encoding="utf-8"?>
+<p:sld xmlns:a="http://schemas.openxmlformats.org/drawingml/2006/main" xmlns:r="http://schemas.openxmlformats.org/officeDocument/2006/relationships" xmlns:p="http://schemas.openxmlformats.org/presentationml/2006/main">
+  <p:cSld>
+    <p:spTree>
+      <p:nvGrpSpPr>
+        <p:cNvPr id="1" name=""/>
+        <p:cNvGrpSpPr/>
+        <p:nvPr/>
+      </p:nvGrpSpPr>
+      <p:grpSpPr>
+        <a:xfrm>
+          <a:off x="0" y="0"/>
+          <a:ext cx="0" cy="0"/>
+          <a:chOff x="0" y="0"/>
+          <a:chExt cx="0" cy="0"/>
+        </a:xfrm>
+      </p:grpSpPr>
+      <p:sp>
+        <p:nvSpPr>
+          <p:cNvPr id="2" name="Title 1"/>
+          <p:cNvSpPr>
+            <a:spLocks noGrp="1"/>
+          </p:cNvSpPr>
+          <p:nvPr>
+            <p:ph type="title"/>
+          </p:nvPr>
+        </p:nvSpPr>
+        <p:spPr/>
+        <p:txBody>
+          <a:bodyPr>
+            <a:normAutofit/>
+          </a:bodyPr>
+          <a:lstStyle/>
+          <a:p>
+            <a:r>
+              <a:rPr lang="en-GB" dirty="0" smtClean="0"/>
+              <a:t>Expected Robot Behaviour</a:t>
+            </a:r>
+            <a:endParaRPr lang="en-IN" dirty="0"/>
+          </a:p>
+        </p:txBody>
+      </p:sp>
+      <p:sp>
+        <p:nvSpPr>
+          <p:cNvPr id="3" name="Content Placeholder 2"/>
+          <p:cNvSpPr>
+            <a:spLocks noGrp="1"/>
+          </p:cNvSpPr>
+          <p:nvPr>
+            <p:ph idx="1"/>
+          </p:nvPr>
+        </p:nvSpPr>
+        <p:spPr>
+          <a:xfrm>
+            <a:off x="457200" y="1600200"/>
+            <a:ext cx="5266928" cy="4525963"/>
+          </a:xfrm>
+        </p:spPr>
+        <p:txBody>
+          <a:bodyPr>
+            <a:normAutofit fontScale="47500" lnSpcReduction="20000"/>
+          </a:bodyPr>
+          <a:lstStyle/>
+          <a:p>
+            <a:r>
+              <a:rPr lang="en-GB" dirty="0" smtClean="0"/>
+              <a:t>Robot should identify </a:t>
+            </a:r>
+            <a:r>
+              <a:rPr lang="en-GB" b="1" dirty="0" smtClean="0"/>
+              <a:t>NEW</a:t>
+            </a:r>
+            <a:r>
+              <a:rPr lang="en-GB" dirty="0" smtClean="0"/>
+              <a:t> </a:t>
+            </a:r>
+            <a:r>
+              <a:rPr lang="en-GB" b="1" dirty="0" smtClean="0"/>
+              <a:t>SERIAL </a:t>
+            </a:r>
+            <a:r>
+              <a:rPr lang="en-GB" dirty="0" smtClean="0"/>
+              <a:t>to load in the station using </a:t>
+            </a:r>
+            <a:r>
+              <a:rPr lang="en-GB" dirty="0" err="1" smtClean="0"/>
+              <a:t>New_Serial</a:t>
+            </a:r>
+            <a:r>
+              <a:rPr lang="en-GB" dirty="0" smtClean="0"/>
+              <a:t> tag.</a:t>
+            </a:r>
+            <a:br>
+              <a:rPr lang="en-GB" dirty="0" smtClean="0"/>
+            </a:br>
+            <a:endParaRPr lang="en-GB" dirty="0" smtClean="0"/>
+          </a:p>
+          <a:p>
+            <a:endParaRPr lang="en-GB" dirty="0"/>
+          </a:p>
+          <a:p>
+            <a:pPr marL="0" indent="0">
+              <a:buNone/>
+            </a:pPr>
+            <a:endParaRPr lang="en-GB" dirty="0" smtClean="0"/>
+          </a:p>
+          <a:p>
+            <a:r>
+              <a:rPr lang="en-GB" dirty="0" smtClean="0"/>
+              <a:t>Robot should identify </a:t>
+            </a:r>
+            <a:r>
+              <a:rPr lang="en-GB" b="1" dirty="0" smtClean="0"/>
+              <a:t>INVALID</a:t>
+            </a:r>
+            <a:r>
+              <a:rPr lang="en-GB" dirty="0" smtClean="0"/>
+              <a:t> serial number using </a:t>
+            </a:r>
+            <a:r>
+              <a:rPr lang="en-GB" dirty="0" err="1" smtClean="0"/>
+              <a:t>New_Serial</a:t>
+            </a:r>
+            <a:r>
+              <a:rPr lang="en-GB" dirty="0" smtClean="0"/>
+              <a:t> tag &amp; </a:t>
+            </a:r>
+            <a:r>
+              <a:rPr lang="en-IN" dirty="0" err="1" smtClean="0"/>
+              <a:t>Invalid_Serial_Number</a:t>
+            </a:r>
+            <a:r>
+              <a:rPr lang="en-IN" dirty="0" smtClean="0"/>
+              <a:t> tag.</a:t>
+            </a:r>
+          </a:p>
+          <a:p>
+            <a:endParaRPr lang="en-US" dirty="0"/>
+          </a:p>
+          <a:p>
+            <a:endParaRPr lang="en-US" dirty="0" smtClean="0"/>
+          </a:p>
+          <a:p>
+            <a:endParaRPr lang="en-IN" dirty="0"/>
+          </a:p>
+          <a:p>
+            <a:r>
+              <a:rPr lang="en-GB" dirty="0" smtClean="0"/>
+              <a:t>Robot shoul</a:t>
+            </a:r>
+            <a:r>
+              <a:rPr lang="en-GB" dirty="0" smtClean="0"/>
+              <a:t>d identify the serial </a:t>
+            </a:r>
+            <a:r>
+              <a:rPr lang="en-GB" b="1" dirty="0" smtClean="0"/>
+              <a:t>RERUN</a:t>
+            </a:r>
+            <a:r>
+              <a:rPr lang="en-GB" dirty="0" smtClean="0"/>
+              <a:t> by using </a:t>
+            </a:r>
+            <a:r>
+              <a:rPr lang="en-GB" dirty="0" err="1"/>
+              <a:t>New_Serial</a:t>
+            </a:r>
+            <a:r>
+              <a:rPr lang="en-GB" dirty="0"/>
+              <a:t> </a:t>
+            </a:r>
+            <a:r>
+              <a:rPr lang="en-GB" dirty="0" smtClean="0"/>
+              <a:t>tag, Rerun and </a:t>
+            </a:r>
+            <a:r>
+              <a:rPr lang="en-IN" dirty="0" err="1"/>
+              <a:t>Station_Number</a:t>
+            </a:r>
+            <a:r>
+              <a:rPr lang="en-IN" dirty="0"/>
+              <a:t> tag</a:t>
+            </a:r>
+            <a:r>
+              <a:rPr lang="en-GB" dirty="0" smtClean="0"/>
+              <a:t>.</a:t>
+            </a:r>
+          </a:p>
+          <a:p>
+            <a:endParaRPr lang="en-GB" dirty="0"/>
+          </a:p>
+          <a:p>
+            <a:endParaRPr lang="en-GB" dirty="0" smtClean="0"/>
+          </a:p>
+          <a:p>
+            <a:endParaRPr lang="en-GB" dirty="0"/>
+          </a:p>
+          <a:p>
+            <a:r>
+              <a:rPr lang="en-GB" dirty="0" smtClean="0"/>
+              <a:t>Robot should identify the </a:t>
+            </a:r>
+            <a:r>
+              <a:rPr lang="en-GB" b="1" dirty="0" smtClean="0"/>
+              <a:t>UNLOAD</a:t>
+            </a:r>
+            <a:r>
+              <a:rPr lang="en-GB" dirty="0" smtClean="0"/>
+              <a:t> by using </a:t>
+            </a:r>
+            <a:r>
+              <a:rPr lang="en-GB" dirty="0" err="1" smtClean="0"/>
+              <a:t>New_Serial</a:t>
+            </a:r>
+            <a:r>
+              <a:rPr lang="en-GB" dirty="0" smtClean="0"/>
+              <a:t> tag, </a:t>
+            </a:r>
+            <a:r>
+              <a:rPr lang="en-IN" dirty="0" err="1" smtClean="0"/>
+              <a:t>Test_Result</a:t>
+            </a:r>
+            <a:r>
+              <a:rPr lang="en-IN" dirty="0" smtClean="0"/>
+              <a:t> tag and </a:t>
+            </a:r>
+            <a:r>
+              <a:rPr lang="en-IN" dirty="0" err="1" smtClean="0"/>
+              <a:t>Station_Number</a:t>
+            </a:r>
+            <a:r>
+              <a:rPr lang="en-IN" dirty="0" smtClean="0"/>
+              <a:t> tag.  </a:t>
+            </a:r>
+            <a:r>
+              <a:rPr lang="en-GB" dirty="0" smtClean="0"/>
+              <a:t>Robot shoul</a:t>
+            </a:r>
+            <a:r>
+              <a:rPr lang="en-GB" dirty="0" smtClean="0"/>
+              <a:t>d move the unloaded part to respective conveyor based on </a:t>
+            </a:r>
+            <a:r>
+              <a:rPr lang="en-GB" dirty="0" err="1" smtClean="0"/>
+              <a:t>Test_Resut</a:t>
+            </a:r>
+            <a:r>
+              <a:rPr lang="en-GB" dirty="0" smtClean="0"/>
+              <a:t> tag.</a:t>
+            </a:r>
+            <a:endParaRPr lang="en-GB" dirty="0" smtClean="0"/>
+          </a:p>
+          <a:p>
+            <a:endParaRPr lang="en-GB" dirty="0" smtClean="0"/>
+          </a:p>
+        </p:txBody>
+      </p:sp>
+      <p:pic>
+        <p:nvPicPr>
+          <p:cNvPr id="1027" name="Picture 3"/>
+          <p:cNvPicPr>
+            <a:picLocks noChangeAspect="1" noChangeArrowheads="1"/>
+          </p:cNvPicPr>
+          <p:nvPr/>
+        </p:nvPicPr>
+        <p:blipFill>
+          <a:blip r:embed="rId2">
+            <a:extLst>
+              <a:ext uri="{28A0092B-C50C-407E-A947-70E740481C1C}">
+                <a14:useLocalDpi xmlns:a14="http://schemas.microsoft.com/office/drawing/2010/main" val="0"/>
+              </a:ext>
+            </a:extLst>
+          </a:blip>
+          <a:srcRect/>
+          <a:stretch>
+            <a:fillRect/>
+          </a:stretch>
+        </p:blipFill>
+        <p:spPr bwMode="auto">
+          <a:xfrm>
+            <a:off x="5971176" y="2492896"/>
+            <a:ext cx="1390650" cy="666750"/>
+          </a:xfrm>
+          <a:prstGeom prst="rect">
+            <a:avLst/>
+          </a:prstGeom>
+          <a:noFill/>
+          <a:ln>
+            <a:noFill/>
+          </a:ln>
+          <a:extLst>
+            <a:ext uri="{909E8E84-426E-40DD-AFC4-6F175D3DCCD1}">
+              <a14:hiddenFill xmlns:a14="http://schemas.microsoft.com/office/drawing/2010/main">
+                <a:solidFill>
+                  <a:schemeClr val="accent1"/>
+                </a:solidFill>
+              </a14:hiddenFill>
+            </a:ext>
+            <a:ext uri="{91240B29-F687-4F45-9708-019B960494DF}">
+              <a14:hiddenLine xmlns:a14="http://schemas.microsoft.com/office/drawing/2010/main" w="9525">
+                <a:solidFill>
+                  <a:schemeClr val="tx1"/>
+                </a:solidFill>
+                <a:miter lim="800000"/>
+                <a:headEnd/>
+                <a:tailEnd/>
+              </a14:hiddenLine>
+            </a:ext>
+          </a:extLst>
+        </p:spPr>
+      </p:pic>
+      <p:pic>
+        <p:nvPicPr>
+          <p:cNvPr id="1028" name="Picture 4"/>
+          <p:cNvPicPr>
+            <a:picLocks noChangeAspect="1" noChangeArrowheads="1"/>
+          </p:cNvPicPr>
+          <p:nvPr/>
+        </p:nvPicPr>
+        <p:blipFill>
+          <a:blip r:embed="rId3">
+            <a:extLst>
+              <a:ext uri="{28A0092B-C50C-407E-A947-70E740481C1C}">
+                <a14:useLocalDpi xmlns:a14="http://schemas.microsoft.com/office/drawing/2010/main" val="0"/>
+              </a:ext>
+            </a:extLst>
+          </a:blip>
+          <a:srcRect/>
+          <a:stretch>
+            <a:fillRect/>
+          </a:stretch>
+        </p:blipFill>
+        <p:spPr bwMode="auto">
+          <a:xfrm>
+            <a:off x="6066426" y="5015500"/>
+            <a:ext cx="1228725" cy="676275"/>
+          </a:xfrm>
+          <a:prstGeom prst="rect">
+            <a:avLst/>
+          </a:prstGeom>
+          <a:noFill/>
+          <a:ln>
+            <a:noFill/>
+          </a:ln>
+          <a:extLst>
+            <a:ext uri="{909E8E84-426E-40DD-AFC4-6F175D3DCCD1}">
+              <a14:hiddenFill xmlns:a14="http://schemas.microsoft.com/office/drawing/2010/main">
+                <a:solidFill>
+                  <a:schemeClr val="accent1"/>
+                </a:solidFill>
+              </a14:hiddenFill>
+            </a:ext>
+            <a:ext uri="{91240B29-F687-4F45-9708-019B960494DF}">
+              <a14:hiddenLine xmlns:a14="http://schemas.microsoft.com/office/drawing/2010/main" w="9525">
+                <a:solidFill>
+                  <a:schemeClr val="tx1"/>
+                </a:solidFill>
+                <a:miter lim="800000"/>
+                <a:headEnd/>
+                <a:tailEnd/>
+              </a14:hiddenLine>
+            </a:ext>
+          </a:extLst>
+        </p:spPr>
+      </p:pic>
+      <p:pic>
+        <p:nvPicPr>
+          <p:cNvPr id="1029" name="Picture 5"/>
+          <p:cNvPicPr>
+            <a:picLocks noChangeAspect="1" noChangeArrowheads="1"/>
+          </p:cNvPicPr>
+          <p:nvPr/>
+        </p:nvPicPr>
+        <p:blipFill>
+          <a:blip r:embed="rId4">
+            <a:extLst>
+              <a:ext uri="{28A0092B-C50C-407E-A947-70E740481C1C}">
+                <a14:useLocalDpi xmlns:a14="http://schemas.microsoft.com/office/drawing/2010/main" val="0"/>
+              </a:ext>
+            </a:extLst>
+          </a:blip>
+          <a:srcRect/>
+          <a:stretch>
+            <a:fillRect/>
+          </a:stretch>
+        </p:blipFill>
+        <p:spPr bwMode="auto">
+          <a:xfrm>
+            <a:off x="6037851" y="3645024"/>
+            <a:ext cx="1257300" cy="676275"/>
+          </a:xfrm>
+          <a:prstGeom prst="rect">
+            <a:avLst/>
+          </a:prstGeom>
+          <a:noFill/>
+          <a:ln>
+            <a:noFill/>
+          </a:ln>
+          <a:extLst>
+            <a:ext uri="{909E8E84-426E-40DD-AFC4-6F175D3DCCD1}">
+              <a14:hiddenFill xmlns:a14="http://schemas.microsoft.com/office/drawing/2010/main">
+                <a:solidFill>
+                  <a:schemeClr val="accent1"/>
+                </a:solidFill>
+              </a14:hiddenFill>
+            </a:ext>
+            <a:ext uri="{91240B29-F687-4F45-9708-019B960494DF}">
+              <a14:hiddenLine xmlns:a14="http://schemas.microsoft.com/office/drawing/2010/main" w="9525">
+                <a:solidFill>
+                  <a:schemeClr val="tx1"/>
+                </a:solidFill>
+                <a:miter lim="800000"/>
+                <a:headEnd/>
+                <a:tailEnd/>
+              </a14:hiddenLine>
+            </a:ext>
+          </a:extLst>
+        </p:spPr>
+      </p:pic>
+      <p:pic>
+        <p:nvPicPr>
+          <p:cNvPr id="1031" name="Picture 7"/>
+          <p:cNvPicPr>
+            <a:picLocks noChangeAspect="1" noChangeArrowheads="1"/>
+          </p:cNvPicPr>
+          <p:nvPr/>
+        </p:nvPicPr>
+        <p:blipFill>
+          <a:blip r:embed="rId5">
+            <a:extLst>
+              <a:ext uri="{28A0092B-C50C-407E-A947-70E740481C1C}">
+                <a14:useLocalDpi xmlns:a14="http://schemas.microsoft.com/office/drawing/2010/main" val="0"/>
+              </a:ext>
+            </a:extLst>
+          </a:blip>
+          <a:srcRect/>
+          <a:stretch>
+            <a:fillRect/>
+          </a:stretch>
+        </p:blipFill>
+        <p:spPr bwMode="auto">
+          <a:xfrm>
+            <a:off x="5882375" y="1340768"/>
+            <a:ext cx="1514475" cy="1000125"/>
+          </a:xfrm>
+          <a:prstGeom prst="rect">
+            <a:avLst/>
+          </a:prstGeom>
+          <a:noFill/>
+          <a:ln>
+            <a:noFill/>
+          </a:ln>
+          <a:extLst>
+            <a:ext uri="{909E8E84-426E-40DD-AFC4-6F175D3DCCD1}">
+              <a14:hiddenFill xmlns:a14="http://schemas.microsoft.com/office/drawing/2010/main">
+                <a:solidFill>
+                  <a:schemeClr val="accent1"/>
+                </a:solidFill>
+              </a14:hiddenFill>
+            </a:ext>
+            <a:ext uri="{91240B29-F687-4F45-9708-019B960494DF}">
+              <a14:hiddenLine xmlns:a14="http://schemas.microsoft.com/office/drawing/2010/main" w="9525">
+                <a:solidFill>
+                  <a:schemeClr val="tx1"/>
+                </a:solidFill>
+                <a:miter lim="800000"/>
+                <a:headEnd/>
+                <a:tailEnd/>
+              </a14:hiddenLine>
+            </a:ext>
+          </a:extLst>
+        </p:spPr>
+      </p:pic>
+    </p:spTree>
+    <p:extLst>
+      <p:ext uri="{BB962C8B-B14F-4D97-AF65-F5344CB8AC3E}">
+        <p14:creationId xmlns:p14="http://schemas.microsoft.com/office/powerpoint/2010/main" val="3780657917"/>
+      </p:ext>
+    </p:extLst>
+  </p:cSld>
+  <p:clrMapOvr>
+    <a:masterClrMapping/>
+  </p:clrMapOvr>
+</p:sld>
+</file>
+
+<file path=ppt/slides/slide9.xml><?xml version="1.0" encoding="utf-8"?>
+<p:sld xmlns:a="http://schemas.openxmlformats.org/drawingml/2006/main" xmlns:r="http://schemas.openxmlformats.org/officeDocument/2006/relationships" xmlns:p="http://schemas.openxmlformats.org/presentationml/2006/main">
+  <p:cSld>
+    <p:spTree>
+      <p:nvGrpSpPr>
+        <p:cNvPr id="1" name=""/>
+        <p:cNvGrpSpPr/>
+        <p:nvPr/>
+      </p:nvGrpSpPr>
+      <p:grpSpPr>
+        <a:xfrm>
+          <a:off x="0" y="0"/>
+          <a:ext cx="0" cy="0"/>
+          <a:chOff x="0" y="0"/>
+          <a:chExt cx="0" cy="0"/>
+        </a:xfrm>
+      </p:grpSpPr>
+      <p:sp>
+        <p:nvSpPr>
+          <p:cNvPr id="2" name="Title 1"/>
+          <p:cNvSpPr>
+            <a:spLocks noGrp="1"/>
+          </p:cNvSpPr>
+          <p:nvPr>
+            <p:ph type="title"/>
+          </p:nvPr>
+        </p:nvSpPr>
+        <p:spPr/>
+        <p:txBody>
+          <a:bodyPr>
+            <a:normAutofit/>
+          </a:bodyPr>
+          <a:lstStyle/>
+          <a:p>
+            <a:r>
+              <a:rPr lang="en-GB" dirty="0"/>
+              <a:t>Expected Robot </a:t>
+            </a:r>
+            <a:r>
+              <a:rPr lang="en-GB" dirty="0" smtClean="0"/>
+              <a:t>Behaviour </a:t>
+            </a:r>
+            <a:br>
+              <a:rPr lang="en-GB" dirty="0" smtClean="0"/>
+            </a:br>
+            <a:r>
+              <a:rPr lang="en-GB" sz="2200" dirty="0" smtClean="0"/>
+              <a:t>-Continuation</a:t>
+            </a:r>
+            <a:endParaRPr lang="en-IN" dirty="0"/>
+          </a:p>
+        </p:txBody>
+      </p:sp>
+      <p:sp>
+        <p:nvSpPr>
+          <p:cNvPr id="3" name="Content Placeholder 2"/>
+          <p:cNvSpPr>
+            <a:spLocks noGrp="1"/>
+          </p:cNvSpPr>
+          <p:nvPr>
+            <p:ph idx="1"/>
+          </p:nvPr>
+        </p:nvSpPr>
+        <p:spPr/>
+        <p:txBody>
+          <a:bodyPr>
+            <a:normAutofit fontScale="55000" lnSpcReduction="20000"/>
+          </a:bodyPr>
+          <a:lstStyle/>
+          <a:p>
+            <a:r>
+              <a:rPr lang="en-GB" dirty="0" smtClean="0"/>
+              <a:t>Robot should identify the task available for it to execute using the tag </a:t>
+            </a:r>
+            <a:r>
+              <a:rPr lang="en-IN" b="1" dirty="0" err="1" smtClean="0"/>
+              <a:t>Task_Available_for_Robot</a:t>
+            </a:r>
+            <a:endParaRPr lang="en-GB" dirty="0" smtClean="0"/>
+          </a:p>
+          <a:p>
+            <a:r>
+              <a:rPr lang="en-GB" dirty="0" smtClean="0"/>
+              <a:t>While </a:t>
+            </a:r>
+            <a:r>
+              <a:rPr lang="en-GB" dirty="0"/>
+              <a:t>doing any task, robot should indicate its unavailability by setting </a:t>
+            </a:r>
+            <a:r>
+              <a:rPr lang="en-GB" b="1" dirty="0" err="1"/>
+              <a:t>Robot_Available</a:t>
+            </a:r>
+            <a:r>
+              <a:rPr lang="en-GB" dirty="0"/>
+              <a:t> to 0 (False/Unavailable).  When robot is free to take up any task, it should indicate its availability by setting </a:t>
+            </a:r>
+            <a:r>
+              <a:rPr lang="en-GB" b="1" dirty="0" err="1"/>
+              <a:t>Robot_Available</a:t>
+            </a:r>
+            <a:r>
+              <a:rPr lang="en-GB" dirty="0"/>
+              <a:t> to 1 (True/Available)</a:t>
+            </a:r>
+            <a:endParaRPr lang="en-IN" dirty="0"/>
+          </a:p>
+          <a:p>
+            <a:r>
+              <a:rPr lang="en-GB" dirty="0" smtClean="0"/>
+              <a:t>Should </a:t>
+            </a:r>
+            <a:r>
+              <a:rPr lang="en-GB" dirty="0"/>
+              <a:t>act accordingly to Test result and rerun command.</a:t>
+            </a:r>
+            <a:r>
+              <a:rPr lang="en-IN" dirty="0"/>
+              <a:t>  If rerun is true, robot should </a:t>
+            </a:r>
+            <a:r>
+              <a:rPr lang="en-IN" b="1" dirty="0"/>
+              <a:t>send the start signal again </a:t>
+            </a:r>
+            <a:r>
+              <a:rPr lang="en-IN" dirty="0"/>
+              <a:t>for the specific station.</a:t>
+            </a:r>
+          </a:p>
+          <a:p>
+            <a:r>
+              <a:rPr lang="en-GB" dirty="0"/>
+              <a:t>Robot should send </a:t>
+            </a:r>
+            <a:r>
+              <a:rPr lang="en-GB" b="1" dirty="0" err="1" smtClean="0"/>
+              <a:t>Scan_Trigger</a:t>
+            </a:r>
+            <a:r>
+              <a:rPr lang="en-GB" b="1" dirty="0" smtClean="0"/>
+              <a:t> </a:t>
+            </a:r>
+            <a:r>
+              <a:rPr lang="en-GB" dirty="0" smtClean="0"/>
+              <a:t>when a new part is available at the scanner location.</a:t>
+            </a:r>
+          </a:p>
+          <a:p>
+            <a:r>
+              <a:rPr lang="en-GB" dirty="0" smtClean="0"/>
+              <a:t>After </a:t>
+            </a:r>
+            <a:r>
+              <a:rPr lang="en-GB" dirty="0"/>
+              <a:t>loading the serial in the </a:t>
+            </a:r>
+            <a:r>
+              <a:rPr lang="en-GB" dirty="0" smtClean="0"/>
+              <a:t>station, robot should  send </a:t>
+            </a:r>
+            <a:r>
+              <a:rPr lang="en-GB" b="1" dirty="0" err="1" smtClean="0"/>
+              <a:t>Start_Test</a:t>
+            </a:r>
+            <a:r>
+              <a:rPr lang="en-GB" b="1" dirty="0" smtClean="0"/>
+              <a:t> </a:t>
+            </a:r>
+            <a:r>
+              <a:rPr lang="en-GB" dirty="0" smtClean="0"/>
+              <a:t>along with the station number in </a:t>
+            </a:r>
+            <a:r>
+              <a:rPr lang="en-GB" b="1" dirty="0" err="1"/>
+              <a:t>Station_No_Start_Stop_Test</a:t>
+            </a:r>
+            <a:r>
+              <a:rPr lang="en-GB" b="1" dirty="0"/>
+              <a:t> </a:t>
+            </a:r>
+            <a:r>
+              <a:rPr lang="en-GB" dirty="0" smtClean="0"/>
+              <a:t>tag.  </a:t>
+            </a:r>
+          </a:p>
+          <a:p>
+            <a:r>
+              <a:rPr lang="en-GB" dirty="0" smtClean="0"/>
+              <a:t>Similarly to Stop Test in-progress, </a:t>
+            </a:r>
+            <a:r>
+              <a:rPr lang="en-GB" dirty="0"/>
+              <a:t>robot should  send </a:t>
+            </a:r>
+            <a:r>
+              <a:rPr lang="en-GB" b="1" dirty="0" err="1" smtClean="0"/>
+              <a:t>Stop_Test</a:t>
+            </a:r>
+            <a:r>
+              <a:rPr lang="en-GB" b="1" dirty="0" smtClean="0"/>
+              <a:t> </a:t>
+            </a:r>
+            <a:r>
+              <a:rPr lang="en-GB" dirty="0"/>
+              <a:t>along with </a:t>
+            </a:r>
+            <a:r>
+              <a:rPr lang="en-GB" dirty="0" smtClean="0"/>
+              <a:t>the station number in </a:t>
+            </a:r>
+            <a:r>
+              <a:rPr lang="en-GB" b="1" dirty="0" err="1" smtClean="0"/>
+              <a:t>Station_No_Start_Stop_Test</a:t>
+            </a:r>
+            <a:r>
+              <a:rPr lang="en-GB" b="1" dirty="0" smtClean="0"/>
+              <a:t> </a:t>
+            </a:r>
+            <a:r>
+              <a:rPr lang="en-GB" dirty="0" smtClean="0"/>
+              <a:t>tag</a:t>
+            </a:r>
+            <a:r>
+              <a:rPr lang="en-GB" dirty="0"/>
+              <a:t>. </a:t>
+            </a:r>
+          </a:p>
+          <a:p>
+            <a:r>
+              <a:rPr lang="en-GB" dirty="0"/>
+              <a:t>PC reads </a:t>
+            </a:r>
+            <a:r>
+              <a:rPr lang="en-GB" dirty="0" smtClean="0"/>
+              <a:t>the tags </a:t>
+            </a:r>
+            <a:r>
+              <a:rPr lang="en-GB" dirty="0"/>
+              <a:t>from Robot and sets the </a:t>
+            </a:r>
+            <a:r>
+              <a:rPr lang="en-US" b="1" dirty="0" err="1" smtClean="0"/>
+              <a:t>PC_ACK_Read_Tags</a:t>
+            </a:r>
+            <a:r>
+              <a:rPr lang="en-GB" dirty="0" smtClean="0"/>
+              <a:t> </a:t>
+            </a:r>
+            <a:r>
+              <a:rPr lang="en-GB" dirty="0"/>
+              <a:t>to 1 (True).  Robot should send the next </a:t>
+            </a:r>
+            <a:r>
+              <a:rPr lang="en-GB" dirty="0" smtClean="0"/>
+              <a:t>signal only </a:t>
+            </a:r>
+            <a:r>
+              <a:rPr lang="en-GB" dirty="0"/>
+              <a:t>after </a:t>
+            </a:r>
+            <a:r>
+              <a:rPr lang="en-GB" dirty="0" smtClean="0"/>
+              <a:t>this acknowledgement</a:t>
+            </a:r>
+            <a:r>
+              <a:rPr lang="en-GB" dirty="0"/>
+              <a:t>.  Robot should reset this </a:t>
+            </a:r>
+            <a:r>
+              <a:rPr lang="en-US" b="1" dirty="0" err="1"/>
+              <a:t>PC_ACK_Read_Tags</a:t>
+            </a:r>
+            <a:r>
+              <a:rPr lang="en-GB" dirty="0" smtClean="0"/>
+              <a:t> </a:t>
+            </a:r>
+            <a:r>
+              <a:rPr lang="en-GB" dirty="0"/>
+              <a:t>to 0 (False) before sending next tag</a:t>
+            </a:r>
+            <a:r>
+              <a:rPr lang="en-GB" dirty="0" smtClean="0"/>
+              <a:t>.</a:t>
+            </a:r>
+          </a:p>
+        </p:txBody>
+      </p:sp>
+    </p:spTree>
+    <p:extLst>
+      <p:ext uri="{BB962C8B-B14F-4D97-AF65-F5344CB8AC3E}">
+        <p14:creationId xmlns:p14="http://schemas.microsoft.com/office/powerpoint/2010/main" val="3658410188"/>
       </p:ext>
     </p:extLst>
   </p:cSld>

--- a/Documentation/Legacy ALTS vs New ALTS.pptx
+++ b/Documentation/Legacy ALTS vs New ALTS.pptx
@@ -16,6 +16,8 @@
     <p:sldId id="267" r:id="rId10"/>
     <p:sldId id="261" r:id="rId11"/>
     <p:sldId id="260" r:id="rId12"/>
+    <p:sldId id="268" r:id="rId13"/>
+    <p:sldId id="269" r:id="rId14"/>
   </p:sldIdLst>
   <p:sldSz cx="9144000" cy="6858000" type="screen4x3"/>
   <p:notesSz cx="6858000" cy="9144000"/>
@@ -3412,15 +3414,33 @@
             </a:r>
             <a:r>
               <a:rPr lang="en-IN" dirty="0"/>
-              <a:t>are the emergency stop signals?  How the STOP signal in the existing system is </a:t>
-            </a:r>
-            <a:r>
-              <a:rPr lang="en-IN"/>
-              <a:t>handled</a:t>
-            </a:r>
-            <a:r>
-              <a:rPr lang="en-IN" smtClean="0"/>
+              <a:t>are the emergency stop signals?  How the STOP signal in the existing system is handled</a:t>
+            </a:r>
+            <a:r>
+              <a:rPr lang="en-IN" dirty="0" smtClean="0"/>
               <a:t>?</a:t>
+            </a:r>
+          </a:p>
+          <a:p>
+            <a:pPr marL="514350" indent="-514350">
+              <a:buFont typeface="+mj-lt"/>
+              <a:buAutoNum type="arabicPeriod"/>
+            </a:pPr>
+            <a:r>
+              <a:rPr lang="en-US" dirty="0" smtClean="0"/>
+              <a:t>Result-DB and Serial-Details-DB uses the same </a:t>
+            </a:r>
+            <a:r>
+              <a:rPr lang="en-US" dirty="0"/>
+              <a:t>DSN (</a:t>
+            </a:r>
+            <a:r>
+              <a:rPr lang="en-US" dirty="0" err="1" smtClean="0"/>
+              <a:t>EPSN_NEW.dsn</a:t>
+            </a:r>
+            <a:r>
+              <a:rPr lang="en-US" dirty="0" smtClean="0"/>
+              <a:t>)?  i.e., same DB? If different, please mention.</a:t>
             </a:r>
             <a:endParaRPr lang="en-IN" dirty="0" smtClean="0"/>
           </a:p>
@@ -3430,6 +3450,172 @@
     <p:extLst>
       <p:ext uri="{BB962C8B-B14F-4D97-AF65-F5344CB8AC3E}">
         <p14:creationId xmlns:p14="http://schemas.microsoft.com/office/powerpoint/2010/main" val="2884218104"/>
+      </p:ext>
+    </p:extLst>
+  </p:cSld>
+  <p:clrMapOvr>
+    <a:masterClrMapping/>
+  </p:clrMapOvr>
+</p:sld>
+</file>
+
+<file path=ppt/slides/slide12.xml><?xml version="1.0" encoding="utf-8"?>
+<p:sld xmlns:a="http://schemas.openxmlformats.org/drawingml/2006/main" xmlns:r="http://schemas.openxmlformats.org/officeDocument/2006/relationships" xmlns:p="http://schemas.openxmlformats.org/presentationml/2006/main">
+  <p:cSld>
+    <p:spTree>
+      <p:nvGrpSpPr>
+        <p:cNvPr id="1" name=""/>
+        <p:cNvGrpSpPr/>
+        <p:nvPr/>
+      </p:nvGrpSpPr>
+      <p:grpSpPr>
+        <a:xfrm>
+          <a:off x="0" y="0"/>
+          <a:ext cx="0" cy="0"/>
+          <a:chOff x="0" y="0"/>
+          <a:chExt cx="0" cy="0"/>
+        </a:xfrm>
+      </p:grpSpPr>
+      <p:sp>
+        <p:nvSpPr>
+          <p:cNvPr id="2" name="Title 1"/>
+          <p:cNvSpPr>
+            <a:spLocks noGrp="1"/>
+          </p:cNvSpPr>
+          <p:nvPr>
+            <p:ph type="title"/>
+          </p:nvPr>
+        </p:nvSpPr>
+        <p:spPr/>
+        <p:txBody>
+          <a:bodyPr>
+            <a:normAutofit fontScale="90000"/>
+          </a:bodyPr>
+          <a:lstStyle/>
+          <a:p>
+            <a:r>
+              <a:rPr lang="en-US" dirty="0" smtClean="0"/>
+              <a:t>Validation required while integration.</a:t>
+            </a:r>
+            <a:endParaRPr lang="en-IN" dirty="0"/>
+          </a:p>
+        </p:txBody>
+      </p:sp>
+      <p:sp>
+        <p:nvSpPr>
+          <p:cNvPr id="3" name="Content Placeholder 2"/>
+          <p:cNvSpPr>
+            <a:spLocks noGrp="1"/>
+          </p:cNvSpPr>
+          <p:nvPr>
+            <p:ph idx="1"/>
+          </p:nvPr>
+        </p:nvSpPr>
+        <p:spPr/>
+        <p:txBody>
+          <a:bodyPr/>
+          <a:lstStyle/>
+          <a:p>
+            <a:r>
+              <a:rPr lang="en-US" dirty="0" smtClean="0"/>
+              <a:t>Store procedure of Serial-Detail DB (aka </a:t>
+            </a:r>
+            <a:r>
+              <a:rPr lang="en-US" dirty="0" err="1" smtClean="0"/>
+              <a:t>AirLeakLookup</a:t>
+            </a:r>
+            <a:r>
+              <a:rPr lang="en-US" dirty="0" smtClean="0"/>
+              <a:t> store procedure)</a:t>
+            </a:r>
+            <a:endParaRPr lang="en-IN" dirty="0"/>
+          </a:p>
+        </p:txBody>
+      </p:sp>
+    </p:spTree>
+    <p:extLst>
+      <p:ext uri="{BB962C8B-B14F-4D97-AF65-F5344CB8AC3E}">
+        <p14:creationId xmlns:p14="http://schemas.microsoft.com/office/powerpoint/2010/main" val="1759032083"/>
+      </p:ext>
+    </p:extLst>
+  </p:cSld>
+  <p:clrMapOvr>
+    <a:masterClrMapping/>
+  </p:clrMapOvr>
+</p:sld>
+</file>
+
+<file path=ppt/slides/slide13.xml><?xml version="1.0" encoding="utf-8"?>
+<p:sld xmlns:a="http://schemas.openxmlformats.org/drawingml/2006/main" xmlns:r="http://schemas.openxmlformats.org/officeDocument/2006/relationships" xmlns:p="http://schemas.openxmlformats.org/presentationml/2006/main">
+  <p:cSld>
+    <p:spTree>
+      <p:nvGrpSpPr>
+        <p:cNvPr id="1" name=""/>
+        <p:cNvGrpSpPr/>
+        <p:nvPr/>
+      </p:nvGrpSpPr>
+      <p:grpSpPr>
+        <a:xfrm>
+          <a:off x="0" y="0"/>
+          <a:ext cx="0" cy="0"/>
+          <a:chOff x="0" y="0"/>
+          <a:chExt cx="0" cy="0"/>
+        </a:xfrm>
+      </p:grpSpPr>
+      <p:sp>
+        <p:nvSpPr>
+          <p:cNvPr id="2" name="Title 1"/>
+          <p:cNvSpPr>
+            <a:spLocks noGrp="1"/>
+          </p:cNvSpPr>
+          <p:nvPr>
+            <p:ph type="title"/>
+          </p:nvPr>
+        </p:nvSpPr>
+        <p:spPr/>
+        <p:txBody>
+          <a:bodyPr/>
+          <a:lstStyle/>
+          <a:p>
+            <a:r>
+              <a:rPr lang="en-US" dirty="0" smtClean="0"/>
+              <a:t>Anish To validate</a:t>
+            </a:r>
+            <a:endParaRPr lang="en-IN" dirty="0"/>
+          </a:p>
+        </p:txBody>
+      </p:sp>
+      <p:sp>
+        <p:nvSpPr>
+          <p:cNvPr id="3" name="Content Placeholder 2"/>
+          <p:cNvSpPr>
+            <a:spLocks noGrp="1"/>
+          </p:cNvSpPr>
+          <p:nvPr>
+            <p:ph idx="1"/>
+          </p:nvPr>
+        </p:nvSpPr>
+        <p:spPr/>
+        <p:txBody>
+          <a:bodyPr/>
+          <a:lstStyle/>
+          <a:p>
+            <a:r>
+              <a:rPr lang="en-US" dirty="0" smtClean="0"/>
+              <a:t>Software design document – light 1, 2, 3 is correct according to DAQ connection.  Previous ALTS design document has extra </a:t>
+            </a:r>
+            <a:r>
+              <a:rPr lang="en-US" smtClean="0"/>
+              <a:t>light indicator in it.</a:t>
+            </a:r>
+            <a:endParaRPr lang="en-IN"/>
+          </a:p>
+        </p:txBody>
+      </p:sp>
+    </p:spTree>
+    <p:extLst>
+      <p:ext uri="{BB962C8B-B14F-4D97-AF65-F5344CB8AC3E}">
+        <p14:creationId xmlns:p14="http://schemas.microsoft.com/office/powerpoint/2010/main" val="1049758559"/>
       </p:ext>
     </p:extLst>
   </p:cSld>
@@ -5666,66 +5852,6 @@
       </p:cxnSp>
       <p:sp>
         <p:nvSpPr>
-          <p:cNvPr id="86" name="TextBox 85"/>
-          <p:cNvSpPr txBox="1"/>
-          <p:nvPr/>
-        </p:nvSpPr>
-        <p:spPr>
-          <a:xfrm>
-            <a:off x="3027805" y="1068268"/>
-            <a:ext cx="751103" cy="369332"/>
-          </a:xfrm>
-          <a:prstGeom prst="rect">
-            <a:avLst/>
-          </a:prstGeom>
-          <a:noFill/>
-        </p:spPr>
-        <p:txBody>
-          <a:bodyPr wrap="none" rtlCol="0">
-            <a:spAutoFit/>
-          </a:bodyPr>
-          <a:lstStyle/>
-          <a:p>
-            <a:r>
-              <a:rPr lang="en-GB" dirty="0" smtClean="0"/>
-              <a:t>START</a:t>
-            </a:r>
-            <a:endParaRPr lang="en-IN" dirty="0"/>
-          </a:p>
-        </p:txBody>
-      </p:sp>
-      <p:sp>
-        <p:nvSpPr>
-          <p:cNvPr id="87" name="TextBox 86"/>
-          <p:cNvSpPr txBox="1"/>
-          <p:nvPr/>
-        </p:nvSpPr>
-        <p:spPr>
-          <a:xfrm>
-            <a:off x="3991443" y="1610021"/>
-            <a:ext cx="665439" cy="369332"/>
-          </a:xfrm>
-          <a:prstGeom prst="rect">
-            <a:avLst/>
-          </a:prstGeom>
-          <a:noFill/>
-        </p:spPr>
-        <p:txBody>
-          <a:bodyPr wrap="none" rtlCol="0">
-            <a:spAutoFit/>
-          </a:bodyPr>
-          <a:lstStyle/>
-          <a:p>
-            <a:r>
-              <a:rPr lang="en-GB" dirty="0" smtClean="0"/>
-              <a:t>STOP</a:t>
-            </a:r>
-            <a:endParaRPr lang="en-IN" dirty="0"/>
-          </a:p>
-        </p:txBody>
-      </p:sp>
-      <p:sp>
-        <p:nvSpPr>
           <p:cNvPr id="88" name="TextBox 87"/>
           <p:cNvSpPr txBox="1"/>
           <p:nvPr/>
@@ -6838,20 +6964,20 @@
       </p:sp>
       <p:sp>
         <p:nvSpPr>
-          <p:cNvPr id="118" name="Flowchart: Direct Access Storage 117"/>
+          <p:cNvPr id="119" name="Flowchart: Direct Access Storage 118"/>
           <p:cNvSpPr/>
           <p:nvPr/>
         </p:nvSpPr>
         <p:spPr>
-          <a:xfrm rot="15145955">
-            <a:off x="5442610" y="840049"/>
-            <a:ext cx="157839" cy="456436"/>
+          <a:xfrm rot="15369931">
+            <a:off x="5860443" y="1567130"/>
+            <a:ext cx="226394" cy="177506"/>
           </a:xfrm>
           <a:prstGeom prst="flowChartMagneticDrum">
             <a:avLst/>
           </a:prstGeom>
           <a:solidFill>
-            <a:srgbClr val="FF0000"/>
+            <a:schemeClr val="tx1"/>
           </a:solidFill>
         </p:spPr>
         <p:style>
@@ -6881,21 +7007,18 @@
       </p:sp>
       <p:sp>
         <p:nvSpPr>
-          <p:cNvPr id="119" name="Flowchart: Direct Access Storage 118"/>
+          <p:cNvPr id="54" name="Flowchart: Direct Access Storage 53"/>
           <p:cNvSpPr/>
           <p:nvPr/>
         </p:nvSpPr>
         <p:spPr>
-          <a:xfrm rot="15369931">
-            <a:off x="5860443" y="1567130"/>
-            <a:ext cx="226394" cy="177506"/>
+          <a:xfrm rot="16200000">
+            <a:off x="-2127653" y="5273894"/>
+            <a:ext cx="1656184" cy="1273571"/>
           </a:xfrm>
           <a:prstGeom prst="flowChartMagneticDrum">
             <a:avLst/>
           </a:prstGeom>
-          <a:solidFill>
-            <a:schemeClr val="tx1"/>
-          </a:solidFill>
         </p:spPr>
         <p:style>
           <a:lnRef idx="2">
@@ -6918,92 +7041,17 @@
           <a:lstStyle/>
           <a:p>
             <a:pPr algn="ctr"/>
-            <a:endParaRPr lang="en-IN"/>
-          </a:p>
-        </p:txBody>
-      </p:sp>
-      <p:sp>
-        <p:nvSpPr>
-          <p:cNvPr id="120" name="Flowchart: Direct Access Storage 119"/>
-          <p:cNvSpPr/>
-          <p:nvPr/>
-        </p:nvSpPr>
-        <p:spPr>
-          <a:xfrm rot="15145955">
-            <a:off x="5834876" y="1341262"/>
-            <a:ext cx="157839" cy="456436"/>
-          </a:xfrm>
-          <a:prstGeom prst="flowChartMagneticDrum">
-            <a:avLst/>
-          </a:prstGeom>
-          <a:solidFill>
-            <a:srgbClr val="FF0000"/>
-          </a:solidFill>
-        </p:spPr>
-        <p:style>
-          <a:lnRef idx="2">
-            <a:schemeClr val="accent1">
-              <a:shade val="50000"/>
-            </a:schemeClr>
-          </a:lnRef>
-          <a:fillRef idx="1">
-            <a:schemeClr val="accent1"/>
-          </a:fillRef>
-          <a:effectRef idx="0">
-            <a:schemeClr val="accent1"/>
-          </a:effectRef>
-          <a:fontRef idx="minor">
-            <a:schemeClr val="lt1"/>
-          </a:fontRef>
-        </p:style>
-        <p:txBody>
-          <a:bodyPr rtlCol="0" anchor="ctr"/>
-          <a:lstStyle/>
-          <a:p>
-            <a:pPr algn="ctr"/>
-            <a:endParaRPr lang="en-IN"/>
-          </a:p>
-        </p:txBody>
-      </p:sp>
-      <p:sp>
-        <p:nvSpPr>
-          <p:cNvPr id="54" name="Flowchart: Direct Access Storage 53"/>
-          <p:cNvSpPr/>
-          <p:nvPr/>
-        </p:nvSpPr>
-        <p:spPr>
-          <a:xfrm rot="16200000">
-            <a:off x="-966928" y="5273893"/>
-            <a:ext cx="1656184" cy="1273571"/>
-          </a:xfrm>
-          <a:prstGeom prst="flowChartMagneticDrum">
-            <a:avLst/>
-          </a:prstGeom>
-        </p:spPr>
-        <p:style>
-          <a:lnRef idx="2">
-            <a:schemeClr val="accent1">
-              <a:shade val="50000"/>
-            </a:schemeClr>
-          </a:lnRef>
-          <a:fillRef idx="1">
-            <a:schemeClr val="accent1"/>
-          </a:fillRef>
-          <a:effectRef idx="0">
-            <a:schemeClr val="accent1"/>
-          </a:effectRef>
-          <a:fontRef idx="minor">
-            <a:schemeClr val="lt1"/>
-          </a:fontRef>
-        </p:style>
-        <p:txBody>
-          <a:bodyPr rtlCol="0" anchor="ctr"/>
-          <a:lstStyle/>
-          <a:p>
-            <a:pPr algn="ctr"/>
-            <a:r>
-              <a:rPr lang="en-GB" dirty="0" smtClean="0"/>
-              <a:t>Part Detail DB</a:t>
+            <a:r>
+              <a:rPr lang="en-GB" dirty="0" smtClean="0"/>
+              <a:t>Serial </a:t>
+            </a:r>
+            <a:r>
+              <a:rPr lang="en-GB" dirty="0" smtClean="0"/>
+              <a:t>Detail </a:t>
+            </a:r>
+            <a:r>
+              <a:rPr lang="en-GB" dirty="0" smtClean="0"/>
+              <a:t>DB</a:t>
             </a:r>
             <a:endParaRPr lang="en-IN" dirty="0"/>
           </a:p>
@@ -7020,8 +7068,8 @@
         </p:nvCxnSpPr>
         <p:spPr>
           <a:xfrm rot="5400000" flipH="1" flipV="1">
-            <a:off x="45666" y="4449069"/>
-            <a:ext cx="449016" cy="818021"/>
+            <a:off x="-534696" y="3868707"/>
+            <a:ext cx="449017" cy="1978746"/>
           </a:xfrm>
           <a:prstGeom prst="bentConnector3">
             <a:avLst/>
@@ -7089,6 +7137,48 @@
               <a:t>New ALT Requirement</a:t>
             </a:r>
             <a:endParaRPr lang="en-IN" sz="2700" dirty="0"/>
+          </a:p>
+        </p:txBody>
+      </p:sp>
+      <p:sp>
+        <p:nvSpPr>
+          <p:cNvPr id="59" name="TextBox 58"/>
+          <p:cNvSpPr txBox="1"/>
+          <p:nvPr/>
+        </p:nvSpPr>
+        <p:spPr>
+          <a:xfrm>
+            <a:off x="-2702450" y="6733153"/>
+            <a:ext cx="2449710" cy="646331"/>
+          </a:xfrm>
+          <a:prstGeom prst="rect">
+            <a:avLst/>
+          </a:prstGeom>
+          <a:noFill/>
+        </p:spPr>
+        <p:txBody>
+          <a:bodyPr wrap="none" rtlCol="0">
+            <a:spAutoFit/>
+          </a:bodyPr>
+          <a:lstStyle/>
+          <a:p>
+            <a:pPr algn="ctr"/>
+            <a:r>
+              <a:rPr lang="en-GB" dirty="0" smtClean="0"/>
+              <a:t>Flange, Displacement,</a:t>
+            </a:r>
+          </a:p>
+          <a:p>
+            <a:pPr algn="ctr"/>
+            <a:r>
+              <a:rPr lang="en-GB" dirty="0" err="1" smtClean="0"/>
+              <a:t>Adapterplate</a:t>
+            </a:r>
+            <a:r>
+              <a:rPr lang="en-GB" dirty="0" smtClean="0"/>
+              <a:t>, Test Type.</a:t>
+            </a:r>
+            <a:endParaRPr lang="en-IN" dirty="0"/>
           </a:p>
         </p:txBody>
       </p:sp>

--- a/Documentation/Legacy ALTS vs New ALTS.pptx
+++ b/Documentation/Legacy ALTS vs New ALTS.pptx
@@ -18,6 +18,7 @@
     <p:sldId id="260" r:id="rId12"/>
     <p:sldId id="268" r:id="rId13"/>
     <p:sldId id="269" r:id="rId14"/>
+    <p:sldId id="270" r:id="rId15"/>
   </p:sldIdLst>
   <p:sldSz cx="9144000" cy="6858000" type="screen4x3"/>
   <p:notesSz cx="6858000" cy="9144000"/>
@@ -300,7 +301,7 @@
           <a:p>
             <a:fld id="{E990F926-FFDE-4051-869B-E2E0FCD05DBF}" type="datetimeFigureOut">
               <a:rPr lang="en-IN" smtClean="0"/>
-              <a:t>10-02-2015</a:t>
+              <a:t>13-02-2015</a:t>
             </a:fld>
             <a:endParaRPr lang="en-IN"/>
           </a:p>
@@ -470,7 +471,7 @@
           <a:p>
             <a:fld id="{E990F926-FFDE-4051-869B-E2E0FCD05DBF}" type="datetimeFigureOut">
               <a:rPr lang="en-IN" smtClean="0"/>
-              <a:t>10-02-2015</a:t>
+              <a:t>13-02-2015</a:t>
             </a:fld>
             <a:endParaRPr lang="en-IN"/>
           </a:p>
@@ -650,7 +651,7 @@
           <a:p>
             <a:fld id="{E990F926-FFDE-4051-869B-E2E0FCD05DBF}" type="datetimeFigureOut">
               <a:rPr lang="en-IN" smtClean="0"/>
-              <a:t>10-02-2015</a:t>
+              <a:t>13-02-2015</a:t>
             </a:fld>
             <a:endParaRPr lang="en-IN"/>
           </a:p>
@@ -820,7 +821,7 @@
           <a:p>
             <a:fld id="{E990F926-FFDE-4051-869B-E2E0FCD05DBF}" type="datetimeFigureOut">
               <a:rPr lang="en-IN" smtClean="0"/>
-              <a:t>10-02-2015</a:t>
+              <a:t>13-02-2015</a:t>
             </a:fld>
             <a:endParaRPr lang="en-IN"/>
           </a:p>
@@ -1066,7 +1067,7 @@
           <a:p>
             <a:fld id="{E990F926-FFDE-4051-869B-E2E0FCD05DBF}" type="datetimeFigureOut">
               <a:rPr lang="en-IN" smtClean="0"/>
-              <a:t>10-02-2015</a:t>
+              <a:t>13-02-2015</a:t>
             </a:fld>
             <a:endParaRPr lang="en-IN"/>
           </a:p>
@@ -1354,7 +1355,7 @@
           <a:p>
             <a:fld id="{E990F926-FFDE-4051-869B-E2E0FCD05DBF}" type="datetimeFigureOut">
               <a:rPr lang="en-IN" smtClean="0"/>
-              <a:t>10-02-2015</a:t>
+              <a:t>13-02-2015</a:t>
             </a:fld>
             <a:endParaRPr lang="en-IN"/>
           </a:p>
@@ -1776,7 +1777,7 @@
           <a:p>
             <a:fld id="{E990F926-FFDE-4051-869B-E2E0FCD05DBF}" type="datetimeFigureOut">
               <a:rPr lang="en-IN" smtClean="0"/>
-              <a:t>10-02-2015</a:t>
+              <a:t>13-02-2015</a:t>
             </a:fld>
             <a:endParaRPr lang="en-IN"/>
           </a:p>
@@ -1894,7 +1895,7 @@
           <a:p>
             <a:fld id="{E990F926-FFDE-4051-869B-E2E0FCD05DBF}" type="datetimeFigureOut">
               <a:rPr lang="en-IN" smtClean="0"/>
-              <a:t>10-02-2015</a:t>
+              <a:t>13-02-2015</a:t>
             </a:fld>
             <a:endParaRPr lang="en-IN"/>
           </a:p>
@@ -1989,7 +1990,7 @@
           <a:p>
             <a:fld id="{E990F926-FFDE-4051-869B-E2E0FCD05DBF}" type="datetimeFigureOut">
               <a:rPr lang="en-IN" smtClean="0"/>
-              <a:t>10-02-2015</a:t>
+              <a:t>13-02-2015</a:t>
             </a:fld>
             <a:endParaRPr lang="en-IN"/>
           </a:p>
@@ -2266,7 +2267,7 @@
           <a:p>
             <a:fld id="{E990F926-FFDE-4051-869B-E2E0FCD05DBF}" type="datetimeFigureOut">
               <a:rPr lang="en-IN" smtClean="0"/>
-              <a:t>10-02-2015</a:t>
+              <a:t>13-02-2015</a:t>
             </a:fld>
             <a:endParaRPr lang="en-IN"/>
           </a:p>
@@ -2519,7 +2520,7 @@
           <a:p>
             <a:fld id="{E990F926-FFDE-4051-869B-E2E0FCD05DBF}" type="datetimeFigureOut">
               <a:rPr lang="en-IN" smtClean="0"/>
-              <a:t>10-02-2015</a:t>
+              <a:t>13-02-2015</a:t>
             </a:fld>
             <a:endParaRPr lang="en-IN"/>
           </a:p>
@@ -2732,7 +2733,7 @@
           <a:p>
             <a:fld id="{E990F926-FFDE-4051-869B-E2E0FCD05DBF}" type="datetimeFigureOut">
               <a:rPr lang="en-IN" smtClean="0"/>
-              <a:t>10-02-2015</a:t>
+              <a:t>13-02-2015</a:t>
             </a:fld>
             <a:endParaRPr lang="en-IN"/>
           </a:p>
@@ -3625,6 +3626,120 @@
 </p:sld>
 </file>
 
+<file path=ppt/slides/slide14.xml><?xml version="1.0" encoding="utf-8"?>
+<p:sld xmlns:a="http://schemas.openxmlformats.org/drawingml/2006/main" xmlns:r="http://schemas.openxmlformats.org/officeDocument/2006/relationships" xmlns:p="http://schemas.openxmlformats.org/presentationml/2006/main">
+  <p:cSld>
+    <p:spTree>
+      <p:nvGrpSpPr>
+        <p:cNvPr id="1" name=""/>
+        <p:cNvGrpSpPr/>
+        <p:nvPr/>
+      </p:nvGrpSpPr>
+      <p:grpSpPr>
+        <a:xfrm>
+          <a:off x="0" y="0"/>
+          <a:ext cx="0" cy="0"/>
+          <a:chOff x="0" y="0"/>
+          <a:chExt cx="0" cy="0"/>
+        </a:xfrm>
+      </p:grpSpPr>
+      <p:sp>
+        <p:nvSpPr>
+          <p:cNvPr id="2" name="Title 1"/>
+          <p:cNvSpPr>
+            <a:spLocks noGrp="1"/>
+          </p:cNvSpPr>
+          <p:nvPr>
+            <p:ph type="title"/>
+          </p:nvPr>
+        </p:nvSpPr>
+        <p:spPr/>
+        <p:txBody>
+          <a:bodyPr>
+            <a:normAutofit/>
+          </a:bodyPr>
+          <a:lstStyle/>
+          <a:p>
+            <a:r>
+              <a:rPr lang="en-GB" dirty="0" smtClean="0"/>
+              <a:t>Error Occurrences</a:t>
+            </a:r>
+            <a:endParaRPr lang="en-IN" dirty="0"/>
+          </a:p>
+        </p:txBody>
+      </p:sp>
+      <p:sp>
+        <p:nvSpPr>
+          <p:cNvPr id="3" name="Content Placeholder 2"/>
+          <p:cNvSpPr>
+            <a:spLocks noGrp="1"/>
+          </p:cNvSpPr>
+          <p:nvPr>
+            <p:ph idx="1"/>
+          </p:nvPr>
+        </p:nvSpPr>
+        <p:spPr/>
+        <p:txBody>
+          <a:bodyPr/>
+          <a:lstStyle/>
+          <a:p>
+            <a:r>
+              <a:rPr lang="en-GB" dirty="0" smtClean="0"/>
+              <a:t>Error 91 – Data type error.  Occurs </a:t>
+            </a:r>
+            <a:r>
+              <a:rPr lang="en-GB" dirty="0" err="1" smtClean="0"/>
+              <a:t>usally</a:t>
+            </a:r>
+            <a:r>
+              <a:rPr lang="en-GB" dirty="0" smtClean="0"/>
+              <a:t> if </a:t>
+            </a:r>
+            <a:r>
+              <a:rPr lang="en-GB" dirty="0" err="1" smtClean="0"/>
+              <a:t>datasocket</a:t>
+            </a:r>
+            <a:r>
+              <a:rPr lang="en-GB" dirty="0" smtClean="0"/>
+              <a:t> server is not </a:t>
+            </a:r>
+            <a:r>
+              <a:rPr lang="en-GB" dirty="0" err="1" smtClean="0"/>
+              <a:t>initalized</a:t>
+            </a:r>
+            <a:r>
+              <a:rPr lang="en-GB" dirty="0"/>
+              <a:t> </a:t>
+            </a:r>
+            <a:r>
+              <a:rPr lang="en-GB" dirty="0" smtClean="0"/>
+              <a:t>in simulation mode.  In practical, it should occur if the </a:t>
+            </a:r>
+            <a:r>
+              <a:rPr lang="en-GB" dirty="0" err="1" smtClean="0"/>
+              <a:t>datasocket</a:t>
+            </a:r>
+            <a:r>
+              <a:rPr lang="en-GB" smtClean="0"/>
+              <a:t> communication is missing.</a:t>
+            </a:r>
+            <a:endParaRPr lang="en-IN" dirty="0"/>
+          </a:p>
+        </p:txBody>
+      </p:sp>
+    </p:spTree>
+    <p:extLst>
+      <p:ext uri="{BB962C8B-B14F-4D97-AF65-F5344CB8AC3E}">
+        <p14:creationId xmlns:p14="http://schemas.microsoft.com/office/powerpoint/2010/main" val="2735561365"/>
+      </p:ext>
+    </p:extLst>
+  </p:cSld>
+  <p:clrMapOvr>
+    <a:masterClrMapping/>
+  </p:clrMapOvr>
+</p:sld>
+</file>
+
 <file path=ppt/slides/slide2.xml><?xml version="1.0" encoding="utf-8"?>
 <p:sld xmlns:a="http://schemas.openxmlformats.org/drawingml/2006/main" xmlns:r="http://schemas.openxmlformats.org/officeDocument/2006/relationships" xmlns:p="http://schemas.openxmlformats.org/presentationml/2006/main">
   <p:cSld>
@@ -7043,15 +7158,7 @@
             <a:pPr algn="ctr"/>
             <a:r>
               <a:rPr lang="en-GB" dirty="0" smtClean="0"/>
-              <a:t>Serial </a:t>
-            </a:r>
-            <a:r>
-              <a:rPr lang="en-GB" dirty="0" smtClean="0"/>
-              <a:t>Detail </a:t>
-            </a:r>
-            <a:r>
-              <a:rPr lang="en-GB" dirty="0" smtClean="0"/>
-              <a:t>DB</a:t>
+              <a:t>Serial Detail DB</a:t>
             </a:r>
             <a:endParaRPr lang="en-IN" dirty="0"/>
           </a:p>
@@ -7881,15 +7988,7 @@
             </a:pPr>
             <a:r>
               <a:rPr lang="en-US" dirty="0" err="1" smtClean="0"/>
-              <a:t>PC_ACK_Read</a:t>
-            </a:r>
-            <a:r>
-              <a:rPr lang="en-US" dirty="0" err="1" smtClean="0"/>
-              <a:t>_Tag</a:t>
-            </a:r>
-            <a:r>
-              <a:rPr lang="en-US" dirty="0" err="1" smtClean="0"/>
-              <a:t>s</a:t>
+              <a:t>PC_ACK_Read_Tags</a:t>
             </a:r>
             <a:endParaRPr lang="en-US" dirty="0" smtClean="0"/>
           </a:p>
@@ -7965,11 +8064,7 @@
           <a:p>
             <a:r>
               <a:rPr lang="en-GB" dirty="0" smtClean="0"/>
-              <a:t>Expected PC </a:t>
-            </a:r>
-            <a:r>
-              <a:rPr lang="en-GB" dirty="0" smtClean="0"/>
-              <a:t>Behaviour</a:t>
+              <a:t>Expected PC Behaviour</a:t>
             </a:r>
             <a:endParaRPr lang="en-IN" dirty="0"/>
           </a:p>
@@ -7994,11 +8089,7 @@
           <a:p>
             <a:r>
               <a:rPr lang="en-GB" dirty="0" smtClean="0"/>
-              <a:t>PC remembers the station occupancy and </a:t>
-            </a:r>
-            <a:r>
-              <a:rPr lang="en-GB" dirty="0" smtClean="0"/>
-              <a:t>intimate robot to </a:t>
+              <a:t>PC remembers the station occupancy and intimate robot to </a:t>
             </a:r>
           </a:p>
           <a:p>
@@ -8045,7 +8136,6 @@
               <a:rPr lang="en-GB" dirty="0" smtClean="0"/>
               <a:t>the serial.</a:t>
             </a:r>
-            <a:endParaRPr lang="en-GB" dirty="0" smtClean="0"/>
           </a:p>
           <a:p>
             <a:r>
@@ -8064,11 +8154,7 @@
             </a:r>
             <a:r>
               <a:rPr lang="en-GB" dirty="0" smtClean="0"/>
-              <a:t>to run in the </a:t>
-            </a:r>
-            <a:r>
-              <a:rPr lang="en-GB" dirty="0" smtClean="0"/>
-              <a:t>various ALT stations using </a:t>
+              <a:t>to run in the various ALT stations using </a:t>
             </a:r>
             <a:r>
               <a:rPr lang="en-GB" i="1" dirty="0" smtClean="0"/>
@@ -8082,11 +8168,7 @@
           <a:p>
             <a:r>
               <a:rPr lang="en-GB" dirty="0" smtClean="0"/>
-              <a:t>PC </a:t>
-            </a:r>
-            <a:r>
-              <a:rPr lang="en-GB" dirty="0" smtClean="0"/>
-              <a:t>scans for the new serial after getting </a:t>
+              <a:t>PC scans for the new serial after getting </a:t>
             </a:r>
             <a:r>
               <a:rPr lang="en-GB" b="1" dirty="0" err="1" smtClean="0"/>
@@ -8094,17 +8176,8 @@
             </a:r>
             <a:r>
               <a:rPr lang="en-GB" dirty="0" smtClean="0"/>
-              <a:t> </a:t>
-            </a:r>
-            <a:r>
-              <a:rPr lang="en-GB" dirty="0" smtClean="0"/>
-              <a:t>from </a:t>
-            </a:r>
-            <a:r>
-              <a:rPr lang="en-GB" dirty="0" smtClean="0"/>
-              <a:t>PLC.  PC will read both the scanners and uses only the valid serial number from the scanners for further processing.</a:t>
-            </a:r>
-            <a:endParaRPr lang="en-GB" dirty="0" smtClean="0"/>
+              <a:t> from PLC.  PC will read both the scanners and uses only the valid serial number from the scanners for further processing.</a:t>
+            </a:r>
           </a:p>
           <a:p>
             <a:r>
@@ -8131,11 +8204,7 @@
           <a:p>
             <a:r>
               <a:rPr lang="en-GB" dirty="0" smtClean="0"/>
-              <a:t>PC </a:t>
-            </a:r>
-            <a:r>
-              <a:rPr lang="en-GB" dirty="0" smtClean="0"/>
-              <a:t>sends the </a:t>
+              <a:t>PC sends the </a:t>
             </a:r>
             <a:r>
               <a:rPr lang="en-GB" b="1" dirty="0" err="1" smtClean="0"/>
@@ -8163,21 +8232,13 @@
             </a:r>
             <a:r>
               <a:rPr lang="en-GB" dirty="0" smtClean="0"/>
-              <a:t>to </a:t>
-            </a:r>
-            <a:r>
-              <a:rPr lang="en-GB" dirty="0" smtClean="0"/>
-              <a:t>intimate the arrival of serial at scanner stage which has no DB entry.</a:t>
-            </a:r>
-          </a:p>
-          <a:p>
-            <a:r>
-              <a:rPr lang="en-GB" dirty="0" smtClean="0"/>
-              <a:t>Work order number will be used from INI </a:t>
-            </a:r>
-            <a:r>
-              <a:rPr lang="en-GB" dirty="0" smtClean="0"/>
-              <a:t>entry.</a:t>
+              <a:t>to intimate the arrival of serial at scanner stage which has no DB entry.</a:t>
+            </a:r>
+          </a:p>
+          <a:p>
+            <a:r>
+              <a:rPr lang="en-GB" dirty="0" smtClean="0"/>
+              <a:t>Work order number will be used from INI entry.</a:t>
             </a:r>
           </a:p>
           <a:p>
@@ -8185,7 +8246,6 @@
               <a:rPr lang="en-GB" dirty="0" smtClean="0"/>
               <a:t>Start/Stop button used in existing system will not work for Auto mode.  In manual mode, test can be started or stopped as is in existing system.</a:t>
             </a:r>
-            <a:endParaRPr lang="en-GB" dirty="0" smtClean="0"/>
           </a:p>
           <a:p>
             <a:r>
@@ -8421,11 +8481,7 @@
           <a:p>
             <a:r>
               <a:rPr lang="en-GB" dirty="0" smtClean="0"/>
-              <a:t>Robot shoul</a:t>
-            </a:r>
-            <a:r>
-              <a:rPr lang="en-GB" dirty="0" smtClean="0"/>
-              <a:t>d identify the serial </a:t>
+              <a:t>Robot should identify the serial </a:t>
             </a:r>
             <a:r>
               <a:rPr lang="en-GB" b="1" dirty="0" smtClean="0"/>
@@ -8508,11 +8564,7 @@
             </a:r>
             <a:r>
               <a:rPr lang="en-GB" dirty="0" smtClean="0"/>
-              <a:t>Robot shoul</a:t>
-            </a:r>
-            <a:r>
-              <a:rPr lang="en-GB" dirty="0" smtClean="0"/>
-              <a:t>d move the unloaded part to respective conveyor based on </a:t>
+              <a:t>Robot should move the unloaded part to respective conveyor based on </a:t>
             </a:r>
             <a:r>
               <a:rPr lang="en-GB" dirty="0" err="1" smtClean="0"/>
@@ -8522,7 +8574,6 @@
               <a:rPr lang="en-GB" dirty="0" smtClean="0"/>
               <a:t> tag.</a:t>
             </a:r>
-            <a:endParaRPr lang="en-GB" dirty="0" smtClean="0"/>
           </a:p>
           <a:p>
             <a:endParaRPr lang="en-GB" dirty="0" smtClean="0"/>

--- a/Documentation/Legacy ALTS vs New ALTS.pptx
+++ b/Documentation/Legacy ALTS vs New ALTS.pptx
@@ -19,6 +19,7 @@
     <p:sldId id="268" r:id="rId13"/>
     <p:sldId id="269" r:id="rId14"/>
     <p:sldId id="270" r:id="rId15"/>
+    <p:sldId id="271" r:id="rId16"/>
   </p:sldIdLst>
   <p:sldSz cx="9144000" cy="6858000" type="screen4x3"/>
   <p:notesSz cx="6858000" cy="9144000"/>
@@ -301,7 +302,7 @@
           <a:p>
             <a:fld id="{E990F926-FFDE-4051-869B-E2E0FCD05DBF}" type="datetimeFigureOut">
               <a:rPr lang="en-IN" smtClean="0"/>
-              <a:t>13-02-2015</a:t>
+              <a:t>09-03-2015</a:t>
             </a:fld>
             <a:endParaRPr lang="en-IN"/>
           </a:p>
@@ -471,7 +472,7 @@
           <a:p>
             <a:fld id="{E990F926-FFDE-4051-869B-E2E0FCD05DBF}" type="datetimeFigureOut">
               <a:rPr lang="en-IN" smtClean="0"/>
-              <a:t>13-02-2015</a:t>
+              <a:t>09-03-2015</a:t>
             </a:fld>
             <a:endParaRPr lang="en-IN"/>
           </a:p>
@@ -651,7 +652,7 @@
           <a:p>
             <a:fld id="{E990F926-FFDE-4051-869B-E2E0FCD05DBF}" type="datetimeFigureOut">
               <a:rPr lang="en-IN" smtClean="0"/>
-              <a:t>13-02-2015</a:t>
+              <a:t>09-03-2015</a:t>
             </a:fld>
             <a:endParaRPr lang="en-IN"/>
           </a:p>
@@ -821,7 +822,7 @@
           <a:p>
             <a:fld id="{E990F926-FFDE-4051-869B-E2E0FCD05DBF}" type="datetimeFigureOut">
               <a:rPr lang="en-IN" smtClean="0"/>
-              <a:t>13-02-2015</a:t>
+              <a:t>09-03-2015</a:t>
             </a:fld>
             <a:endParaRPr lang="en-IN"/>
           </a:p>
@@ -1067,7 +1068,7 @@
           <a:p>
             <a:fld id="{E990F926-FFDE-4051-869B-E2E0FCD05DBF}" type="datetimeFigureOut">
               <a:rPr lang="en-IN" smtClean="0"/>
-              <a:t>13-02-2015</a:t>
+              <a:t>09-03-2015</a:t>
             </a:fld>
             <a:endParaRPr lang="en-IN"/>
           </a:p>
@@ -1355,7 +1356,7 @@
           <a:p>
             <a:fld id="{E990F926-FFDE-4051-869B-E2E0FCD05DBF}" type="datetimeFigureOut">
               <a:rPr lang="en-IN" smtClean="0"/>
-              <a:t>13-02-2015</a:t>
+              <a:t>09-03-2015</a:t>
             </a:fld>
             <a:endParaRPr lang="en-IN"/>
           </a:p>
@@ -1777,7 +1778,7 @@
           <a:p>
             <a:fld id="{E990F926-FFDE-4051-869B-E2E0FCD05DBF}" type="datetimeFigureOut">
               <a:rPr lang="en-IN" smtClean="0"/>
-              <a:t>13-02-2015</a:t>
+              <a:t>09-03-2015</a:t>
             </a:fld>
             <a:endParaRPr lang="en-IN"/>
           </a:p>
@@ -1895,7 +1896,7 @@
           <a:p>
             <a:fld id="{E990F926-FFDE-4051-869B-E2E0FCD05DBF}" type="datetimeFigureOut">
               <a:rPr lang="en-IN" smtClean="0"/>
-              <a:t>13-02-2015</a:t>
+              <a:t>09-03-2015</a:t>
             </a:fld>
             <a:endParaRPr lang="en-IN"/>
           </a:p>
@@ -1990,7 +1991,7 @@
           <a:p>
             <a:fld id="{E990F926-FFDE-4051-869B-E2E0FCD05DBF}" type="datetimeFigureOut">
               <a:rPr lang="en-IN" smtClean="0"/>
-              <a:t>13-02-2015</a:t>
+              <a:t>09-03-2015</a:t>
             </a:fld>
             <a:endParaRPr lang="en-IN"/>
           </a:p>
@@ -2267,7 +2268,7 @@
           <a:p>
             <a:fld id="{E990F926-FFDE-4051-869B-E2E0FCD05DBF}" type="datetimeFigureOut">
               <a:rPr lang="en-IN" smtClean="0"/>
-              <a:t>13-02-2015</a:t>
+              <a:t>09-03-2015</a:t>
             </a:fld>
             <a:endParaRPr lang="en-IN"/>
           </a:p>
@@ -2520,7 +2521,7 @@
           <a:p>
             <a:fld id="{E990F926-FFDE-4051-869B-E2E0FCD05DBF}" type="datetimeFigureOut">
               <a:rPr lang="en-IN" smtClean="0"/>
-              <a:t>13-02-2015</a:t>
+              <a:t>09-03-2015</a:t>
             </a:fld>
             <a:endParaRPr lang="en-IN"/>
           </a:p>
@@ -2733,7 +2734,7 @@
           <a:p>
             <a:fld id="{E990F926-FFDE-4051-869B-E2E0FCD05DBF}" type="datetimeFigureOut">
               <a:rPr lang="en-IN" smtClean="0"/>
-              <a:t>13-02-2015</a:t>
+              <a:t>09-03-2015</a:t>
             </a:fld>
             <a:endParaRPr lang="en-IN"/>
           </a:p>
@@ -3737,6 +3738,859 @@
   <p:clrMapOvr>
     <a:masterClrMapping/>
   </p:clrMapOvr>
+  <p:timing>
+    <p:tnLst>
+      <p:par>
+        <p:cTn id="1" dur="indefinite" restart="never" nodeType="tmRoot"/>
+      </p:par>
+    </p:tnLst>
+  </p:timing>
+</p:sld>
+</file>
+
+<file path=ppt/slides/slide15.xml><?xml version="1.0" encoding="utf-8"?>
+<p:sld xmlns:a="http://schemas.openxmlformats.org/drawingml/2006/main" xmlns:r="http://schemas.openxmlformats.org/officeDocument/2006/relationships" xmlns:p="http://schemas.openxmlformats.org/presentationml/2006/main">
+  <p:cSld>
+    <p:spTree>
+      <p:nvGrpSpPr>
+        <p:cNvPr id="1" name=""/>
+        <p:cNvGrpSpPr/>
+        <p:nvPr/>
+      </p:nvGrpSpPr>
+      <p:grpSpPr>
+        <a:xfrm>
+          <a:off x="0" y="0"/>
+          <a:ext cx="0" cy="0"/>
+          <a:chOff x="0" y="0"/>
+          <a:chExt cx="0" cy="0"/>
+        </a:xfrm>
+      </p:grpSpPr>
+      <p:sp>
+        <p:nvSpPr>
+          <p:cNvPr id="2" name="Title 1"/>
+          <p:cNvSpPr>
+            <a:spLocks noGrp="1"/>
+          </p:cNvSpPr>
+          <p:nvPr>
+            <p:ph type="title"/>
+          </p:nvPr>
+        </p:nvSpPr>
+        <p:spPr/>
+        <p:txBody>
+          <a:bodyPr/>
+          <a:lstStyle/>
+          <a:p>
+            <a:r>
+              <a:rPr lang="en-GB" dirty="0" smtClean="0"/>
+              <a:t>New ALTS - Pinout Configurations</a:t>
+            </a:r>
+            <a:endParaRPr lang="en-IN" dirty="0"/>
+          </a:p>
+        </p:txBody>
+      </p:sp>
+      <p:pic>
+        <p:nvPicPr>
+          <p:cNvPr id="1026" name="Picture 2"/>
+          <p:cNvPicPr>
+            <a:picLocks noChangeAspect="1" noChangeArrowheads="1"/>
+          </p:cNvPicPr>
+          <p:nvPr/>
+        </p:nvPicPr>
+        <p:blipFill>
+          <a:blip r:embed="rId2">
+            <a:extLst>
+              <a:ext uri="{28A0092B-C50C-407E-A947-70E740481C1C}">
+                <a14:useLocalDpi xmlns:a14="http://schemas.microsoft.com/office/drawing/2010/main" val="0"/>
+              </a:ext>
+            </a:extLst>
+          </a:blip>
+          <a:srcRect/>
+          <a:stretch>
+            <a:fillRect/>
+          </a:stretch>
+        </p:blipFill>
+        <p:spPr bwMode="auto">
+          <a:xfrm>
+            <a:off x="3131840" y="1338361"/>
+            <a:ext cx="2952750" cy="8715375"/>
+          </a:xfrm>
+          <a:prstGeom prst="rect">
+            <a:avLst/>
+          </a:prstGeom>
+          <a:noFill/>
+          <a:ln>
+            <a:noFill/>
+          </a:ln>
+          <a:extLst>
+            <a:ext uri="{909E8E84-426E-40DD-AFC4-6F175D3DCCD1}">
+              <a14:hiddenFill xmlns:a14="http://schemas.microsoft.com/office/drawing/2010/main">
+                <a:solidFill>
+                  <a:schemeClr val="accent1"/>
+                </a:solidFill>
+              </a14:hiddenFill>
+            </a:ext>
+            <a:ext uri="{91240B29-F687-4F45-9708-019B960494DF}">
+              <a14:hiddenLine xmlns:a14="http://schemas.microsoft.com/office/drawing/2010/main" w="9525">
+                <a:solidFill>
+                  <a:schemeClr val="tx1"/>
+                </a:solidFill>
+                <a:miter lim="800000"/>
+                <a:headEnd/>
+                <a:tailEnd/>
+              </a14:hiddenLine>
+            </a:ext>
+          </a:extLst>
+        </p:spPr>
+      </p:pic>
+      <p:sp>
+        <p:nvSpPr>
+          <p:cNvPr id="5" name="Right Arrow 4"/>
+          <p:cNvSpPr/>
+          <p:nvPr/>
+        </p:nvSpPr>
+        <p:spPr>
+          <a:xfrm>
+            <a:off x="427906" y="2418358"/>
+            <a:ext cx="2736304" cy="144016"/>
+          </a:xfrm>
+          <a:prstGeom prst="rightArrow">
+            <a:avLst>
+              <a:gd name="adj1" fmla="val 100000"/>
+              <a:gd name="adj2" fmla="val 43701"/>
+            </a:avLst>
+          </a:prstGeom>
+          <a:noFill/>
+          <a:ln>
+            <a:solidFill>
+              <a:srgbClr val="92D050"/>
+            </a:solidFill>
+          </a:ln>
+        </p:spPr>
+        <p:style>
+          <a:lnRef idx="2">
+            <a:schemeClr val="accent1">
+              <a:shade val="50000"/>
+            </a:schemeClr>
+          </a:lnRef>
+          <a:fillRef idx="1">
+            <a:schemeClr val="accent1"/>
+          </a:fillRef>
+          <a:effectRef idx="0">
+            <a:schemeClr val="accent1"/>
+          </a:effectRef>
+          <a:fontRef idx="minor">
+            <a:schemeClr val="lt1"/>
+          </a:fontRef>
+        </p:style>
+        <p:txBody>
+          <a:bodyPr rtlCol="0" anchor="ctr"/>
+          <a:lstStyle/>
+          <a:p>
+            <a:pPr algn="ctr"/>
+            <a:r>
+              <a:rPr lang="en-GB" sz="1200" dirty="0">
+                <a:solidFill>
+                  <a:srgbClr val="FF0000"/>
+                </a:solidFill>
+              </a:rPr>
+              <a:t>Station1_TTA – P0.5 – PIN 6</a:t>
+            </a:r>
+            <a:endParaRPr lang="en-IN" sz="1200" dirty="0">
+              <a:solidFill>
+                <a:srgbClr val="FF0000"/>
+              </a:solidFill>
+            </a:endParaRPr>
+          </a:p>
+        </p:txBody>
+      </p:sp>
+      <p:sp>
+        <p:nvSpPr>
+          <p:cNvPr id="20" name="Right Arrow 19"/>
+          <p:cNvSpPr/>
+          <p:nvPr/>
+        </p:nvSpPr>
+        <p:spPr>
+          <a:xfrm>
+            <a:off x="427906" y="2570758"/>
+            <a:ext cx="2736304" cy="144016"/>
+          </a:xfrm>
+          <a:prstGeom prst="rightArrow">
+            <a:avLst>
+              <a:gd name="adj1" fmla="val 100000"/>
+              <a:gd name="adj2" fmla="val 43701"/>
+            </a:avLst>
+          </a:prstGeom>
+          <a:noFill/>
+          <a:ln>
+            <a:solidFill>
+              <a:srgbClr val="92D050"/>
+            </a:solidFill>
+          </a:ln>
+        </p:spPr>
+        <p:style>
+          <a:lnRef idx="2">
+            <a:schemeClr val="accent1">
+              <a:shade val="50000"/>
+            </a:schemeClr>
+          </a:lnRef>
+          <a:fillRef idx="1">
+            <a:schemeClr val="accent1"/>
+          </a:fillRef>
+          <a:effectRef idx="0">
+            <a:schemeClr val="accent1"/>
+          </a:effectRef>
+          <a:fontRef idx="minor">
+            <a:schemeClr val="lt1"/>
+          </a:fontRef>
+        </p:style>
+        <p:txBody>
+          <a:bodyPr rtlCol="0" anchor="ctr"/>
+          <a:lstStyle/>
+          <a:p>
+            <a:pPr algn="ctr"/>
+            <a:r>
+              <a:rPr lang="en-GB" sz="1200" dirty="0">
+                <a:solidFill>
+                  <a:srgbClr val="FF0000"/>
+                </a:solidFill>
+              </a:rPr>
+              <a:t>Station1_TTB – P0.6 – PIN 7</a:t>
+            </a:r>
+            <a:endParaRPr lang="en-IN" sz="1200" dirty="0">
+              <a:solidFill>
+                <a:srgbClr val="FF0000"/>
+              </a:solidFill>
+            </a:endParaRPr>
+          </a:p>
+        </p:txBody>
+      </p:sp>
+      <p:sp>
+        <p:nvSpPr>
+          <p:cNvPr id="21" name="Right Arrow 20"/>
+          <p:cNvSpPr/>
+          <p:nvPr/>
+        </p:nvSpPr>
+        <p:spPr>
+          <a:xfrm>
+            <a:off x="427906" y="4370412"/>
+            <a:ext cx="2736304" cy="144016"/>
+          </a:xfrm>
+          <a:prstGeom prst="rightArrow">
+            <a:avLst>
+              <a:gd name="adj1" fmla="val 100000"/>
+              <a:gd name="adj2" fmla="val 43701"/>
+            </a:avLst>
+          </a:prstGeom>
+          <a:noFill/>
+          <a:ln>
+            <a:solidFill>
+              <a:srgbClr val="92D050"/>
+            </a:solidFill>
+          </a:ln>
+        </p:spPr>
+        <p:style>
+          <a:lnRef idx="2">
+            <a:schemeClr val="accent1">
+              <a:shade val="50000"/>
+            </a:schemeClr>
+          </a:lnRef>
+          <a:fillRef idx="1">
+            <a:schemeClr val="accent1"/>
+          </a:fillRef>
+          <a:effectRef idx="0">
+            <a:schemeClr val="accent1"/>
+          </a:effectRef>
+          <a:fontRef idx="minor">
+            <a:schemeClr val="lt1"/>
+          </a:fontRef>
+        </p:style>
+        <p:txBody>
+          <a:bodyPr rtlCol="0" anchor="ctr"/>
+          <a:lstStyle/>
+          <a:p>
+            <a:pPr algn="ctr"/>
+            <a:r>
+              <a:rPr lang="en-GB" sz="1200" dirty="0">
+                <a:solidFill>
+                  <a:srgbClr val="FF0000"/>
+                </a:solidFill>
+              </a:rPr>
+              <a:t>Station3_TTA – P2.5 – PIN 18</a:t>
+            </a:r>
+            <a:endParaRPr lang="en-IN" sz="1200" dirty="0">
+              <a:solidFill>
+                <a:srgbClr val="FF0000"/>
+              </a:solidFill>
+            </a:endParaRPr>
+          </a:p>
+        </p:txBody>
+      </p:sp>
+      <p:sp>
+        <p:nvSpPr>
+          <p:cNvPr id="22" name="Right Arrow 21"/>
+          <p:cNvSpPr/>
+          <p:nvPr/>
+        </p:nvSpPr>
+        <p:spPr>
+          <a:xfrm>
+            <a:off x="427906" y="4522812"/>
+            <a:ext cx="2736304" cy="144016"/>
+          </a:xfrm>
+          <a:prstGeom prst="rightArrow">
+            <a:avLst>
+              <a:gd name="adj1" fmla="val 100000"/>
+              <a:gd name="adj2" fmla="val 43701"/>
+            </a:avLst>
+          </a:prstGeom>
+          <a:noFill/>
+          <a:ln>
+            <a:solidFill>
+              <a:srgbClr val="92D050"/>
+            </a:solidFill>
+          </a:ln>
+        </p:spPr>
+        <p:style>
+          <a:lnRef idx="2">
+            <a:schemeClr val="accent1">
+              <a:shade val="50000"/>
+            </a:schemeClr>
+          </a:lnRef>
+          <a:fillRef idx="1">
+            <a:schemeClr val="accent1"/>
+          </a:fillRef>
+          <a:effectRef idx="0">
+            <a:schemeClr val="accent1"/>
+          </a:effectRef>
+          <a:fontRef idx="minor">
+            <a:schemeClr val="lt1"/>
+          </a:fontRef>
+        </p:style>
+        <p:txBody>
+          <a:bodyPr rtlCol="0" anchor="ctr"/>
+          <a:lstStyle/>
+          <a:p>
+            <a:pPr algn="ctr"/>
+            <a:r>
+              <a:rPr lang="en-GB" sz="1200" dirty="0">
+                <a:solidFill>
+                  <a:srgbClr val="FF0000"/>
+                </a:solidFill>
+              </a:rPr>
+              <a:t>Station3_TTB – P2.6 – PIN 19</a:t>
+            </a:r>
+            <a:endParaRPr lang="en-IN" sz="1200" dirty="0">
+              <a:solidFill>
+                <a:srgbClr val="FF0000"/>
+              </a:solidFill>
+            </a:endParaRPr>
+          </a:p>
+        </p:txBody>
+      </p:sp>
+      <p:sp>
+        <p:nvSpPr>
+          <p:cNvPr id="24" name="Right Arrow 23"/>
+          <p:cNvSpPr/>
+          <p:nvPr/>
+        </p:nvSpPr>
+        <p:spPr>
+          <a:xfrm>
+            <a:off x="395114" y="6684094"/>
+            <a:ext cx="2736304" cy="144016"/>
+          </a:xfrm>
+          <a:prstGeom prst="rightArrow">
+            <a:avLst>
+              <a:gd name="adj1" fmla="val 100000"/>
+              <a:gd name="adj2" fmla="val 43701"/>
+            </a:avLst>
+          </a:prstGeom>
+          <a:noFill/>
+          <a:ln>
+            <a:solidFill>
+              <a:srgbClr val="92D050"/>
+            </a:solidFill>
+          </a:ln>
+        </p:spPr>
+        <p:style>
+          <a:lnRef idx="2">
+            <a:schemeClr val="accent1">
+              <a:shade val="50000"/>
+            </a:schemeClr>
+          </a:lnRef>
+          <a:fillRef idx="1">
+            <a:schemeClr val="accent1"/>
+          </a:fillRef>
+          <a:effectRef idx="0">
+            <a:schemeClr val="accent1"/>
+          </a:effectRef>
+          <a:fontRef idx="minor">
+            <a:schemeClr val="lt1"/>
+          </a:fontRef>
+        </p:style>
+        <p:txBody>
+          <a:bodyPr rtlCol="0" anchor="ctr"/>
+          <a:lstStyle/>
+          <a:p>
+            <a:pPr algn="ctr"/>
+            <a:r>
+              <a:rPr lang="en-GB" sz="1200" dirty="0">
+                <a:solidFill>
+                  <a:srgbClr val="FF0000"/>
+                </a:solidFill>
+              </a:rPr>
+              <a:t>Station1_Select_Test – P4.6 – PIN 32</a:t>
+            </a:r>
+            <a:endParaRPr lang="en-IN" sz="1200" dirty="0">
+              <a:solidFill>
+                <a:srgbClr val="FF0000"/>
+              </a:solidFill>
+            </a:endParaRPr>
+          </a:p>
+        </p:txBody>
+      </p:sp>
+      <p:sp>
+        <p:nvSpPr>
+          <p:cNvPr id="25" name="Right Arrow 24"/>
+          <p:cNvSpPr/>
+          <p:nvPr/>
+        </p:nvSpPr>
+        <p:spPr>
+          <a:xfrm>
+            <a:off x="395536" y="8639670"/>
+            <a:ext cx="2736304" cy="144016"/>
+          </a:xfrm>
+          <a:prstGeom prst="rightArrow">
+            <a:avLst>
+              <a:gd name="adj1" fmla="val 100000"/>
+              <a:gd name="adj2" fmla="val 43701"/>
+            </a:avLst>
+          </a:prstGeom>
+          <a:noFill/>
+          <a:ln>
+            <a:solidFill>
+              <a:srgbClr val="92D050"/>
+            </a:solidFill>
+          </a:ln>
+        </p:spPr>
+        <p:style>
+          <a:lnRef idx="2">
+            <a:schemeClr val="accent1">
+              <a:shade val="50000"/>
+            </a:schemeClr>
+          </a:lnRef>
+          <a:fillRef idx="1">
+            <a:schemeClr val="accent1"/>
+          </a:fillRef>
+          <a:effectRef idx="0">
+            <a:schemeClr val="accent1"/>
+          </a:effectRef>
+          <a:fontRef idx="minor">
+            <a:schemeClr val="lt1"/>
+          </a:fontRef>
+        </p:style>
+        <p:txBody>
+          <a:bodyPr rtlCol="0" anchor="ctr"/>
+          <a:lstStyle/>
+          <a:p>
+            <a:pPr algn="ctr"/>
+            <a:r>
+              <a:rPr lang="en-GB" sz="1200" dirty="0">
+                <a:solidFill>
+                  <a:srgbClr val="FF0000"/>
+                </a:solidFill>
+              </a:rPr>
+              <a:t>Station3_Select_Test – P6.6 – PIN 44</a:t>
+            </a:r>
+            <a:endParaRPr lang="en-IN" sz="1200" dirty="0">
+              <a:solidFill>
+                <a:srgbClr val="FF0000"/>
+              </a:solidFill>
+            </a:endParaRPr>
+          </a:p>
+        </p:txBody>
+      </p:sp>
+      <p:sp>
+        <p:nvSpPr>
+          <p:cNvPr id="28" name="Right Arrow 27"/>
+          <p:cNvSpPr/>
+          <p:nvPr/>
+        </p:nvSpPr>
+        <p:spPr>
+          <a:xfrm flipH="1">
+            <a:off x="6044952" y="2397150"/>
+            <a:ext cx="2703512" cy="144016"/>
+          </a:xfrm>
+          <a:prstGeom prst="rightArrow">
+            <a:avLst>
+              <a:gd name="adj1" fmla="val 100000"/>
+              <a:gd name="adj2" fmla="val 43701"/>
+            </a:avLst>
+          </a:prstGeom>
+          <a:noFill/>
+          <a:ln>
+            <a:solidFill>
+              <a:srgbClr val="92D050"/>
+            </a:solidFill>
+          </a:ln>
+        </p:spPr>
+        <p:style>
+          <a:lnRef idx="2">
+            <a:schemeClr val="accent1">
+              <a:shade val="50000"/>
+            </a:schemeClr>
+          </a:lnRef>
+          <a:fillRef idx="1">
+            <a:schemeClr val="accent1"/>
+          </a:fillRef>
+          <a:effectRef idx="0">
+            <a:schemeClr val="accent1"/>
+          </a:effectRef>
+          <a:fontRef idx="minor">
+            <a:schemeClr val="lt1"/>
+          </a:fontRef>
+        </p:style>
+        <p:txBody>
+          <a:bodyPr rtlCol="0" anchor="ctr"/>
+          <a:lstStyle/>
+          <a:p>
+            <a:pPr algn="ctr"/>
+            <a:r>
+              <a:rPr lang="en-GB" sz="1200" dirty="0">
+                <a:solidFill>
+                  <a:srgbClr val="FF0000"/>
+                </a:solidFill>
+              </a:rPr>
+              <a:t>Station2_TTA – P1.5 – PIN 56</a:t>
+            </a:r>
+            <a:endParaRPr lang="en-IN" sz="1200" dirty="0">
+              <a:solidFill>
+                <a:srgbClr val="FF0000"/>
+              </a:solidFill>
+            </a:endParaRPr>
+          </a:p>
+        </p:txBody>
+      </p:sp>
+      <p:sp>
+        <p:nvSpPr>
+          <p:cNvPr id="29" name="Right Arrow 28"/>
+          <p:cNvSpPr/>
+          <p:nvPr/>
+        </p:nvSpPr>
+        <p:spPr>
+          <a:xfrm flipH="1">
+            <a:off x="6044952" y="2549550"/>
+            <a:ext cx="2703512" cy="144016"/>
+          </a:xfrm>
+          <a:prstGeom prst="rightArrow">
+            <a:avLst>
+              <a:gd name="adj1" fmla="val 100000"/>
+              <a:gd name="adj2" fmla="val 43701"/>
+            </a:avLst>
+          </a:prstGeom>
+          <a:noFill/>
+          <a:ln>
+            <a:solidFill>
+              <a:srgbClr val="92D050"/>
+            </a:solidFill>
+          </a:ln>
+        </p:spPr>
+        <p:style>
+          <a:lnRef idx="2">
+            <a:schemeClr val="accent1">
+              <a:shade val="50000"/>
+            </a:schemeClr>
+          </a:lnRef>
+          <a:fillRef idx="1">
+            <a:schemeClr val="accent1"/>
+          </a:fillRef>
+          <a:effectRef idx="0">
+            <a:schemeClr val="accent1"/>
+          </a:effectRef>
+          <a:fontRef idx="minor">
+            <a:schemeClr val="lt1"/>
+          </a:fontRef>
+        </p:style>
+        <p:txBody>
+          <a:bodyPr rtlCol="0" anchor="ctr"/>
+          <a:lstStyle/>
+          <a:p>
+            <a:pPr algn="ctr"/>
+            <a:r>
+              <a:rPr lang="en-GB" sz="1200" dirty="0">
+                <a:solidFill>
+                  <a:srgbClr val="FF0000"/>
+                </a:solidFill>
+              </a:rPr>
+              <a:t>Station2_TTB – P1.6 – PIN 57</a:t>
+            </a:r>
+            <a:endParaRPr lang="en-IN" sz="1200" dirty="0">
+              <a:solidFill>
+                <a:srgbClr val="FF0000"/>
+              </a:solidFill>
+            </a:endParaRPr>
+          </a:p>
+        </p:txBody>
+      </p:sp>
+      <p:sp>
+        <p:nvSpPr>
+          <p:cNvPr id="31" name="Right Arrow 30"/>
+          <p:cNvSpPr/>
+          <p:nvPr/>
+        </p:nvSpPr>
+        <p:spPr>
+          <a:xfrm flipH="1">
+            <a:off x="6029176" y="4370412"/>
+            <a:ext cx="2703512" cy="144016"/>
+          </a:xfrm>
+          <a:prstGeom prst="rightArrow">
+            <a:avLst>
+              <a:gd name="adj1" fmla="val 100000"/>
+              <a:gd name="adj2" fmla="val 43701"/>
+            </a:avLst>
+          </a:prstGeom>
+          <a:noFill/>
+          <a:ln>
+            <a:solidFill>
+              <a:srgbClr val="92D050"/>
+            </a:solidFill>
+          </a:ln>
+        </p:spPr>
+        <p:style>
+          <a:lnRef idx="2">
+            <a:schemeClr val="accent1">
+              <a:shade val="50000"/>
+            </a:schemeClr>
+          </a:lnRef>
+          <a:fillRef idx="1">
+            <a:schemeClr val="accent1"/>
+          </a:fillRef>
+          <a:effectRef idx="0">
+            <a:schemeClr val="accent1"/>
+          </a:effectRef>
+          <a:fontRef idx="minor">
+            <a:schemeClr val="lt1"/>
+          </a:fontRef>
+        </p:style>
+        <p:txBody>
+          <a:bodyPr rtlCol="0" anchor="ctr"/>
+          <a:lstStyle/>
+          <a:p>
+            <a:pPr algn="ctr"/>
+            <a:r>
+              <a:rPr lang="en-GB" sz="1200" dirty="0">
+                <a:solidFill>
+                  <a:srgbClr val="FF0000"/>
+                </a:solidFill>
+              </a:rPr>
+              <a:t>Station4_TTA – P3.5 – PIN 68</a:t>
+            </a:r>
+            <a:endParaRPr lang="en-IN" sz="1200" dirty="0">
+              <a:solidFill>
+                <a:srgbClr val="FF0000"/>
+              </a:solidFill>
+            </a:endParaRPr>
+          </a:p>
+        </p:txBody>
+      </p:sp>
+      <p:sp>
+        <p:nvSpPr>
+          <p:cNvPr id="32" name="Right Arrow 31"/>
+          <p:cNvSpPr/>
+          <p:nvPr/>
+        </p:nvSpPr>
+        <p:spPr>
+          <a:xfrm flipH="1">
+            <a:off x="6029176" y="4522812"/>
+            <a:ext cx="2703512" cy="144016"/>
+          </a:xfrm>
+          <a:prstGeom prst="rightArrow">
+            <a:avLst>
+              <a:gd name="adj1" fmla="val 100000"/>
+              <a:gd name="adj2" fmla="val 43701"/>
+            </a:avLst>
+          </a:prstGeom>
+          <a:noFill/>
+          <a:ln>
+            <a:solidFill>
+              <a:srgbClr val="92D050"/>
+            </a:solidFill>
+          </a:ln>
+        </p:spPr>
+        <p:style>
+          <a:lnRef idx="2">
+            <a:schemeClr val="accent1">
+              <a:shade val="50000"/>
+            </a:schemeClr>
+          </a:lnRef>
+          <a:fillRef idx="1">
+            <a:schemeClr val="accent1"/>
+          </a:fillRef>
+          <a:effectRef idx="0">
+            <a:schemeClr val="accent1"/>
+          </a:effectRef>
+          <a:fontRef idx="minor">
+            <a:schemeClr val="lt1"/>
+          </a:fontRef>
+        </p:style>
+        <p:txBody>
+          <a:bodyPr rtlCol="0" anchor="ctr"/>
+          <a:lstStyle/>
+          <a:p>
+            <a:pPr algn="ctr"/>
+            <a:r>
+              <a:rPr lang="en-GB" sz="1200" dirty="0">
+                <a:solidFill>
+                  <a:srgbClr val="FF0000"/>
+                </a:solidFill>
+              </a:rPr>
+              <a:t>Station4_TTB – P3.6 – PIN 69</a:t>
+            </a:r>
+            <a:endParaRPr lang="en-IN" sz="1200" dirty="0">
+              <a:solidFill>
+                <a:srgbClr val="FF0000"/>
+              </a:solidFill>
+            </a:endParaRPr>
+          </a:p>
+        </p:txBody>
+      </p:sp>
+      <p:sp>
+        <p:nvSpPr>
+          <p:cNvPr id="33" name="Right Arrow 32"/>
+          <p:cNvSpPr/>
+          <p:nvPr/>
+        </p:nvSpPr>
+        <p:spPr>
+          <a:xfrm flipH="1">
+            <a:off x="6029176" y="6684094"/>
+            <a:ext cx="2703512" cy="144016"/>
+          </a:xfrm>
+          <a:prstGeom prst="rightArrow">
+            <a:avLst>
+              <a:gd name="adj1" fmla="val 100000"/>
+              <a:gd name="adj2" fmla="val 43701"/>
+            </a:avLst>
+          </a:prstGeom>
+          <a:noFill/>
+          <a:ln>
+            <a:solidFill>
+              <a:srgbClr val="92D050"/>
+            </a:solidFill>
+          </a:ln>
+        </p:spPr>
+        <p:style>
+          <a:lnRef idx="2">
+            <a:schemeClr val="accent1">
+              <a:shade val="50000"/>
+            </a:schemeClr>
+          </a:lnRef>
+          <a:fillRef idx="1">
+            <a:schemeClr val="accent1"/>
+          </a:fillRef>
+          <a:effectRef idx="0">
+            <a:schemeClr val="accent1"/>
+          </a:effectRef>
+          <a:fontRef idx="minor">
+            <a:schemeClr val="lt1"/>
+          </a:fontRef>
+        </p:style>
+        <p:txBody>
+          <a:bodyPr rtlCol="0" anchor="ctr"/>
+          <a:lstStyle/>
+          <a:p>
+            <a:pPr algn="ctr"/>
+            <a:r>
+              <a:rPr lang="en-GB" sz="1200" dirty="0">
+                <a:solidFill>
+                  <a:srgbClr val="FF0000"/>
+                </a:solidFill>
+              </a:rPr>
+              <a:t>Station2_Select_Test – P5.6 – PIN 82</a:t>
+            </a:r>
+            <a:endParaRPr lang="en-IN" sz="1200" dirty="0">
+              <a:solidFill>
+                <a:srgbClr val="FF0000"/>
+              </a:solidFill>
+            </a:endParaRPr>
+          </a:p>
+        </p:txBody>
+      </p:sp>
+      <p:sp>
+        <p:nvSpPr>
+          <p:cNvPr id="34" name="Right Arrow 33"/>
+          <p:cNvSpPr/>
+          <p:nvPr/>
+        </p:nvSpPr>
+        <p:spPr>
+          <a:xfrm flipH="1">
+            <a:off x="6057106" y="8639670"/>
+            <a:ext cx="2703512" cy="144016"/>
+          </a:xfrm>
+          <a:prstGeom prst="rightArrow">
+            <a:avLst>
+              <a:gd name="adj1" fmla="val 100000"/>
+              <a:gd name="adj2" fmla="val 43701"/>
+            </a:avLst>
+          </a:prstGeom>
+          <a:noFill/>
+          <a:ln>
+            <a:solidFill>
+              <a:srgbClr val="92D050"/>
+            </a:solidFill>
+          </a:ln>
+        </p:spPr>
+        <p:style>
+          <a:lnRef idx="2">
+            <a:schemeClr val="accent1">
+              <a:shade val="50000"/>
+            </a:schemeClr>
+          </a:lnRef>
+          <a:fillRef idx="1">
+            <a:schemeClr val="accent1"/>
+          </a:fillRef>
+          <a:effectRef idx="0">
+            <a:schemeClr val="accent1"/>
+          </a:effectRef>
+          <a:fontRef idx="minor">
+            <a:schemeClr val="lt1"/>
+          </a:fontRef>
+        </p:style>
+        <p:txBody>
+          <a:bodyPr rtlCol="0" anchor="ctr"/>
+          <a:lstStyle/>
+          <a:p>
+            <a:pPr algn="ctr"/>
+            <a:r>
+              <a:rPr lang="en-GB" sz="1200" dirty="0">
+                <a:solidFill>
+                  <a:srgbClr val="FF0000"/>
+                </a:solidFill>
+              </a:rPr>
+              <a:t>Station4_Select_Test – P7.6 – PIN 94</a:t>
+            </a:r>
+            <a:endParaRPr lang="en-IN" sz="1200" dirty="0">
+              <a:solidFill>
+                <a:srgbClr val="FF0000"/>
+              </a:solidFill>
+            </a:endParaRPr>
+          </a:p>
+        </p:txBody>
+      </p:sp>
+    </p:spTree>
+    <p:extLst>
+      <p:ext uri="{BB962C8B-B14F-4D97-AF65-F5344CB8AC3E}">
+        <p14:creationId xmlns:p14="http://schemas.microsoft.com/office/powerpoint/2010/main" val="3419714087"/>
+      </p:ext>
+    </p:extLst>
+  </p:cSld>
+  <p:clrMapOvr>
+    <a:masterClrMapping/>
+  </p:clrMapOvr>
+  <p:timing>
+    <p:tnLst>
+      <p:par>
+        <p:cTn id="1" dur="indefinite" restart="never" nodeType="tmRoot"/>
+      </p:par>
+    </p:tnLst>
+  </p:timing>
 </p:sld>
 </file>
 
@@ -5327,7 +6181,7 @@
             <a:pPr algn="ctr"/>
             <a:r>
               <a:rPr lang="en-GB" dirty="0" smtClean="0"/>
-              <a:t>Result DB</a:t>
+              <a:t>Result SQL DB</a:t>
             </a:r>
             <a:endParaRPr lang="en-IN" dirty="0"/>
           </a:p>
@@ -6914,7 +7768,7 @@
             <a:pPr algn="ctr"/>
             <a:r>
               <a:rPr lang="en-GB" dirty="0" smtClean="0"/>
-              <a:t>Test Result DB</a:t>
+              <a:t>Test Result MDB DB</a:t>
             </a:r>
             <a:endParaRPr lang="en-IN" dirty="0"/>
           </a:p>
@@ -7158,7 +8012,7 @@
             <a:pPr algn="ctr"/>
             <a:r>
               <a:rPr lang="en-GB" dirty="0" smtClean="0"/>
-              <a:t>Serial Detail DB</a:t>
+              <a:t>Serial Detail SQL DB</a:t>
             </a:r>
             <a:endParaRPr lang="en-IN" dirty="0"/>
           </a:p>

--- a/Documentation/Legacy ALTS vs New ALTS.pptx
+++ b/Documentation/Legacy ALTS vs New ALTS.pptx
@@ -20,6 +20,8 @@
     <p:sldId id="269" r:id="rId14"/>
     <p:sldId id="270" r:id="rId15"/>
     <p:sldId id="271" r:id="rId16"/>
+    <p:sldId id="272" r:id="rId17"/>
+    <p:sldId id="273" r:id="rId18"/>
   </p:sldIdLst>
   <p:sldSz cx="9144000" cy="6858000" type="screen4x3"/>
   <p:notesSz cx="6858000" cy="9144000"/>
@@ -3859,27 +3861,20 @@
               <a:gd name="adj2" fmla="val 43701"/>
             </a:avLst>
           </a:prstGeom>
-          <a:noFill/>
-          <a:ln>
-            <a:solidFill>
-              <a:srgbClr val="92D050"/>
-            </a:solidFill>
-          </a:ln>
+          <a:ln/>
         </p:spPr>
         <p:style>
           <a:lnRef idx="2">
-            <a:schemeClr val="accent1">
-              <a:shade val="50000"/>
-            </a:schemeClr>
+            <a:schemeClr val="accent6"/>
           </a:lnRef>
           <a:fillRef idx="1">
-            <a:schemeClr val="accent1"/>
+            <a:schemeClr val="lt1"/>
           </a:fillRef>
           <a:effectRef idx="0">
-            <a:schemeClr val="accent1"/>
+            <a:schemeClr val="accent6"/>
           </a:effectRef>
           <a:fontRef idx="minor">
-            <a:schemeClr val="lt1"/>
+            <a:schemeClr val="dk1"/>
           </a:fontRef>
         </p:style>
         <p:txBody>
@@ -3920,27 +3915,20 @@
               <a:gd name="adj2" fmla="val 43701"/>
             </a:avLst>
           </a:prstGeom>
-          <a:noFill/>
-          <a:ln>
-            <a:solidFill>
-              <a:srgbClr val="92D050"/>
-            </a:solidFill>
-          </a:ln>
+          <a:ln/>
         </p:spPr>
         <p:style>
           <a:lnRef idx="2">
-            <a:schemeClr val="accent1">
-              <a:shade val="50000"/>
-            </a:schemeClr>
+            <a:schemeClr val="accent6"/>
           </a:lnRef>
           <a:fillRef idx="1">
-            <a:schemeClr val="accent1"/>
+            <a:schemeClr val="lt1"/>
           </a:fillRef>
           <a:effectRef idx="0">
-            <a:schemeClr val="accent1"/>
+            <a:schemeClr val="accent6"/>
           </a:effectRef>
           <a:fontRef idx="minor">
-            <a:schemeClr val="lt1"/>
+            <a:schemeClr val="dk1"/>
           </a:fontRef>
         </p:style>
         <p:txBody>
@@ -3981,27 +3969,20 @@
               <a:gd name="adj2" fmla="val 43701"/>
             </a:avLst>
           </a:prstGeom>
-          <a:noFill/>
-          <a:ln>
-            <a:solidFill>
-              <a:srgbClr val="92D050"/>
-            </a:solidFill>
-          </a:ln>
+          <a:ln/>
         </p:spPr>
         <p:style>
           <a:lnRef idx="2">
-            <a:schemeClr val="accent1">
-              <a:shade val="50000"/>
-            </a:schemeClr>
+            <a:schemeClr val="accent6"/>
           </a:lnRef>
           <a:fillRef idx="1">
-            <a:schemeClr val="accent1"/>
+            <a:schemeClr val="lt1"/>
           </a:fillRef>
           <a:effectRef idx="0">
-            <a:schemeClr val="accent1"/>
+            <a:schemeClr val="accent6"/>
           </a:effectRef>
           <a:fontRef idx="minor">
-            <a:schemeClr val="lt1"/>
+            <a:schemeClr val="dk1"/>
           </a:fontRef>
         </p:style>
         <p:txBody>
@@ -4042,27 +4023,20 @@
               <a:gd name="adj2" fmla="val 43701"/>
             </a:avLst>
           </a:prstGeom>
-          <a:noFill/>
-          <a:ln>
-            <a:solidFill>
-              <a:srgbClr val="92D050"/>
-            </a:solidFill>
-          </a:ln>
+          <a:ln/>
         </p:spPr>
         <p:style>
           <a:lnRef idx="2">
-            <a:schemeClr val="accent1">
-              <a:shade val="50000"/>
-            </a:schemeClr>
+            <a:schemeClr val="accent6"/>
           </a:lnRef>
           <a:fillRef idx="1">
-            <a:schemeClr val="accent1"/>
+            <a:schemeClr val="lt1"/>
           </a:fillRef>
           <a:effectRef idx="0">
-            <a:schemeClr val="accent1"/>
+            <a:schemeClr val="accent6"/>
           </a:effectRef>
           <a:fontRef idx="minor">
-            <a:schemeClr val="lt1"/>
+            <a:schemeClr val="dk1"/>
           </a:fontRef>
         </p:style>
         <p:txBody>
@@ -4103,27 +4077,20 @@
               <a:gd name="adj2" fmla="val 43701"/>
             </a:avLst>
           </a:prstGeom>
-          <a:noFill/>
-          <a:ln>
-            <a:solidFill>
-              <a:srgbClr val="92D050"/>
-            </a:solidFill>
-          </a:ln>
+          <a:ln/>
         </p:spPr>
         <p:style>
           <a:lnRef idx="2">
-            <a:schemeClr val="accent1">
-              <a:shade val="50000"/>
-            </a:schemeClr>
+            <a:schemeClr val="accent6"/>
           </a:lnRef>
           <a:fillRef idx="1">
-            <a:schemeClr val="accent1"/>
+            <a:schemeClr val="lt1"/>
           </a:fillRef>
           <a:effectRef idx="0">
-            <a:schemeClr val="accent1"/>
+            <a:schemeClr val="accent6"/>
           </a:effectRef>
           <a:fontRef idx="minor">
-            <a:schemeClr val="lt1"/>
+            <a:schemeClr val="dk1"/>
           </a:fontRef>
         </p:style>
         <p:txBody>
@@ -4164,27 +4131,20 @@
               <a:gd name="adj2" fmla="val 43701"/>
             </a:avLst>
           </a:prstGeom>
-          <a:noFill/>
-          <a:ln>
-            <a:solidFill>
-              <a:srgbClr val="92D050"/>
-            </a:solidFill>
-          </a:ln>
+          <a:ln/>
         </p:spPr>
         <p:style>
           <a:lnRef idx="2">
-            <a:schemeClr val="accent1">
-              <a:shade val="50000"/>
-            </a:schemeClr>
+            <a:schemeClr val="accent6"/>
           </a:lnRef>
           <a:fillRef idx="1">
-            <a:schemeClr val="accent1"/>
+            <a:schemeClr val="lt1"/>
           </a:fillRef>
           <a:effectRef idx="0">
-            <a:schemeClr val="accent1"/>
+            <a:schemeClr val="accent6"/>
           </a:effectRef>
           <a:fontRef idx="minor">
-            <a:schemeClr val="lt1"/>
+            <a:schemeClr val="dk1"/>
           </a:fontRef>
         </p:style>
         <p:txBody>
@@ -4225,27 +4185,20 @@
               <a:gd name="adj2" fmla="val 43701"/>
             </a:avLst>
           </a:prstGeom>
-          <a:noFill/>
-          <a:ln>
-            <a:solidFill>
-              <a:srgbClr val="92D050"/>
-            </a:solidFill>
-          </a:ln>
+          <a:ln/>
         </p:spPr>
         <p:style>
           <a:lnRef idx="2">
-            <a:schemeClr val="accent1">
-              <a:shade val="50000"/>
-            </a:schemeClr>
+            <a:schemeClr val="accent6"/>
           </a:lnRef>
           <a:fillRef idx="1">
-            <a:schemeClr val="accent1"/>
+            <a:schemeClr val="lt1"/>
           </a:fillRef>
           <a:effectRef idx="0">
-            <a:schemeClr val="accent1"/>
+            <a:schemeClr val="accent6"/>
           </a:effectRef>
           <a:fontRef idx="minor">
-            <a:schemeClr val="lt1"/>
+            <a:schemeClr val="dk1"/>
           </a:fontRef>
         </p:style>
         <p:txBody>
@@ -4286,27 +4239,20 @@
               <a:gd name="adj2" fmla="val 43701"/>
             </a:avLst>
           </a:prstGeom>
-          <a:noFill/>
-          <a:ln>
-            <a:solidFill>
-              <a:srgbClr val="92D050"/>
-            </a:solidFill>
-          </a:ln>
+          <a:ln/>
         </p:spPr>
         <p:style>
           <a:lnRef idx="2">
-            <a:schemeClr val="accent1">
-              <a:shade val="50000"/>
-            </a:schemeClr>
+            <a:schemeClr val="accent6"/>
           </a:lnRef>
           <a:fillRef idx="1">
-            <a:schemeClr val="accent1"/>
+            <a:schemeClr val="lt1"/>
           </a:fillRef>
           <a:effectRef idx="0">
-            <a:schemeClr val="accent1"/>
+            <a:schemeClr val="accent6"/>
           </a:effectRef>
           <a:fontRef idx="minor">
-            <a:schemeClr val="lt1"/>
+            <a:schemeClr val="dk1"/>
           </a:fontRef>
         </p:style>
         <p:txBody>
@@ -4347,27 +4293,20 @@
               <a:gd name="adj2" fmla="val 43701"/>
             </a:avLst>
           </a:prstGeom>
-          <a:noFill/>
-          <a:ln>
-            <a:solidFill>
-              <a:srgbClr val="92D050"/>
-            </a:solidFill>
-          </a:ln>
+          <a:ln/>
         </p:spPr>
         <p:style>
           <a:lnRef idx="2">
-            <a:schemeClr val="accent1">
-              <a:shade val="50000"/>
-            </a:schemeClr>
+            <a:schemeClr val="accent6"/>
           </a:lnRef>
           <a:fillRef idx="1">
-            <a:schemeClr val="accent1"/>
+            <a:schemeClr val="lt1"/>
           </a:fillRef>
           <a:effectRef idx="0">
-            <a:schemeClr val="accent1"/>
+            <a:schemeClr val="accent6"/>
           </a:effectRef>
           <a:fontRef idx="minor">
-            <a:schemeClr val="lt1"/>
+            <a:schemeClr val="dk1"/>
           </a:fontRef>
         </p:style>
         <p:txBody>
@@ -4408,27 +4347,20 @@
               <a:gd name="adj2" fmla="val 43701"/>
             </a:avLst>
           </a:prstGeom>
-          <a:noFill/>
-          <a:ln>
-            <a:solidFill>
-              <a:srgbClr val="92D050"/>
-            </a:solidFill>
-          </a:ln>
+          <a:ln/>
         </p:spPr>
         <p:style>
           <a:lnRef idx="2">
-            <a:schemeClr val="accent1">
-              <a:shade val="50000"/>
-            </a:schemeClr>
+            <a:schemeClr val="accent6"/>
           </a:lnRef>
           <a:fillRef idx="1">
-            <a:schemeClr val="accent1"/>
+            <a:schemeClr val="lt1"/>
           </a:fillRef>
           <a:effectRef idx="0">
-            <a:schemeClr val="accent1"/>
+            <a:schemeClr val="accent6"/>
           </a:effectRef>
           <a:fontRef idx="minor">
-            <a:schemeClr val="lt1"/>
+            <a:schemeClr val="dk1"/>
           </a:fontRef>
         </p:style>
         <p:txBody>
@@ -4469,27 +4401,20 @@
               <a:gd name="adj2" fmla="val 43701"/>
             </a:avLst>
           </a:prstGeom>
-          <a:noFill/>
-          <a:ln>
-            <a:solidFill>
-              <a:srgbClr val="92D050"/>
-            </a:solidFill>
-          </a:ln>
+          <a:ln/>
         </p:spPr>
         <p:style>
           <a:lnRef idx="2">
-            <a:schemeClr val="accent1">
-              <a:shade val="50000"/>
-            </a:schemeClr>
+            <a:schemeClr val="accent6"/>
           </a:lnRef>
           <a:fillRef idx="1">
-            <a:schemeClr val="accent1"/>
+            <a:schemeClr val="lt1"/>
           </a:fillRef>
           <a:effectRef idx="0">
-            <a:schemeClr val="accent1"/>
+            <a:schemeClr val="accent6"/>
           </a:effectRef>
           <a:fontRef idx="minor">
-            <a:schemeClr val="lt1"/>
+            <a:schemeClr val="dk1"/>
           </a:fontRef>
         </p:style>
         <p:txBody>
@@ -4530,27 +4455,20 @@
               <a:gd name="adj2" fmla="val 43701"/>
             </a:avLst>
           </a:prstGeom>
-          <a:noFill/>
-          <a:ln>
-            <a:solidFill>
-              <a:srgbClr val="92D050"/>
-            </a:solidFill>
-          </a:ln>
+          <a:ln/>
         </p:spPr>
         <p:style>
           <a:lnRef idx="2">
-            <a:schemeClr val="accent1">
-              <a:shade val="50000"/>
-            </a:schemeClr>
+            <a:schemeClr val="accent6"/>
           </a:lnRef>
           <a:fillRef idx="1">
-            <a:schemeClr val="accent1"/>
+            <a:schemeClr val="lt1"/>
           </a:fillRef>
           <a:effectRef idx="0">
-            <a:schemeClr val="accent1"/>
+            <a:schemeClr val="accent6"/>
           </a:effectRef>
           <a:fontRef idx="minor">
-            <a:schemeClr val="lt1"/>
+            <a:schemeClr val="dk1"/>
           </a:fontRef>
         </p:style>
         <p:txBody>
@@ -4591,6 +4509,2446 @@
       </p:par>
     </p:tnLst>
   </p:timing>
+</p:sld>
+</file>
+
+<file path=ppt/slides/slide16.xml><?xml version="1.0" encoding="utf-8"?>
+<p:sld xmlns:a="http://schemas.openxmlformats.org/drawingml/2006/main" xmlns:r="http://schemas.openxmlformats.org/officeDocument/2006/relationships" xmlns:p="http://schemas.openxmlformats.org/presentationml/2006/main">
+  <p:cSld>
+    <p:spTree>
+      <p:nvGrpSpPr>
+        <p:cNvPr id="1" name=""/>
+        <p:cNvGrpSpPr/>
+        <p:nvPr/>
+      </p:nvGrpSpPr>
+      <p:grpSpPr>
+        <a:xfrm>
+          <a:off x="0" y="0"/>
+          <a:ext cx="0" cy="0"/>
+          <a:chOff x="0" y="0"/>
+          <a:chExt cx="0" cy="0"/>
+        </a:xfrm>
+      </p:grpSpPr>
+      <p:pic>
+        <p:nvPicPr>
+          <p:cNvPr id="1027" name="Picture 3"/>
+          <p:cNvPicPr>
+            <a:picLocks noChangeAspect="1" noChangeArrowheads="1"/>
+          </p:cNvPicPr>
+          <p:nvPr/>
+        </p:nvPicPr>
+        <p:blipFill>
+          <a:blip r:embed="rId2">
+            <a:extLst>
+              <a:ext uri="{28A0092B-C50C-407E-A947-70E740481C1C}">
+                <a14:useLocalDpi xmlns:a14="http://schemas.microsoft.com/office/drawing/2010/main" val="0"/>
+              </a:ext>
+            </a:extLst>
+          </a:blip>
+          <a:srcRect/>
+          <a:stretch>
+            <a:fillRect/>
+          </a:stretch>
+        </p:blipFill>
+        <p:spPr bwMode="auto">
+          <a:xfrm>
+            <a:off x="2051720" y="404664"/>
+            <a:ext cx="5219700" cy="6372225"/>
+          </a:xfrm>
+          <a:prstGeom prst="rect">
+            <a:avLst/>
+          </a:prstGeom>
+          <a:noFill/>
+          <a:ln>
+            <a:noFill/>
+          </a:ln>
+          <a:extLst>
+            <a:ext uri="{909E8E84-426E-40DD-AFC4-6F175D3DCCD1}">
+              <a14:hiddenFill xmlns:a14="http://schemas.microsoft.com/office/drawing/2010/main">
+                <a:solidFill>
+                  <a:schemeClr val="accent1"/>
+                </a:solidFill>
+              </a14:hiddenFill>
+            </a:ext>
+            <a:ext uri="{91240B29-F687-4F45-9708-019B960494DF}">
+              <a14:hiddenLine xmlns:a14="http://schemas.microsoft.com/office/drawing/2010/main" w="9525">
+                <a:solidFill>
+                  <a:schemeClr val="tx1"/>
+                </a:solidFill>
+                <a:miter lim="800000"/>
+                <a:headEnd/>
+                <a:tailEnd/>
+              </a14:hiddenLine>
+            </a:ext>
+          </a:extLst>
+        </p:spPr>
+      </p:pic>
+      <p:sp>
+        <p:nvSpPr>
+          <p:cNvPr id="6" name="Right Arrow 5"/>
+          <p:cNvSpPr/>
+          <p:nvPr/>
+        </p:nvSpPr>
+        <p:spPr>
+          <a:xfrm>
+            <a:off x="-1332656" y="2564904"/>
+            <a:ext cx="2736304" cy="144016"/>
+          </a:xfrm>
+          <a:prstGeom prst="rightArrow">
+            <a:avLst>
+              <a:gd name="adj1" fmla="val 100000"/>
+              <a:gd name="adj2" fmla="val 43701"/>
+            </a:avLst>
+          </a:prstGeom>
+          <a:ln/>
+        </p:spPr>
+        <p:style>
+          <a:lnRef idx="2">
+            <a:schemeClr val="accent6"/>
+          </a:lnRef>
+          <a:fillRef idx="1">
+            <a:schemeClr val="lt1"/>
+          </a:fillRef>
+          <a:effectRef idx="0">
+            <a:schemeClr val="accent6"/>
+          </a:effectRef>
+          <a:fontRef idx="minor">
+            <a:schemeClr val="dk1"/>
+          </a:fontRef>
+        </p:style>
+        <p:txBody>
+          <a:bodyPr rtlCol="0" anchor="ctr"/>
+          <a:lstStyle/>
+          <a:p>
+            <a:pPr algn="ctr"/>
+            <a:r>
+              <a:rPr lang="en-GB" sz="1200" dirty="0">
+                <a:solidFill>
+                  <a:srgbClr val="FF0000"/>
+                </a:solidFill>
+              </a:rPr>
+              <a:t>Station1_TTA – P0.5 – PIN 6</a:t>
+            </a:r>
+            <a:endParaRPr lang="en-IN" sz="1200" dirty="0">
+              <a:solidFill>
+                <a:srgbClr val="FF0000"/>
+              </a:solidFill>
+            </a:endParaRPr>
+          </a:p>
+        </p:txBody>
+      </p:sp>
+      <p:sp>
+        <p:nvSpPr>
+          <p:cNvPr id="7" name="Right Arrow 6"/>
+          <p:cNvSpPr/>
+          <p:nvPr/>
+        </p:nvSpPr>
+        <p:spPr>
+          <a:xfrm>
+            <a:off x="-1332656" y="2348880"/>
+            <a:ext cx="2736304" cy="144016"/>
+          </a:xfrm>
+          <a:prstGeom prst="rightArrow">
+            <a:avLst>
+              <a:gd name="adj1" fmla="val 100000"/>
+              <a:gd name="adj2" fmla="val 43701"/>
+            </a:avLst>
+          </a:prstGeom>
+          <a:ln/>
+        </p:spPr>
+        <p:style>
+          <a:lnRef idx="2">
+            <a:schemeClr val="accent6"/>
+          </a:lnRef>
+          <a:fillRef idx="1">
+            <a:schemeClr val="lt1"/>
+          </a:fillRef>
+          <a:effectRef idx="0">
+            <a:schemeClr val="accent6"/>
+          </a:effectRef>
+          <a:fontRef idx="minor">
+            <a:schemeClr val="dk1"/>
+          </a:fontRef>
+        </p:style>
+        <p:txBody>
+          <a:bodyPr rtlCol="0" anchor="ctr"/>
+          <a:lstStyle/>
+          <a:p>
+            <a:pPr algn="ctr"/>
+            <a:r>
+              <a:rPr lang="en-GB" sz="1200" dirty="0">
+                <a:solidFill>
+                  <a:srgbClr val="FF0000"/>
+                </a:solidFill>
+              </a:rPr>
+              <a:t>Station1_TTB – P0.6 – PIN 7</a:t>
+            </a:r>
+            <a:endParaRPr lang="en-IN" sz="1200" dirty="0">
+              <a:solidFill>
+                <a:srgbClr val="FF0000"/>
+              </a:solidFill>
+            </a:endParaRPr>
+          </a:p>
+        </p:txBody>
+      </p:sp>
+      <p:sp>
+        <p:nvSpPr>
+          <p:cNvPr id="8" name="Right Arrow 7"/>
+          <p:cNvSpPr/>
+          <p:nvPr/>
+        </p:nvSpPr>
+        <p:spPr>
+          <a:xfrm>
+            <a:off x="-1332656" y="4869160"/>
+            <a:ext cx="2736304" cy="144016"/>
+          </a:xfrm>
+          <a:prstGeom prst="rightArrow">
+            <a:avLst>
+              <a:gd name="adj1" fmla="val 100000"/>
+              <a:gd name="adj2" fmla="val 43701"/>
+            </a:avLst>
+          </a:prstGeom>
+          <a:ln/>
+        </p:spPr>
+        <p:style>
+          <a:lnRef idx="2">
+            <a:schemeClr val="accent6"/>
+          </a:lnRef>
+          <a:fillRef idx="1">
+            <a:schemeClr val="lt1"/>
+          </a:fillRef>
+          <a:effectRef idx="0">
+            <a:schemeClr val="accent6"/>
+          </a:effectRef>
+          <a:fontRef idx="minor">
+            <a:schemeClr val="dk1"/>
+          </a:fontRef>
+        </p:style>
+        <p:txBody>
+          <a:bodyPr rtlCol="0" anchor="ctr"/>
+          <a:lstStyle/>
+          <a:p>
+            <a:pPr algn="ctr"/>
+            <a:r>
+              <a:rPr lang="en-GB" sz="1200" dirty="0">
+                <a:solidFill>
+                  <a:srgbClr val="FF0000"/>
+                </a:solidFill>
+              </a:rPr>
+              <a:t>Station3_TTA – P2.5 – PIN 18</a:t>
+            </a:r>
+            <a:endParaRPr lang="en-IN" sz="1200" dirty="0">
+              <a:solidFill>
+                <a:srgbClr val="FF0000"/>
+              </a:solidFill>
+            </a:endParaRPr>
+          </a:p>
+        </p:txBody>
+      </p:sp>
+      <p:sp>
+        <p:nvSpPr>
+          <p:cNvPr id="9" name="Right Arrow 8"/>
+          <p:cNvSpPr/>
+          <p:nvPr/>
+        </p:nvSpPr>
+        <p:spPr>
+          <a:xfrm>
+            <a:off x="-1332656" y="5076800"/>
+            <a:ext cx="2736304" cy="144016"/>
+          </a:xfrm>
+          <a:prstGeom prst="rightArrow">
+            <a:avLst>
+              <a:gd name="adj1" fmla="val 100000"/>
+              <a:gd name="adj2" fmla="val 43701"/>
+            </a:avLst>
+          </a:prstGeom>
+          <a:ln/>
+        </p:spPr>
+        <p:style>
+          <a:lnRef idx="2">
+            <a:schemeClr val="accent6"/>
+          </a:lnRef>
+          <a:fillRef idx="1">
+            <a:schemeClr val="lt1"/>
+          </a:fillRef>
+          <a:effectRef idx="0">
+            <a:schemeClr val="accent6"/>
+          </a:effectRef>
+          <a:fontRef idx="minor">
+            <a:schemeClr val="dk1"/>
+          </a:fontRef>
+        </p:style>
+        <p:txBody>
+          <a:bodyPr rtlCol="0" anchor="ctr"/>
+          <a:lstStyle/>
+          <a:p>
+            <a:pPr algn="ctr"/>
+            <a:r>
+              <a:rPr lang="en-GB" sz="1200" dirty="0">
+                <a:solidFill>
+                  <a:srgbClr val="FF0000"/>
+                </a:solidFill>
+              </a:rPr>
+              <a:t>Station3_TTB – P2.6 – PIN 19</a:t>
+            </a:r>
+            <a:endParaRPr lang="en-IN" sz="1200" dirty="0">
+              <a:solidFill>
+                <a:srgbClr val="FF0000"/>
+              </a:solidFill>
+            </a:endParaRPr>
+          </a:p>
+        </p:txBody>
+      </p:sp>
+      <p:sp>
+        <p:nvSpPr>
+          <p:cNvPr id="10" name="Right Arrow 9"/>
+          <p:cNvSpPr/>
+          <p:nvPr/>
+        </p:nvSpPr>
+        <p:spPr>
+          <a:xfrm>
+            <a:off x="-1332656" y="261784"/>
+            <a:ext cx="2736304" cy="144016"/>
+          </a:xfrm>
+          <a:prstGeom prst="rightArrow">
+            <a:avLst>
+              <a:gd name="adj1" fmla="val 100000"/>
+              <a:gd name="adj2" fmla="val 43701"/>
+            </a:avLst>
+          </a:prstGeom>
+          <a:ln/>
+        </p:spPr>
+        <p:style>
+          <a:lnRef idx="2">
+            <a:schemeClr val="accent6"/>
+          </a:lnRef>
+          <a:fillRef idx="1">
+            <a:schemeClr val="lt1"/>
+          </a:fillRef>
+          <a:effectRef idx="0">
+            <a:schemeClr val="accent6"/>
+          </a:effectRef>
+          <a:fontRef idx="minor">
+            <a:schemeClr val="dk1"/>
+          </a:fontRef>
+        </p:style>
+        <p:txBody>
+          <a:bodyPr rtlCol="0" anchor="ctr"/>
+          <a:lstStyle/>
+          <a:p>
+            <a:pPr algn="ctr"/>
+            <a:r>
+              <a:rPr lang="en-GB" sz="1200" dirty="0">
+                <a:solidFill>
+                  <a:srgbClr val="FF0000"/>
+                </a:solidFill>
+              </a:rPr>
+              <a:t>Station1_Select_Test – P4.6 – PIN 32</a:t>
+            </a:r>
+            <a:endParaRPr lang="en-IN" sz="1200" dirty="0">
+              <a:solidFill>
+                <a:srgbClr val="FF0000"/>
+              </a:solidFill>
+            </a:endParaRPr>
+          </a:p>
+        </p:txBody>
+      </p:sp>
+      <p:sp>
+        <p:nvSpPr>
+          <p:cNvPr id="11" name="Right Arrow 10"/>
+          <p:cNvSpPr/>
+          <p:nvPr/>
+        </p:nvSpPr>
+        <p:spPr>
+          <a:xfrm>
+            <a:off x="-1332657" y="-26248"/>
+            <a:ext cx="2736304" cy="144016"/>
+          </a:xfrm>
+          <a:prstGeom prst="rightArrow">
+            <a:avLst>
+              <a:gd name="adj1" fmla="val 100000"/>
+              <a:gd name="adj2" fmla="val 43701"/>
+            </a:avLst>
+          </a:prstGeom>
+          <a:ln/>
+        </p:spPr>
+        <p:style>
+          <a:lnRef idx="2">
+            <a:schemeClr val="accent6"/>
+          </a:lnRef>
+          <a:fillRef idx="1">
+            <a:schemeClr val="lt1"/>
+          </a:fillRef>
+          <a:effectRef idx="0">
+            <a:schemeClr val="accent6"/>
+          </a:effectRef>
+          <a:fontRef idx="minor">
+            <a:schemeClr val="dk1"/>
+          </a:fontRef>
+        </p:style>
+        <p:txBody>
+          <a:bodyPr rtlCol="0" anchor="ctr"/>
+          <a:lstStyle/>
+          <a:p>
+            <a:pPr algn="ctr"/>
+            <a:r>
+              <a:rPr lang="en-GB" sz="1200" dirty="0">
+                <a:solidFill>
+                  <a:srgbClr val="FF0000"/>
+                </a:solidFill>
+              </a:rPr>
+              <a:t>Station3_Select_Test – P6.6 – PIN 44</a:t>
+            </a:r>
+            <a:endParaRPr lang="en-IN" sz="1200" dirty="0">
+              <a:solidFill>
+                <a:srgbClr val="FF0000"/>
+              </a:solidFill>
+            </a:endParaRPr>
+          </a:p>
+        </p:txBody>
+      </p:sp>
+      <p:sp>
+        <p:nvSpPr>
+          <p:cNvPr id="4" name="Oval 3"/>
+          <p:cNvSpPr/>
+          <p:nvPr/>
+        </p:nvSpPr>
+        <p:spPr>
+          <a:xfrm>
+            <a:off x="2483769" y="2365176"/>
+            <a:ext cx="108420" cy="111621"/>
+          </a:xfrm>
+          <a:prstGeom prst="ellipse">
+            <a:avLst/>
+          </a:prstGeom>
+          <a:ln/>
+        </p:spPr>
+        <p:style>
+          <a:lnRef idx="2">
+            <a:schemeClr val="accent6"/>
+          </a:lnRef>
+          <a:fillRef idx="1">
+            <a:schemeClr val="lt1"/>
+          </a:fillRef>
+          <a:effectRef idx="0">
+            <a:schemeClr val="accent6"/>
+          </a:effectRef>
+          <a:fontRef idx="minor">
+            <a:schemeClr val="dk1"/>
+          </a:fontRef>
+        </p:style>
+        <p:txBody>
+          <a:bodyPr rtlCol="0" anchor="ctr"/>
+          <a:lstStyle/>
+          <a:p>
+            <a:pPr algn="ctr"/>
+            <a:endParaRPr lang="en-IN"/>
+          </a:p>
+        </p:txBody>
+      </p:sp>
+      <p:sp>
+        <p:nvSpPr>
+          <p:cNvPr id="13" name="Oval 12"/>
+          <p:cNvSpPr/>
+          <p:nvPr/>
+        </p:nvSpPr>
+        <p:spPr>
+          <a:xfrm>
+            <a:off x="2483769" y="2525291"/>
+            <a:ext cx="108420" cy="111621"/>
+          </a:xfrm>
+          <a:prstGeom prst="ellipse">
+            <a:avLst/>
+          </a:prstGeom>
+          <a:ln/>
+        </p:spPr>
+        <p:style>
+          <a:lnRef idx="2">
+            <a:schemeClr val="accent6"/>
+          </a:lnRef>
+          <a:fillRef idx="1">
+            <a:schemeClr val="lt1"/>
+          </a:fillRef>
+          <a:effectRef idx="0">
+            <a:schemeClr val="accent6"/>
+          </a:effectRef>
+          <a:fontRef idx="minor">
+            <a:schemeClr val="dk1"/>
+          </a:fontRef>
+        </p:style>
+        <p:txBody>
+          <a:bodyPr rtlCol="0" anchor="ctr"/>
+          <a:lstStyle/>
+          <a:p>
+            <a:pPr algn="ctr"/>
+            <a:endParaRPr lang="en-IN"/>
+          </a:p>
+        </p:txBody>
+      </p:sp>
+      <p:sp>
+        <p:nvSpPr>
+          <p:cNvPr id="14" name="Oval 13"/>
+          <p:cNvSpPr/>
+          <p:nvPr/>
+        </p:nvSpPr>
+        <p:spPr>
+          <a:xfrm>
+            <a:off x="2483769" y="4919686"/>
+            <a:ext cx="108420" cy="111621"/>
+          </a:xfrm>
+          <a:prstGeom prst="ellipse">
+            <a:avLst/>
+          </a:prstGeom>
+          <a:ln/>
+        </p:spPr>
+        <p:style>
+          <a:lnRef idx="2">
+            <a:schemeClr val="accent6"/>
+          </a:lnRef>
+          <a:fillRef idx="1">
+            <a:schemeClr val="lt1"/>
+          </a:fillRef>
+          <a:effectRef idx="0">
+            <a:schemeClr val="accent6"/>
+          </a:effectRef>
+          <a:fontRef idx="minor">
+            <a:schemeClr val="dk1"/>
+          </a:fontRef>
+        </p:style>
+        <p:txBody>
+          <a:bodyPr rtlCol="0" anchor="ctr"/>
+          <a:lstStyle/>
+          <a:p>
+            <a:pPr algn="ctr"/>
+            <a:endParaRPr lang="en-IN"/>
+          </a:p>
+        </p:txBody>
+      </p:sp>
+      <p:sp>
+        <p:nvSpPr>
+          <p:cNvPr id="15" name="Oval 14"/>
+          <p:cNvSpPr/>
+          <p:nvPr/>
+        </p:nvSpPr>
+        <p:spPr>
+          <a:xfrm>
+            <a:off x="2483768" y="5094858"/>
+            <a:ext cx="108420" cy="111621"/>
+          </a:xfrm>
+          <a:prstGeom prst="ellipse">
+            <a:avLst/>
+          </a:prstGeom>
+          <a:ln/>
+        </p:spPr>
+        <p:style>
+          <a:lnRef idx="2">
+            <a:schemeClr val="accent6"/>
+          </a:lnRef>
+          <a:fillRef idx="1">
+            <a:schemeClr val="lt1"/>
+          </a:fillRef>
+          <a:effectRef idx="0">
+            <a:schemeClr val="accent6"/>
+          </a:effectRef>
+          <a:fontRef idx="minor">
+            <a:schemeClr val="dk1"/>
+          </a:fontRef>
+        </p:style>
+        <p:txBody>
+          <a:bodyPr rtlCol="0" anchor="ctr"/>
+          <a:lstStyle/>
+          <a:p>
+            <a:pPr algn="ctr"/>
+            <a:endParaRPr lang="en-IN"/>
+          </a:p>
+        </p:txBody>
+      </p:sp>
+      <p:sp>
+        <p:nvSpPr>
+          <p:cNvPr id="16" name="Oval 15"/>
+          <p:cNvSpPr/>
+          <p:nvPr/>
+        </p:nvSpPr>
+        <p:spPr>
+          <a:xfrm>
+            <a:off x="4474459" y="1950690"/>
+            <a:ext cx="108420" cy="111621"/>
+          </a:xfrm>
+          <a:prstGeom prst="ellipse">
+            <a:avLst/>
+          </a:prstGeom>
+          <a:ln/>
+        </p:spPr>
+        <p:style>
+          <a:lnRef idx="2">
+            <a:schemeClr val="accent6"/>
+          </a:lnRef>
+          <a:fillRef idx="1">
+            <a:schemeClr val="lt1"/>
+          </a:fillRef>
+          <a:effectRef idx="0">
+            <a:schemeClr val="accent6"/>
+          </a:effectRef>
+          <a:fontRef idx="minor">
+            <a:schemeClr val="dk1"/>
+          </a:fontRef>
+        </p:style>
+        <p:txBody>
+          <a:bodyPr rtlCol="0" anchor="ctr"/>
+          <a:lstStyle/>
+          <a:p>
+            <a:pPr algn="ctr"/>
+            <a:endParaRPr lang="en-IN"/>
+          </a:p>
+        </p:txBody>
+      </p:sp>
+      <p:sp>
+        <p:nvSpPr>
+          <p:cNvPr id="17" name="Oval 16"/>
+          <p:cNvSpPr/>
+          <p:nvPr/>
+        </p:nvSpPr>
+        <p:spPr>
+          <a:xfrm>
+            <a:off x="5436096" y="1961702"/>
+            <a:ext cx="108420" cy="111621"/>
+          </a:xfrm>
+          <a:prstGeom prst="ellipse">
+            <a:avLst/>
+          </a:prstGeom>
+          <a:ln/>
+        </p:spPr>
+        <p:style>
+          <a:lnRef idx="2">
+            <a:schemeClr val="accent6"/>
+          </a:lnRef>
+          <a:fillRef idx="1">
+            <a:schemeClr val="lt1"/>
+          </a:fillRef>
+          <a:effectRef idx="0">
+            <a:schemeClr val="accent6"/>
+          </a:effectRef>
+          <a:fontRef idx="minor">
+            <a:schemeClr val="dk1"/>
+          </a:fontRef>
+        </p:style>
+        <p:txBody>
+          <a:bodyPr rtlCol="0" anchor="ctr"/>
+          <a:lstStyle/>
+          <a:p>
+            <a:pPr algn="ctr"/>
+            <a:endParaRPr lang="en-IN"/>
+          </a:p>
+        </p:txBody>
+      </p:sp>
+      <p:sp>
+        <p:nvSpPr>
+          <p:cNvPr id="18" name="Right Arrow 17"/>
+          <p:cNvSpPr/>
+          <p:nvPr/>
+        </p:nvSpPr>
+        <p:spPr>
+          <a:xfrm flipH="1">
+            <a:off x="7164288" y="3789040"/>
+            <a:ext cx="2703512" cy="144016"/>
+          </a:xfrm>
+          <a:prstGeom prst="rightArrow">
+            <a:avLst>
+              <a:gd name="adj1" fmla="val 100000"/>
+              <a:gd name="adj2" fmla="val 43701"/>
+            </a:avLst>
+          </a:prstGeom>
+          <a:ln/>
+        </p:spPr>
+        <p:style>
+          <a:lnRef idx="2">
+            <a:schemeClr val="accent6"/>
+          </a:lnRef>
+          <a:fillRef idx="1">
+            <a:schemeClr val="lt1"/>
+          </a:fillRef>
+          <a:effectRef idx="0">
+            <a:schemeClr val="accent6"/>
+          </a:effectRef>
+          <a:fontRef idx="minor">
+            <a:schemeClr val="dk1"/>
+          </a:fontRef>
+        </p:style>
+        <p:txBody>
+          <a:bodyPr rtlCol="0" anchor="ctr"/>
+          <a:lstStyle/>
+          <a:p>
+            <a:pPr algn="ctr"/>
+            <a:r>
+              <a:rPr lang="en-GB" sz="1200" dirty="0">
+                <a:solidFill>
+                  <a:srgbClr val="FF0000"/>
+                </a:solidFill>
+              </a:rPr>
+              <a:t>Station2_TTA – P1.5 – PIN 56</a:t>
+            </a:r>
+            <a:endParaRPr lang="en-IN" sz="1200" dirty="0">
+              <a:solidFill>
+                <a:srgbClr val="FF0000"/>
+              </a:solidFill>
+            </a:endParaRPr>
+          </a:p>
+        </p:txBody>
+      </p:sp>
+      <p:sp>
+        <p:nvSpPr>
+          <p:cNvPr id="19" name="Right Arrow 18"/>
+          <p:cNvSpPr/>
+          <p:nvPr/>
+        </p:nvSpPr>
+        <p:spPr>
+          <a:xfrm flipH="1">
+            <a:off x="7164288" y="4005064"/>
+            <a:ext cx="2703512" cy="144016"/>
+          </a:xfrm>
+          <a:prstGeom prst="rightArrow">
+            <a:avLst>
+              <a:gd name="adj1" fmla="val 100000"/>
+              <a:gd name="adj2" fmla="val 43701"/>
+            </a:avLst>
+          </a:prstGeom>
+          <a:ln/>
+        </p:spPr>
+        <p:style>
+          <a:lnRef idx="2">
+            <a:schemeClr val="accent6"/>
+          </a:lnRef>
+          <a:fillRef idx="1">
+            <a:schemeClr val="lt1"/>
+          </a:fillRef>
+          <a:effectRef idx="0">
+            <a:schemeClr val="accent6"/>
+          </a:effectRef>
+          <a:fontRef idx="minor">
+            <a:schemeClr val="dk1"/>
+          </a:fontRef>
+        </p:style>
+        <p:txBody>
+          <a:bodyPr rtlCol="0" anchor="ctr"/>
+          <a:lstStyle/>
+          <a:p>
+            <a:pPr algn="ctr"/>
+            <a:r>
+              <a:rPr lang="en-GB" sz="1200" dirty="0">
+                <a:solidFill>
+                  <a:srgbClr val="FF0000"/>
+                </a:solidFill>
+              </a:rPr>
+              <a:t>Station2_TTB – P1.6 – PIN 57</a:t>
+            </a:r>
+            <a:endParaRPr lang="en-IN" sz="1200" dirty="0">
+              <a:solidFill>
+                <a:srgbClr val="FF0000"/>
+              </a:solidFill>
+            </a:endParaRPr>
+          </a:p>
+        </p:txBody>
+      </p:sp>
+      <p:sp>
+        <p:nvSpPr>
+          <p:cNvPr id="20" name="Right Arrow 19"/>
+          <p:cNvSpPr/>
+          <p:nvPr/>
+        </p:nvSpPr>
+        <p:spPr>
+          <a:xfrm flipH="1">
+            <a:off x="7164288" y="3080682"/>
+            <a:ext cx="2703512" cy="144016"/>
+          </a:xfrm>
+          <a:prstGeom prst="rightArrow">
+            <a:avLst>
+              <a:gd name="adj1" fmla="val 100000"/>
+              <a:gd name="adj2" fmla="val 43701"/>
+            </a:avLst>
+          </a:prstGeom>
+          <a:ln/>
+        </p:spPr>
+        <p:style>
+          <a:lnRef idx="2">
+            <a:schemeClr val="accent6"/>
+          </a:lnRef>
+          <a:fillRef idx="1">
+            <a:schemeClr val="lt1"/>
+          </a:fillRef>
+          <a:effectRef idx="0">
+            <a:schemeClr val="accent6"/>
+          </a:effectRef>
+          <a:fontRef idx="minor">
+            <a:schemeClr val="dk1"/>
+          </a:fontRef>
+        </p:style>
+        <p:txBody>
+          <a:bodyPr rtlCol="0" anchor="ctr"/>
+          <a:lstStyle/>
+          <a:p>
+            <a:pPr algn="ctr"/>
+            <a:r>
+              <a:rPr lang="en-GB" sz="1200" dirty="0">
+                <a:solidFill>
+                  <a:srgbClr val="FF0000"/>
+                </a:solidFill>
+              </a:rPr>
+              <a:t>Station4_TTA – P3.5 – PIN 68</a:t>
+            </a:r>
+            <a:endParaRPr lang="en-IN" sz="1200" dirty="0">
+              <a:solidFill>
+                <a:srgbClr val="FF0000"/>
+              </a:solidFill>
+            </a:endParaRPr>
+          </a:p>
+        </p:txBody>
+      </p:sp>
+      <p:sp>
+        <p:nvSpPr>
+          <p:cNvPr id="21" name="Right Arrow 20"/>
+          <p:cNvSpPr/>
+          <p:nvPr/>
+        </p:nvSpPr>
+        <p:spPr>
+          <a:xfrm flipH="1">
+            <a:off x="7164288" y="3233082"/>
+            <a:ext cx="2703512" cy="144016"/>
+          </a:xfrm>
+          <a:prstGeom prst="rightArrow">
+            <a:avLst>
+              <a:gd name="adj1" fmla="val 100000"/>
+              <a:gd name="adj2" fmla="val 43701"/>
+            </a:avLst>
+          </a:prstGeom>
+          <a:ln/>
+        </p:spPr>
+        <p:style>
+          <a:lnRef idx="2">
+            <a:schemeClr val="accent6"/>
+          </a:lnRef>
+          <a:fillRef idx="1">
+            <a:schemeClr val="lt1"/>
+          </a:fillRef>
+          <a:effectRef idx="0">
+            <a:schemeClr val="accent6"/>
+          </a:effectRef>
+          <a:fontRef idx="minor">
+            <a:schemeClr val="dk1"/>
+          </a:fontRef>
+        </p:style>
+        <p:txBody>
+          <a:bodyPr rtlCol="0" anchor="ctr"/>
+          <a:lstStyle/>
+          <a:p>
+            <a:pPr algn="ctr"/>
+            <a:r>
+              <a:rPr lang="en-GB" sz="1200" dirty="0">
+                <a:solidFill>
+                  <a:srgbClr val="FF0000"/>
+                </a:solidFill>
+              </a:rPr>
+              <a:t>Station4_TTB – P3.6 – PIN 69</a:t>
+            </a:r>
+            <a:endParaRPr lang="en-IN" sz="1200" dirty="0">
+              <a:solidFill>
+                <a:srgbClr val="FF0000"/>
+              </a:solidFill>
+            </a:endParaRPr>
+          </a:p>
+        </p:txBody>
+      </p:sp>
+      <p:sp>
+        <p:nvSpPr>
+          <p:cNvPr id="22" name="Right Arrow 21"/>
+          <p:cNvSpPr/>
+          <p:nvPr/>
+        </p:nvSpPr>
+        <p:spPr>
+          <a:xfrm flipH="1">
+            <a:off x="7164288" y="5633526"/>
+            <a:ext cx="2703512" cy="144016"/>
+          </a:xfrm>
+          <a:prstGeom prst="rightArrow">
+            <a:avLst>
+              <a:gd name="adj1" fmla="val 100000"/>
+              <a:gd name="adj2" fmla="val 43701"/>
+            </a:avLst>
+          </a:prstGeom>
+          <a:ln/>
+        </p:spPr>
+        <p:style>
+          <a:lnRef idx="2">
+            <a:schemeClr val="accent6"/>
+          </a:lnRef>
+          <a:fillRef idx="1">
+            <a:schemeClr val="lt1"/>
+          </a:fillRef>
+          <a:effectRef idx="0">
+            <a:schemeClr val="accent6"/>
+          </a:effectRef>
+          <a:fontRef idx="minor">
+            <a:schemeClr val="dk1"/>
+          </a:fontRef>
+        </p:style>
+        <p:txBody>
+          <a:bodyPr rtlCol="0" anchor="ctr"/>
+          <a:lstStyle/>
+          <a:p>
+            <a:pPr algn="ctr"/>
+            <a:r>
+              <a:rPr lang="en-GB" sz="1200" dirty="0">
+                <a:solidFill>
+                  <a:srgbClr val="FF0000"/>
+                </a:solidFill>
+              </a:rPr>
+              <a:t>Station2_Select_Test – P5.6 – PIN 82</a:t>
+            </a:r>
+            <a:endParaRPr lang="en-IN" sz="1200" dirty="0">
+              <a:solidFill>
+                <a:srgbClr val="FF0000"/>
+              </a:solidFill>
+            </a:endParaRPr>
+          </a:p>
+        </p:txBody>
+      </p:sp>
+      <p:sp>
+        <p:nvSpPr>
+          <p:cNvPr id="23" name="Right Arrow 22"/>
+          <p:cNvSpPr/>
+          <p:nvPr/>
+        </p:nvSpPr>
+        <p:spPr>
+          <a:xfrm flipH="1">
+            <a:off x="7164288" y="4712775"/>
+            <a:ext cx="2703512" cy="144016"/>
+          </a:xfrm>
+          <a:prstGeom prst="rightArrow">
+            <a:avLst>
+              <a:gd name="adj1" fmla="val 100000"/>
+              <a:gd name="adj2" fmla="val 43701"/>
+            </a:avLst>
+          </a:prstGeom>
+          <a:ln/>
+        </p:spPr>
+        <p:style>
+          <a:lnRef idx="2">
+            <a:schemeClr val="accent6"/>
+          </a:lnRef>
+          <a:fillRef idx="1">
+            <a:schemeClr val="lt1"/>
+          </a:fillRef>
+          <a:effectRef idx="0">
+            <a:schemeClr val="accent6"/>
+          </a:effectRef>
+          <a:fontRef idx="minor">
+            <a:schemeClr val="dk1"/>
+          </a:fontRef>
+        </p:style>
+        <p:txBody>
+          <a:bodyPr rtlCol="0" anchor="ctr"/>
+          <a:lstStyle/>
+          <a:p>
+            <a:pPr algn="ctr"/>
+            <a:r>
+              <a:rPr lang="en-GB" sz="1200" dirty="0">
+                <a:solidFill>
+                  <a:srgbClr val="FF0000"/>
+                </a:solidFill>
+              </a:rPr>
+              <a:t>Station4_Select_Test – P7.6 – PIN 94</a:t>
+            </a:r>
+            <a:endParaRPr lang="en-IN" sz="1200" dirty="0">
+              <a:solidFill>
+                <a:srgbClr val="FF0000"/>
+              </a:solidFill>
+            </a:endParaRPr>
+          </a:p>
+        </p:txBody>
+      </p:sp>
+      <p:sp>
+        <p:nvSpPr>
+          <p:cNvPr id="24" name="Oval 23"/>
+          <p:cNvSpPr/>
+          <p:nvPr/>
+        </p:nvSpPr>
+        <p:spPr>
+          <a:xfrm>
+            <a:off x="3635896" y="3821435"/>
+            <a:ext cx="108420" cy="111621"/>
+          </a:xfrm>
+          <a:prstGeom prst="ellipse">
+            <a:avLst/>
+          </a:prstGeom>
+          <a:ln/>
+        </p:spPr>
+        <p:style>
+          <a:lnRef idx="2">
+            <a:schemeClr val="accent6"/>
+          </a:lnRef>
+          <a:fillRef idx="1">
+            <a:schemeClr val="lt1"/>
+          </a:fillRef>
+          <a:effectRef idx="0">
+            <a:schemeClr val="accent6"/>
+          </a:effectRef>
+          <a:fontRef idx="minor">
+            <a:schemeClr val="dk1"/>
+          </a:fontRef>
+        </p:style>
+        <p:txBody>
+          <a:bodyPr rtlCol="0" anchor="ctr"/>
+          <a:lstStyle/>
+          <a:p>
+            <a:pPr algn="ctr"/>
+            <a:r>
+              <a:rPr lang="en-GB" dirty="0" smtClean="0"/>
+              <a:t> </a:t>
+            </a:r>
+            <a:endParaRPr lang="en-IN" dirty="0"/>
+          </a:p>
+        </p:txBody>
+      </p:sp>
+      <p:sp>
+        <p:nvSpPr>
+          <p:cNvPr id="31" name="Oval 30"/>
+          <p:cNvSpPr/>
+          <p:nvPr/>
+        </p:nvSpPr>
+        <p:spPr>
+          <a:xfrm>
+            <a:off x="3635896" y="4005064"/>
+            <a:ext cx="108420" cy="111621"/>
+          </a:xfrm>
+          <a:prstGeom prst="ellipse">
+            <a:avLst/>
+          </a:prstGeom>
+          <a:ln/>
+        </p:spPr>
+        <p:style>
+          <a:lnRef idx="2">
+            <a:schemeClr val="accent6"/>
+          </a:lnRef>
+          <a:fillRef idx="1">
+            <a:schemeClr val="lt1"/>
+          </a:fillRef>
+          <a:effectRef idx="0">
+            <a:schemeClr val="accent6"/>
+          </a:effectRef>
+          <a:fontRef idx="minor">
+            <a:schemeClr val="dk1"/>
+          </a:fontRef>
+        </p:style>
+        <p:txBody>
+          <a:bodyPr rtlCol="0" anchor="ctr"/>
+          <a:lstStyle/>
+          <a:p>
+            <a:pPr algn="ctr"/>
+            <a:r>
+              <a:rPr lang="en-GB" dirty="0" smtClean="0"/>
+              <a:t> </a:t>
+            </a:r>
+            <a:endParaRPr lang="en-IN" dirty="0"/>
+          </a:p>
+        </p:txBody>
+      </p:sp>
+      <p:sp>
+        <p:nvSpPr>
+          <p:cNvPr id="32" name="Oval 31"/>
+          <p:cNvSpPr/>
+          <p:nvPr/>
+        </p:nvSpPr>
+        <p:spPr>
+          <a:xfrm>
+            <a:off x="5580112" y="3080682"/>
+            <a:ext cx="108420" cy="111621"/>
+          </a:xfrm>
+          <a:prstGeom prst="ellipse">
+            <a:avLst/>
+          </a:prstGeom>
+          <a:ln/>
+        </p:spPr>
+        <p:style>
+          <a:lnRef idx="2">
+            <a:schemeClr val="accent6"/>
+          </a:lnRef>
+          <a:fillRef idx="1">
+            <a:schemeClr val="lt1"/>
+          </a:fillRef>
+          <a:effectRef idx="0">
+            <a:schemeClr val="accent6"/>
+          </a:effectRef>
+          <a:fontRef idx="minor">
+            <a:schemeClr val="dk1"/>
+          </a:fontRef>
+        </p:style>
+        <p:txBody>
+          <a:bodyPr rtlCol="0" anchor="ctr"/>
+          <a:lstStyle/>
+          <a:p>
+            <a:pPr algn="ctr"/>
+            <a:r>
+              <a:rPr lang="en-GB" dirty="0" smtClean="0"/>
+              <a:t> </a:t>
+            </a:r>
+            <a:endParaRPr lang="en-IN" dirty="0"/>
+          </a:p>
+        </p:txBody>
+      </p:sp>
+      <p:sp>
+        <p:nvSpPr>
+          <p:cNvPr id="33" name="Oval 32"/>
+          <p:cNvSpPr/>
+          <p:nvPr/>
+        </p:nvSpPr>
+        <p:spPr>
+          <a:xfrm>
+            <a:off x="5580112" y="3250406"/>
+            <a:ext cx="108420" cy="111621"/>
+          </a:xfrm>
+          <a:prstGeom prst="ellipse">
+            <a:avLst/>
+          </a:prstGeom>
+          <a:ln/>
+        </p:spPr>
+        <p:style>
+          <a:lnRef idx="2">
+            <a:schemeClr val="accent6"/>
+          </a:lnRef>
+          <a:fillRef idx="1">
+            <a:schemeClr val="lt1"/>
+          </a:fillRef>
+          <a:effectRef idx="0">
+            <a:schemeClr val="accent6"/>
+          </a:effectRef>
+          <a:fontRef idx="minor">
+            <a:schemeClr val="dk1"/>
+          </a:fontRef>
+        </p:style>
+        <p:txBody>
+          <a:bodyPr rtlCol="0" anchor="ctr"/>
+          <a:lstStyle/>
+          <a:p>
+            <a:pPr algn="ctr"/>
+            <a:r>
+              <a:rPr lang="en-GB" dirty="0" smtClean="0"/>
+              <a:t> </a:t>
+            </a:r>
+            <a:endParaRPr lang="en-IN" dirty="0"/>
+          </a:p>
+        </p:txBody>
+      </p:sp>
+      <p:sp>
+        <p:nvSpPr>
+          <p:cNvPr id="34" name="Oval 33"/>
+          <p:cNvSpPr/>
+          <p:nvPr/>
+        </p:nvSpPr>
+        <p:spPr>
+          <a:xfrm>
+            <a:off x="5568014" y="5649724"/>
+            <a:ext cx="108420" cy="111621"/>
+          </a:xfrm>
+          <a:prstGeom prst="ellipse">
+            <a:avLst/>
+          </a:prstGeom>
+          <a:ln/>
+        </p:spPr>
+        <p:style>
+          <a:lnRef idx="2">
+            <a:schemeClr val="accent6"/>
+          </a:lnRef>
+          <a:fillRef idx="1">
+            <a:schemeClr val="lt1"/>
+          </a:fillRef>
+          <a:effectRef idx="0">
+            <a:schemeClr val="accent6"/>
+          </a:effectRef>
+          <a:fontRef idx="minor">
+            <a:schemeClr val="dk1"/>
+          </a:fontRef>
+        </p:style>
+        <p:txBody>
+          <a:bodyPr rtlCol="0" anchor="ctr"/>
+          <a:lstStyle/>
+          <a:p>
+            <a:pPr algn="ctr"/>
+            <a:r>
+              <a:rPr lang="en-GB" dirty="0" smtClean="0"/>
+              <a:t> </a:t>
+            </a:r>
+            <a:endParaRPr lang="en-IN" dirty="0"/>
+          </a:p>
+        </p:txBody>
+      </p:sp>
+      <p:sp>
+        <p:nvSpPr>
+          <p:cNvPr id="35" name="Oval 34"/>
+          <p:cNvSpPr/>
+          <p:nvPr/>
+        </p:nvSpPr>
+        <p:spPr>
+          <a:xfrm>
+            <a:off x="6732240" y="4725144"/>
+            <a:ext cx="108420" cy="111621"/>
+          </a:xfrm>
+          <a:prstGeom prst="ellipse">
+            <a:avLst/>
+          </a:prstGeom>
+          <a:ln/>
+        </p:spPr>
+        <p:style>
+          <a:lnRef idx="2">
+            <a:schemeClr val="accent6"/>
+          </a:lnRef>
+          <a:fillRef idx="1">
+            <a:schemeClr val="lt1"/>
+          </a:fillRef>
+          <a:effectRef idx="0">
+            <a:schemeClr val="accent6"/>
+          </a:effectRef>
+          <a:fontRef idx="minor">
+            <a:schemeClr val="dk1"/>
+          </a:fontRef>
+        </p:style>
+        <p:txBody>
+          <a:bodyPr rtlCol="0" anchor="ctr"/>
+          <a:lstStyle/>
+          <a:p>
+            <a:pPr algn="ctr"/>
+            <a:r>
+              <a:rPr lang="en-GB" dirty="0" smtClean="0"/>
+              <a:t> </a:t>
+            </a:r>
+            <a:endParaRPr lang="en-IN" dirty="0"/>
+          </a:p>
+        </p:txBody>
+      </p:sp>
+      <p:cxnSp>
+        <p:nvCxnSpPr>
+          <p:cNvPr id="36" name="Elbow Connector 35"/>
+          <p:cNvCxnSpPr>
+            <a:stCxn id="10" idx="3"/>
+            <a:endCxn id="16" idx="0"/>
+          </p:cNvCxnSpPr>
+          <p:nvPr/>
+        </p:nvCxnSpPr>
+        <p:spPr>
+          <a:xfrm>
+            <a:off x="1403648" y="333792"/>
+            <a:ext cx="3125021" cy="1616898"/>
+          </a:xfrm>
+          <a:prstGeom prst="bentConnector2">
+            <a:avLst/>
+          </a:prstGeom>
+          <a:ln>
+            <a:tailEnd type="arrow"/>
+          </a:ln>
+        </p:spPr>
+        <p:style>
+          <a:lnRef idx="2">
+            <a:schemeClr val="accent6"/>
+          </a:lnRef>
+          <a:fillRef idx="1">
+            <a:schemeClr val="lt1"/>
+          </a:fillRef>
+          <a:effectRef idx="0">
+            <a:schemeClr val="accent6"/>
+          </a:effectRef>
+          <a:fontRef idx="minor">
+            <a:schemeClr val="dk1"/>
+          </a:fontRef>
+        </p:style>
+      </p:cxnSp>
+      <p:cxnSp>
+        <p:nvCxnSpPr>
+          <p:cNvPr id="38" name="Elbow Connector 37"/>
+          <p:cNvCxnSpPr>
+            <a:stCxn id="11" idx="3"/>
+            <a:endCxn id="17" idx="0"/>
+          </p:cNvCxnSpPr>
+          <p:nvPr/>
+        </p:nvCxnSpPr>
+        <p:spPr>
+          <a:xfrm>
+            <a:off x="1403647" y="45760"/>
+            <a:ext cx="4086659" cy="1915942"/>
+          </a:xfrm>
+          <a:prstGeom prst="bentConnector2">
+            <a:avLst/>
+          </a:prstGeom>
+          <a:ln>
+            <a:tailEnd type="arrow"/>
+          </a:ln>
+        </p:spPr>
+        <p:style>
+          <a:lnRef idx="2">
+            <a:schemeClr val="accent6"/>
+          </a:lnRef>
+          <a:fillRef idx="1">
+            <a:schemeClr val="lt1"/>
+          </a:fillRef>
+          <a:effectRef idx="0">
+            <a:schemeClr val="accent6"/>
+          </a:effectRef>
+          <a:fontRef idx="minor">
+            <a:schemeClr val="dk1"/>
+          </a:fontRef>
+        </p:style>
+      </p:cxnSp>
+      <p:cxnSp>
+        <p:nvCxnSpPr>
+          <p:cNvPr id="42" name="Elbow Connector 41"/>
+          <p:cNvCxnSpPr>
+            <a:stCxn id="7" idx="3"/>
+            <a:endCxn id="4" idx="2"/>
+          </p:cNvCxnSpPr>
+          <p:nvPr/>
+        </p:nvCxnSpPr>
+        <p:spPr>
+          <a:xfrm>
+            <a:off x="1403648" y="2420888"/>
+            <a:ext cx="1080121" cy="99"/>
+          </a:xfrm>
+          <a:prstGeom prst="bentConnector3">
+            <a:avLst/>
+          </a:prstGeom>
+          <a:ln>
+            <a:tailEnd type="arrow"/>
+          </a:ln>
+        </p:spPr>
+        <p:style>
+          <a:lnRef idx="2">
+            <a:schemeClr val="accent6"/>
+          </a:lnRef>
+          <a:fillRef idx="1">
+            <a:schemeClr val="lt1"/>
+          </a:fillRef>
+          <a:effectRef idx="0">
+            <a:schemeClr val="accent6"/>
+          </a:effectRef>
+          <a:fontRef idx="minor">
+            <a:schemeClr val="dk1"/>
+          </a:fontRef>
+        </p:style>
+      </p:cxnSp>
+      <p:cxnSp>
+        <p:nvCxnSpPr>
+          <p:cNvPr id="45" name="Elbow Connector 44"/>
+          <p:cNvCxnSpPr>
+            <a:stCxn id="6" idx="3"/>
+            <a:endCxn id="13" idx="2"/>
+          </p:cNvCxnSpPr>
+          <p:nvPr/>
+        </p:nvCxnSpPr>
+        <p:spPr>
+          <a:xfrm flipV="1">
+            <a:off x="1403648" y="2581102"/>
+            <a:ext cx="1080121" cy="55810"/>
+          </a:xfrm>
+          <a:prstGeom prst="bentConnector3">
+            <a:avLst/>
+          </a:prstGeom>
+          <a:ln>
+            <a:tailEnd type="arrow"/>
+          </a:ln>
+        </p:spPr>
+        <p:style>
+          <a:lnRef idx="2">
+            <a:schemeClr val="accent6"/>
+          </a:lnRef>
+          <a:fillRef idx="1">
+            <a:schemeClr val="lt1"/>
+          </a:fillRef>
+          <a:effectRef idx="0">
+            <a:schemeClr val="accent6"/>
+          </a:effectRef>
+          <a:fontRef idx="minor">
+            <a:schemeClr val="dk1"/>
+          </a:fontRef>
+        </p:style>
+      </p:cxnSp>
+      <p:cxnSp>
+        <p:nvCxnSpPr>
+          <p:cNvPr id="49" name="Elbow Connector 48"/>
+          <p:cNvCxnSpPr>
+            <a:stCxn id="8" idx="3"/>
+            <a:endCxn id="14" idx="2"/>
+          </p:cNvCxnSpPr>
+          <p:nvPr/>
+        </p:nvCxnSpPr>
+        <p:spPr>
+          <a:xfrm>
+            <a:off x="1403648" y="4941168"/>
+            <a:ext cx="1080121" cy="34329"/>
+          </a:xfrm>
+          <a:prstGeom prst="bentConnector3">
+            <a:avLst>
+              <a:gd name="adj1" fmla="val 50000"/>
+            </a:avLst>
+          </a:prstGeom>
+          <a:ln>
+            <a:tailEnd type="arrow"/>
+          </a:ln>
+        </p:spPr>
+        <p:style>
+          <a:lnRef idx="2">
+            <a:schemeClr val="accent6"/>
+          </a:lnRef>
+          <a:fillRef idx="1">
+            <a:schemeClr val="lt1"/>
+          </a:fillRef>
+          <a:effectRef idx="0">
+            <a:schemeClr val="accent6"/>
+          </a:effectRef>
+          <a:fontRef idx="minor">
+            <a:schemeClr val="dk1"/>
+          </a:fontRef>
+        </p:style>
+      </p:cxnSp>
+      <p:cxnSp>
+        <p:nvCxnSpPr>
+          <p:cNvPr id="52" name="Elbow Connector 51"/>
+          <p:cNvCxnSpPr>
+            <a:stCxn id="9" idx="3"/>
+            <a:endCxn id="15" idx="2"/>
+          </p:cNvCxnSpPr>
+          <p:nvPr/>
+        </p:nvCxnSpPr>
+        <p:spPr>
+          <a:xfrm>
+            <a:off x="1403648" y="5148808"/>
+            <a:ext cx="1080120" cy="1861"/>
+          </a:xfrm>
+          <a:prstGeom prst="bentConnector3">
+            <a:avLst>
+              <a:gd name="adj1" fmla="val 50000"/>
+            </a:avLst>
+          </a:prstGeom>
+          <a:ln>
+            <a:tailEnd type="arrow"/>
+          </a:ln>
+        </p:spPr>
+        <p:style>
+          <a:lnRef idx="2">
+            <a:schemeClr val="accent6"/>
+          </a:lnRef>
+          <a:fillRef idx="1">
+            <a:schemeClr val="lt1"/>
+          </a:fillRef>
+          <a:effectRef idx="0">
+            <a:schemeClr val="accent6"/>
+          </a:effectRef>
+          <a:fontRef idx="minor">
+            <a:schemeClr val="dk1"/>
+          </a:fontRef>
+        </p:style>
+      </p:cxnSp>
+      <p:cxnSp>
+        <p:nvCxnSpPr>
+          <p:cNvPr id="54" name="Elbow Connector 53"/>
+          <p:cNvCxnSpPr>
+            <a:stCxn id="20" idx="3"/>
+            <a:endCxn id="32" idx="6"/>
+          </p:cNvCxnSpPr>
+          <p:nvPr/>
+        </p:nvCxnSpPr>
+        <p:spPr>
+          <a:xfrm rot="10800000">
+            <a:off x="5688532" y="3136494"/>
+            <a:ext cx="1475756" cy="16197"/>
+          </a:xfrm>
+          <a:prstGeom prst="bentConnector3">
+            <a:avLst/>
+          </a:prstGeom>
+          <a:ln>
+            <a:tailEnd type="arrow"/>
+          </a:ln>
+        </p:spPr>
+        <p:style>
+          <a:lnRef idx="2">
+            <a:schemeClr val="accent6"/>
+          </a:lnRef>
+          <a:fillRef idx="1">
+            <a:schemeClr val="lt1"/>
+          </a:fillRef>
+          <a:effectRef idx="0">
+            <a:schemeClr val="accent6"/>
+          </a:effectRef>
+          <a:fontRef idx="minor">
+            <a:schemeClr val="dk1"/>
+          </a:fontRef>
+        </p:style>
+      </p:cxnSp>
+      <p:cxnSp>
+        <p:nvCxnSpPr>
+          <p:cNvPr id="56" name="Elbow Connector 55"/>
+          <p:cNvCxnSpPr>
+            <a:stCxn id="21" idx="3"/>
+            <a:endCxn id="33" idx="6"/>
+          </p:cNvCxnSpPr>
+          <p:nvPr/>
+        </p:nvCxnSpPr>
+        <p:spPr>
+          <a:xfrm rot="10800000" flipV="1">
+            <a:off x="5688532" y="3305089"/>
+            <a:ext cx="1475756" cy="1127"/>
+          </a:xfrm>
+          <a:prstGeom prst="bentConnector3">
+            <a:avLst/>
+          </a:prstGeom>
+          <a:ln>
+            <a:tailEnd type="arrow"/>
+          </a:ln>
+        </p:spPr>
+        <p:style>
+          <a:lnRef idx="2">
+            <a:schemeClr val="accent6"/>
+          </a:lnRef>
+          <a:fillRef idx="1">
+            <a:schemeClr val="lt1"/>
+          </a:fillRef>
+          <a:effectRef idx="0">
+            <a:schemeClr val="accent6"/>
+          </a:effectRef>
+          <a:fontRef idx="minor">
+            <a:schemeClr val="dk1"/>
+          </a:fontRef>
+        </p:style>
+      </p:cxnSp>
+      <p:cxnSp>
+        <p:nvCxnSpPr>
+          <p:cNvPr id="58" name="Elbow Connector 57"/>
+          <p:cNvCxnSpPr>
+            <a:stCxn id="18" idx="3"/>
+            <a:endCxn id="24" idx="6"/>
+          </p:cNvCxnSpPr>
+          <p:nvPr/>
+        </p:nvCxnSpPr>
+        <p:spPr>
+          <a:xfrm rot="10800000" flipV="1">
+            <a:off x="3744316" y="3861048"/>
+            <a:ext cx="3419972" cy="16198"/>
+          </a:xfrm>
+          <a:prstGeom prst="bentConnector3">
+            <a:avLst/>
+          </a:prstGeom>
+          <a:ln>
+            <a:tailEnd type="arrow"/>
+          </a:ln>
+        </p:spPr>
+        <p:style>
+          <a:lnRef idx="2">
+            <a:schemeClr val="accent6"/>
+          </a:lnRef>
+          <a:fillRef idx="1">
+            <a:schemeClr val="lt1"/>
+          </a:fillRef>
+          <a:effectRef idx="0">
+            <a:schemeClr val="accent6"/>
+          </a:effectRef>
+          <a:fontRef idx="minor">
+            <a:schemeClr val="dk1"/>
+          </a:fontRef>
+        </p:style>
+      </p:cxnSp>
+      <p:cxnSp>
+        <p:nvCxnSpPr>
+          <p:cNvPr id="60" name="Elbow Connector 59"/>
+          <p:cNvCxnSpPr>
+            <a:stCxn id="19" idx="3"/>
+            <a:endCxn id="31" idx="6"/>
+          </p:cNvCxnSpPr>
+          <p:nvPr/>
+        </p:nvCxnSpPr>
+        <p:spPr>
+          <a:xfrm rot="10800000">
+            <a:off x="3744316" y="4060876"/>
+            <a:ext cx="3419972" cy="16197"/>
+          </a:xfrm>
+          <a:prstGeom prst="bentConnector3">
+            <a:avLst/>
+          </a:prstGeom>
+          <a:ln>
+            <a:tailEnd type="arrow"/>
+          </a:ln>
+        </p:spPr>
+        <p:style>
+          <a:lnRef idx="2">
+            <a:schemeClr val="accent6"/>
+          </a:lnRef>
+          <a:fillRef idx="1">
+            <a:schemeClr val="lt1"/>
+          </a:fillRef>
+          <a:effectRef idx="0">
+            <a:schemeClr val="accent6"/>
+          </a:effectRef>
+          <a:fontRef idx="minor">
+            <a:schemeClr val="dk1"/>
+          </a:fontRef>
+        </p:style>
+      </p:cxnSp>
+      <p:cxnSp>
+        <p:nvCxnSpPr>
+          <p:cNvPr id="62" name="Elbow Connector 61"/>
+          <p:cNvCxnSpPr>
+            <a:stCxn id="23" idx="3"/>
+            <a:endCxn id="35" idx="6"/>
+          </p:cNvCxnSpPr>
+          <p:nvPr/>
+        </p:nvCxnSpPr>
+        <p:spPr>
+          <a:xfrm rot="10800000">
+            <a:off x="6840660" y="4780955"/>
+            <a:ext cx="323628" cy="3828"/>
+          </a:xfrm>
+          <a:prstGeom prst="bentConnector3">
+            <a:avLst/>
+          </a:prstGeom>
+          <a:ln>
+            <a:tailEnd type="arrow"/>
+          </a:ln>
+        </p:spPr>
+        <p:style>
+          <a:lnRef idx="2">
+            <a:schemeClr val="accent6"/>
+          </a:lnRef>
+          <a:fillRef idx="1">
+            <a:schemeClr val="lt1"/>
+          </a:fillRef>
+          <a:effectRef idx="0">
+            <a:schemeClr val="accent6"/>
+          </a:effectRef>
+          <a:fontRef idx="minor">
+            <a:schemeClr val="dk1"/>
+          </a:fontRef>
+        </p:style>
+      </p:cxnSp>
+      <p:cxnSp>
+        <p:nvCxnSpPr>
+          <p:cNvPr id="1024" name="Elbow Connector 1023"/>
+          <p:cNvCxnSpPr>
+            <a:stCxn id="22" idx="3"/>
+            <a:endCxn id="34" idx="6"/>
+          </p:cNvCxnSpPr>
+          <p:nvPr/>
+        </p:nvCxnSpPr>
+        <p:spPr>
+          <a:xfrm rot="10800000" flipV="1">
+            <a:off x="5676434" y="5705533"/>
+            <a:ext cx="1487854" cy="1"/>
+          </a:xfrm>
+          <a:prstGeom prst="bentConnector3">
+            <a:avLst/>
+          </a:prstGeom>
+          <a:ln>
+            <a:tailEnd type="arrow"/>
+          </a:ln>
+        </p:spPr>
+        <p:style>
+          <a:lnRef idx="2">
+            <a:schemeClr val="accent6"/>
+          </a:lnRef>
+          <a:fillRef idx="1">
+            <a:schemeClr val="lt1"/>
+          </a:fillRef>
+          <a:effectRef idx="0">
+            <a:schemeClr val="accent6"/>
+          </a:effectRef>
+          <a:fontRef idx="minor">
+            <a:schemeClr val="dk1"/>
+          </a:fontRef>
+        </p:style>
+      </p:cxnSp>
+      <p:sp>
+        <p:nvSpPr>
+          <p:cNvPr id="1028" name="TextBox 1027"/>
+          <p:cNvSpPr txBox="1"/>
+          <p:nvPr/>
+        </p:nvSpPr>
+        <p:spPr>
+          <a:xfrm>
+            <a:off x="6426410" y="1419536"/>
+            <a:ext cx="2376263" cy="923330"/>
+          </a:xfrm>
+          <a:prstGeom prst="rect">
+            <a:avLst/>
+          </a:prstGeom>
+        </p:spPr>
+        <p:style>
+          <a:lnRef idx="1">
+            <a:schemeClr val="accent2"/>
+          </a:lnRef>
+          <a:fillRef idx="3">
+            <a:schemeClr val="accent2"/>
+          </a:fillRef>
+          <a:effectRef idx="2">
+            <a:schemeClr val="accent2"/>
+          </a:effectRef>
+          <a:fontRef idx="minor">
+            <a:schemeClr val="lt1"/>
+          </a:fontRef>
+        </p:style>
+        <p:txBody>
+          <a:bodyPr wrap="square" rtlCol="0">
+            <a:spAutoFit/>
+          </a:bodyPr>
+          <a:lstStyle/>
+          <a:p>
+            <a:r>
+              <a:rPr lang="en-GB" dirty="0" smtClean="0"/>
+              <a:t>Terminal connectors are not equal to the printed numbers</a:t>
+            </a:r>
+            <a:endParaRPr lang="en-IN" dirty="0"/>
+          </a:p>
+        </p:txBody>
+      </p:sp>
+    </p:spTree>
+    <p:extLst>
+      <p:ext uri="{BB962C8B-B14F-4D97-AF65-F5344CB8AC3E}">
+        <p14:creationId xmlns:p14="http://schemas.microsoft.com/office/powerpoint/2010/main" val="1525066970"/>
+      </p:ext>
+    </p:extLst>
+  </p:cSld>
+  <p:clrMapOvr>
+    <a:masterClrMapping/>
+  </p:clrMapOvr>
+</p:sld>
+</file>
+
+<file path=ppt/slides/slide17.xml><?xml version="1.0" encoding="utf-8"?>
+<p:sld xmlns:a="http://schemas.openxmlformats.org/drawingml/2006/main" xmlns:r="http://schemas.openxmlformats.org/officeDocument/2006/relationships" xmlns:p="http://schemas.openxmlformats.org/presentationml/2006/main">
+  <p:cSld>
+    <p:spTree>
+      <p:nvGrpSpPr>
+        <p:cNvPr id="1" name=""/>
+        <p:cNvGrpSpPr/>
+        <p:nvPr/>
+      </p:nvGrpSpPr>
+      <p:grpSpPr>
+        <a:xfrm>
+          <a:off x="0" y="0"/>
+          <a:ext cx="0" cy="0"/>
+          <a:chOff x="0" y="0"/>
+          <a:chExt cx="0" cy="0"/>
+        </a:xfrm>
+      </p:grpSpPr>
+      <p:pic>
+        <p:nvPicPr>
+          <p:cNvPr id="2050" name="Picture 2"/>
+          <p:cNvPicPr>
+            <a:picLocks noChangeAspect="1" noChangeArrowheads="1"/>
+          </p:cNvPicPr>
+          <p:nvPr/>
+        </p:nvPicPr>
+        <p:blipFill>
+          <a:blip r:embed="rId2">
+            <a:extLst>
+              <a:ext uri="{28A0092B-C50C-407E-A947-70E740481C1C}">
+                <a14:useLocalDpi xmlns:a14="http://schemas.microsoft.com/office/drawing/2010/main" val="0"/>
+              </a:ext>
+            </a:extLst>
+          </a:blip>
+          <a:srcRect/>
+          <a:stretch>
+            <a:fillRect/>
+          </a:stretch>
+        </p:blipFill>
+        <p:spPr bwMode="auto">
+          <a:xfrm>
+            <a:off x="304800" y="0"/>
+            <a:ext cx="8534400" cy="9334500"/>
+          </a:xfrm>
+          <a:prstGeom prst="rect">
+            <a:avLst/>
+          </a:prstGeom>
+          <a:ln/>
+          <a:extLst>
+            <a:ext uri="{909E8E84-426E-40DD-AFC4-6F175D3DCCD1}">
+              <a14:hiddenFill xmlns:a14="http://schemas.microsoft.com/office/drawing/2010/main">
+                <a:solidFill>
+                  <a:schemeClr val="accent1"/>
+                </a:solidFill>
+              </a14:hiddenFill>
+            </a:ext>
+            <a:ext uri="{91240B29-F687-4F45-9708-019B960494DF}">
+              <a14:hiddenLine xmlns:a14="http://schemas.microsoft.com/office/drawing/2010/main" w="9525">
+                <a:solidFill>
+                  <a:schemeClr val="tx1"/>
+                </a:solidFill>
+                <a:miter lim="800000"/>
+                <a:headEnd/>
+                <a:tailEnd/>
+              </a14:hiddenLine>
+            </a:ext>
+          </a:extLst>
+        </p:spPr>
+      </p:pic>
+      <p:sp>
+        <p:nvSpPr>
+          <p:cNvPr id="5" name="Right Arrow 4"/>
+          <p:cNvSpPr/>
+          <p:nvPr/>
+        </p:nvSpPr>
+        <p:spPr>
+          <a:xfrm flipH="1">
+            <a:off x="1403648" y="4136886"/>
+            <a:ext cx="1296144" cy="165224"/>
+          </a:xfrm>
+          <a:prstGeom prst="rightArrow">
+            <a:avLst>
+              <a:gd name="adj1" fmla="val 100000"/>
+              <a:gd name="adj2" fmla="val 43701"/>
+            </a:avLst>
+          </a:prstGeom>
+          <a:ln/>
+        </p:spPr>
+        <p:style>
+          <a:lnRef idx="2">
+            <a:schemeClr val="accent6"/>
+          </a:lnRef>
+          <a:fillRef idx="1">
+            <a:schemeClr val="lt1"/>
+          </a:fillRef>
+          <a:effectRef idx="0">
+            <a:schemeClr val="accent6"/>
+          </a:effectRef>
+          <a:fontRef idx="minor">
+            <a:schemeClr val="dk1"/>
+          </a:fontRef>
+        </p:style>
+        <p:txBody>
+          <a:bodyPr rtlCol="0" anchor="ctr"/>
+          <a:lstStyle/>
+          <a:p>
+            <a:pPr algn="ctr"/>
+            <a:r>
+              <a:rPr lang="en-GB" sz="700" dirty="0">
+                <a:solidFill>
+                  <a:srgbClr val="FF0000"/>
+                </a:solidFill>
+              </a:rPr>
+              <a:t>Station1_TTA – P0.5 – PIN 6</a:t>
+            </a:r>
+            <a:endParaRPr lang="en-IN" sz="700" dirty="0">
+              <a:solidFill>
+                <a:srgbClr val="FF0000"/>
+              </a:solidFill>
+            </a:endParaRPr>
+          </a:p>
+        </p:txBody>
+      </p:sp>
+      <p:sp>
+        <p:nvSpPr>
+          <p:cNvPr id="6" name="Right Arrow 5"/>
+          <p:cNvSpPr/>
+          <p:nvPr/>
+        </p:nvSpPr>
+        <p:spPr>
+          <a:xfrm flipH="1">
+            <a:off x="1403648" y="4364444"/>
+            <a:ext cx="1296144" cy="165224"/>
+          </a:xfrm>
+          <a:prstGeom prst="rightArrow">
+            <a:avLst>
+              <a:gd name="adj1" fmla="val 100000"/>
+              <a:gd name="adj2" fmla="val 43701"/>
+            </a:avLst>
+          </a:prstGeom>
+          <a:ln/>
+        </p:spPr>
+        <p:style>
+          <a:lnRef idx="2">
+            <a:schemeClr val="accent6"/>
+          </a:lnRef>
+          <a:fillRef idx="1">
+            <a:schemeClr val="lt1"/>
+          </a:fillRef>
+          <a:effectRef idx="0">
+            <a:schemeClr val="accent6"/>
+          </a:effectRef>
+          <a:fontRef idx="minor">
+            <a:schemeClr val="dk1"/>
+          </a:fontRef>
+        </p:style>
+        <p:txBody>
+          <a:bodyPr rtlCol="0" anchor="ctr"/>
+          <a:lstStyle/>
+          <a:p>
+            <a:pPr algn="ctr"/>
+            <a:r>
+              <a:rPr lang="en-GB" sz="700" dirty="0">
+                <a:solidFill>
+                  <a:srgbClr val="FF0000"/>
+                </a:solidFill>
+              </a:rPr>
+              <a:t>Station1_TTB – P0.6 – PIN </a:t>
+            </a:r>
+            <a:r>
+              <a:rPr lang="en-GB" sz="700" dirty="0" smtClean="0">
+                <a:solidFill>
+                  <a:srgbClr val="FF0000"/>
+                </a:solidFill>
+              </a:rPr>
+              <a:t>7</a:t>
+            </a:r>
+            <a:endParaRPr lang="en-IN" sz="700" dirty="0">
+              <a:solidFill>
+                <a:srgbClr val="FF0000"/>
+              </a:solidFill>
+            </a:endParaRPr>
+          </a:p>
+        </p:txBody>
+      </p:sp>
+      <p:sp>
+        <p:nvSpPr>
+          <p:cNvPr id="7" name="Right Arrow 6"/>
+          <p:cNvSpPr/>
+          <p:nvPr/>
+        </p:nvSpPr>
+        <p:spPr>
+          <a:xfrm flipH="1">
+            <a:off x="1348034" y="7502976"/>
+            <a:ext cx="1351757" cy="144016"/>
+          </a:xfrm>
+          <a:prstGeom prst="rightArrow">
+            <a:avLst>
+              <a:gd name="adj1" fmla="val 100000"/>
+              <a:gd name="adj2" fmla="val 43701"/>
+            </a:avLst>
+          </a:prstGeom>
+          <a:ln/>
+        </p:spPr>
+        <p:style>
+          <a:lnRef idx="2">
+            <a:schemeClr val="accent6"/>
+          </a:lnRef>
+          <a:fillRef idx="1">
+            <a:schemeClr val="lt1"/>
+          </a:fillRef>
+          <a:effectRef idx="0">
+            <a:schemeClr val="accent6"/>
+          </a:effectRef>
+          <a:fontRef idx="minor">
+            <a:schemeClr val="dk1"/>
+          </a:fontRef>
+        </p:style>
+        <p:txBody>
+          <a:bodyPr rtlCol="0" anchor="ctr"/>
+          <a:lstStyle/>
+          <a:p>
+            <a:pPr algn="ctr"/>
+            <a:r>
+              <a:rPr lang="en-GB" sz="700" dirty="0">
+                <a:solidFill>
+                  <a:srgbClr val="FF0000"/>
+                </a:solidFill>
+              </a:rPr>
+              <a:t>Station3_TTA – P2.5 – PIN 18</a:t>
+            </a:r>
+            <a:endParaRPr lang="en-IN" sz="700" dirty="0">
+              <a:solidFill>
+                <a:srgbClr val="FF0000"/>
+              </a:solidFill>
+            </a:endParaRPr>
+          </a:p>
+        </p:txBody>
+      </p:sp>
+      <p:sp>
+        <p:nvSpPr>
+          <p:cNvPr id="8" name="Right Arrow 7"/>
+          <p:cNvSpPr/>
+          <p:nvPr/>
+        </p:nvSpPr>
+        <p:spPr>
+          <a:xfrm flipH="1">
+            <a:off x="1348034" y="7726620"/>
+            <a:ext cx="1351757" cy="144016"/>
+          </a:xfrm>
+          <a:prstGeom prst="rightArrow">
+            <a:avLst>
+              <a:gd name="adj1" fmla="val 100000"/>
+              <a:gd name="adj2" fmla="val 43701"/>
+            </a:avLst>
+          </a:prstGeom>
+          <a:ln/>
+        </p:spPr>
+        <p:style>
+          <a:lnRef idx="2">
+            <a:schemeClr val="accent6"/>
+          </a:lnRef>
+          <a:fillRef idx="1">
+            <a:schemeClr val="lt1"/>
+          </a:fillRef>
+          <a:effectRef idx="0">
+            <a:schemeClr val="accent6"/>
+          </a:effectRef>
+          <a:fontRef idx="minor">
+            <a:schemeClr val="dk1"/>
+          </a:fontRef>
+        </p:style>
+        <p:txBody>
+          <a:bodyPr rtlCol="0" anchor="ctr"/>
+          <a:lstStyle/>
+          <a:p>
+            <a:pPr algn="ctr"/>
+            <a:r>
+              <a:rPr lang="en-GB" sz="700" dirty="0">
+                <a:solidFill>
+                  <a:srgbClr val="FF0000"/>
+                </a:solidFill>
+              </a:rPr>
+              <a:t>Station3_TTB – P2.6 – PIN 19</a:t>
+            </a:r>
+            <a:endParaRPr lang="en-IN" sz="700" dirty="0">
+              <a:solidFill>
+                <a:srgbClr val="FF0000"/>
+              </a:solidFill>
+            </a:endParaRPr>
+          </a:p>
+        </p:txBody>
+      </p:sp>
+      <p:sp>
+        <p:nvSpPr>
+          <p:cNvPr id="9" name="Right Arrow 8"/>
+          <p:cNvSpPr/>
+          <p:nvPr/>
+        </p:nvSpPr>
+        <p:spPr>
+          <a:xfrm flipH="1">
+            <a:off x="4716016" y="4272508"/>
+            <a:ext cx="1800200" cy="144016"/>
+          </a:xfrm>
+          <a:prstGeom prst="rightArrow">
+            <a:avLst>
+              <a:gd name="adj1" fmla="val 100000"/>
+              <a:gd name="adj2" fmla="val 43701"/>
+            </a:avLst>
+          </a:prstGeom>
+          <a:ln/>
+        </p:spPr>
+        <p:style>
+          <a:lnRef idx="2">
+            <a:schemeClr val="accent6"/>
+          </a:lnRef>
+          <a:fillRef idx="1">
+            <a:schemeClr val="lt1"/>
+          </a:fillRef>
+          <a:effectRef idx="0">
+            <a:schemeClr val="accent6"/>
+          </a:effectRef>
+          <a:fontRef idx="minor">
+            <a:schemeClr val="dk1"/>
+          </a:fontRef>
+        </p:style>
+        <p:txBody>
+          <a:bodyPr rtlCol="0" anchor="ctr"/>
+          <a:lstStyle/>
+          <a:p>
+            <a:pPr algn="ctr"/>
+            <a:r>
+              <a:rPr lang="en-GB" sz="700" dirty="0">
+                <a:solidFill>
+                  <a:srgbClr val="FF0000"/>
+                </a:solidFill>
+              </a:rPr>
+              <a:t>Station1_Select_Test – P4.6 – PIN 32</a:t>
+            </a:r>
+            <a:endParaRPr lang="en-IN" sz="700" dirty="0">
+              <a:solidFill>
+                <a:srgbClr val="FF0000"/>
+              </a:solidFill>
+            </a:endParaRPr>
+          </a:p>
+        </p:txBody>
+      </p:sp>
+      <p:sp>
+        <p:nvSpPr>
+          <p:cNvPr id="10" name="Right Arrow 9"/>
+          <p:cNvSpPr/>
+          <p:nvPr/>
+        </p:nvSpPr>
+        <p:spPr>
+          <a:xfrm flipH="1">
+            <a:off x="3380036" y="6134824"/>
+            <a:ext cx="1335980" cy="210855"/>
+          </a:xfrm>
+          <a:prstGeom prst="rightArrow">
+            <a:avLst>
+              <a:gd name="adj1" fmla="val 100000"/>
+              <a:gd name="adj2" fmla="val 43701"/>
+            </a:avLst>
+          </a:prstGeom>
+          <a:ln/>
+        </p:spPr>
+        <p:style>
+          <a:lnRef idx="2">
+            <a:schemeClr val="accent6"/>
+          </a:lnRef>
+          <a:fillRef idx="1">
+            <a:schemeClr val="lt1"/>
+          </a:fillRef>
+          <a:effectRef idx="0">
+            <a:schemeClr val="accent6"/>
+          </a:effectRef>
+          <a:fontRef idx="minor">
+            <a:schemeClr val="dk1"/>
+          </a:fontRef>
+        </p:style>
+        <p:txBody>
+          <a:bodyPr rtlCol="0" anchor="ctr"/>
+          <a:lstStyle/>
+          <a:p>
+            <a:pPr algn="ctr"/>
+            <a:r>
+              <a:rPr lang="en-GB" sz="700" dirty="0">
+                <a:solidFill>
+                  <a:srgbClr val="FF0000"/>
+                </a:solidFill>
+              </a:rPr>
+              <a:t>Station2_TTA – P1.5 – PIN 56</a:t>
+            </a:r>
+            <a:endParaRPr lang="en-IN" sz="700" dirty="0">
+              <a:solidFill>
+                <a:srgbClr val="FF0000"/>
+              </a:solidFill>
+            </a:endParaRPr>
+          </a:p>
+        </p:txBody>
+      </p:sp>
+      <p:sp>
+        <p:nvSpPr>
+          <p:cNvPr id="11" name="Right Arrow 10"/>
+          <p:cNvSpPr/>
+          <p:nvPr/>
+        </p:nvSpPr>
+        <p:spPr>
+          <a:xfrm flipH="1">
+            <a:off x="3380036" y="6358468"/>
+            <a:ext cx="1335980" cy="210855"/>
+          </a:xfrm>
+          <a:prstGeom prst="rightArrow">
+            <a:avLst>
+              <a:gd name="adj1" fmla="val 100000"/>
+              <a:gd name="adj2" fmla="val 43701"/>
+            </a:avLst>
+          </a:prstGeom>
+          <a:ln/>
+        </p:spPr>
+        <p:style>
+          <a:lnRef idx="2">
+            <a:schemeClr val="accent6"/>
+          </a:lnRef>
+          <a:fillRef idx="1">
+            <a:schemeClr val="lt1"/>
+          </a:fillRef>
+          <a:effectRef idx="0">
+            <a:schemeClr val="accent6"/>
+          </a:effectRef>
+          <a:fontRef idx="minor">
+            <a:schemeClr val="dk1"/>
+          </a:fontRef>
+        </p:style>
+        <p:txBody>
+          <a:bodyPr rtlCol="0" anchor="ctr"/>
+          <a:lstStyle/>
+          <a:p>
+            <a:pPr algn="ctr"/>
+            <a:r>
+              <a:rPr lang="en-GB" sz="700" dirty="0">
+                <a:solidFill>
+                  <a:srgbClr val="FF0000"/>
+                </a:solidFill>
+              </a:rPr>
+              <a:t>Station2_TTB – P1.6 – PIN 57</a:t>
+            </a:r>
+            <a:endParaRPr lang="en-IN" sz="700" dirty="0">
+              <a:solidFill>
+                <a:srgbClr val="FF0000"/>
+              </a:solidFill>
+            </a:endParaRPr>
+          </a:p>
+        </p:txBody>
+      </p:sp>
+      <p:sp>
+        <p:nvSpPr>
+          <p:cNvPr id="12" name="Right Arrow 11"/>
+          <p:cNvSpPr/>
+          <p:nvPr/>
+        </p:nvSpPr>
+        <p:spPr>
+          <a:xfrm flipH="1">
+            <a:off x="5616116" y="5236334"/>
+            <a:ext cx="1116124" cy="210855"/>
+          </a:xfrm>
+          <a:prstGeom prst="rightArrow">
+            <a:avLst>
+              <a:gd name="adj1" fmla="val 100000"/>
+              <a:gd name="adj2" fmla="val 43701"/>
+            </a:avLst>
+          </a:prstGeom>
+          <a:ln/>
+        </p:spPr>
+        <p:style>
+          <a:lnRef idx="2">
+            <a:schemeClr val="accent6"/>
+          </a:lnRef>
+          <a:fillRef idx="1">
+            <a:schemeClr val="lt1"/>
+          </a:fillRef>
+          <a:effectRef idx="0">
+            <a:schemeClr val="accent6"/>
+          </a:effectRef>
+          <a:fontRef idx="minor">
+            <a:schemeClr val="dk1"/>
+          </a:fontRef>
+        </p:style>
+        <p:txBody>
+          <a:bodyPr rtlCol="0" anchor="ctr"/>
+          <a:lstStyle/>
+          <a:p>
+            <a:pPr algn="ctr"/>
+            <a:r>
+              <a:rPr lang="en-GB" sz="700" dirty="0">
+                <a:solidFill>
+                  <a:srgbClr val="FF0000"/>
+                </a:solidFill>
+              </a:rPr>
+              <a:t>Station4_TTA – P3.5 – PIN 68</a:t>
+            </a:r>
+            <a:endParaRPr lang="en-IN" sz="700" dirty="0">
+              <a:solidFill>
+                <a:srgbClr val="FF0000"/>
+              </a:solidFill>
+            </a:endParaRPr>
+          </a:p>
+        </p:txBody>
+      </p:sp>
+      <p:sp>
+        <p:nvSpPr>
+          <p:cNvPr id="13" name="Right Arrow 12"/>
+          <p:cNvSpPr/>
+          <p:nvPr/>
+        </p:nvSpPr>
+        <p:spPr>
+          <a:xfrm flipH="1">
+            <a:off x="5616116" y="5450393"/>
+            <a:ext cx="1116124" cy="210855"/>
+          </a:xfrm>
+          <a:prstGeom prst="rightArrow">
+            <a:avLst>
+              <a:gd name="adj1" fmla="val 100000"/>
+              <a:gd name="adj2" fmla="val 43701"/>
+            </a:avLst>
+          </a:prstGeom>
+          <a:ln/>
+        </p:spPr>
+        <p:style>
+          <a:lnRef idx="2">
+            <a:schemeClr val="accent6"/>
+          </a:lnRef>
+          <a:fillRef idx="1">
+            <a:schemeClr val="lt1"/>
+          </a:fillRef>
+          <a:effectRef idx="0">
+            <a:schemeClr val="accent6"/>
+          </a:effectRef>
+          <a:fontRef idx="minor">
+            <a:schemeClr val="dk1"/>
+          </a:fontRef>
+        </p:style>
+        <p:txBody>
+          <a:bodyPr rtlCol="0" anchor="ctr"/>
+          <a:lstStyle/>
+          <a:p>
+            <a:pPr algn="ctr"/>
+            <a:r>
+              <a:rPr lang="en-GB" sz="700" dirty="0">
+                <a:solidFill>
+                  <a:srgbClr val="FF0000"/>
+                </a:solidFill>
+              </a:rPr>
+              <a:t>Station4_TTB – P3.6 – PIN 69</a:t>
+            </a:r>
+            <a:endParaRPr lang="en-IN" sz="700" dirty="0">
+              <a:solidFill>
+                <a:srgbClr val="FF0000"/>
+              </a:solidFill>
+            </a:endParaRPr>
+          </a:p>
+        </p:txBody>
+      </p:sp>
+      <p:sp>
+        <p:nvSpPr>
+          <p:cNvPr id="14" name="Right Arrow 13"/>
+          <p:cNvSpPr/>
+          <p:nvPr/>
+        </p:nvSpPr>
+        <p:spPr>
+          <a:xfrm flipH="1">
+            <a:off x="5616116" y="8356513"/>
+            <a:ext cx="1188132" cy="210855"/>
+          </a:xfrm>
+          <a:prstGeom prst="rightArrow">
+            <a:avLst>
+              <a:gd name="adj1" fmla="val 100000"/>
+              <a:gd name="adj2" fmla="val 43701"/>
+            </a:avLst>
+          </a:prstGeom>
+          <a:ln/>
+        </p:spPr>
+        <p:style>
+          <a:lnRef idx="2">
+            <a:schemeClr val="accent6"/>
+          </a:lnRef>
+          <a:fillRef idx="1">
+            <a:schemeClr val="lt1"/>
+          </a:fillRef>
+          <a:effectRef idx="0">
+            <a:schemeClr val="accent6"/>
+          </a:effectRef>
+          <a:fontRef idx="minor">
+            <a:schemeClr val="dk1"/>
+          </a:fontRef>
+        </p:style>
+        <p:txBody>
+          <a:bodyPr rtlCol="0" anchor="ctr"/>
+          <a:lstStyle/>
+          <a:p>
+            <a:pPr algn="ctr"/>
+            <a:r>
+              <a:rPr lang="en-GB" sz="700" dirty="0">
+                <a:solidFill>
+                  <a:srgbClr val="FF0000"/>
+                </a:solidFill>
+              </a:rPr>
+              <a:t>Station2_Select_Test – P5.6 – PIN 82</a:t>
+            </a:r>
+            <a:endParaRPr lang="en-IN" sz="700" dirty="0">
+              <a:solidFill>
+                <a:srgbClr val="FF0000"/>
+              </a:solidFill>
+            </a:endParaRPr>
+          </a:p>
+        </p:txBody>
+      </p:sp>
+      <p:sp>
+        <p:nvSpPr>
+          <p:cNvPr id="15" name="Right Arrow 14"/>
+          <p:cNvSpPr/>
+          <p:nvPr/>
+        </p:nvSpPr>
+        <p:spPr>
+          <a:xfrm flipH="1">
+            <a:off x="6021238" y="3387472"/>
+            <a:ext cx="1656184" cy="144016"/>
+          </a:xfrm>
+          <a:prstGeom prst="rightArrow">
+            <a:avLst>
+              <a:gd name="adj1" fmla="val 100000"/>
+              <a:gd name="adj2" fmla="val 43701"/>
+            </a:avLst>
+          </a:prstGeom>
+          <a:ln/>
+        </p:spPr>
+        <p:style>
+          <a:lnRef idx="2">
+            <a:schemeClr val="accent6"/>
+          </a:lnRef>
+          <a:fillRef idx="1">
+            <a:schemeClr val="lt1"/>
+          </a:fillRef>
+          <a:effectRef idx="0">
+            <a:schemeClr val="accent6"/>
+          </a:effectRef>
+          <a:fontRef idx="minor">
+            <a:schemeClr val="dk1"/>
+          </a:fontRef>
+        </p:style>
+        <p:txBody>
+          <a:bodyPr rtlCol="0" anchor="ctr"/>
+          <a:lstStyle/>
+          <a:p>
+            <a:pPr algn="ctr"/>
+            <a:r>
+              <a:rPr lang="en-GB" sz="700" dirty="0">
+                <a:solidFill>
+                  <a:srgbClr val="FF0000"/>
+                </a:solidFill>
+              </a:rPr>
+              <a:t>Station3_Select_Test – P6.6 – PIN 44</a:t>
+            </a:r>
+            <a:endParaRPr lang="en-IN" sz="700" dirty="0">
+              <a:solidFill>
+                <a:srgbClr val="FF0000"/>
+              </a:solidFill>
+            </a:endParaRPr>
+          </a:p>
+        </p:txBody>
+      </p:sp>
+      <p:sp>
+        <p:nvSpPr>
+          <p:cNvPr id="16" name="Right Arrow 15"/>
+          <p:cNvSpPr/>
+          <p:nvPr/>
+        </p:nvSpPr>
+        <p:spPr>
+          <a:xfrm flipH="1">
+            <a:off x="7388254" y="7238568"/>
+            <a:ext cx="1216194" cy="231941"/>
+          </a:xfrm>
+          <a:prstGeom prst="rightArrow">
+            <a:avLst>
+              <a:gd name="adj1" fmla="val 100000"/>
+              <a:gd name="adj2" fmla="val 43701"/>
+            </a:avLst>
+          </a:prstGeom>
+          <a:ln/>
+        </p:spPr>
+        <p:style>
+          <a:lnRef idx="2">
+            <a:schemeClr val="accent6"/>
+          </a:lnRef>
+          <a:fillRef idx="1">
+            <a:schemeClr val="lt1"/>
+          </a:fillRef>
+          <a:effectRef idx="0">
+            <a:schemeClr val="accent6"/>
+          </a:effectRef>
+          <a:fontRef idx="minor">
+            <a:schemeClr val="dk1"/>
+          </a:fontRef>
+        </p:style>
+        <p:txBody>
+          <a:bodyPr rtlCol="0" anchor="ctr"/>
+          <a:lstStyle/>
+          <a:p>
+            <a:pPr algn="ctr"/>
+            <a:r>
+              <a:rPr lang="en-GB" sz="700" dirty="0">
+                <a:solidFill>
+                  <a:srgbClr val="FF0000"/>
+                </a:solidFill>
+              </a:rPr>
+              <a:t>Station4_Select_Test – P7.6 – PIN 94</a:t>
+            </a:r>
+            <a:endParaRPr lang="en-IN" sz="700" dirty="0">
+              <a:solidFill>
+                <a:srgbClr val="FF0000"/>
+              </a:solidFill>
+            </a:endParaRPr>
+          </a:p>
+        </p:txBody>
+      </p:sp>
+    </p:spTree>
+    <p:extLst>
+      <p:ext uri="{BB962C8B-B14F-4D97-AF65-F5344CB8AC3E}">
+        <p14:creationId xmlns:p14="http://schemas.microsoft.com/office/powerpoint/2010/main" val="3256949931"/>
+      </p:ext>
+    </p:extLst>
+  </p:cSld>
+  <p:clrMapOvr>
+    <a:masterClrMapping/>
+  </p:clrMapOvr>
 </p:sld>
 </file>
 

--- a/Documentation/Legacy ALTS vs New ALTS.pptx
+++ b/Documentation/Legacy ALTS vs New ALTS.pptx
@@ -22,6 +22,8 @@
     <p:sldId id="271" r:id="rId16"/>
     <p:sldId id="272" r:id="rId17"/>
     <p:sldId id="273" r:id="rId18"/>
+    <p:sldId id="274" r:id="rId19"/>
+    <p:sldId id="275" r:id="rId20"/>
   </p:sldIdLst>
   <p:sldSz cx="9144000" cy="6858000" type="screen4x3"/>
   <p:notesSz cx="6858000" cy="9144000"/>
@@ -304,7 +306,7 @@
           <a:p>
             <a:fld id="{E990F926-FFDE-4051-869B-E2E0FCD05DBF}" type="datetimeFigureOut">
               <a:rPr lang="en-IN" smtClean="0"/>
-              <a:t>09-03-2015</a:t>
+              <a:t>04-05-2015</a:t>
             </a:fld>
             <a:endParaRPr lang="en-IN"/>
           </a:p>
@@ -474,7 +476,7 @@
           <a:p>
             <a:fld id="{E990F926-FFDE-4051-869B-E2E0FCD05DBF}" type="datetimeFigureOut">
               <a:rPr lang="en-IN" smtClean="0"/>
-              <a:t>09-03-2015</a:t>
+              <a:t>04-05-2015</a:t>
             </a:fld>
             <a:endParaRPr lang="en-IN"/>
           </a:p>
@@ -654,7 +656,7 @@
           <a:p>
             <a:fld id="{E990F926-FFDE-4051-869B-E2E0FCD05DBF}" type="datetimeFigureOut">
               <a:rPr lang="en-IN" smtClean="0"/>
-              <a:t>09-03-2015</a:t>
+              <a:t>04-05-2015</a:t>
             </a:fld>
             <a:endParaRPr lang="en-IN"/>
           </a:p>
@@ -824,7 +826,7 @@
           <a:p>
             <a:fld id="{E990F926-FFDE-4051-869B-E2E0FCD05DBF}" type="datetimeFigureOut">
               <a:rPr lang="en-IN" smtClean="0"/>
-              <a:t>09-03-2015</a:t>
+              <a:t>04-05-2015</a:t>
             </a:fld>
             <a:endParaRPr lang="en-IN"/>
           </a:p>
@@ -1070,7 +1072,7 @@
           <a:p>
             <a:fld id="{E990F926-FFDE-4051-869B-E2E0FCD05DBF}" type="datetimeFigureOut">
               <a:rPr lang="en-IN" smtClean="0"/>
-              <a:t>09-03-2015</a:t>
+              <a:t>04-05-2015</a:t>
             </a:fld>
             <a:endParaRPr lang="en-IN"/>
           </a:p>
@@ -1358,7 +1360,7 @@
           <a:p>
             <a:fld id="{E990F926-FFDE-4051-869B-E2E0FCD05DBF}" type="datetimeFigureOut">
               <a:rPr lang="en-IN" smtClean="0"/>
-              <a:t>09-03-2015</a:t>
+              <a:t>04-05-2015</a:t>
             </a:fld>
             <a:endParaRPr lang="en-IN"/>
           </a:p>
@@ -1780,7 +1782,7 @@
           <a:p>
             <a:fld id="{E990F926-FFDE-4051-869B-E2E0FCD05DBF}" type="datetimeFigureOut">
               <a:rPr lang="en-IN" smtClean="0"/>
-              <a:t>09-03-2015</a:t>
+              <a:t>04-05-2015</a:t>
             </a:fld>
             <a:endParaRPr lang="en-IN"/>
           </a:p>
@@ -1898,7 +1900,7 @@
           <a:p>
             <a:fld id="{E990F926-FFDE-4051-869B-E2E0FCD05DBF}" type="datetimeFigureOut">
               <a:rPr lang="en-IN" smtClean="0"/>
-              <a:t>09-03-2015</a:t>
+              <a:t>04-05-2015</a:t>
             </a:fld>
             <a:endParaRPr lang="en-IN"/>
           </a:p>
@@ -1993,7 +1995,7 @@
           <a:p>
             <a:fld id="{E990F926-FFDE-4051-869B-E2E0FCD05DBF}" type="datetimeFigureOut">
               <a:rPr lang="en-IN" smtClean="0"/>
-              <a:t>09-03-2015</a:t>
+              <a:t>04-05-2015</a:t>
             </a:fld>
             <a:endParaRPr lang="en-IN"/>
           </a:p>
@@ -2270,7 +2272,7 @@
           <a:p>
             <a:fld id="{E990F926-FFDE-4051-869B-E2E0FCD05DBF}" type="datetimeFigureOut">
               <a:rPr lang="en-IN" smtClean="0"/>
-              <a:t>09-03-2015</a:t>
+              <a:t>04-05-2015</a:t>
             </a:fld>
             <a:endParaRPr lang="en-IN"/>
           </a:p>
@@ -2523,7 +2525,7 @@
           <a:p>
             <a:fld id="{E990F926-FFDE-4051-869B-E2E0FCD05DBF}" type="datetimeFigureOut">
               <a:rPr lang="en-IN" smtClean="0"/>
-              <a:t>09-03-2015</a:t>
+              <a:t>04-05-2015</a:t>
             </a:fld>
             <a:endParaRPr lang="en-IN"/>
           </a:p>
@@ -2736,7 +2738,7 @@
           <a:p>
             <a:fld id="{E990F926-FFDE-4051-869B-E2E0FCD05DBF}" type="datetimeFigureOut">
               <a:rPr lang="en-IN" smtClean="0"/>
-              <a:t>09-03-2015</a:t>
+              <a:t>04-05-2015</a:t>
             </a:fld>
             <a:endParaRPr lang="en-IN"/>
           </a:p>
@@ -6943,6 +6945,1082 @@
     <p:extLst>
       <p:ext uri="{BB962C8B-B14F-4D97-AF65-F5344CB8AC3E}">
         <p14:creationId xmlns:p14="http://schemas.microsoft.com/office/powerpoint/2010/main" val="3256949931"/>
+      </p:ext>
+    </p:extLst>
+  </p:cSld>
+  <p:clrMapOvr>
+    <a:masterClrMapping/>
+  </p:clrMapOvr>
+</p:sld>
+</file>
+
+<file path=ppt/slides/slide18.xml><?xml version="1.0" encoding="utf-8"?>
+<p:sld xmlns:a="http://schemas.openxmlformats.org/drawingml/2006/main" xmlns:r="http://schemas.openxmlformats.org/officeDocument/2006/relationships" xmlns:p="http://schemas.openxmlformats.org/presentationml/2006/main">
+  <p:cSld>
+    <p:spTree>
+      <p:nvGrpSpPr>
+        <p:cNvPr id="1" name=""/>
+        <p:cNvGrpSpPr/>
+        <p:nvPr/>
+      </p:nvGrpSpPr>
+      <p:grpSpPr>
+        <a:xfrm>
+          <a:off x="0" y="0"/>
+          <a:ext cx="0" cy="0"/>
+          <a:chOff x="0" y="0"/>
+          <a:chExt cx="0" cy="0"/>
+        </a:xfrm>
+      </p:grpSpPr>
+      <p:sp>
+        <p:nvSpPr>
+          <p:cNvPr id="2" name="Title 1"/>
+          <p:cNvSpPr>
+            <a:spLocks noGrp="1"/>
+          </p:cNvSpPr>
+          <p:nvPr>
+            <p:ph type="title"/>
+          </p:nvPr>
+        </p:nvSpPr>
+        <p:spPr/>
+        <p:txBody>
+          <a:bodyPr/>
+          <a:lstStyle/>
+          <a:p>
+            <a:endParaRPr lang="en-IN"/>
+          </a:p>
+        </p:txBody>
+      </p:sp>
+      <p:sp>
+        <p:nvSpPr>
+          <p:cNvPr id="3" name="Content Placeholder 2"/>
+          <p:cNvSpPr>
+            <a:spLocks noGrp="1"/>
+          </p:cNvSpPr>
+          <p:nvPr>
+            <p:ph idx="1"/>
+          </p:nvPr>
+        </p:nvSpPr>
+        <p:spPr/>
+        <p:txBody>
+          <a:bodyPr/>
+          <a:lstStyle/>
+          <a:p>
+            <a:endParaRPr lang="en-IN"/>
+          </a:p>
+        </p:txBody>
+      </p:sp>
+    </p:spTree>
+    <p:extLst>
+      <p:ext uri="{BB962C8B-B14F-4D97-AF65-F5344CB8AC3E}">
+        <p14:creationId xmlns:p14="http://schemas.microsoft.com/office/powerpoint/2010/main" val="2233075145"/>
+      </p:ext>
+    </p:extLst>
+  </p:cSld>
+  <p:clrMapOvr>
+    <a:masterClrMapping/>
+  </p:clrMapOvr>
+</p:sld>
+</file>
+
+<file path=ppt/slides/slide19.xml><?xml version="1.0" encoding="utf-8"?>
+<p:sld xmlns:a="http://schemas.openxmlformats.org/drawingml/2006/main" xmlns:r="http://schemas.openxmlformats.org/officeDocument/2006/relationships" xmlns:p="http://schemas.openxmlformats.org/presentationml/2006/main">
+  <p:cSld>
+    <p:spTree>
+      <p:nvGrpSpPr>
+        <p:cNvPr id="1" name=""/>
+        <p:cNvGrpSpPr/>
+        <p:nvPr/>
+      </p:nvGrpSpPr>
+      <p:grpSpPr>
+        <a:xfrm>
+          <a:off x="0" y="0"/>
+          <a:ext cx="0" cy="0"/>
+          <a:chOff x="0" y="0"/>
+          <a:chExt cx="0" cy="0"/>
+        </a:xfrm>
+      </p:grpSpPr>
+      <p:sp>
+        <p:nvSpPr>
+          <p:cNvPr id="4" name="Rounded Rectangle 3"/>
+          <p:cNvSpPr/>
+          <p:nvPr/>
+        </p:nvSpPr>
+        <p:spPr>
+          <a:xfrm>
+            <a:off x="2843808" y="174131"/>
+            <a:ext cx="3528392" cy="504056"/>
+          </a:xfrm>
+          <a:prstGeom prst="roundRect">
+            <a:avLst/>
+          </a:prstGeom>
+        </p:spPr>
+        <p:style>
+          <a:lnRef idx="2">
+            <a:schemeClr val="accent5">
+              <a:shade val="50000"/>
+            </a:schemeClr>
+          </a:lnRef>
+          <a:fillRef idx="1">
+            <a:schemeClr val="accent5"/>
+          </a:fillRef>
+          <a:effectRef idx="0">
+            <a:schemeClr val="accent5"/>
+          </a:effectRef>
+          <a:fontRef idx="minor">
+            <a:schemeClr val="lt1"/>
+          </a:fontRef>
+        </p:style>
+        <p:txBody>
+          <a:bodyPr rtlCol="0" anchor="ctr"/>
+          <a:lstStyle/>
+          <a:p>
+            <a:pPr algn="ctr"/>
+            <a:r>
+              <a:rPr lang="en-GB" dirty="0" smtClean="0"/>
+              <a:t>Authentication Screen</a:t>
+            </a:r>
+            <a:endParaRPr lang="en-IN" dirty="0"/>
+          </a:p>
+        </p:txBody>
+      </p:sp>
+      <p:sp>
+        <p:nvSpPr>
+          <p:cNvPr id="5" name="Rounded Rectangle 4"/>
+          <p:cNvSpPr/>
+          <p:nvPr/>
+        </p:nvSpPr>
+        <p:spPr>
+          <a:xfrm>
+            <a:off x="2843808" y="1182242"/>
+            <a:ext cx="3528392" cy="1022621"/>
+          </a:xfrm>
+          <a:prstGeom prst="roundRect">
+            <a:avLst/>
+          </a:prstGeom>
+        </p:spPr>
+        <p:style>
+          <a:lnRef idx="3">
+            <a:schemeClr val="lt1"/>
+          </a:lnRef>
+          <a:fillRef idx="1">
+            <a:schemeClr val="accent6"/>
+          </a:fillRef>
+          <a:effectRef idx="1">
+            <a:schemeClr val="accent6"/>
+          </a:effectRef>
+          <a:fontRef idx="minor">
+            <a:schemeClr val="lt1"/>
+          </a:fontRef>
+        </p:style>
+        <p:txBody>
+          <a:bodyPr rtlCol="0" anchor="ctr"/>
+          <a:lstStyle/>
+          <a:p>
+            <a:pPr algn="ctr"/>
+            <a:r>
+              <a:rPr lang="en-GB" dirty="0" smtClean="0"/>
+              <a:t>Air Leak Test Screen</a:t>
+            </a:r>
+            <a:endParaRPr lang="en-IN" dirty="0"/>
+          </a:p>
+        </p:txBody>
+      </p:sp>
+      <p:sp>
+        <p:nvSpPr>
+          <p:cNvPr id="6" name="Rounded Rectangle 5"/>
+          <p:cNvSpPr/>
+          <p:nvPr/>
+        </p:nvSpPr>
+        <p:spPr>
+          <a:xfrm>
+            <a:off x="1349643" y="2924944"/>
+            <a:ext cx="1584176" cy="864096"/>
+          </a:xfrm>
+          <a:prstGeom prst="roundRect">
+            <a:avLst/>
+          </a:prstGeom>
+        </p:spPr>
+        <p:style>
+          <a:lnRef idx="2">
+            <a:schemeClr val="accent3">
+              <a:shade val="50000"/>
+            </a:schemeClr>
+          </a:lnRef>
+          <a:fillRef idx="1">
+            <a:schemeClr val="accent3"/>
+          </a:fillRef>
+          <a:effectRef idx="0">
+            <a:schemeClr val="accent3"/>
+          </a:effectRef>
+          <a:fontRef idx="minor">
+            <a:schemeClr val="lt1"/>
+          </a:fontRef>
+        </p:style>
+        <p:txBody>
+          <a:bodyPr rtlCol="0" anchor="ctr"/>
+          <a:lstStyle/>
+          <a:p>
+            <a:pPr algn="ctr"/>
+            <a:r>
+              <a:rPr lang="en-GB" dirty="0" smtClean="0"/>
+              <a:t>INI File Management Module</a:t>
+            </a:r>
+            <a:endParaRPr lang="en-IN" dirty="0"/>
+          </a:p>
+        </p:txBody>
+      </p:sp>
+      <p:sp>
+        <p:nvSpPr>
+          <p:cNvPr id="7" name="Rounded Rectangle 6"/>
+          <p:cNvSpPr/>
+          <p:nvPr/>
+        </p:nvSpPr>
+        <p:spPr>
+          <a:xfrm>
+            <a:off x="3581891" y="2924944"/>
+            <a:ext cx="2052228" cy="864096"/>
+          </a:xfrm>
+          <a:prstGeom prst="roundRect">
+            <a:avLst/>
+          </a:prstGeom>
+        </p:spPr>
+        <p:style>
+          <a:lnRef idx="2">
+            <a:schemeClr val="accent1">
+              <a:shade val="50000"/>
+            </a:schemeClr>
+          </a:lnRef>
+          <a:fillRef idx="1">
+            <a:schemeClr val="accent1"/>
+          </a:fillRef>
+          <a:effectRef idx="0">
+            <a:schemeClr val="accent1"/>
+          </a:effectRef>
+          <a:fontRef idx="minor">
+            <a:schemeClr val="lt1"/>
+          </a:fontRef>
+        </p:style>
+        <p:txBody>
+          <a:bodyPr rtlCol="0" anchor="ctr"/>
+          <a:lstStyle/>
+          <a:p>
+            <a:pPr algn="ctr"/>
+            <a:r>
+              <a:rPr lang="en-GB" dirty="0" smtClean="0"/>
+              <a:t>Leak Test Instrument Result Reading Module</a:t>
+            </a:r>
+            <a:endParaRPr lang="en-IN" dirty="0"/>
+          </a:p>
+        </p:txBody>
+      </p:sp>
+      <p:sp>
+        <p:nvSpPr>
+          <p:cNvPr id="8" name="Rounded Rectangle 7"/>
+          <p:cNvSpPr/>
+          <p:nvPr/>
+        </p:nvSpPr>
+        <p:spPr>
+          <a:xfrm>
+            <a:off x="6056028" y="2912368"/>
+            <a:ext cx="2052228" cy="864096"/>
+          </a:xfrm>
+          <a:prstGeom prst="roundRect">
+            <a:avLst/>
+          </a:prstGeom>
+        </p:spPr>
+        <p:style>
+          <a:lnRef idx="2">
+            <a:schemeClr val="accent1">
+              <a:shade val="50000"/>
+            </a:schemeClr>
+          </a:lnRef>
+          <a:fillRef idx="1">
+            <a:schemeClr val="accent1"/>
+          </a:fillRef>
+          <a:effectRef idx="0">
+            <a:schemeClr val="accent1"/>
+          </a:effectRef>
+          <a:fontRef idx="minor">
+            <a:schemeClr val="lt1"/>
+          </a:fontRef>
+        </p:style>
+        <p:txBody>
+          <a:bodyPr rtlCol="0" anchor="ctr"/>
+          <a:lstStyle/>
+          <a:p>
+            <a:pPr algn="ctr"/>
+            <a:r>
+              <a:rPr lang="en-GB" dirty="0" smtClean="0"/>
+              <a:t>Result DB Communication Module</a:t>
+            </a:r>
+            <a:endParaRPr lang="en-IN" dirty="0"/>
+          </a:p>
+        </p:txBody>
+      </p:sp>
+      <p:sp>
+        <p:nvSpPr>
+          <p:cNvPr id="9" name="Rounded Rectangle 8"/>
+          <p:cNvSpPr/>
+          <p:nvPr/>
+        </p:nvSpPr>
+        <p:spPr>
+          <a:xfrm>
+            <a:off x="-1757107" y="2924944"/>
+            <a:ext cx="1584176" cy="864096"/>
+          </a:xfrm>
+          <a:prstGeom prst="roundRect">
+            <a:avLst/>
+          </a:prstGeom>
+        </p:spPr>
+        <p:style>
+          <a:lnRef idx="2">
+            <a:schemeClr val="accent4">
+              <a:shade val="50000"/>
+            </a:schemeClr>
+          </a:lnRef>
+          <a:fillRef idx="1">
+            <a:schemeClr val="accent4"/>
+          </a:fillRef>
+          <a:effectRef idx="0">
+            <a:schemeClr val="accent4"/>
+          </a:effectRef>
+          <a:fontRef idx="minor">
+            <a:schemeClr val="lt1"/>
+          </a:fontRef>
+        </p:style>
+        <p:txBody>
+          <a:bodyPr rtlCol="0" anchor="ctr"/>
+          <a:lstStyle/>
+          <a:p>
+            <a:pPr algn="ctr"/>
+            <a:r>
+              <a:rPr lang="en-GB" dirty="0" smtClean="0"/>
+              <a:t>DAQ Engine</a:t>
+            </a:r>
+            <a:endParaRPr lang="en-IN" dirty="0"/>
+          </a:p>
+        </p:txBody>
+      </p:sp>
+      <p:sp>
+        <p:nvSpPr>
+          <p:cNvPr id="10" name="Rounded Rectangle 9"/>
+          <p:cNvSpPr/>
+          <p:nvPr/>
+        </p:nvSpPr>
+        <p:spPr>
+          <a:xfrm>
+            <a:off x="-2693211" y="5031178"/>
+            <a:ext cx="1584176" cy="864096"/>
+          </a:xfrm>
+          <a:prstGeom prst="roundRect">
+            <a:avLst/>
+          </a:prstGeom>
+        </p:spPr>
+        <p:style>
+          <a:lnRef idx="2">
+            <a:schemeClr val="accent4">
+              <a:shade val="50000"/>
+            </a:schemeClr>
+          </a:lnRef>
+          <a:fillRef idx="1">
+            <a:schemeClr val="accent4"/>
+          </a:fillRef>
+          <a:effectRef idx="0">
+            <a:schemeClr val="accent4"/>
+          </a:effectRef>
+          <a:fontRef idx="minor">
+            <a:schemeClr val="lt1"/>
+          </a:fontRef>
+        </p:style>
+        <p:txBody>
+          <a:bodyPr rtlCol="0" anchor="ctr"/>
+          <a:lstStyle/>
+          <a:p>
+            <a:pPr algn="ctr"/>
+            <a:r>
+              <a:rPr lang="en-GB" dirty="0" smtClean="0"/>
+              <a:t>DI Engine</a:t>
+            </a:r>
+            <a:endParaRPr lang="en-IN" dirty="0"/>
+          </a:p>
+        </p:txBody>
+      </p:sp>
+      <p:sp>
+        <p:nvSpPr>
+          <p:cNvPr id="11" name="Rounded Rectangle 10"/>
+          <p:cNvSpPr/>
+          <p:nvPr/>
+        </p:nvSpPr>
+        <p:spPr>
+          <a:xfrm>
+            <a:off x="-775457" y="5031178"/>
+            <a:ext cx="1584176" cy="864096"/>
+          </a:xfrm>
+          <a:prstGeom prst="roundRect">
+            <a:avLst/>
+          </a:prstGeom>
+        </p:spPr>
+        <p:style>
+          <a:lnRef idx="2">
+            <a:schemeClr val="accent4">
+              <a:shade val="50000"/>
+            </a:schemeClr>
+          </a:lnRef>
+          <a:fillRef idx="1">
+            <a:schemeClr val="accent4"/>
+          </a:fillRef>
+          <a:effectRef idx="0">
+            <a:schemeClr val="accent4"/>
+          </a:effectRef>
+          <a:fontRef idx="minor">
+            <a:schemeClr val="lt1"/>
+          </a:fontRef>
+        </p:style>
+        <p:txBody>
+          <a:bodyPr rtlCol="0" anchor="ctr"/>
+          <a:lstStyle/>
+          <a:p>
+            <a:pPr algn="ctr"/>
+            <a:r>
+              <a:rPr lang="en-GB" dirty="0" smtClean="0"/>
+              <a:t>DO Engine</a:t>
+            </a:r>
+            <a:endParaRPr lang="en-IN" dirty="0"/>
+          </a:p>
+        </p:txBody>
+      </p:sp>
+      <p:sp>
+        <p:nvSpPr>
+          <p:cNvPr id="12" name="Can 11"/>
+          <p:cNvSpPr/>
+          <p:nvPr/>
+        </p:nvSpPr>
+        <p:spPr>
+          <a:xfrm>
+            <a:off x="4175957" y="4761148"/>
+            <a:ext cx="864096" cy="1368152"/>
+          </a:xfrm>
+          <a:prstGeom prst="can">
+            <a:avLst/>
+          </a:prstGeom>
+        </p:spPr>
+        <p:style>
+          <a:lnRef idx="2">
+            <a:schemeClr val="accent1">
+              <a:shade val="50000"/>
+            </a:schemeClr>
+          </a:lnRef>
+          <a:fillRef idx="1">
+            <a:schemeClr val="accent1"/>
+          </a:fillRef>
+          <a:effectRef idx="0">
+            <a:schemeClr val="accent1"/>
+          </a:effectRef>
+          <a:fontRef idx="minor">
+            <a:schemeClr val="lt1"/>
+          </a:fontRef>
+        </p:style>
+        <p:txBody>
+          <a:bodyPr rtlCol="0" anchor="ctr"/>
+          <a:lstStyle/>
+          <a:p>
+            <a:pPr algn="ctr"/>
+            <a:r>
+              <a:rPr lang="en-GB" dirty="0" smtClean="0"/>
+              <a:t>MS Access DB</a:t>
+            </a:r>
+            <a:endParaRPr lang="en-IN" dirty="0"/>
+          </a:p>
+        </p:txBody>
+      </p:sp>
+      <p:sp>
+        <p:nvSpPr>
+          <p:cNvPr id="13" name="Flowchart: Stored Data 12"/>
+          <p:cNvSpPr/>
+          <p:nvPr/>
+        </p:nvSpPr>
+        <p:spPr>
+          <a:xfrm>
+            <a:off x="1349643" y="5031178"/>
+            <a:ext cx="1584176" cy="828092"/>
+          </a:xfrm>
+          <a:prstGeom prst="flowChartOnlineStorage">
+            <a:avLst/>
+          </a:prstGeom>
+        </p:spPr>
+        <p:style>
+          <a:lnRef idx="2">
+            <a:schemeClr val="accent3">
+              <a:shade val="50000"/>
+            </a:schemeClr>
+          </a:lnRef>
+          <a:fillRef idx="1">
+            <a:schemeClr val="accent3"/>
+          </a:fillRef>
+          <a:effectRef idx="0">
+            <a:schemeClr val="accent3"/>
+          </a:effectRef>
+          <a:fontRef idx="minor">
+            <a:schemeClr val="lt1"/>
+          </a:fontRef>
+        </p:style>
+        <p:txBody>
+          <a:bodyPr rtlCol="0" anchor="ctr"/>
+          <a:lstStyle/>
+          <a:p>
+            <a:pPr algn="ctr"/>
+            <a:r>
+              <a:rPr lang="en-GB" dirty="0" smtClean="0"/>
+              <a:t>INI File data</a:t>
+            </a:r>
+            <a:endParaRPr lang="en-IN" dirty="0"/>
+          </a:p>
+        </p:txBody>
+      </p:sp>
+      <p:sp>
+        <p:nvSpPr>
+          <p:cNvPr id="14" name="Can 13"/>
+          <p:cNvSpPr/>
+          <p:nvPr/>
+        </p:nvSpPr>
+        <p:spPr>
+          <a:xfrm>
+            <a:off x="7578335" y="4779150"/>
+            <a:ext cx="1548172" cy="1368152"/>
+          </a:xfrm>
+          <a:prstGeom prst="can">
+            <a:avLst/>
+          </a:prstGeom>
+        </p:spPr>
+        <p:style>
+          <a:lnRef idx="2">
+            <a:schemeClr val="accent1">
+              <a:shade val="50000"/>
+            </a:schemeClr>
+          </a:lnRef>
+          <a:fillRef idx="1">
+            <a:schemeClr val="accent1"/>
+          </a:fillRef>
+          <a:effectRef idx="0">
+            <a:schemeClr val="accent1"/>
+          </a:effectRef>
+          <a:fontRef idx="minor">
+            <a:schemeClr val="lt1"/>
+          </a:fontRef>
+        </p:style>
+        <p:txBody>
+          <a:bodyPr rtlCol="0" anchor="ctr"/>
+          <a:lstStyle/>
+          <a:p>
+            <a:pPr algn="ctr"/>
+            <a:r>
+              <a:rPr lang="en-GB" dirty="0" smtClean="0"/>
+              <a:t>SQL Server DB (EPSN)</a:t>
+            </a:r>
+            <a:endParaRPr lang="en-IN" dirty="0"/>
+          </a:p>
+        </p:txBody>
+      </p:sp>
+      <p:sp>
+        <p:nvSpPr>
+          <p:cNvPr id="15" name="Rounded Rectangle 14"/>
+          <p:cNvSpPr/>
+          <p:nvPr/>
+        </p:nvSpPr>
+        <p:spPr>
+          <a:xfrm>
+            <a:off x="8442431" y="2924944"/>
+            <a:ext cx="2052228" cy="864096"/>
+          </a:xfrm>
+          <a:prstGeom prst="roundRect">
+            <a:avLst/>
+          </a:prstGeom>
+        </p:spPr>
+        <p:style>
+          <a:lnRef idx="2">
+            <a:schemeClr val="accent1">
+              <a:shade val="50000"/>
+            </a:schemeClr>
+          </a:lnRef>
+          <a:fillRef idx="1">
+            <a:schemeClr val="accent1"/>
+          </a:fillRef>
+          <a:effectRef idx="0">
+            <a:schemeClr val="accent1"/>
+          </a:effectRef>
+          <a:fontRef idx="minor">
+            <a:schemeClr val="lt1"/>
+          </a:fontRef>
+        </p:style>
+        <p:txBody>
+          <a:bodyPr rtlCol="0" anchor="ctr"/>
+          <a:lstStyle/>
+          <a:p>
+            <a:pPr algn="ctr"/>
+            <a:r>
+              <a:rPr lang="en-GB" dirty="0" smtClean="0"/>
+              <a:t>Serial Details Communication Module</a:t>
+            </a:r>
+            <a:endParaRPr lang="en-IN" dirty="0"/>
+          </a:p>
+        </p:txBody>
+      </p:sp>
+      <p:cxnSp>
+        <p:nvCxnSpPr>
+          <p:cNvPr id="19" name="Elbow Connector 18"/>
+          <p:cNvCxnSpPr>
+            <a:stCxn id="11" idx="0"/>
+            <a:endCxn id="9" idx="2"/>
+          </p:cNvCxnSpPr>
+          <p:nvPr/>
+        </p:nvCxnSpPr>
+        <p:spPr>
+          <a:xfrm rot="16200000" flipV="1">
+            <a:off x="-1095263" y="3919284"/>
+            <a:ext cx="1242138" cy="981650"/>
+          </a:xfrm>
+          <a:prstGeom prst="bentConnector3">
+            <a:avLst/>
+          </a:prstGeom>
+          <a:ln>
+            <a:headEnd type="arrow"/>
+            <a:tailEnd type="arrow"/>
+          </a:ln>
+        </p:spPr>
+        <p:style>
+          <a:lnRef idx="1">
+            <a:schemeClr val="accent1"/>
+          </a:lnRef>
+          <a:fillRef idx="0">
+            <a:schemeClr val="accent1"/>
+          </a:fillRef>
+          <a:effectRef idx="0">
+            <a:schemeClr val="accent1"/>
+          </a:effectRef>
+          <a:fontRef idx="minor">
+            <a:schemeClr val="tx1"/>
+          </a:fontRef>
+        </p:style>
+      </p:cxnSp>
+      <p:cxnSp>
+        <p:nvCxnSpPr>
+          <p:cNvPr id="21" name="Elbow Connector 20"/>
+          <p:cNvCxnSpPr>
+            <a:stCxn id="10" idx="0"/>
+            <a:endCxn id="9" idx="2"/>
+          </p:cNvCxnSpPr>
+          <p:nvPr/>
+        </p:nvCxnSpPr>
+        <p:spPr>
+          <a:xfrm rot="5400000" flipH="1" flipV="1">
+            <a:off x="-2054140" y="3942057"/>
+            <a:ext cx="1242138" cy="936104"/>
+          </a:xfrm>
+          <a:prstGeom prst="bentConnector3">
+            <a:avLst/>
+          </a:prstGeom>
+          <a:ln>
+            <a:headEnd type="arrow"/>
+            <a:tailEnd type="arrow"/>
+          </a:ln>
+        </p:spPr>
+        <p:style>
+          <a:lnRef idx="1">
+            <a:schemeClr val="accent1"/>
+          </a:lnRef>
+          <a:fillRef idx="0">
+            <a:schemeClr val="accent1"/>
+          </a:fillRef>
+          <a:effectRef idx="0">
+            <a:schemeClr val="accent1"/>
+          </a:effectRef>
+          <a:fontRef idx="minor">
+            <a:schemeClr val="tx1"/>
+          </a:fontRef>
+        </p:style>
+      </p:cxnSp>
+      <p:cxnSp>
+        <p:nvCxnSpPr>
+          <p:cNvPr id="25" name="Straight Arrow Connector 24"/>
+          <p:cNvCxnSpPr>
+            <a:stCxn id="13" idx="0"/>
+            <a:endCxn id="6" idx="2"/>
+          </p:cNvCxnSpPr>
+          <p:nvPr/>
+        </p:nvCxnSpPr>
+        <p:spPr>
+          <a:xfrm flipV="1">
+            <a:off x="2141731" y="3789040"/>
+            <a:ext cx="0" cy="1242138"/>
+          </a:xfrm>
+          <a:prstGeom prst="straightConnector1">
+            <a:avLst/>
+          </a:prstGeom>
+          <a:ln>
+            <a:headEnd type="arrow"/>
+            <a:tailEnd type="arrow"/>
+          </a:ln>
+        </p:spPr>
+        <p:style>
+          <a:lnRef idx="1">
+            <a:schemeClr val="accent1"/>
+          </a:lnRef>
+          <a:fillRef idx="0">
+            <a:schemeClr val="accent1"/>
+          </a:fillRef>
+          <a:effectRef idx="0">
+            <a:schemeClr val="accent1"/>
+          </a:effectRef>
+          <a:fontRef idx="minor">
+            <a:schemeClr val="tx1"/>
+          </a:fontRef>
+        </p:style>
+      </p:cxnSp>
+      <p:cxnSp>
+        <p:nvCxnSpPr>
+          <p:cNvPr id="26" name="Straight Arrow Connector 25"/>
+          <p:cNvCxnSpPr>
+            <a:stCxn id="12" idx="1"/>
+            <a:endCxn id="7" idx="2"/>
+          </p:cNvCxnSpPr>
+          <p:nvPr/>
+        </p:nvCxnSpPr>
+        <p:spPr>
+          <a:xfrm flipV="1">
+            <a:off x="4608005" y="3789040"/>
+            <a:ext cx="0" cy="972108"/>
+          </a:xfrm>
+          <a:prstGeom prst="straightConnector1">
+            <a:avLst/>
+          </a:prstGeom>
+          <a:ln>
+            <a:headEnd type="arrow"/>
+            <a:tailEnd type="arrow"/>
+          </a:ln>
+        </p:spPr>
+        <p:style>
+          <a:lnRef idx="1">
+            <a:schemeClr val="accent1"/>
+          </a:lnRef>
+          <a:fillRef idx="0">
+            <a:schemeClr val="accent1"/>
+          </a:fillRef>
+          <a:effectRef idx="0">
+            <a:schemeClr val="accent1"/>
+          </a:effectRef>
+          <a:fontRef idx="minor">
+            <a:schemeClr val="tx1"/>
+          </a:fontRef>
+        </p:style>
+      </p:cxnSp>
+      <p:cxnSp>
+        <p:nvCxnSpPr>
+          <p:cNvPr id="33" name="Elbow Connector 32"/>
+          <p:cNvCxnSpPr>
+            <a:stCxn id="14" idx="1"/>
+            <a:endCxn id="15" idx="2"/>
+          </p:cNvCxnSpPr>
+          <p:nvPr/>
+        </p:nvCxnSpPr>
+        <p:spPr>
+          <a:xfrm rot="5400000" flipH="1" flipV="1">
+            <a:off x="8415428" y="3726033"/>
+            <a:ext cx="990110" cy="1116124"/>
+          </a:xfrm>
+          <a:prstGeom prst="bentConnector3">
+            <a:avLst>
+              <a:gd name="adj1" fmla="val 50000"/>
+            </a:avLst>
+          </a:prstGeom>
+          <a:ln>
+            <a:headEnd type="arrow"/>
+            <a:tailEnd type="arrow"/>
+          </a:ln>
+        </p:spPr>
+        <p:style>
+          <a:lnRef idx="1">
+            <a:schemeClr val="accent1"/>
+          </a:lnRef>
+          <a:fillRef idx="0">
+            <a:schemeClr val="accent1"/>
+          </a:fillRef>
+          <a:effectRef idx="0">
+            <a:schemeClr val="accent1"/>
+          </a:effectRef>
+          <a:fontRef idx="minor">
+            <a:schemeClr val="tx1"/>
+          </a:fontRef>
+        </p:style>
+      </p:cxnSp>
+      <p:cxnSp>
+        <p:nvCxnSpPr>
+          <p:cNvPr id="36" name="Elbow Connector 35"/>
+          <p:cNvCxnSpPr>
+            <a:stCxn id="14" idx="1"/>
+            <a:endCxn id="8" idx="2"/>
+          </p:cNvCxnSpPr>
+          <p:nvPr/>
+        </p:nvCxnSpPr>
+        <p:spPr>
+          <a:xfrm rot="16200000" flipV="1">
+            <a:off x="7215939" y="3642667"/>
+            <a:ext cx="1002686" cy="1270279"/>
+          </a:xfrm>
+          <a:prstGeom prst="bentConnector3">
+            <a:avLst>
+              <a:gd name="adj1" fmla="val 50000"/>
+            </a:avLst>
+          </a:prstGeom>
+          <a:ln>
+            <a:headEnd type="arrow"/>
+            <a:tailEnd type="arrow"/>
+          </a:ln>
+        </p:spPr>
+        <p:style>
+          <a:lnRef idx="1">
+            <a:schemeClr val="accent1"/>
+          </a:lnRef>
+          <a:fillRef idx="0">
+            <a:schemeClr val="accent1"/>
+          </a:fillRef>
+          <a:effectRef idx="0">
+            <a:schemeClr val="accent1"/>
+          </a:effectRef>
+          <a:fontRef idx="minor">
+            <a:schemeClr val="tx1"/>
+          </a:fontRef>
+        </p:style>
+      </p:cxnSp>
+      <p:cxnSp>
+        <p:nvCxnSpPr>
+          <p:cNvPr id="39" name="Straight Arrow Connector 38"/>
+          <p:cNvCxnSpPr>
+            <a:stCxn id="4" idx="2"/>
+            <a:endCxn id="5" idx="0"/>
+          </p:cNvCxnSpPr>
+          <p:nvPr/>
+        </p:nvCxnSpPr>
+        <p:spPr>
+          <a:xfrm>
+            <a:off x="4608004" y="678187"/>
+            <a:ext cx="0" cy="504055"/>
+          </a:xfrm>
+          <a:prstGeom prst="straightConnector1">
+            <a:avLst/>
+          </a:prstGeom>
+          <a:ln>
+            <a:headEnd type="arrow"/>
+            <a:tailEnd type="arrow"/>
+          </a:ln>
+        </p:spPr>
+        <p:style>
+          <a:lnRef idx="1">
+            <a:schemeClr val="accent1"/>
+          </a:lnRef>
+          <a:fillRef idx="0">
+            <a:schemeClr val="accent1"/>
+          </a:fillRef>
+          <a:effectRef idx="0">
+            <a:schemeClr val="accent1"/>
+          </a:effectRef>
+          <a:fontRef idx="minor">
+            <a:schemeClr val="tx1"/>
+          </a:fontRef>
+        </p:style>
+      </p:cxnSp>
+      <p:cxnSp>
+        <p:nvCxnSpPr>
+          <p:cNvPr id="55" name="Elbow Connector 54"/>
+          <p:cNvCxnSpPr>
+            <a:stCxn id="9" idx="0"/>
+            <a:endCxn id="5" idx="1"/>
+          </p:cNvCxnSpPr>
+          <p:nvPr/>
+        </p:nvCxnSpPr>
+        <p:spPr>
+          <a:xfrm rot="5400000" flipH="1" flipV="1">
+            <a:off x="323699" y="404836"/>
+            <a:ext cx="1231391" cy="3808827"/>
+          </a:xfrm>
+          <a:prstGeom prst="bentConnector2">
+            <a:avLst/>
+          </a:prstGeom>
+          <a:ln>
+            <a:headEnd type="arrow"/>
+            <a:tailEnd type="arrow"/>
+          </a:ln>
+        </p:spPr>
+        <p:style>
+          <a:lnRef idx="1">
+            <a:schemeClr val="accent1"/>
+          </a:lnRef>
+          <a:fillRef idx="0">
+            <a:schemeClr val="accent1"/>
+          </a:fillRef>
+          <a:effectRef idx="0">
+            <a:schemeClr val="accent1"/>
+          </a:effectRef>
+          <a:fontRef idx="minor">
+            <a:schemeClr val="tx1"/>
+          </a:fontRef>
+        </p:style>
+      </p:cxnSp>
+      <p:cxnSp>
+        <p:nvCxnSpPr>
+          <p:cNvPr id="58" name="Elbow Connector 57"/>
+          <p:cNvCxnSpPr>
+            <a:stCxn id="6" idx="0"/>
+            <a:endCxn id="5" idx="2"/>
+          </p:cNvCxnSpPr>
+          <p:nvPr/>
+        </p:nvCxnSpPr>
+        <p:spPr>
+          <a:xfrm rot="5400000" flipH="1" flipV="1">
+            <a:off x="3014827" y="1331768"/>
+            <a:ext cx="720081" cy="2466273"/>
+          </a:xfrm>
+          <a:prstGeom prst="bentConnector3">
+            <a:avLst>
+              <a:gd name="adj1" fmla="val 50000"/>
+            </a:avLst>
+          </a:prstGeom>
+          <a:ln>
+            <a:headEnd type="arrow"/>
+            <a:tailEnd type="arrow"/>
+          </a:ln>
+        </p:spPr>
+        <p:style>
+          <a:lnRef idx="1">
+            <a:schemeClr val="accent1"/>
+          </a:lnRef>
+          <a:fillRef idx="0">
+            <a:schemeClr val="accent1"/>
+          </a:fillRef>
+          <a:effectRef idx="0">
+            <a:schemeClr val="accent1"/>
+          </a:effectRef>
+          <a:fontRef idx="minor">
+            <a:schemeClr val="tx1"/>
+          </a:fontRef>
+        </p:style>
+      </p:cxnSp>
+      <p:cxnSp>
+        <p:nvCxnSpPr>
+          <p:cNvPr id="62" name="Elbow Connector 61"/>
+          <p:cNvCxnSpPr>
+            <a:stCxn id="8" idx="0"/>
+            <a:endCxn id="5" idx="2"/>
+          </p:cNvCxnSpPr>
+          <p:nvPr/>
+        </p:nvCxnSpPr>
+        <p:spPr>
+          <a:xfrm rot="16200000" flipV="1">
+            <a:off x="5491321" y="1321547"/>
+            <a:ext cx="707505" cy="2474138"/>
+          </a:xfrm>
+          <a:prstGeom prst="bentConnector3">
+            <a:avLst>
+              <a:gd name="adj1" fmla="val 50000"/>
+            </a:avLst>
+          </a:prstGeom>
+          <a:ln>
+            <a:headEnd type="arrow"/>
+            <a:tailEnd type="arrow"/>
+          </a:ln>
+        </p:spPr>
+        <p:style>
+          <a:lnRef idx="1">
+            <a:schemeClr val="accent1"/>
+          </a:lnRef>
+          <a:fillRef idx="0">
+            <a:schemeClr val="accent1"/>
+          </a:fillRef>
+          <a:effectRef idx="0">
+            <a:schemeClr val="accent1"/>
+          </a:effectRef>
+          <a:fontRef idx="minor">
+            <a:schemeClr val="tx1"/>
+          </a:fontRef>
+        </p:style>
+      </p:cxnSp>
+      <p:cxnSp>
+        <p:nvCxnSpPr>
+          <p:cNvPr id="68" name="Elbow Connector 67"/>
+          <p:cNvCxnSpPr>
+            <a:stCxn id="15" idx="0"/>
+            <a:endCxn id="5" idx="3"/>
+          </p:cNvCxnSpPr>
+          <p:nvPr/>
+        </p:nvCxnSpPr>
+        <p:spPr>
+          <a:xfrm rot="16200000" flipV="1">
+            <a:off x="7304678" y="761076"/>
+            <a:ext cx="1231391" cy="3096345"/>
+          </a:xfrm>
+          <a:prstGeom prst="bentConnector2">
+            <a:avLst/>
+          </a:prstGeom>
+          <a:ln>
+            <a:headEnd type="arrow"/>
+            <a:tailEnd type="arrow"/>
+          </a:ln>
+        </p:spPr>
+        <p:style>
+          <a:lnRef idx="1">
+            <a:schemeClr val="accent1"/>
+          </a:lnRef>
+          <a:fillRef idx="0">
+            <a:schemeClr val="accent1"/>
+          </a:fillRef>
+          <a:effectRef idx="0">
+            <a:schemeClr val="accent1"/>
+          </a:effectRef>
+          <a:fontRef idx="minor">
+            <a:schemeClr val="tx1"/>
+          </a:fontRef>
+        </p:style>
+      </p:cxnSp>
+      <p:cxnSp>
+        <p:nvCxnSpPr>
+          <p:cNvPr id="27" name="Straight Arrow Connector 26"/>
+          <p:cNvCxnSpPr>
+            <a:stCxn id="7" idx="0"/>
+            <a:endCxn id="5" idx="2"/>
+          </p:cNvCxnSpPr>
+          <p:nvPr/>
+        </p:nvCxnSpPr>
+        <p:spPr>
+          <a:xfrm flipH="1" flipV="1">
+            <a:off x="4608004" y="2204863"/>
+            <a:ext cx="1" cy="720081"/>
+          </a:xfrm>
+          <a:prstGeom prst="straightConnector1">
+            <a:avLst/>
+          </a:prstGeom>
+          <a:ln>
+            <a:headEnd type="arrow"/>
+            <a:tailEnd type="arrow"/>
+          </a:ln>
+        </p:spPr>
+        <p:style>
+          <a:lnRef idx="1">
+            <a:schemeClr val="accent1"/>
+          </a:lnRef>
+          <a:fillRef idx="0">
+            <a:schemeClr val="accent1"/>
+          </a:fillRef>
+          <a:effectRef idx="0">
+            <a:schemeClr val="accent1"/>
+          </a:effectRef>
+          <a:fontRef idx="minor">
+            <a:schemeClr val="tx1"/>
+          </a:fontRef>
+        </p:style>
+      </p:cxnSp>
+    </p:spTree>
+    <p:extLst>
+      <p:ext uri="{BB962C8B-B14F-4D97-AF65-F5344CB8AC3E}">
+        <p14:creationId xmlns:p14="http://schemas.microsoft.com/office/powerpoint/2010/main" val="1363854457"/>
       </p:ext>
     </p:extLst>
   </p:cSld>
